--- a/picture/vitrualization/vitrualization.pptx
+++ b/picture/vitrualization/vitrualization.pptx
@@ -20246,6 +20246,82 @@
           </a:p>
         </p:txBody>
       </p:sp>
+      <p:sp>
+        <p:nvSpPr>
+          <p:cNvPr id="2" name="文本框 1"/>
+          <p:cNvSpPr txBox="true"/>
+          <p:nvPr/>
+        </p:nvSpPr>
+        <p:spPr>
+          <a:xfrm>
+            <a:off x="770890" y="5056505"/>
+            <a:ext cx="4810760" cy="645160"/>
+          </a:xfrm>
+          <a:prstGeom prst="rect">
+            <a:avLst/>
+          </a:prstGeom>
+          <a:noFill/>
+        </p:spPr>
+        <p:txBody>
+          <a:bodyPr wrap="none" rtlCol="0">
+            <a:spAutoFit/>
+          </a:bodyPr>
+          <a:p>
+            <a:r>
+              <a:rPr lang="" altLang="zh-CN" b="1">
+                <a:solidFill>
+                  <a:srgbClr val="FF0000"/>
+                </a:solidFill>
+              </a:rPr>
+              <a:t>EPT</a:t>
+            </a:r>
+            <a:r>
+              <a:rPr lang="zh-CN" altLang="" b="1">
+                <a:solidFill>
+                  <a:srgbClr val="FF0000"/>
+                </a:solidFill>
+              </a:rPr>
+              <a:t>只需要维护一张</a:t>
+            </a:r>
+            <a:r>
+              <a:rPr lang="" altLang="zh-CN" b="1">
+                <a:solidFill>
+                  <a:srgbClr val="FF0000"/>
+                </a:solidFill>
+              </a:rPr>
+              <a:t>EPT</a:t>
+            </a:r>
+            <a:r>
+              <a:rPr lang="zh-CN" altLang="" b="1">
+                <a:solidFill>
+                  <a:srgbClr val="FF0000"/>
+                </a:solidFill>
+              </a:rPr>
+              <a:t>表，不像影子页表，</a:t>
+            </a:r>
+            <a:endParaRPr lang="zh-CN" altLang="" b="1">
+              <a:solidFill>
+                <a:srgbClr val="FF0000"/>
+              </a:solidFill>
+            </a:endParaRPr>
+          </a:p>
+          <a:p>
+            <a:r>
+              <a:rPr lang="zh-CN" altLang="" b="1">
+                <a:solidFill>
+                  <a:srgbClr val="FF0000"/>
+                </a:solidFill>
+              </a:rPr>
+              <a:t>需要为每一个虚拟机维护一张表。</a:t>
+            </a:r>
+            <a:endParaRPr lang="zh-CN" altLang="" b="1">
+              <a:solidFill>
+                <a:srgbClr val="FF0000"/>
+              </a:solidFill>
+            </a:endParaRPr>
+          </a:p>
+        </p:txBody>
+      </p:sp>
     </p:spTree>
   </p:cSld>
   <p:clrMapOvr>
@@ -28583,14 +28659,14 @@
             <a:p>
               <a:pPr algn="ctr"/>
               <a:r>
-                <a:rPr lang="" altLang="zh-CN" sz="1400" b="1">
+                <a:rPr lang="en-US" altLang="zh-CN" sz="1400" b="1">
                   <a:solidFill>
                     <a:srgbClr val="2C3E50"/>
                   </a:solidFill>
                 </a:rPr>
                 <a:t>linux</a:t>
               </a:r>
-              <a:endParaRPr lang="" altLang="zh-CN" sz="1400" b="1">
+              <a:endParaRPr lang="en-US" altLang="zh-CN" sz="1400" b="1">
                 <a:solidFill>
                   <a:srgbClr val="2C3E50"/>
                 </a:solidFill>
@@ -28649,14 +28725,14 @@
             <a:p>
               <a:pPr algn="ctr"/>
               <a:r>
-                <a:rPr lang="" altLang="en-US" sz="1400" b="1">
+                <a:rPr lang="en-US" altLang="en-US" sz="1400" b="1">
                   <a:solidFill>
                     <a:srgbClr val="2C3E50"/>
                   </a:solidFill>
                 </a:rPr>
                 <a:t>NIC</a:t>
               </a:r>
-              <a:endParaRPr lang="" altLang="en-US" sz="1400" b="1">
+              <a:endParaRPr lang="en-US" altLang="en-US" sz="1400" b="1">
                 <a:solidFill>
                   <a:srgbClr val="2C3E50"/>
                 </a:solidFill>
@@ -28715,14 +28791,14 @@
             <a:p>
               <a:pPr algn="ctr"/>
               <a:r>
-                <a:rPr lang="" altLang="en-US" sz="1400" b="1">
+                <a:rPr lang="en-US" altLang="en-US" sz="1400" b="1">
                   <a:solidFill>
                     <a:srgbClr val="2C3E50"/>
                   </a:solidFill>
                 </a:rPr>
                 <a:t>WEB server</a:t>
               </a:r>
-              <a:endParaRPr lang="" altLang="en-US" sz="1400" b="1">
+              <a:endParaRPr lang="en-US" altLang="en-US" sz="1400" b="1">
                 <a:solidFill>
                   <a:srgbClr val="2C3E50"/>
                 </a:solidFill>
@@ -28928,20 +29004,12 @@
             <a:p>
               <a:pPr algn="ctr"/>
               <a:r>
-                <a:rPr lang="" altLang="en-US" sz="1400" b="1">
-                  <a:solidFill>
-                    <a:srgbClr val="2C3E50"/>
-                  </a:solidFill>
-                </a:rPr>
-                <a:t>APP</a:t>
-              </a:r>
-              <a:r>
                 <a:rPr lang="en-US" altLang="en-US" sz="1400" b="1">
                   <a:solidFill>
                     <a:srgbClr val="2C3E50"/>
                   </a:solidFill>
                 </a:rPr>
-                <a:t> server</a:t>
+                <a:t>APP server</a:t>
               </a:r>
               <a:endParaRPr lang="en-US" altLang="en-US" sz="1400" b="1">
                 <a:solidFill>
@@ -29149,20 +29217,12 @@
             <a:p>
               <a:pPr algn="ctr"/>
               <a:r>
-                <a:rPr lang="" altLang="en-US" sz="1400" b="1">
-                  <a:solidFill>
-                    <a:srgbClr val="2C3E50"/>
-                  </a:solidFill>
-                </a:rPr>
-                <a:t>DB</a:t>
-              </a:r>
-              <a:r>
                 <a:rPr lang="en-US" altLang="en-US" sz="1400" b="1">
                   <a:solidFill>
                     <a:srgbClr val="2C3E50"/>
                   </a:solidFill>
                 </a:rPr>
-                <a:t> server</a:t>
+                <a:t>DB server</a:t>
               </a:r>
               <a:endParaRPr lang="en-US" altLang="en-US" sz="1400" b="1">
                 <a:solidFill>
@@ -29224,14 +29284,14 @@
           <a:p>
             <a:pPr algn="ctr"/>
             <a:r>
-              <a:rPr lang="" altLang="zh-CN" sz="1400" b="1">
+              <a:rPr lang="en-US" altLang="zh-CN" sz="1400" b="1">
                 <a:solidFill>
                   <a:srgbClr val="2C3E50"/>
                 </a:solidFill>
               </a:rPr>
               <a:t>switch</a:t>
             </a:r>
-            <a:endParaRPr lang="" altLang="zh-CN" sz="1400" b="1">
+            <a:endParaRPr lang="en-US" altLang="zh-CN" sz="1400" b="1">
               <a:solidFill>
                 <a:srgbClr val="2C3E50"/>
               </a:solidFill>
@@ -29405,7 +29465,7 @@
               <a:t>这样会存在两个问题</a:t>
             </a:r>
             <a:r>
-              <a:rPr lang="" altLang="zh-CN" sz="1400" b="1">
+              <a:rPr lang="en-US" altLang="zh-CN" sz="1400" b="1">
                 <a:solidFill>
                   <a:srgbClr val="2C3E50"/>
                 </a:solidFill>
@@ -29413,7 +29473,7 @@
               </a:rPr>
               <a:t>:</a:t>
             </a:r>
-            <a:endParaRPr lang="" altLang="zh-CN" sz="1400" b="1">
+            <a:endParaRPr lang="en-US" altLang="zh-CN" sz="1400" b="1">
               <a:solidFill>
                 <a:srgbClr val="2C3E50"/>
               </a:solidFill>
@@ -29659,7 +29719,7 @@
           <a:p>
             <a:pPr algn="ctr"/>
             <a:r>
-              <a:rPr lang="" altLang="en-US" sz="1400" b="1">
+              <a:rPr lang="en-US" altLang="en-US" sz="1400" b="1">
                 <a:solidFill>
                   <a:srgbClr val="2C3E50"/>
                 </a:solidFill>
@@ -29733,20 +29793,12 @@
           <a:p>
             <a:pPr algn="ctr"/>
             <a:r>
-              <a:rPr lang="" altLang="en-US" sz="1400" b="1">
-                <a:solidFill>
-                  <a:srgbClr val="2C3E50"/>
-                </a:solidFill>
-              </a:rPr>
-              <a:t>v</a:t>
-            </a:r>
-            <a:r>
               <a:rPr lang="en-US" altLang="en-US" sz="1400" b="1">
                 <a:solidFill>
                   <a:srgbClr val="2C3E50"/>
                 </a:solidFill>
               </a:rPr>
-              <a:t>NIC</a:t>
+              <a:t>vNIC</a:t>
             </a:r>
             <a:endParaRPr lang="en-US" altLang="en-US" sz="1400" b="1">
               <a:solidFill>
@@ -29873,7 +29925,7 @@
           <a:p>
             <a:pPr algn="ctr"/>
             <a:r>
-              <a:rPr lang="" altLang="en-US" sz="1400" b="1">
+              <a:rPr lang="en-US" altLang="en-US" sz="1400" b="1">
                 <a:solidFill>
                   <a:srgbClr val="2C3E50"/>
                 </a:solidFill>
@@ -29947,20 +29999,12 @@
           <a:p>
             <a:pPr algn="ctr"/>
             <a:r>
-              <a:rPr lang="" altLang="en-US" sz="1400" b="1">
-                <a:solidFill>
-                  <a:srgbClr val="2C3E50"/>
-                </a:solidFill>
-              </a:rPr>
-              <a:t>v</a:t>
-            </a:r>
-            <a:r>
               <a:rPr lang="en-US" altLang="en-US" sz="1400" b="1">
                 <a:solidFill>
                   <a:srgbClr val="2C3E50"/>
                 </a:solidFill>
               </a:rPr>
-              <a:t>NIC</a:t>
+              <a:t>vNIC</a:t>
             </a:r>
             <a:endParaRPr lang="en-US" altLang="en-US" sz="1400" b="1">
               <a:solidFill>
@@ -30087,7 +30131,7 @@
           <a:p>
             <a:pPr algn="ctr"/>
             <a:r>
-              <a:rPr lang="" altLang="en-US" sz="1400" b="1">
+              <a:rPr lang="en-US" altLang="en-US" sz="1400" b="1">
                 <a:solidFill>
                   <a:srgbClr val="2C3E50"/>
                 </a:solidFill>
@@ -30161,20 +30205,12 @@
           <a:p>
             <a:pPr algn="ctr"/>
             <a:r>
-              <a:rPr lang="" altLang="en-US" sz="1400" b="1">
-                <a:solidFill>
-                  <a:srgbClr val="2C3E50"/>
-                </a:solidFill>
-              </a:rPr>
-              <a:t>v</a:t>
-            </a:r>
-            <a:r>
               <a:rPr lang="en-US" altLang="en-US" sz="1400" b="1">
                 <a:solidFill>
                   <a:srgbClr val="2C3E50"/>
                 </a:solidFill>
               </a:rPr>
-              <a:t>NIC</a:t>
+              <a:t>vNIC</a:t>
             </a:r>
             <a:endParaRPr lang="en-US" altLang="en-US" sz="1400" b="1">
               <a:solidFill>
@@ -30326,14 +30362,14 @@
           </a:bodyPr>
           <a:p>
             <a:r>
-              <a:rPr lang="" altLang="zh-CN" b="1">
+              <a:rPr lang="en-US" altLang="zh-CN" b="1">
                 <a:solidFill>
                   <a:srgbClr val="2C3E50"/>
                 </a:solidFill>
               </a:rPr>
               <a:t>kvm/hypervisor</a:t>
             </a:r>
-            <a:endParaRPr lang="" altLang="zh-CN" b="1">
+            <a:endParaRPr lang="en-US" altLang="zh-CN" b="1">
               <a:solidFill>
                 <a:srgbClr val="2C3E50"/>
               </a:solidFill>
@@ -30392,7 +30428,7 @@
           <a:p>
             <a:pPr algn="ctr"/>
             <a:r>
-              <a:rPr lang="" altLang="en-US" sz="1400" b="1">
+              <a:rPr lang="en-US" altLang="en-US" sz="1400" b="1">
                 <a:solidFill>
                   <a:srgbClr val="2C3E50"/>
                 </a:solidFill>
@@ -30466,14 +30502,14 @@
           <a:p>
             <a:pPr algn="ctr"/>
             <a:r>
-              <a:rPr lang="" altLang="zh-CN" b="1">
+              <a:rPr lang="en-US" altLang="zh-CN" b="1">
                 <a:solidFill>
                   <a:srgbClr val="2C3E50"/>
                 </a:solidFill>
               </a:rPr>
               <a:t>NIC</a:t>
             </a:r>
-            <a:endParaRPr lang="" altLang="zh-CN" b="1">
+            <a:endParaRPr lang="en-US" altLang="zh-CN" b="1">
               <a:solidFill>
                 <a:srgbClr val="2C3E50"/>
               </a:solidFill>
@@ -32311,14 +32347,14 @@
           <a:p>
             <a:pPr algn="ctr"/>
             <a:r>
-              <a:rPr lang="" altLang="zh-CN" b="1">
+              <a:rPr lang="en-US" altLang="zh-CN" b="1">
                 <a:solidFill>
                   <a:srgbClr val="2C3E50"/>
                 </a:solidFill>
               </a:rPr>
               <a:t>open vSwitch</a:t>
             </a:r>
-            <a:endParaRPr lang="" altLang="zh-CN" b="1">
+            <a:endParaRPr lang="en-US" altLang="zh-CN" b="1">
               <a:solidFill>
                 <a:srgbClr val="2C3E50"/>
               </a:solidFill>

--- a/picture/vitrualization/vitrualization.pptx
+++ b/picture/vitrualization/vitrualization.pptx
@@ -8,7 +8,7 @@
     <p:notesMasterId r:id="rId36"/>
   </p:notesMasterIdLst>
   <p:handoutMasterIdLst>
-    <p:handoutMasterId r:id="rId69"/>
+    <p:handoutMasterId r:id="rId70"/>
   </p:handoutMasterIdLst>
   <p:sldIdLst>
     <p:sldId id="303" r:id="rId3"/>
@@ -62,20 +62,21 @@
     <p:sldId id="584" r:id="rId52"/>
     <p:sldId id="504" r:id="rId53"/>
     <p:sldId id="441" r:id="rId54"/>
-    <p:sldId id="442" r:id="rId55"/>
-    <p:sldId id="494" r:id="rId56"/>
-    <p:sldId id="497" r:id="rId57"/>
-    <p:sldId id="495" r:id="rId58"/>
-    <p:sldId id="496" r:id="rId59"/>
-    <p:sldId id="543" r:id="rId60"/>
-    <p:sldId id="544" r:id="rId61"/>
-    <p:sldId id="545" r:id="rId62"/>
-    <p:sldId id="546" r:id="rId63"/>
-    <p:sldId id="547" r:id="rId64"/>
-    <p:sldId id="548" r:id="rId65"/>
-    <p:sldId id="549" r:id="rId66"/>
-    <p:sldId id="550" r:id="rId67"/>
-    <p:sldId id="551" r:id="rId68"/>
+    <p:sldId id="494" r:id="rId55"/>
+    <p:sldId id="442" r:id="rId56"/>
+    <p:sldId id="601" r:id="rId57"/>
+    <p:sldId id="497" r:id="rId58"/>
+    <p:sldId id="495" r:id="rId59"/>
+    <p:sldId id="496" r:id="rId60"/>
+    <p:sldId id="543" r:id="rId61"/>
+    <p:sldId id="544" r:id="rId62"/>
+    <p:sldId id="545" r:id="rId63"/>
+    <p:sldId id="546" r:id="rId64"/>
+    <p:sldId id="547" r:id="rId65"/>
+    <p:sldId id="548" r:id="rId66"/>
+    <p:sldId id="549" r:id="rId67"/>
+    <p:sldId id="550" r:id="rId68"/>
+    <p:sldId id="551" r:id="rId69"/>
   </p:sldIdLst>
   <p:sldSz cx="6858000" cy="9903460" type="A4"/>
   <p:notesSz cx="7103745" cy="10234295"/>
@@ -25985,7 +25986,7 @@
           </a:bodyPr>
           <a:p>
             <a:r>
-              <a:rPr lang="" altLang="zh-CN" sz="1400" b="1">
+              <a:rPr lang="en-US" altLang="zh-CN" sz="1400" b="1">
                 <a:solidFill>
                   <a:srgbClr val="2C3E50"/>
                 </a:solidFill>
@@ -26447,7 +26448,7 @@
           <a:p>
             <a:pPr algn="ctr"/>
             <a:r>
-              <a:rPr lang="zh-CN" altLang="" sz="1200" b="1">
+              <a:rPr lang="zh-CN" altLang="en-US" sz="1200" b="1">
                 <a:solidFill>
                   <a:srgbClr val="2C3E50"/>
                 </a:solidFill>
@@ -26463,14 +26464,14 @@
               <a:t> </a:t>
             </a:r>
             <a:r>
-              <a:rPr lang="" altLang="en-US" sz="1200" b="1">
+              <a:rPr lang="en-US" altLang="en-US" sz="1200" b="1">
                 <a:solidFill>
                   <a:srgbClr val="2C3E50"/>
                 </a:solidFill>
               </a:rPr>
               <a:t>para-drivers</a:t>
             </a:r>
-            <a:endParaRPr lang="" altLang="en-US" sz="1200" b="1">
+            <a:endParaRPr lang="en-US" altLang="en-US" sz="1200" b="1">
               <a:solidFill>
                 <a:srgbClr val="2C3E50"/>
               </a:solidFill>
@@ -26529,7 +26530,7 @@
           <a:p>
             <a:pPr algn="ctr"/>
             <a:r>
-              <a:rPr lang="zh-CN" altLang="" sz="1200" b="1">
+              <a:rPr lang="zh-CN" altLang="en-US" sz="1200" b="1">
                 <a:solidFill>
                   <a:srgbClr val="2C3E50"/>
                 </a:solidFill>
@@ -26545,14 +26546,14 @@
               <a:t> </a:t>
             </a:r>
             <a:r>
-              <a:rPr lang="" altLang="en-US" sz="1200" b="1">
+              <a:rPr lang="en-US" altLang="en-US" sz="1200" b="1">
                 <a:solidFill>
                   <a:srgbClr val="2C3E50"/>
                 </a:solidFill>
               </a:rPr>
               <a:t>interfaces</a:t>
             </a:r>
-            <a:endParaRPr lang="" altLang="en-US" sz="1200" b="1">
+            <a:endParaRPr lang="en-US" altLang="en-US" sz="1200" b="1">
               <a:solidFill>
                 <a:srgbClr val="2C3E50"/>
               </a:solidFill>
@@ -26632,17 +26633,9 @@
                   <a:srgbClr val="2C3E50"/>
                 </a:solidFill>
               </a:rPr>
-              <a:t>para-</a:t>
-            </a:r>
-            <a:r>
-              <a:rPr lang="" altLang="en-US" sz="1200" b="1">
-                <a:solidFill>
-                  <a:srgbClr val="2C3E50"/>
-                </a:solidFill>
-              </a:rPr>
-              <a:t>device</a:t>
-            </a:r>
-            <a:endParaRPr lang="" altLang="en-US" sz="1200" b="1">
+              <a:t>para-device</a:t>
+            </a:r>
+            <a:endParaRPr lang="en-US" altLang="en-US" sz="1200" b="1">
               <a:solidFill>
                 <a:srgbClr val="2C3E50"/>
               </a:solidFill>
@@ -26717,7 +26710,7 @@
           <a:p>
             <a:pPr algn="l"/>
             <a:r>
-              <a:rPr lang="" altLang="en-US" sz="1600" b="1">
+              <a:rPr lang="en-US" altLang="en-US" sz="1600" b="1">
                 <a:solidFill>
                   <a:srgbClr val="2C3E50"/>
                 </a:solidFill>
@@ -26823,14 +26816,14 @@
               <a:t> </a:t>
             </a:r>
             <a:r>
-              <a:rPr lang="" altLang="en-US" sz="1200" b="1">
+              <a:rPr lang="en-US" altLang="en-US" sz="1200" b="1">
                 <a:solidFill>
                   <a:srgbClr val="2C3E50"/>
                 </a:solidFill>
               </a:rPr>
               <a:t>driver</a:t>
             </a:r>
-            <a:endParaRPr lang="" altLang="en-US" sz="1200" b="1">
+            <a:endParaRPr lang="en-US" altLang="en-US" sz="1200" b="1">
               <a:solidFill>
                 <a:srgbClr val="2C3E50"/>
               </a:solidFill>
@@ -30393,40 +30386,16 @@
         <p:nvPr/>
       </p:nvGrpSpPr>
       <p:grpSpPr/>
-      <p:pic>
-        <p:nvPicPr>
-          <p:cNvPr id="2" name="图片 1"/>
-          <p:cNvPicPr>
-            <a:picLocks noChangeAspect="true"/>
-          </p:cNvPicPr>
-          <p:nvPr/>
-        </p:nvPicPr>
-        <p:blipFill>
-          <a:blip r:embed="rId1"/>
-          <a:stretch>
-            <a:fillRect/>
-          </a:stretch>
-        </p:blipFill>
-        <p:spPr>
-          <a:xfrm>
-            <a:off x="375285" y="3354705"/>
-            <a:ext cx="5972175" cy="5448300"/>
-          </a:xfrm>
-          <a:prstGeom prst="rect">
-            <a:avLst/>
-          </a:prstGeom>
-        </p:spPr>
-      </p:pic>
-      <p:sp>
-        <p:nvSpPr>
-          <p:cNvPr id="3" name="文本框 2"/>
+      <p:sp>
+        <p:nvSpPr>
+          <p:cNvPr id="4" name="文本框 3"/>
           <p:cNvSpPr txBox="true"/>
           <p:nvPr/>
         </p:nvSpPr>
         <p:spPr>
           <a:xfrm>
-            <a:off x="824230" y="1269365"/>
-            <a:ext cx="4510405" cy="922020"/>
+            <a:off x="559435" y="816610"/>
+            <a:ext cx="2019300" cy="460375"/>
           </a:xfrm>
           <a:prstGeom prst="rect">
             <a:avLst/>
@@ -30439,76 +30408,765 @@
           </a:bodyPr>
           <a:p>
             <a:r>
-              <a:rPr lang="zh-CN" altLang="en-US" b="1">
-                <a:solidFill>
-                  <a:srgbClr val="2C3E50"/>
-                </a:solidFill>
-              </a:rPr>
-              <a:t>目前理解：</a:t>
-            </a:r>
-            <a:endParaRPr lang="zh-CN" altLang="en-US" b="1">
-              <a:solidFill>
-                <a:srgbClr val="2C3E50"/>
-              </a:solidFill>
-            </a:endParaRPr>
-          </a:p>
-          <a:p>
-            <a:endParaRPr lang="zh-CN" altLang="en-US" b="1">
-              <a:solidFill>
-                <a:srgbClr val="2C3E50"/>
-              </a:solidFill>
-            </a:endParaRPr>
-          </a:p>
-          <a:p>
-            <a:r>
-              <a:rPr lang="en-US" altLang="zh-CN" b="1">
-                <a:solidFill>
-                  <a:srgbClr val="2C3E50"/>
-                </a:solidFill>
-              </a:rPr>
-              <a:t>SR-IOV</a:t>
-            </a:r>
-            <a:r>
-              <a:rPr lang="zh-CN" altLang="en-US" b="1">
-                <a:solidFill>
-                  <a:srgbClr val="2C3E50"/>
-                </a:solidFill>
-              </a:rPr>
-              <a:t>也是要使用</a:t>
-            </a:r>
-            <a:r>
-              <a:rPr lang="en-US" altLang="zh-CN" b="1">
-                <a:solidFill>
-                  <a:srgbClr val="2C3E50"/>
-                </a:solidFill>
-              </a:rPr>
-              <a:t>VT-D</a:t>
-            </a:r>
-            <a:r>
-              <a:rPr lang="zh-CN" altLang="en-US" b="1">
-                <a:solidFill>
-                  <a:srgbClr val="2C3E50"/>
-                </a:solidFill>
-              </a:rPr>
-              <a:t>（</a:t>
-            </a:r>
-            <a:r>
-              <a:rPr lang="en-US" altLang="zh-CN" b="1">
-                <a:solidFill>
-                  <a:srgbClr val="2C3E50"/>
-                </a:solidFill>
-              </a:rPr>
-              <a:t>IOMMU)</a:t>
-            </a:r>
-            <a:r>
-              <a:rPr lang="zh-CN" altLang="en-US" b="1">
-                <a:solidFill>
-                  <a:srgbClr val="2C3E50"/>
-                </a:solidFill>
-              </a:rPr>
-              <a:t>技术</a:t>
-            </a:r>
-            <a:endParaRPr lang="zh-CN" altLang="en-US" b="1">
+              <a:rPr lang="zh-CN" altLang="en-US" sz="2400" b="1">
+                <a:solidFill>
+                  <a:srgbClr val="2C3E50"/>
+                </a:solidFill>
+              </a:rPr>
+              <a:t>设备直通原理</a:t>
+            </a:r>
+            <a:endParaRPr lang="zh-CN" altLang="en-US" sz="2400" b="1">
+              <a:solidFill>
+                <a:srgbClr val="2C3E50"/>
+              </a:solidFill>
+            </a:endParaRPr>
+          </a:p>
+        </p:txBody>
+      </p:sp>
+      <p:sp>
+        <p:nvSpPr>
+          <p:cNvPr id="2" name="圆角矩形 1"/>
+          <p:cNvSpPr/>
+          <p:nvPr/>
+        </p:nvSpPr>
+        <p:spPr>
+          <a:xfrm>
+            <a:off x="1475740" y="2171065"/>
+            <a:ext cx="1114425" cy="915035"/>
+          </a:xfrm>
+          <a:prstGeom prst="roundRect">
+            <a:avLst/>
+          </a:prstGeom>
+          <a:noFill/>
+          <a:ln w="38100">
+            <a:solidFill>
+              <a:srgbClr val="2C3E50"/>
+            </a:solidFill>
+          </a:ln>
+          <a:extLst>
+            <a:ext uri="{909E8E84-426E-40DD-AFC4-6F175D3DCCD1}">
+              <a14:hiddenFill xmlns:a14="http://schemas.microsoft.com/office/drawing/2010/main">
+                <a:solidFill>
+                  <a:schemeClr val="accent1"/>
+                </a:solidFill>
+              </a14:hiddenFill>
+            </a:ext>
+          </a:extLst>
+        </p:spPr>
+        <p:style>
+          <a:lnRef idx="2">
+            <a:schemeClr val="accent1">
+              <a:shade val="50000"/>
+            </a:schemeClr>
+          </a:lnRef>
+          <a:fillRef idx="1">
+            <a:schemeClr val="accent1"/>
+          </a:fillRef>
+          <a:effectRef idx="0">
+            <a:schemeClr val="accent1"/>
+          </a:effectRef>
+          <a:fontRef idx="minor">
+            <a:schemeClr val="lt1"/>
+          </a:fontRef>
+        </p:style>
+        <p:txBody>
+          <a:bodyPr rtlCol="0" anchor="ctr"/>
+          <a:p>
+            <a:pPr algn="ctr"/>
+            <a:r>
+              <a:rPr lang="" altLang="zh-CN" sz="1400" b="1">
+                <a:solidFill>
+                  <a:srgbClr val="2C3E50"/>
+                </a:solidFill>
+              </a:rPr>
+              <a:t>CPU</a:t>
+            </a:r>
+            <a:endParaRPr lang="" altLang="zh-CN" sz="1400" b="1">
+              <a:solidFill>
+                <a:srgbClr val="2C3E50"/>
+              </a:solidFill>
+            </a:endParaRPr>
+          </a:p>
+        </p:txBody>
+      </p:sp>
+      <p:sp>
+        <p:nvSpPr>
+          <p:cNvPr id="3" name="圆角矩形 2"/>
+          <p:cNvSpPr/>
+          <p:nvPr/>
+        </p:nvSpPr>
+        <p:spPr>
+          <a:xfrm>
+            <a:off x="4057015" y="3250565"/>
+            <a:ext cx="864235" cy="685165"/>
+          </a:xfrm>
+          <a:prstGeom prst="roundRect">
+            <a:avLst/>
+          </a:prstGeom>
+          <a:noFill/>
+          <a:ln w="38100">
+            <a:solidFill>
+              <a:srgbClr val="2C3E50"/>
+            </a:solidFill>
+          </a:ln>
+          <a:extLst>
+            <a:ext uri="{909E8E84-426E-40DD-AFC4-6F175D3DCCD1}">
+              <a14:hiddenFill xmlns:a14="http://schemas.microsoft.com/office/drawing/2010/main">
+                <a:solidFill>
+                  <a:schemeClr val="accent1"/>
+                </a:solidFill>
+              </a14:hiddenFill>
+            </a:ext>
+          </a:extLst>
+        </p:spPr>
+        <p:style>
+          <a:lnRef idx="2">
+            <a:schemeClr val="accent1">
+              <a:shade val="50000"/>
+            </a:schemeClr>
+          </a:lnRef>
+          <a:fillRef idx="1">
+            <a:schemeClr val="accent1"/>
+          </a:fillRef>
+          <a:effectRef idx="0">
+            <a:schemeClr val="accent1"/>
+          </a:effectRef>
+          <a:fontRef idx="minor">
+            <a:schemeClr val="lt1"/>
+          </a:fontRef>
+        </p:style>
+        <p:txBody>
+          <a:bodyPr rtlCol="0" anchor="ctr"/>
+          <a:p>
+            <a:pPr algn="ctr"/>
+            <a:r>
+              <a:rPr lang="" altLang="en-US" sz="1400" b="1">
+                <a:solidFill>
+                  <a:srgbClr val="2C3E50"/>
+                </a:solidFill>
+              </a:rPr>
+              <a:t>DMA</a:t>
+            </a:r>
+            <a:endParaRPr lang="" altLang="en-US" sz="1400" b="1">
+              <a:solidFill>
+                <a:srgbClr val="2C3E50"/>
+              </a:solidFill>
+            </a:endParaRPr>
+          </a:p>
+        </p:txBody>
+      </p:sp>
+      <p:sp>
+        <p:nvSpPr>
+          <p:cNvPr id="5" name="圆角矩形 4"/>
+          <p:cNvSpPr/>
+          <p:nvPr/>
+        </p:nvSpPr>
+        <p:spPr>
+          <a:xfrm>
+            <a:off x="1294765" y="6306820"/>
+            <a:ext cx="4268470" cy="1508125"/>
+          </a:xfrm>
+          <a:prstGeom prst="roundRect">
+            <a:avLst/>
+          </a:prstGeom>
+          <a:noFill/>
+          <a:ln w="38100">
+            <a:solidFill>
+              <a:srgbClr val="2C3E50"/>
+            </a:solidFill>
+          </a:ln>
+          <a:extLst>
+            <a:ext uri="{909E8E84-426E-40DD-AFC4-6F175D3DCCD1}">
+              <a14:hiddenFill xmlns:a14="http://schemas.microsoft.com/office/drawing/2010/main">
+                <a:solidFill>
+                  <a:schemeClr val="accent1"/>
+                </a:solidFill>
+              </a14:hiddenFill>
+            </a:ext>
+          </a:extLst>
+        </p:spPr>
+        <p:style>
+          <a:lnRef idx="2">
+            <a:schemeClr val="accent1">
+              <a:shade val="50000"/>
+            </a:schemeClr>
+          </a:lnRef>
+          <a:fillRef idx="1">
+            <a:schemeClr val="accent1"/>
+          </a:fillRef>
+          <a:effectRef idx="0">
+            <a:schemeClr val="accent1"/>
+          </a:effectRef>
+          <a:fontRef idx="minor">
+            <a:schemeClr val="lt1"/>
+          </a:fontRef>
+        </p:style>
+        <p:txBody>
+          <a:bodyPr rtlCol="0" anchor="ctr"/>
+          <a:p>
+            <a:pPr algn="ctr"/>
+            <a:endParaRPr lang="" altLang="zh-CN" sz="1400" b="1">
+              <a:solidFill>
+                <a:srgbClr val="2C3E50"/>
+              </a:solidFill>
+            </a:endParaRPr>
+          </a:p>
+          <a:p>
+            <a:pPr algn="ctr"/>
+            <a:endParaRPr lang="" altLang="zh-CN" sz="1400" b="1">
+              <a:solidFill>
+                <a:srgbClr val="2C3E50"/>
+              </a:solidFill>
+            </a:endParaRPr>
+          </a:p>
+          <a:p>
+            <a:pPr algn="ctr"/>
+            <a:endParaRPr lang="" altLang="zh-CN" sz="1400" b="1">
+              <a:solidFill>
+                <a:srgbClr val="2C3E50"/>
+              </a:solidFill>
+            </a:endParaRPr>
+          </a:p>
+          <a:p>
+            <a:pPr algn="ctr"/>
+            <a:endParaRPr lang="" altLang="zh-CN" sz="1400" b="1">
+              <a:solidFill>
+                <a:srgbClr val="2C3E50"/>
+              </a:solidFill>
+            </a:endParaRPr>
+          </a:p>
+          <a:p>
+            <a:pPr algn="ctr"/>
+            <a:endParaRPr lang="" altLang="zh-CN" sz="1400" b="1">
+              <a:solidFill>
+                <a:srgbClr val="2C3E50"/>
+              </a:solidFill>
+            </a:endParaRPr>
+          </a:p>
+          <a:p>
+            <a:pPr algn="ctr"/>
+            <a:r>
+              <a:rPr lang="" altLang="zh-CN" sz="1400" b="1">
+                <a:solidFill>
+                  <a:srgbClr val="2C3E50"/>
+                </a:solidFill>
+              </a:rPr>
+              <a:t>pass throgou device</a:t>
+            </a:r>
+            <a:endParaRPr lang="" altLang="zh-CN" sz="1400" b="1">
+              <a:solidFill>
+                <a:srgbClr val="2C3E50"/>
+              </a:solidFill>
+            </a:endParaRPr>
+          </a:p>
+        </p:txBody>
+      </p:sp>
+      <p:sp>
+        <p:nvSpPr>
+          <p:cNvPr id="6" name="圆角矩形 5"/>
+          <p:cNvSpPr/>
+          <p:nvPr/>
+        </p:nvSpPr>
+        <p:spPr>
+          <a:xfrm>
+            <a:off x="1697990" y="6584315"/>
+            <a:ext cx="1149350" cy="685165"/>
+          </a:xfrm>
+          <a:prstGeom prst="roundRect">
+            <a:avLst/>
+          </a:prstGeom>
+          <a:noFill/>
+          <a:ln w="38100">
+            <a:solidFill>
+              <a:srgbClr val="2C3E50"/>
+            </a:solidFill>
+          </a:ln>
+          <a:extLst>
+            <a:ext uri="{909E8E84-426E-40DD-AFC4-6F175D3DCCD1}">
+              <a14:hiddenFill xmlns:a14="http://schemas.microsoft.com/office/drawing/2010/main">
+                <a:solidFill>
+                  <a:schemeClr val="accent1"/>
+                </a:solidFill>
+              </a14:hiddenFill>
+            </a:ext>
+          </a:extLst>
+        </p:spPr>
+        <p:style>
+          <a:lnRef idx="2">
+            <a:schemeClr val="accent1">
+              <a:shade val="50000"/>
+            </a:schemeClr>
+          </a:lnRef>
+          <a:fillRef idx="1">
+            <a:schemeClr val="accent1"/>
+          </a:fillRef>
+          <a:effectRef idx="0">
+            <a:schemeClr val="accent1"/>
+          </a:effectRef>
+          <a:fontRef idx="minor">
+            <a:schemeClr val="lt1"/>
+          </a:fontRef>
+        </p:style>
+        <p:txBody>
+          <a:bodyPr rtlCol="0" anchor="ctr"/>
+          <a:p>
+            <a:pPr algn="ctr"/>
+            <a:r>
+              <a:rPr lang="" altLang="en-US" sz="1400" b="1">
+                <a:solidFill>
+                  <a:srgbClr val="2C3E50"/>
+                </a:solidFill>
+              </a:rPr>
+              <a:t>IO</a:t>
+            </a:r>
+            <a:r>
+              <a:rPr lang="zh-CN" altLang="" sz="1400" b="1">
+                <a:solidFill>
+                  <a:srgbClr val="2C3E50"/>
+                </a:solidFill>
+              </a:rPr>
+              <a:t>空间</a:t>
+            </a:r>
+            <a:endParaRPr lang="zh-CN" altLang="" sz="1400" b="1">
+              <a:solidFill>
+                <a:srgbClr val="2C3E50"/>
+              </a:solidFill>
+            </a:endParaRPr>
+          </a:p>
+        </p:txBody>
+      </p:sp>
+      <p:sp>
+        <p:nvSpPr>
+          <p:cNvPr id="7" name="圆角矩形 6"/>
+          <p:cNvSpPr/>
+          <p:nvPr/>
+        </p:nvSpPr>
+        <p:spPr>
+          <a:xfrm>
+            <a:off x="3823970" y="6584315"/>
+            <a:ext cx="1330325" cy="685165"/>
+          </a:xfrm>
+          <a:prstGeom prst="roundRect">
+            <a:avLst/>
+          </a:prstGeom>
+          <a:noFill/>
+          <a:ln w="38100">
+            <a:solidFill>
+              <a:srgbClr val="2C3E50"/>
+            </a:solidFill>
+          </a:ln>
+          <a:extLst>
+            <a:ext uri="{909E8E84-426E-40DD-AFC4-6F175D3DCCD1}">
+              <a14:hiddenFill xmlns:a14="http://schemas.microsoft.com/office/drawing/2010/main">
+                <a:solidFill>
+                  <a:schemeClr val="accent1"/>
+                </a:solidFill>
+              </a14:hiddenFill>
+            </a:ext>
+          </a:extLst>
+        </p:spPr>
+        <p:style>
+          <a:lnRef idx="2">
+            <a:schemeClr val="accent1">
+              <a:shade val="50000"/>
+            </a:schemeClr>
+          </a:lnRef>
+          <a:fillRef idx="1">
+            <a:schemeClr val="accent1"/>
+          </a:fillRef>
+          <a:effectRef idx="0">
+            <a:schemeClr val="accent1"/>
+          </a:effectRef>
+          <a:fontRef idx="minor">
+            <a:schemeClr val="lt1"/>
+          </a:fontRef>
+        </p:style>
+        <p:txBody>
+          <a:bodyPr rtlCol="0" anchor="ctr"/>
+          <a:p>
+            <a:pPr algn="ctr"/>
+            <a:r>
+              <a:rPr lang="" altLang="zh-CN" sz="1400" b="1">
+                <a:solidFill>
+                  <a:srgbClr val="2C3E50"/>
+                </a:solidFill>
+              </a:rPr>
+              <a:t>MMIO</a:t>
+            </a:r>
+            <a:r>
+              <a:rPr lang="zh-CN" altLang="en-US" sz="1400" b="1">
+                <a:solidFill>
+                  <a:srgbClr val="2C3E50"/>
+                </a:solidFill>
+              </a:rPr>
+              <a:t>空间</a:t>
+            </a:r>
+            <a:endParaRPr lang="zh-CN" altLang="en-US" sz="1400" b="1">
+              <a:solidFill>
+                <a:srgbClr val="2C3E50"/>
+              </a:solidFill>
+            </a:endParaRPr>
+          </a:p>
+        </p:txBody>
+      </p:sp>
+      <p:cxnSp>
+        <p:nvCxnSpPr>
+          <p:cNvPr id="8" name="肘形连接符 7"/>
+          <p:cNvCxnSpPr>
+            <a:stCxn id="2" idx="1"/>
+            <a:endCxn id="6" idx="1"/>
+          </p:cNvCxnSpPr>
+          <p:nvPr/>
+        </p:nvCxnSpPr>
+        <p:spPr>
+          <a:xfrm rot="10800000" flipH="true" flipV="true">
+            <a:off x="1475740" y="2628900"/>
+            <a:ext cx="222250" cy="4298315"/>
+          </a:xfrm>
+          <a:prstGeom prst="bentConnector3">
+            <a:avLst>
+              <a:gd name="adj1" fmla="val -340285"/>
+            </a:avLst>
+          </a:prstGeom>
+          <a:ln w="38100">
+            <a:solidFill>
+              <a:srgbClr val="3EAF7C"/>
+            </a:solidFill>
+            <a:headEnd type="arrow"/>
+            <a:tailEnd type="arrow"/>
+          </a:ln>
+        </p:spPr>
+        <p:style>
+          <a:lnRef idx="1">
+            <a:schemeClr val="accent1"/>
+          </a:lnRef>
+          <a:fillRef idx="0">
+            <a:schemeClr val="accent1"/>
+          </a:fillRef>
+          <a:effectRef idx="0">
+            <a:schemeClr val="accent1"/>
+          </a:effectRef>
+          <a:fontRef idx="minor">
+            <a:schemeClr val="tx1"/>
+          </a:fontRef>
+        </p:style>
+      </p:cxnSp>
+      <p:cxnSp>
+        <p:nvCxnSpPr>
+          <p:cNvPr id="9" name="肘形连接符 8"/>
+          <p:cNvCxnSpPr>
+            <a:stCxn id="2" idx="3"/>
+            <a:endCxn id="7" idx="1"/>
+          </p:cNvCxnSpPr>
+          <p:nvPr/>
+        </p:nvCxnSpPr>
+        <p:spPr>
+          <a:xfrm>
+            <a:off x="2590165" y="2628900"/>
+            <a:ext cx="1233805" cy="4298315"/>
+          </a:xfrm>
+          <a:prstGeom prst="bentConnector3">
+            <a:avLst>
+              <a:gd name="adj1" fmla="val 50026"/>
+            </a:avLst>
+          </a:prstGeom>
+          <a:ln w="38100">
+            <a:solidFill>
+              <a:srgbClr val="3EAF7C"/>
+            </a:solidFill>
+            <a:headEnd type="arrow"/>
+            <a:tailEnd type="arrow"/>
+          </a:ln>
+        </p:spPr>
+        <p:style>
+          <a:lnRef idx="1">
+            <a:schemeClr val="accent1"/>
+          </a:lnRef>
+          <a:fillRef idx="0">
+            <a:schemeClr val="accent1"/>
+          </a:fillRef>
+          <a:effectRef idx="0">
+            <a:schemeClr val="accent1"/>
+          </a:effectRef>
+          <a:fontRef idx="minor">
+            <a:schemeClr val="tx1"/>
+          </a:fontRef>
+        </p:style>
+      </p:cxnSp>
+      <p:cxnSp>
+        <p:nvCxnSpPr>
+          <p:cNvPr id="12" name="肘形连接符 11"/>
+          <p:cNvCxnSpPr>
+            <a:stCxn id="3" idx="2"/>
+            <a:endCxn id="7" idx="0"/>
+          </p:cNvCxnSpPr>
+          <p:nvPr/>
+        </p:nvCxnSpPr>
+        <p:spPr>
+          <a:xfrm rot="5400000">
+            <a:off x="3165158" y="5260023"/>
+            <a:ext cx="2648585" cy="3175"/>
+          </a:xfrm>
+          <a:prstGeom prst="bentConnector2">
+            <a:avLst/>
+          </a:prstGeom>
+          <a:ln w="38100">
+            <a:solidFill>
+              <a:srgbClr val="3EAF7C"/>
+            </a:solidFill>
+            <a:headEnd type="arrow"/>
+            <a:tailEnd type="arrow"/>
+          </a:ln>
+        </p:spPr>
+        <p:style>
+          <a:lnRef idx="1">
+            <a:schemeClr val="accent1"/>
+          </a:lnRef>
+          <a:fillRef idx="0">
+            <a:schemeClr val="accent1"/>
+          </a:fillRef>
+          <a:effectRef idx="0">
+            <a:schemeClr val="accent1"/>
+          </a:effectRef>
+          <a:fontRef idx="minor">
+            <a:schemeClr val="tx1"/>
+          </a:fontRef>
+        </p:style>
+      </p:cxnSp>
+      <p:sp>
+        <p:nvSpPr>
+          <p:cNvPr id="13" name="文本框 12"/>
+          <p:cNvSpPr txBox="true"/>
+          <p:nvPr/>
+        </p:nvSpPr>
+        <p:spPr>
+          <a:xfrm>
+            <a:off x="869950" y="4794885"/>
+            <a:ext cx="1494790" cy="460375"/>
+          </a:xfrm>
+          <a:prstGeom prst="rect">
+            <a:avLst/>
+          </a:prstGeom>
+          <a:noFill/>
+        </p:spPr>
+        <p:txBody>
+          <a:bodyPr wrap="none" rtlCol="0">
+            <a:spAutoFit/>
+          </a:bodyPr>
+          <a:p>
+            <a:r>
+              <a:rPr lang="zh-CN" altLang="" sz="1200" b="1">
+                <a:solidFill>
+                  <a:srgbClr val="2C3E50"/>
+                </a:solidFill>
+              </a:rPr>
+              <a:t>方法二（常用）</a:t>
+            </a:r>
+            <a:endParaRPr lang="" altLang="zh-CN" sz="1200" b="1">
+              <a:solidFill>
+                <a:srgbClr val="2C3E50"/>
+              </a:solidFill>
+            </a:endParaRPr>
+          </a:p>
+          <a:p>
+            <a:r>
+              <a:rPr lang="" altLang="zh-CN" sz="1200" b="1">
+                <a:solidFill>
+                  <a:srgbClr val="2C3E50"/>
+                </a:solidFill>
+              </a:rPr>
+              <a:t>IO</a:t>
+            </a:r>
+            <a:r>
+              <a:rPr lang="en-US" altLang="" sz="1200" b="1">
+                <a:solidFill>
+                  <a:srgbClr val="2C3E50"/>
+                </a:solidFill>
+              </a:rPr>
+              <a:t>MMU IO</a:t>
+            </a:r>
+            <a:r>
+              <a:rPr lang="zh-CN" altLang="en-US" sz="1200" b="1">
+                <a:solidFill>
+                  <a:srgbClr val="2C3E50"/>
+                </a:solidFill>
+              </a:rPr>
+              <a:t>转换表</a:t>
+            </a:r>
+            <a:endParaRPr lang="zh-CN" altLang="en-US" sz="1200" b="1">
+              <a:solidFill>
+                <a:srgbClr val="2C3E50"/>
+              </a:solidFill>
+            </a:endParaRPr>
+          </a:p>
+        </p:txBody>
+      </p:sp>
+      <p:sp>
+        <p:nvSpPr>
+          <p:cNvPr id="14" name="文本框 13"/>
+          <p:cNvSpPr txBox="true"/>
+          <p:nvPr/>
+        </p:nvSpPr>
+        <p:spPr>
+          <a:xfrm>
+            <a:off x="4612005" y="4725035"/>
+            <a:ext cx="1131570" cy="460375"/>
+          </a:xfrm>
+          <a:prstGeom prst="rect">
+            <a:avLst/>
+          </a:prstGeom>
+          <a:noFill/>
+        </p:spPr>
+        <p:txBody>
+          <a:bodyPr wrap="none" rtlCol="0">
+            <a:spAutoFit/>
+          </a:bodyPr>
+          <a:p>
+            <a:r>
+              <a:rPr lang="en-US" altLang="zh-CN" sz="1200" b="1">
+                <a:solidFill>
+                  <a:srgbClr val="2C3E50"/>
+                </a:solidFill>
+              </a:rPr>
+              <a:t>IO</a:t>
+            </a:r>
+            <a:r>
+              <a:rPr lang="en-US" altLang="en-US" sz="1200" b="1">
+                <a:solidFill>
+                  <a:srgbClr val="2C3E50"/>
+                </a:solidFill>
+              </a:rPr>
+              <a:t>MMU</a:t>
+            </a:r>
+            <a:endParaRPr lang="en-US" altLang="en-US" sz="1200" b="1">
+              <a:solidFill>
+                <a:srgbClr val="2C3E50"/>
+              </a:solidFill>
+            </a:endParaRPr>
+          </a:p>
+          <a:p>
+            <a:r>
+              <a:rPr lang="en-US" altLang="en-US" sz="1200" b="1">
+                <a:solidFill>
+                  <a:srgbClr val="2C3E50"/>
+                </a:solidFill>
+              </a:rPr>
+              <a:t>MMIO</a:t>
+            </a:r>
+            <a:r>
+              <a:rPr lang="zh-CN" altLang="en-US" sz="1200" b="1">
+                <a:solidFill>
+                  <a:srgbClr val="2C3E50"/>
+                </a:solidFill>
+              </a:rPr>
+              <a:t>转换表</a:t>
+            </a:r>
+            <a:endParaRPr lang="zh-CN" altLang="en-US" sz="1200" b="1">
+              <a:solidFill>
+                <a:srgbClr val="2C3E50"/>
+              </a:solidFill>
+            </a:endParaRPr>
+          </a:p>
+        </p:txBody>
+      </p:sp>
+      <p:sp>
+        <p:nvSpPr>
+          <p:cNvPr id="15" name="文本框 14"/>
+          <p:cNvSpPr txBox="true"/>
+          <p:nvPr/>
+        </p:nvSpPr>
+        <p:spPr>
+          <a:xfrm>
+            <a:off x="3228975" y="4725035"/>
+            <a:ext cx="808990" cy="275590"/>
+          </a:xfrm>
+          <a:prstGeom prst="rect">
+            <a:avLst/>
+          </a:prstGeom>
+          <a:noFill/>
+        </p:spPr>
+        <p:txBody>
+          <a:bodyPr wrap="none" rtlCol="0">
+            <a:spAutoFit/>
+          </a:bodyPr>
+          <a:p>
+            <a:r>
+              <a:rPr lang="en-US" sz="1200" b="1">
+                <a:solidFill>
+                  <a:srgbClr val="2C3E50"/>
+                </a:solidFill>
+              </a:rPr>
+              <a:t>EPT</a:t>
+            </a:r>
+            <a:r>
+              <a:rPr lang="zh-CN" altLang="en-US" sz="1200" b="1">
+                <a:solidFill>
+                  <a:srgbClr val="2C3E50"/>
+                </a:solidFill>
+              </a:rPr>
+              <a:t>页表</a:t>
+            </a:r>
+            <a:endParaRPr lang="zh-CN" altLang="en-US" sz="1200" b="1">
+              <a:solidFill>
+                <a:srgbClr val="2C3E50"/>
+              </a:solidFill>
+            </a:endParaRPr>
+          </a:p>
+        </p:txBody>
+      </p:sp>
+      <p:sp>
+        <p:nvSpPr>
+          <p:cNvPr id="16" name="文本框 15"/>
+          <p:cNvSpPr txBox="true"/>
+          <p:nvPr/>
+        </p:nvSpPr>
+        <p:spPr>
+          <a:xfrm>
+            <a:off x="869950" y="3841115"/>
+            <a:ext cx="1034415" cy="460375"/>
+          </a:xfrm>
+          <a:prstGeom prst="rect">
+            <a:avLst/>
+          </a:prstGeom>
+          <a:noFill/>
+        </p:spPr>
+        <p:txBody>
+          <a:bodyPr wrap="none" rtlCol="0">
+            <a:spAutoFit/>
+          </a:bodyPr>
+          <a:p>
+            <a:r>
+              <a:rPr lang="zh-CN" altLang="en-US" sz="1200" b="1">
+                <a:solidFill>
+                  <a:srgbClr val="2C3E50"/>
+                </a:solidFill>
+              </a:rPr>
+              <a:t>方法一</a:t>
+            </a:r>
+            <a:endParaRPr lang="en-US" altLang="zh-CN" sz="1200" b="1">
+              <a:solidFill>
+                <a:srgbClr val="2C3E50"/>
+              </a:solidFill>
+            </a:endParaRPr>
+          </a:p>
+          <a:p>
+            <a:r>
+              <a:rPr lang="en-US" altLang="zh-CN" sz="1200" b="1">
+                <a:solidFill>
+                  <a:srgbClr val="2C3E50"/>
+                </a:solidFill>
+              </a:rPr>
+              <a:t>IO</a:t>
+            </a:r>
+            <a:r>
+              <a:rPr lang="en-US" altLang="en-US" sz="1200" b="1">
+                <a:solidFill>
+                  <a:srgbClr val="2C3E50"/>
+                </a:solidFill>
+              </a:rPr>
+              <a:t> Bitmap</a:t>
+            </a:r>
+            <a:endParaRPr lang="zh-CN" altLang="en-US" sz="1200" b="1">
               <a:solidFill>
                 <a:srgbClr val="2C3E50"/>
               </a:solidFill>
@@ -30534,6 +31192,172 @@
         <p:nvPr/>
       </p:nvGrpSpPr>
       <p:grpSpPr/>
+      <p:pic>
+        <p:nvPicPr>
+          <p:cNvPr id="2" name="图片 1"/>
+          <p:cNvPicPr>
+            <a:picLocks noChangeAspect="true"/>
+          </p:cNvPicPr>
+          <p:nvPr/>
+        </p:nvPicPr>
+        <p:blipFill>
+          <a:blip r:embed="rId1"/>
+          <a:stretch>
+            <a:fillRect/>
+          </a:stretch>
+        </p:blipFill>
+        <p:spPr>
+          <a:xfrm>
+            <a:off x="375285" y="3354705"/>
+            <a:ext cx="5972175" cy="5448300"/>
+          </a:xfrm>
+          <a:prstGeom prst="rect">
+            <a:avLst/>
+          </a:prstGeom>
+        </p:spPr>
+      </p:pic>
+      <p:sp>
+        <p:nvSpPr>
+          <p:cNvPr id="3" name="文本框 2"/>
+          <p:cNvSpPr txBox="true"/>
+          <p:nvPr/>
+        </p:nvSpPr>
+        <p:spPr>
+          <a:xfrm>
+            <a:off x="824230" y="1269365"/>
+            <a:ext cx="4515485" cy="922020"/>
+          </a:xfrm>
+          <a:prstGeom prst="rect">
+            <a:avLst/>
+          </a:prstGeom>
+          <a:noFill/>
+        </p:spPr>
+        <p:txBody>
+          <a:bodyPr wrap="none" rtlCol="0">
+            <a:spAutoFit/>
+          </a:bodyPr>
+          <a:p>
+            <a:pPr algn="l"/>
+            <a:endParaRPr lang="zh-CN" altLang="en-US" b="1">
+              <a:solidFill>
+                <a:srgbClr val="2C3E50"/>
+              </a:solidFill>
+            </a:endParaRPr>
+          </a:p>
+          <a:p>
+            <a:pPr algn="l"/>
+            <a:endParaRPr lang="zh-CN" altLang="en-US" b="1">
+              <a:solidFill>
+                <a:srgbClr val="2C3E50"/>
+              </a:solidFill>
+            </a:endParaRPr>
+          </a:p>
+          <a:p>
+            <a:pPr algn="l"/>
+            <a:r>
+              <a:rPr lang="en-US" altLang="zh-CN" b="1">
+                <a:solidFill>
+                  <a:srgbClr val="2C3E50"/>
+                </a:solidFill>
+              </a:rPr>
+              <a:t>SR-IOV</a:t>
+            </a:r>
+            <a:r>
+              <a:rPr lang="zh-CN" altLang="en-US" b="1">
+                <a:solidFill>
+                  <a:srgbClr val="2C3E50"/>
+                </a:solidFill>
+              </a:rPr>
+              <a:t>也是要使用</a:t>
+            </a:r>
+            <a:r>
+              <a:rPr lang="en-US" altLang="zh-CN" b="1">
+                <a:solidFill>
+                  <a:srgbClr val="2C3E50"/>
+                </a:solidFill>
+              </a:rPr>
+              <a:t>VT-D</a:t>
+            </a:r>
+            <a:r>
+              <a:rPr lang="zh-CN" altLang="en-US" b="1">
+                <a:solidFill>
+                  <a:srgbClr val="2C3E50"/>
+                </a:solidFill>
+              </a:rPr>
+              <a:t>（</a:t>
+            </a:r>
+            <a:r>
+              <a:rPr lang="en-US" altLang="zh-CN" b="1">
+                <a:solidFill>
+                  <a:srgbClr val="2C3E50"/>
+                </a:solidFill>
+              </a:rPr>
+              <a:t>IOMMU)</a:t>
+            </a:r>
+            <a:r>
+              <a:rPr lang="zh-CN" altLang="en-US" b="1">
+                <a:solidFill>
+                  <a:srgbClr val="2C3E50"/>
+                </a:solidFill>
+              </a:rPr>
+              <a:t>技术</a:t>
+            </a:r>
+            <a:endParaRPr lang="zh-CN" altLang="en-US" b="1">
+              <a:solidFill>
+                <a:srgbClr val="2C3E50"/>
+              </a:solidFill>
+            </a:endParaRPr>
+          </a:p>
+        </p:txBody>
+      </p:sp>
+      <p:sp>
+        <p:nvSpPr>
+          <p:cNvPr id="4" name="文本框 3"/>
+          <p:cNvSpPr txBox="true"/>
+          <p:nvPr/>
+        </p:nvSpPr>
+        <p:spPr>
+          <a:xfrm>
+            <a:off x="375285" y="523240"/>
+            <a:ext cx="4424680" cy="460375"/>
+          </a:xfrm>
+          <a:prstGeom prst="rect">
+            <a:avLst/>
+          </a:prstGeom>
+          <a:noFill/>
+        </p:spPr>
+        <p:txBody>
+          <a:bodyPr wrap="none" rtlCol="0" anchor="t">
+            <a:spAutoFit/>
+          </a:bodyPr>
+          <a:p>
+            <a:r>
+              <a:rPr lang="en-US" altLang="zh-CN" sz="2400" b="1">
+                <a:solidFill>
+                  <a:srgbClr val="2C3E50"/>
+                </a:solidFill>
+                <a:sym typeface="+mn-ea"/>
+              </a:rPr>
+              <a:t>SR-IOV</a:t>
+            </a:r>
+            <a:r>
+              <a:rPr lang="zh-CN" altLang="en-US" sz="2400" b="1">
+                <a:solidFill>
+                  <a:srgbClr val="2C3E50"/>
+                </a:solidFill>
+                <a:sym typeface="+mn-ea"/>
+              </a:rPr>
+              <a:t>：设备直通的一种增强</a:t>
+            </a:r>
+            <a:endParaRPr lang="zh-CN" altLang="en-US" sz="2400" b="1">
+              <a:solidFill>
+                <a:srgbClr val="2C3E50"/>
+              </a:solidFill>
+              <a:sym typeface="+mn-ea"/>
+            </a:endParaRPr>
+          </a:p>
+        </p:txBody>
+      </p:sp>
     </p:spTree>
   </p:cSld>
   <p:clrMapOvr>
@@ -30552,191 +31376,6 @@
         <p:nvPr/>
       </p:nvGrpSpPr>
       <p:grpSpPr/>
-      <p:sp>
-        <p:nvSpPr>
-          <p:cNvPr id="2" name="文本框 1"/>
-          <p:cNvSpPr txBox="true"/>
-          <p:nvPr/>
-        </p:nvSpPr>
-        <p:spPr>
-          <a:xfrm>
-            <a:off x="501650" y="826770"/>
-            <a:ext cx="4626610" cy="368300"/>
-          </a:xfrm>
-          <a:prstGeom prst="rect">
-            <a:avLst/>
-          </a:prstGeom>
-          <a:noFill/>
-        </p:spPr>
-        <p:txBody>
-          <a:bodyPr wrap="square" rtlCol="0" anchor="t">
-            <a:spAutoFit/>
-          </a:bodyPr>
-          <a:p>
-            <a:r>
-              <a:rPr lang="zh-CN" altLang="en-US" b="1">
-                <a:solidFill>
-                  <a:srgbClr val="2C3E50"/>
-                </a:solidFill>
-              </a:rPr>
-              <a:t>SPDK 技术优化虚拟机本地存储的 IO 性能</a:t>
-            </a:r>
-            <a:endParaRPr lang="zh-CN" altLang="en-US" b="1">
-              <a:solidFill>
-                <a:srgbClr val="2C3E50"/>
-              </a:solidFill>
-            </a:endParaRPr>
-          </a:p>
-        </p:txBody>
-      </p:sp>
-      <p:sp>
-        <p:nvSpPr>
-          <p:cNvPr id="3" name="文本框 2"/>
-          <p:cNvSpPr txBox="true"/>
-          <p:nvPr/>
-        </p:nvSpPr>
-        <p:spPr>
-          <a:xfrm>
-            <a:off x="501650" y="1486535"/>
-            <a:ext cx="5855335" cy="1198880"/>
-          </a:xfrm>
-          <a:prstGeom prst="rect">
-            <a:avLst/>
-          </a:prstGeom>
-          <a:noFill/>
-        </p:spPr>
-        <p:txBody>
-          <a:bodyPr wrap="square" rtlCol="0" anchor="t">
-            <a:spAutoFit/>
-          </a:bodyPr>
-          <a:p>
-            <a:r>
-              <a:rPr lang="zh-CN" altLang="en-US" b="1">
-                <a:solidFill>
-                  <a:srgbClr val="2C3E50"/>
-                </a:solidFill>
-              </a:rPr>
-              <a:t>在增强型 DC2 中，我们使用了 Intel 的高性能 NVMe SSD，从协议和物理介质上也保证了快速的 IO 处理。NVMe 协议比传统的 SCSI 带宽更高，延时更低，适合高性能的使用场景。</a:t>
-            </a:r>
-            <a:endParaRPr lang="zh-CN" altLang="en-US" b="1">
-              <a:solidFill>
-                <a:srgbClr val="2C3E50"/>
-              </a:solidFill>
-            </a:endParaRPr>
-          </a:p>
-        </p:txBody>
-      </p:sp>
-      <p:sp>
-        <p:nvSpPr>
-          <p:cNvPr id="4" name="文本框 3"/>
-          <p:cNvSpPr txBox="true"/>
-          <p:nvPr/>
-        </p:nvSpPr>
-        <p:spPr>
-          <a:xfrm>
-            <a:off x="501650" y="2978785"/>
-            <a:ext cx="5678170" cy="1476375"/>
-          </a:xfrm>
-          <a:prstGeom prst="rect">
-            <a:avLst/>
-          </a:prstGeom>
-          <a:noFill/>
-        </p:spPr>
-        <p:txBody>
-          <a:bodyPr wrap="square" rtlCol="0" anchor="t">
-            <a:spAutoFit/>
-          </a:bodyPr>
-          <a:p>
-            <a:r>
-              <a:rPr lang="zh-CN" altLang="en-US" b="1">
-                <a:solidFill>
-                  <a:srgbClr val="2C3E50"/>
-                </a:solidFill>
-              </a:rPr>
-              <a:t>RDMA（remote direct memory access）中文全称远程内存直接访问技术，RDMA实现需要特定硬件支持，主要有三种：Infiniband、iWARP和RoCE。RDMA是在网络I/O虚拟化非常完善之后提供一项新的虚拟化I/O方案</a:t>
-            </a:r>
-            <a:endParaRPr lang="zh-CN" altLang="en-US" b="1">
-              <a:solidFill>
-                <a:srgbClr val="2C3E50"/>
-              </a:solidFill>
-            </a:endParaRPr>
-          </a:p>
-        </p:txBody>
-      </p:sp>
-      <p:sp>
-        <p:nvSpPr>
-          <p:cNvPr id="5" name="文本框 4"/>
-          <p:cNvSpPr txBox="true"/>
-          <p:nvPr/>
-        </p:nvSpPr>
-        <p:spPr>
-          <a:xfrm>
-            <a:off x="501650" y="4841240"/>
-            <a:ext cx="5602605" cy="645160"/>
-          </a:xfrm>
-          <a:prstGeom prst="rect">
-            <a:avLst/>
-          </a:prstGeom>
-          <a:noFill/>
-        </p:spPr>
-        <p:txBody>
-          <a:bodyPr wrap="square" rtlCol="0" anchor="t">
-            <a:spAutoFit/>
-          </a:bodyPr>
-          <a:p>
-            <a:r>
-              <a:rPr lang="zh-CN" altLang="en-US" b="1">
-                <a:solidFill>
-                  <a:srgbClr val="2C3E50"/>
-                </a:solidFill>
-              </a:rPr>
-              <a:t>Hadoop实现了一个分布式文件系统（Hadoop Distributed File System），简称HDFS。</a:t>
-            </a:r>
-            <a:endParaRPr lang="zh-CN" altLang="en-US" b="1">
-              <a:solidFill>
-                <a:srgbClr val="2C3E50"/>
-              </a:solidFill>
-            </a:endParaRPr>
-          </a:p>
-        </p:txBody>
-      </p:sp>
-      <p:sp>
-        <p:nvSpPr>
-          <p:cNvPr id="6" name="文本框 5"/>
-          <p:cNvSpPr txBox="true"/>
-          <p:nvPr/>
-        </p:nvSpPr>
-        <p:spPr>
-          <a:xfrm>
-            <a:off x="501650" y="5871845"/>
-            <a:ext cx="5947410" cy="1198880"/>
-          </a:xfrm>
-          <a:prstGeom prst="rect">
-            <a:avLst/>
-          </a:prstGeom>
-          <a:noFill/>
-        </p:spPr>
-        <p:txBody>
-          <a:bodyPr wrap="square" rtlCol="0" anchor="t">
-            <a:spAutoFit/>
-          </a:bodyPr>
-          <a:p>
-            <a:r>
-              <a:rPr lang="zh-CN" altLang="en-US" b="1">
-                <a:solidFill>
-                  <a:srgbClr val="2C3E50"/>
-                </a:solidFill>
-              </a:rPr>
-              <a:t>存储根据其类型，可分为块存储，对象存储和文件存储。在主流的分布式存储技术中，HDFS/GPFS/GFS属于文件存储，Swift属于对象存储，而Ceph可支持块存储、对象存储和文件存储，故称为统一存储。</a:t>
-            </a:r>
-            <a:endParaRPr lang="zh-CN" altLang="en-US" b="1">
-              <a:solidFill>
-                <a:srgbClr val="2C3E50"/>
-              </a:solidFill>
-            </a:endParaRPr>
-          </a:p>
-        </p:txBody>
-      </p:sp>
     </p:spTree>
   </p:cSld>
   <p:clrMapOvr>
@@ -30755,40 +31394,16 @@
         <p:nvPr/>
       </p:nvGrpSpPr>
       <p:grpSpPr/>
-      <p:pic>
-        <p:nvPicPr>
-          <p:cNvPr id="2" name="图片 1"/>
-          <p:cNvPicPr>
-            <a:picLocks noChangeAspect="true"/>
-          </p:cNvPicPr>
-          <p:nvPr/>
-        </p:nvPicPr>
-        <p:blipFill>
-          <a:blip r:embed="rId1"/>
-          <a:stretch>
-            <a:fillRect/>
-          </a:stretch>
-        </p:blipFill>
-        <p:spPr>
-          <a:xfrm>
-            <a:off x="125095" y="777875"/>
-            <a:ext cx="6607810" cy="4728845"/>
-          </a:xfrm>
-          <a:prstGeom prst="rect">
-            <a:avLst/>
-          </a:prstGeom>
-        </p:spPr>
-      </p:pic>
-      <p:sp>
-        <p:nvSpPr>
-          <p:cNvPr id="3" name="文本框 2"/>
+      <p:sp>
+        <p:nvSpPr>
+          <p:cNvPr id="2" name="文本框 1"/>
           <p:cNvSpPr txBox="true"/>
           <p:nvPr/>
         </p:nvSpPr>
         <p:spPr>
           <a:xfrm>
-            <a:off x="240665" y="6029960"/>
-            <a:ext cx="6073775" cy="645160"/>
+            <a:off x="501650" y="826770"/>
+            <a:ext cx="4626610" cy="368300"/>
           </a:xfrm>
           <a:prstGeom prst="rect">
             <a:avLst/>
@@ -30801,10 +31416,166 @@
           </a:bodyPr>
           <a:p>
             <a:r>
-              <a:rPr lang="zh-CN" altLang="en-US"/>
-              <a:t>SDN/NFV等网络技术快速发展，越来越多的SDN/NFV开源项目选用DPDK作为基础的报文处理加速平台</a:t>
-            </a:r>
-            <a:endParaRPr lang="zh-CN" altLang="en-US"/>
+              <a:rPr lang="zh-CN" altLang="en-US" b="1">
+                <a:solidFill>
+                  <a:srgbClr val="2C3E50"/>
+                </a:solidFill>
+              </a:rPr>
+              <a:t>SPDK 技术优化虚拟机本地存储的 IO 性能</a:t>
+            </a:r>
+            <a:endParaRPr lang="zh-CN" altLang="en-US" b="1">
+              <a:solidFill>
+                <a:srgbClr val="2C3E50"/>
+              </a:solidFill>
+            </a:endParaRPr>
+          </a:p>
+        </p:txBody>
+      </p:sp>
+      <p:sp>
+        <p:nvSpPr>
+          <p:cNvPr id="3" name="文本框 2"/>
+          <p:cNvSpPr txBox="true"/>
+          <p:nvPr/>
+        </p:nvSpPr>
+        <p:spPr>
+          <a:xfrm>
+            <a:off x="501650" y="1486535"/>
+            <a:ext cx="5855335" cy="1198880"/>
+          </a:xfrm>
+          <a:prstGeom prst="rect">
+            <a:avLst/>
+          </a:prstGeom>
+          <a:noFill/>
+        </p:spPr>
+        <p:txBody>
+          <a:bodyPr wrap="square" rtlCol="0" anchor="t">
+            <a:spAutoFit/>
+          </a:bodyPr>
+          <a:p>
+            <a:r>
+              <a:rPr lang="zh-CN" altLang="en-US" b="1">
+                <a:solidFill>
+                  <a:srgbClr val="2C3E50"/>
+                </a:solidFill>
+              </a:rPr>
+              <a:t>在增强型 DC2 中，我们使用了 Intel 的高性能 NVMe SSD，从协议和物理介质上也保证了快速的 IO 处理。NVMe 协议比传统的 SCSI 带宽更高，延时更低，适合高性能的使用场景。</a:t>
+            </a:r>
+            <a:endParaRPr lang="zh-CN" altLang="en-US" b="1">
+              <a:solidFill>
+                <a:srgbClr val="2C3E50"/>
+              </a:solidFill>
+            </a:endParaRPr>
+          </a:p>
+        </p:txBody>
+      </p:sp>
+      <p:sp>
+        <p:nvSpPr>
+          <p:cNvPr id="4" name="文本框 3"/>
+          <p:cNvSpPr txBox="true"/>
+          <p:nvPr/>
+        </p:nvSpPr>
+        <p:spPr>
+          <a:xfrm>
+            <a:off x="501650" y="2978785"/>
+            <a:ext cx="5678170" cy="1476375"/>
+          </a:xfrm>
+          <a:prstGeom prst="rect">
+            <a:avLst/>
+          </a:prstGeom>
+          <a:noFill/>
+        </p:spPr>
+        <p:txBody>
+          <a:bodyPr wrap="square" rtlCol="0" anchor="t">
+            <a:spAutoFit/>
+          </a:bodyPr>
+          <a:p>
+            <a:r>
+              <a:rPr lang="zh-CN" altLang="en-US" b="1">
+                <a:solidFill>
+                  <a:srgbClr val="2C3E50"/>
+                </a:solidFill>
+              </a:rPr>
+              <a:t>RDMA（remote direct memory access）中文全称远程内存直接访问技术，RDMA实现需要特定硬件支持，主要有三种：Infiniband、iWARP和RoCE。RDMA是在网络I/O虚拟化非常完善之后提供一项新的虚拟化I/O方案</a:t>
+            </a:r>
+            <a:endParaRPr lang="zh-CN" altLang="en-US" b="1">
+              <a:solidFill>
+                <a:srgbClr val="2C3E50"/>
+              </a:solidFill>
+            </a:endParaRPr>
+          </a:p>
+        </p:txBody>
+      </p:sp>
+      <p:sp>
+        <p:nvSpPr>
+          <p:cNvPr id="5" name="文本框 4"/>
+          <p:cNvSpPr txBox="true"/>
+          <p:nvPr/>
+        </p:nvSpPr>
+        <p:spPr>
+          <a:xfrm>
+            <a:off x="501650" y="4841240"/>
+            <a:ext cx="5602605" cy="645160"/>
+          </a:xfrm>
+          <a:prstGeom prst="rect">
+            <a:avLst/>
+          </a:prstGeom>
+          <a:noFill/>
+        </p:spPr>
+        <p:txBody>
+          <a:bodyPr wrap="square" rtlCol="0" anchor="t">
+            <a:spAutoFit/>
+          </a:bodyPr>
+          <a:p>
+            <a:r>
+              <a:rPr lang="zh-CN" altLang="en-US" b="1">
+                <a:solidFill>
+                  <a:srgbClr val="2C3E50"/>
+                </a:solidFill>
+              </a:rPr>
+              <a:t>Hadoop实现了一个分布式文件系统（Hadoop Distributed File System），简称HDFS。</a:t>
+            </a:r>
+            <a:endParaRPr lang="zh-CN" altLang="en-US" b="1">
+              <a:solidFill>
+                <a:srgbClr val="2C3E50"/>
+              </a:solidFill>
+            </a:endParaRPr>
+          </a:p>
+        </p:txBody>
+      </p:sp>
+      <p:sp>
+        <p:nvSpPr>
+          <p:cNvPr id="6" name="文本框 5"/>
+          <p:cNvSpPr txBox="true"/>
+          <p:nvPr/>
+        </p:nvSpPr>
+        <p:spPr>
+          <a:xfrm>
+            <a:off x="501650" y="5871845"/>
+            <a:ext cx="5947410" cy="1198880"/>
+          </a:xfrm>
+          <a:prstGeom prst="rect">
+            <a:avLst/>
+          </a:prstGeom>
+          <a:noFill/>
+        </p:spPr>
+        <p:txBody>
+          <a:bodyPr wrap="square" rtlCol="0" anchor="t">
+            <a:spAutoFit/>
+          </a:bodyPr>
+          <a:p>
+            <a:r>
+              <a:rPr lang="zh-CN" altLang="en-US" b="1">
+                <a:solidFill>
+                  <a:srgbClr val="2C3E50"/>
+                </a:solidFill>
+              </a:rPr>
+              <a:t>存储根据其类型，可分为块存储，对象存储和文件存储。在主流的分布式存储技术中，HDFS/GPFS/GFS属于文件存储，Swift属于对象存储，而Ceph可支持块存储、对象存储和文件存储，故称为统一存储。</a:t>
+            </a:r>
+            <a:endParaRPr lang="zh-CN" altLang="en-US" b="1">
+              <a:solidFill>
+                <a:srgbClr val="2C3E50"/>
+              </a:solidFill>
+            </a:endParaRPr>
           </a:p>
         </p:txBody>
       </p:sp>
@@ -30826,16 +31597,40 @@
         <p:nvPr/>
       </p:nvGrpSpPr>
       <p:grpSpPr/>
-      <p:sp>
-        <p:nvSpPr>
-          <p:cNvPr id="2" name="文本框 1"/>
+      <p:pic>
+        <p:nvPicPr>
+          <p:cNvPr id="2" name="图片 1"/>
+          <p:cNvPicPr>
+            <a:picLocks noChangeAspect="true"/>
+          </p:cNvPicPr>
+          <p:nvPr/>
+        </p:nvPicPr>
+        <p:blipFill>
+          <a:blip r:embed="rId1"/>
+          <a:stretch>
+            <a:fillRect/>
+          </a:stretch>
+        </p:blipFill>
+        <p:spPr>
+          <a:xfrm>
+            <a:off x="125095" y="777875"/>
+            <a:ext cx="6607810" cy="4728845"/>
+          </a:xfrm>
+          <a:prstGeom prst="rect">
+            <a:avLst/>
+          </a:prstGeom>
+        </p:spPr>
+      </p:pic>
+      <p:sp>
+        <p:nvSpPr>
+          <p:cNvPr id="3" name="文本框 2"/>
           <p:cNvSpPr txBox="true"/>
           <p:nvPr/>
         </p:nvSpPr>
         <p:spPr>
           <a:xfrm>
-            <a:off x="1957070" y="4077335"/>
-            <a:ext cx="2540000" cy="460375"/>
+            <a:off x="240665" y="6029960"/>
+            <a:ext cx="6073775" cy="645160"/>
           </a:xfrm>
           <a:prstGeom prst="rect">
             <a:avLst/>
@@ -30848,18 +31643,10 @@
           </a:bodyPr>
           <a:p>
             <a:r>
-              <a:rPr lang="zh-CN" altLang="en-US" sz="2400" b="1">
-                <a:solidFill>
-                  <a:srgbClr val="2C3E50"/>
-                </a:solidFill>
-              </a:rPr>
-              <a:t>网络虚拟化</a:t>
-            </a:r>
-            <a:endParaRPr lang="zh-CN" altLang="en-US" sz="2400" b="1">
-              <a:solidFill>
-                <a:srgbClr val="2C3E50"/>
-              </a:solidFill>
-            </a:endParaRPr>
+              <a:rPr lang="zh-CN" altLang="en-US"/>
+              <a:t>SDN/NFV等网络技术快速发展，越来越多的SDN/NFV开源项目选用DPDK作为基础的报文处理加速平台</a:t>
+            </a:r>
+            <a:endParaRPr lang="zh-CN" altLang="en-US"/>
           </a:p>
         </p:txBody>
       </p:sp>
@@ -30872,6 +31659,61 @@
 </file>
 
 <file path=ppt/slides/slide57.xml><?xml version="1.0" encoding="utf-8"?>
+<p:sld xmlns:a="http://schemas.openxmlformats.org/drawingml/2006/main" xmlns:r="http://schemas.openxmlformats.org/officeDocument/2006/relationships" xmlns:p="http://schemas.openxmlformats.org/presentationml/2006/main">
+  <p:cSld>
+    <p:spTree>
+      <p:nvGrpSpPr>
+        <p:cNvPr id="1" name=""/>
+        <p:cNvGrpSpPr/>
+        <p:nvPr/>
+      </p:nvGrpSpPr>
+      <p:grpSpPr/>
+      <p:sp>
+        <p:nvSpPr>
+          <p:cNvPr id="2" name="文本框 1"/>
+          <p:cNvSpPr txBox="true"/>
+          <p:nvPr/>
+        </p:nvSpPr>
+        <p:spPr>
+          <a:xfrm>
+            <a:off x="1957070" y="4077335"/>
+            <a:ext cx="2540000" cy="460375"/>
+          </a:xfrm>
+          <a:prstGeom prst="rect">
+            <a:avLst/>
+          </a:prstGeom>
+          <a:noFill/>
+        </p:spPr>
+        <p:txBody>
+          <a:bodyPr wrap="square" rtlCol="0" anchor="t">
+            <a:spAutoFit/>
+          </a:bodyPr>
+          <a:p>
+            <a:r>
+              <a:rPr lang="zh-CN" altLang="en-US" sz="2400" b="1">
+                <a:solidFill>
+                  <a:srgbClr val="2C3E50"/>
+                </a:solidFill>
+              </a:rPr>
+              <a:t>网络虚拟化</a:t>
+            </a:r>
+            <a:endParaRPr lang="zh-CN" altLang="en-US" sz="2400" b="1">
+              <a:solidFill>
+                <a:srgbClr val="2C3E50"/>
+              </a:solidFill>
+            </a:endParaRPr>
+          </a:p>
+        </p:txBody>
+      </p:sp>
+    </p:spTree>
+  </p:cSld>
+  <p:clrMapOvr>
+    <a:masterClrMapping/>
+  </p:clrMapOvr>
+</p:sld>
+</file>
+
+<file path=ppt/slides/slide58.xml><?xml version="1.0" encoding="utf-8"?>
 <p:sld xmlns:a="http://schemas.openxmlformats.org/drawingml/2006/main" xmlns:r="http://schemas.openxmlformats.org/officeDocument/2006/relationships" xmlns:p="http://schemas.openxmlformats.org/presentationml/2006/main">
   <p:cSld>
     <p:spTree>
@@ -31908,1127 +32750,6 @@
 </p:sld>
 </file>
 
-<file path=ppt/slides/slide58.xml><?xml version="1.0" encoding="utf-8"?>
-<p:sld xmlns:a="http://schemas.openxmlformats.org/drawingml/2006/main" xmlns:r="http://schemas.openxmlformats.org/officeDocument/2006/relationships" xmlns:p="http://schemas.openxmlformats.org/presentationml/2006/main">
-  <p:cSld>
-    <p:spTree>
-      <p:nvGrpSpPr>
-        <p:cNvPr id="1" name=""/>
-        <p:cNvGrpSpPr/>
-        <p:nvPr/>
-      </p:nvGrpSpPr>
-      <p:grpSpPr/>
-      <p:sp>
-        <p:nvSpPr>
-          <p:cNvPr id="2" name="文本框 1"/>
-          <p:cNvSpPr txBox="true"/>
-          <p:nvPr/>
-        </p:nvSpPr>
-        <p:spPr>
-          <a:xfrm>
-            <a:off x="408940" y="863600"/>
-            <a:ext cx="2540000" cy="368300"/>
-          </a:xfrm>
-          <a:prstGeom prst="rect">
-            <a:avLst/>
-          </a:prstGeom>
-          <a:noFill/>
-        </p:spPr>
-        <p:txBody>
-          <a:bodyPr wrap="square" rtlCol="0" anchor="t">
-            <a:spAutoFit/>
-          </a:bodyPr>
-          <a:p>
-            <a:r>
-              <a:rPr lang="zh-CN" altLang="en-US" b="1">
-                <a:solidFill>
-                  <a:srgbClr val="2C3E50"/>
-                </a:solidFill>
-              </a:rPr>
-              <a:t>虚拟化网络架构</a:t>
-            </a:r>
-            <a:endParaRPr lang="zh-CN" altLang="en-US" b="1">
-              <a:solidFill>
-                <a:srgbClr val="2C3E50"/>
-              </a:solidFill>
-            </a:endParaRPr>
-          </a:p>
-        </p:txBody>
-      </p:sp>
-      <p:sp>
-        <p:nvSpPr>
-          <p:cNvPr id="3" name="矩形 2"/>
-          <p:cNvSpPr/>
-          <p:nvPr/>
-        </p:nvSpPr>
-        <p:spPr>
-          <a:xfrm>
-            <a:off x="580390" y="2195195"/>
-            <a:ext cx="1395730" cy="353060"/>
-          </a:xfrm>
-          <a:prstGeom prst="rect">
-            <a:avLst/>
-          </a:prstGeom>
-          <a:noFill/>
-          <a:ln w="38100">
-            <a:solidFill>
-              <a:srgbClr val="2C3E50"/>
-            </a:solidFill>
-          </a:ln>
-          <a:extLst>
-            <a:ext uri="{909E8E84-426E-40DD-AFC4-6F175D3DCCD1}">
-              <a14:hiddenFill xmlns:a14="http://schemas.microsoft.com/office/drawing/2010/main">
-                <a:solidFill>
-                  <a:schemeClr val="accent1"/>
-                </a:solidFill>
-              </a14:hiddenFill>
-            </a:ext>
-          </a:extLst>
-        </p:spPr>
-        <p:style>
-          <a:lnRef idx="2">
-            <a:schemeClr val="accent1">
-              <a:shade val="50000"/>
-            </a:schemeClr>
-          </a:lnRef>
-          <a:fillRef idx="1">
-            <a:schemeClr val="accent1"/>
-          </a:fillRef>
-          <a:effectRef idx="0">
-            <a:schemeClr val="accent1"/>
-          </a:effectRef>
-          <a:fontRef idx="minor">
-            <a:schemeClr val="lt1"/>
-          </a:fontRef>
-        </p:style>
-        <p:txBody>
-          <a:bodyPr rtlCol="0" anchor="ctr"/>
-          <a:p>
-            <a:pPr algn="ctr"/>
-            <a:r>
-              <a:rPr lang="en-US" altLang="en-US" sz="1400" b="1">
-                <a:solidFill>
-                  <a:srgbClr val="2C3E50"/>
-                </a:solidFill>
-              </a:rPr>
-              <a:t>Guest </a:t>
-            </a:r>
-            <a:r>
-              <a:rPr lang="en-US" altLang="zh-CN" sz="1400" b="1">
-                <a:solidFill>
-                  <a:srgbClr val="2C3E50"/>
-                </a:solidFill>
-              </a:rPr>
-              <a:t>linux</a:t>
-            </a:r>
-            <a:endParaRPr lang="en-US" altLang="zh-CN" sz="1400" b="1">
-              <a:solidFill>
-                <a:srgbClr val="2C3E50"/>
-              </a:solidFill>
-            </a:endParaRPr>
-          </a:p>
-        </p:txBody>
-      </p:sp>
-      <p:sp>
-        <p:nvSpPr>
-          <p:cNvPr id="4" name="矩形 3"/>
-          <p:cNvSpPr/>
-          <p:nvPr/>
-        </p:nvSpPr>
-        <p:spPr>
-          <a:xfrm>
-            <a:off x="883285" y="2548255"/>
-            <a:ext cx="1092835" cy="353060"/>
-          </a:xfrm>
-          <a:prstGeom prst="rect">
-            <a:avLst/>
-          </a:prstGeom>
-          <a:noFill/>
-          <a:ln w="38100">
-            <a:solidFill>
-              <a:srgbClr val="2C3E50"/>
-            </a:solidFill>
-          </a:ln>
-          <a:extLst>
-            <a:ext uri="{909E8E84-426E-40DD-AFC4-6F175D3DCCD1}">
-              <a14:hiddenFill xmlns:a14="http://schemas.microsoft.com/office/drawing/2010/main">
-                <a:solidFill>
-                  <a:schemeClr val="accent1"/>
-                </a:solidFill>
-              </a14:hiddenFill>
-            </a:ext>
-          </a:extLst>
-        </p:spPr>
-        <p:style>
-          <a:lnRef idx="2">
-            <a:schemeClr val="accent1">
-              <a:shade val="50000"/>
-            </a:schemeClr>
-          </a:lnRef>
-          <a:fillRef idx="1">
-            <a:schemeClr val="accent1"/>
-          </a:fillRef>
-          <a:effectRef idx="0">
-            <a:schemeClr val="accent1"/>
-          </a:effectRef>
-          <a:fontRef idx="minor">
-            <a:schemeClr val="lt1"/>
-          </a:fontRef>
-        </p:style>
-        <p:txBody>
-          <a:bodyPr rtlCol="0" anchor="ctr"/>
-          <a:p>
-            <a:pPr algn="ctr"/>
-            <a:r>
-              <a:rPr lang="en-US" altLang="en-US" sz="1400" b="1">
-                <a:solidFill>
-                  <a:srgbClr val="2C3E50"/>
-                </a:solidFill>
-              </a:rPr>
-              <a:t>vNIC</a:t>
-            </a:r>
-            <a:endParaRPr lang="en-US" altLang="en-US" sz="1400" b="1">
-              <a:solidFill>
-                <a:srgbClr val="2C3E50"/>
-              </a:solidFill>
-            </a:endParaRPr>
-          </a:p>
-        </p:txBody>
-      </p:sp>
-      <p:sp>
-        <p:nvSpPr>
-          <p:cNvPr id="6" name="矩形 5"/>
-          <p:cNvSpPr/>
-          <p:nvPr/>
-        </p:nvSpPr>
-        <p:spPr>
-          <a:xfrm>
-            <a:off x="580390" y="1842135"/>
-            <a:ext cx="1395730" cy="353060"/>
-          </a:xfrm>
-          <a:prstGeom prst="rect">
-            <a:avLst/>
-          </a:prstGeom>
-          <a:noFill/>
-          <a:ln w="38100">
-            <a:solidFill>
-              <a:srgbClr val="2C3E50"/>
-            </a:solidFill>
-          </a:ln>
-          <a:extLst>
-            <a:ext uri="{909E8E84-426E-40DD-AFC4-6F175D3DCCD1}">
-              <a14:hiddenFill xmlns:a14="http://schemas.microsoft.com/office/drawing/2010/main">
-                <a:solidFill>
-                  <a:schemeClr val="accent1"/>
-                </a:solidFill>
-              </a14:hiddenFill>
-            </a:ext>
-          </a:extLst>
-        </p:spPr>
-        <p:style>
-          <a:lnRef idx="2">
-            <a:schemeClr val="accent1">
-              <a:shade val="50000"/>
-            </a:schemeClr>
-          </a:lnRef>
-          <a:fillRef idx="1">
-            <a:schemeClr val="accent1"/>
-          </a:fillRef>
-          <a:effectRef idx="0">
-            <a:schemeClr val="accent1"/>
-          </a:effectRef>
-          <a:fontRef idx="minor">
-            <a:schemeClr val="lt1"/>
-          </a:fontRef>
-        </p:style>
-        <p:txBody>
-          <a:bodyPr rtlCol="0" anchor="ctr"/>
-          <a:p>
-            <a:pPr algn="ctr"/>
-            <a:r>
-              <a:rPr lang="en-US" altLang="en-US" sz="1400" b="1">
-                <a:solidFill>
-                  <a:srgbClr val="2C3E50"/>
-                </a:solidFill>
-              </a:rPr>
-              <a:t>WEB server</a:t>
-            </a:r>
-            <a:endParaRPr lang="en-US" altLang="en-US" sz="1400" b="1">
-              <a:solidFill>
-                <a:srgbClr val="2C3E50"/>
-              </a:solidFill>
-            </a:endParaRPr>
-          </a:p>
-        </p:txBody>
-      </p:sp>
-      <p:sp>
-        <p:nvSpPr>
-          <p:cNvPr id="8" name="矩形 7"/>
-          <p:cNvSpPr/>
-          <p:nvPr/>
-        </p:nvSpPr>
-        <p:spPr>
-          <a:xfrm>
-            <a:off x="2541905" y="2195195"/>
-            <a:ext cx="1395730" cy="353060"/>
-          </a:xfrm>
-          <a:prstGeom prst="rect">
-            <a:avLst/>
-          </a:prstGeom>
-          <a:noFill/>
-          <a:ln w="38100">
-            <a:solidFill>
-              <a:srgbClr val="2C3E50"/>
-            </a:solidFill>
-          </a:ln>
-          <a:extLst>
-            <a:ext uri="{909E8E84-426E-40DD-AFC4-6F175D3DCCD1}">
-              <a14:hiddenFill xmlns:a14="http://schemas.microsoft.com/office/drawing/2010/main">
-                <a:solidFill>
-                  <a:schemeClr val="accent1"/>
-                </a:solidFill>
-              </a14:hiddenFill>
-            </a:ext>
-          </a:extLst>
-        </p:spPr>
-        <p:style>
-          <a:lnRef idx="2">
-            <a:schemeClr val="accent1">
-              <a:shade val="50000"/>
-            </a:schemeClr>
-          </a:lnRef>
-          <a:fillRef idx="1">
-            <a:schemeClr val="accent1"/>
-          </a:fillRef>
-          <a:effectRef idx="0">
-            <a:schemeClr val="accent1"/>
-          </a:effectRef>
-          <a:fontRef idx="minor">
-            <a:schemeClr val="lt1"/>
-          </a:fontRef>
-        </p:style>
-        <p:txBody>
-          <a:bodyPr rtlCol="0" anchor="ctr"/>
-          <a:p>
-            <a:pPr algn="ctr"/>
-            <a:r>
-              <a:rPr lang="en-US" altLang="en-US" sz="1400" b="1">
-                <a:solidFill>
-                  <a:srgbClr val="2C3E50"/>
-                </a:solidFill>
-              </a:rPr>
-              <a:t>Guest </a:t>
-            </a:r>
-            <a:r>
-              <a:rPr lang="en-US" altLang="zh-CN" sz="1400" b="1">
-                <a:solidFill>
-                  <a:srgbClr val="2C3E50"/>
-                </a:solidFill>
-              </a:rPr>
-              <a:t>linux</a:t>
-            </a:r>
-            <a:endParaRPr lang="en-US" altLang="zh-CN" sz="1400" b="1">
-              <a:solidFill>
-                <a:srgbClr val="2C3E50"/>
-              </a:solidFill>
-            </a:endParaRPr>
-          </a:p>
-        </p:txBody>
-      </p:sp>
-      <p:sp>
-        <p:nvSpPr>
-          <p:cNvPr id="9" name="矩形 8"/>
-          <p:cNvSpPr/>
-          <p:nvPr/>
-        </p:nvSpPr>
-        <p:spPr>
-          <a:xfrm>
-            <a:off x="2948940" y="2548255"/>
-            <a:ext cx="988695" cy="353060"/>
-          </a:xfrm>
-          <a:prstGeom prst="rect">
-            <a:avLst/>
-          </a:prstGeom>
-          <a:noFill/>
-          <a:ln w="38100">
-            <a:solidFill>
-              <a:srgbClr val="2C3E50"/>
-            </a:solidFill>
-          </a:ln>
-          <a:extLst>
-            <a:ext uri="{909E8E84-426E-40DD-AFC4-6F175D3DCCD1}">
-              <a14:hiddenFill xmlns:a14="http://schemas.microsoft.com/office/drawing/2010/main">
-                <a:solidFill>
-                  <a:schemeClr val="accent1"/>
-                </a:solidFill>
-              </a14:hiddenFill>
-            </a:ext>
-          </a:extLst>
-        </p:spPr>
-        <p:style>
-          <a:lnRef idx="2">
-            <a:schemeClr val="accent1">
-              <a:shade val="50000"/>
-            </a:schemeClr>
-          </a:lnRef>
-          <a:fillRef idx="1">
-            <a:schemeClr val="accent1"/>
-          </a:fillRef>
-          <a:effectRef idx="0">
-            <a:schemeClr val="accent1"/>
-          </a:effectRef>
-          <a:fontRef idx="minor">
-            <a:schemeClr val="lt1"/>
-          </a:fontRef>
-        </p:style>
-        <p:txBody>
-          <a:bodyPr rtlCol="0" anchor="ctr"/>
-          <a:p>
-            <a:pPr algn="ctr"/>
-            <a:r>
-              <a:rPr lang="en-US" altLang="en-US" sz="1400" b="1">
-                <a:solidFill>
-                  <a:srgbClr val="2C3E50"/>
-                </a:solidFill>
-              </a:rPr>
-              <a:t>vNIC</a:t>
-            </a:r>
-            <a:endParaRPr lang="en-US" altLang="en-US" sz="1400" b="1">
-              <a:solidFill>
-                <a:srgbClr val="2C3E50"/>
-              </a:solidFill>
-            </a:endParaRPr>
-          </a:p>
-        </p:txBody>
-      </p:sp>
-      <p:sp>
-        <p:nvSpPr>
-          <p:cNvPr id="10" name="矩形 9"/>
-          <p:cNvSpPr/>
-          <p:nvPr/>
-        </p:nvSpPr>
-        <p:spPr>
-          <a:xfrm>
-            <a:off x="2541905" y="1842135"/>
-            <a:ext cx="1395730" cy="353060"/>
-          </a:xfrm>
-          <a:prstGeom prst="rect">
-            <a:avLst/>
-          </a:prstGeom>
-          <a:noFill/>
-          <a:ln w="38100">
-            <a:solidFill>
-              <a:srgbClr val="2C3E50"/>
-            </a:solidFill>
-          </a:ln>
-          <a:extLst>
-            <a:ext uri="{909E8E84-426E-40DD-AFC4-6F175D3DCCD1}">
-              <a14:hiddenFill xmlns:a14="http://schemas.microsoft.com/office/drawing/2010/main">
-                <a:solidFill>
-                  <a:schemeClr val="accent1"/>
-                </a:solidFill>
-              </a14:hiddenFill>
-            </a:ext>
-          </a:extLst>
-        </p:spPr>
-        <p:style>
-          <a:lnRef idx="2">
-            <a:schemeClr val="accent1">
-              <a:shade val="50000"/>
-            </a:schemeClr>
-          </a:lnRef>
-          <a:fillRef idx="1">
-            <a:schemeClr val="accent1"/>
-          </a:fillRef>
-          <a:effectRef idx="0">
-            <a:schemeClr val="accent1"/>
-          </a:effectRef>
-          <a:fontRef idx="minor">
-            <a:schemeClr val="lt1"/>
-          </a:fontRef>
-        </p:style>
-        <p:txBody>
-          <a:bodyPr rtlCol="0" anchor="ctr"/>
-          <a:p>
-            <a:pPr algn="ctr"/>
-            <a:r>
-              <a:rPr lang="en-US" altLang="en-US" sz="1400" b="1">
-                <a:solidFill>
-                  <a:srgbClr val="2C3E50"/>
-                </a:solidFill>
-              </a:rPr>
-              <a:t>APP server</a:t>
-            </a:r>
-            <a:endParaRPr lang="en-US" altLang="en-US" sz="1400" b="1">
-              <a:solidFill>
-                <a:srgbClr val="2C3E50"/>
-              </a:solidFill>
-            </a:endParaRPr>
-          </a:p>
-        </p:txBody>
-      </p:sp>
-      <p:sp>
-        <p:nvSpPr>
-          <p:cNvPr id="12" name="矩形 11"/>
-          <p:cNvSpPr/>
-          <p:nvPr/>
-        </p:nvSpPr>
-        <p:spPr>
-          <a:xfrm>
-            <a:off x="4503420" y="2195195"/>
-            <a:ext cx="1395730" cy="353060"/>
-          </a:xfrm>
-          <a:prstGeom prst="rect">
-            <a:avLst/>
-          </a:prstGeom>
-          <a:noFill/>
-          <a:ln w="38100">
-            <a:solidFill>
-              <a:srgbClr val="2C3E50"/>
-            </a:solidFill>
-          </a:ln>
-          <a:extLst>
-            <a:ext uri="{909E8E84-426E-40DD-AFC4-6F175D3DCCD1}">
-              <a14:hiddenFill xmlns:a14="http://schemas.microsoft.com/office/drawing/2010/main">
-                <a:solidFill>
-                  <a:schemeClr val="accent1"/>
-                </a:solidFill>
-              </a14:hiddenFill>
-            </a:ext>
-          </a:extLst>
-        </p:spPr>
-        <p:style>
-          <a:lnRef idx="2">
-            <a:schemeClr val="accent1">
-              <a:shade val="50000"/>
-            </a:schemeClr>
-          </a:lnRef>
-          <a:fillRef idx="1">
-            <a:schemeClr val="accent1"/>
-          </a:fillRef>
-          <a:effectRef idx="0">
-            <a:schemeClr val="accent1"/>
-          </a:effectRef>
-          <a:fontRef idx="minor">
-            <a:schemeClr val="lt1"/>
-          </a:fontRef>
-        </p:style>
-        <p:txBody>
-          <a:bodyPr rtlCol="0" anchor="ctr"/>
-          <a:p>
-            <a:pPr algn="ctr"/>
-            <a:r>
-              <a:rPr lang="en-US" altLang="en-US" sz="1400" b="1">
-                <a:solidFill>
-                  <a:srgbClr val="2C3E50"/>
-                </a:solidFill>
-              </a:rPr>
-              <a:t>Guest </a:t>
-            </a:r>
-            <a:r>
-              <a:rPr lang="en-US" altLang="zh-CN" sz="1400" b="1">
-                <a:solidFill>
-                  <a:srgbClr val="2C3E50"/>
-                </a:solidFill>
-              </a:rPr>
-              <a:t>linux</a:t>
-            </a:r>
-            <a:endParaRPr lang="en-US" altLang="zh-CN" sz="1400" b="1">
-              <a:solidFill>
-                <a:srgbClr val="2C3E50"/>
-              </a:solidFill>
-            </a:endParaRPr>
-          </a:p>
-        </p:txBody>
-      </p:sp>
-      <p:sp>
-        <p:nvSpPr>
-          <p:cNvPr id="13" name="矩形 12"/>
-          <p:cNvSpPr/>
-          <p:nvPr/>
-        </p:nvSpPr>
-        <p:spPr>
-          <a:xfrm>
-            <a:off x="4889500" y="2548255"/>
-            <a:ext cx="1009650" cy="353060"/>
-          </a:xfrm>
-          <a:prstGeom prst="rect">
-            <a:avLst/>
-          </a:prstGeom>
-          <a:noFill/>
-          <a:ln w="38100">
-            <a:solidFill>
-              <a:srgbClr val="2C3E50"/>
-            </a:solidFill>
-          </a:ln>
-          <a:extLst>
-            <a:ext uri="{909E8E84-426E-40DD-AFC4-6F175D3DCCD1}">
-              <a14:hiddenFill xmlns:a14="http://schemas.microsoft.com/office/drawing/2010/main">
-                <a:solidFill>
-                  <a:schemeClr val="accent1"/>
-                </a:solidFill>
-              </a14:hiddenFill>
-            </a:ext>
-          </a:extLst>
-        </p:spPr>
-        <p:style>
-          <a:lnRef idx="2">
-            <a:schemeClr val="accent1">
-              <a:shade val="50000"/>
-            </a:schemeClr>
-          </a:lnRef>
-          <a:fillRef idx="1">
-            <a:schemeClr val="accent1"/>
-          </a:fillRef>
-          <a:effectRef idx="0">
-            <a:schemeClr val="accent1"/>
-          </a:effectRef>
-          <a:fontRef idx="minor">
-            <a:schemeClr val="lt1"/>
-          </a:fontRef>
-        </p:style>
-        <p:txBody>
-          <a:bodyPr rtlCol="0" anchor="ctr"/>
-          <a:p>
-            <a:pPr algn="ctr"/>
-            <a:r>
-              <a:rPr lang="en-US" altLang="en-US" sz="1400" b="1">
-                <a:solidFill>
-                  <a:srgbClr val="2C3E50"/>
-                </a:solidFill>
-              </a:rPr>
-              <a:t>vNIC</a:t>
-            </a:r>
-            <a:endParaRPr lang="en-US" altLang="en-US" sz="1400" b="1">
-              <a:solidFill>
-                <a:srgbClr val="2C3E50"/>
-              </a:solidFill>
-            </a:endParaRPr>
-          </a:p>
-        </p:txBody>
-      </p:sp>
-      <p:sp>
-        <p:nvSpPr>
-          <p:cNvPr id="14" name="矩形 13"/>
-          <p:cNvSpPr/>
-          <p:nvPr/>
-        </p:nvSpPr>
-        <p:spPr>
-          <a:xfrm>
-            <a:off x="4503420" y="1842135"/>
-            <a:ext cx="1395730" cy="353060"/>
-          </a:xfrm>
-          <a:prstGeom prst="rect">
-            <a:avLst/>
-          </a:prstGeom>
-          <a:noFill/>
-          <a:ln w="38100">
-            <a:solidFill>
-              <a:srgbClr val="2C3E50"/>
-            </a:solidFill>
-          </a:ln>
-          <a:extLst>
-            <a:ext uri="{909E8E84-426E-40DD-AFC4-6F175D3DCCD1}">
-              <a14:hiddenFill xmlns:a14="http://schemas.microsoft.com/office/drawing/2010/main">
-                <a:solidFill>
-                  <a:schemeClr val="accent1"/>
-                </a:solidFill>
-              </a14:hiddenFill>
-            </a:ext>
-          </a:extLst>
-        </p:spPr>
-        <p:style>
-          <a:lnRef idx="2">
-            <a:schemeClr val="accent1">
-              <a:shade val="50000"/>
-            </a:schemeClr>
-          </a:lnRef>
-          <a:fillRef idx="1">
-            <a:schemeClr val="accent1"/>
-          </a:fillRef>
-          <a:effectRef idx="0">
-            <a:schemeClr val="accent1"/>
-          </a:effectRef>
-          <a:fontRef idx="minor">
-            <a:schemeClr val="lt1"/>
-          </a:fontRef>
-        </p:style>
-        <p:txBody>
-          <a:bodyPr rtlCol="0" anchor="ctr"/>
-          <a:p>
-            <a:pPr algn="ctr"/>
-            <a:r>
-              <a:rPr lang="en-US" altLang="en-US" sz="1400" b="1">
-                <a:solidFill>
-                  <a:srgbClr val="2C3E50"/>
-                </a:solidFill>
-              </a:rPr>
-              <a:t>DB server</a:t>
-            </a:r>
-            <a:endParaRPr lang="en-US" altLang="en-US" sz="1400" b="1">
-              <a:solidFill>
-                <a:srgbClr val="2C3E50"/>
-              </a:solidFill>
-            </a:endParaRPr>
-          </a:p>
-        </p:txBody>
-      </p:sp>
-      <p:sp>
-        <p:nvSpPr>
-          <p:cNvPr id="15" name="矩形 14"/>
-          <p:cNvSpPr/>
-          <p:nvPr/>
-        </p:nvSpPr>
-        <p:spPr>
-          <a:xfrm>
-            <a:off x="580390" y="2548255"/>
-            <a:ext cx="5318760" cy="1784350"/>
-          </a:xfrm>
-          <a:prstGeom prst="rect">
-            <a:avLst/>
-          </a:prstGeom>
-          <a:noFill/>
-          <a:ln w="38100">
-            <a:solidFill>
-              <a:srgbClr val="2C3E50"/>
-            </a:solidFill>
-          </a:ln>
-          <a:extLst>
-            <a:ext uri="{909E8E84-426E-40DD-AFC4-6F175D3DCCD1}">
-              <a14:hiddenFill xmlns:a14="http://schemas.microsoft.com/office/drawing/2010/main">
-                <a:solidFill>
-                  <a:schemeClr val="accent1"/>
-                </a:solidFill>
-              </a14:hiddenFill>
-            </a:ext>
-          </a:extLst>
-        </p:spPr>
-        <p:style>
-          <a:lnRef idx="2">
-            <a:schemeClr val="accent1">
-              <a:shade val="50000"/>
-            </a:schemeClr>
-          </a:lnRef>
-          <a:fillRef idx="1">
-            <a:schemeClr val="accent1"/>
-          </a:fillRef>
-          <a:effectRef idx="0">
-            <a:schemeClr val="accent1"/>
-          </a:effectRef>
-          <a:fontRef idx="minor">
-            <a:schemeClr val="lt1"/>
-          </a:fontRef>
-        </p:style>
-        <p:txBody>
-          <a:bodyPr rtlCol="0" anchor="ctr"/>
-          <a:p>
-            <a:pPr algn="ctr"/>
-            <a:endParaRPr lang="zh-CN" altLang="en-US"/>
-          </a:p>
-        </p:txBody>
-      </p:sp>
-      <p:sp>
-        <p:nvSpPr>
-          <p:cNvPr id="16" name="文本框 15"/>
-          <p:cNvSpPr txBox="true"/>
-          <p:nvPr/>
-        </p:nvSpPr>
-        <p:spPr>
-          <a:xfrm>
-            <a:off x="3717290" y="3911600"/>
-            <a:ext cx="2181860" cy="368300"/>
-          </a:xfrm>
-          <a:prstGeom prst="rect">
-            <a:avLst/>
-          </a:prstGeom>
-          <a:noFill/>
-        </p:spPr>
-        <p:txBody>
-          <a:bodyPr wrap="none" rtlCol="0">
-            <a:spAutoFit/>
-          </a:bodyPr>
-          <a:p>
-            <a:r>
-              <a:rPr lang="en-US" altLang="zh-CN" b="1">
-                <a:solidFill>
-                  <a:srgbClr val="2C3E50"/>
-                </a:solidFill>
-              </a:rPr>
-              <a:t>kvm/hypervisor</a:t>
-            </a:r>
-            <a:endParaRPr lang="en-US" altLang="zh-CN" b="1">
-              <a:solidFill>
-                <a:srgbClr val="2C3E50"/>
-              </a:solidFill>
-            </a:endParaRPr>
-          </a:p>
-        </p:txBody>
-      </p:sp>
-      <p:sp>
-        <p:nvSpPr>
-          <p:cNvPr id="18" name="六边形 17"/>
-          <p:cNvSpPr/>
-          <p:nvPr/>
-        </p:nvSpPr>
-        <p:spPr>
-          <a:xfrm>
-            <a:off x="1976120" y="3440430"/>
-            <a:ext cx="1245235" cy="471170"/>
-          </a:xfrm>
-          <a:prstGeom prst="hexagon">
-            <a:avLst/>
-          </a:prstGeom>
-          <a:noFill/>
-          <a:ln w="38100">
-            <a:solidFill>
-              <a:srgbClr val="2C3E50"/>
-            </a:solidFill>
-          </a:ln>
-          <a:extLst>
-            <a:ext uri="{909E8E84-426E-40DD-AFC4-6F175D3DCCD1}">
-              <a14:hiddenFill xmlns:a14="http://schemas.microsoft.com/office/drawing/2010/main">
-                <a:solidFill>
-                  <a:schemeClr val="accent1"/>
-                </a:solidFill>
-              </a14:hiddenFill>
-            </a:ext>
-          </a:extLst>
-        </p:spPr>
-        <p:style>
-          <a:lnRef idx="2">
-            <a:schemeClr val="accent1">
-              <a:shade val="50000"/>
-            </a:schemeClr>
-          </a:lnRef>
-          <a:fillRef idx="1">
-            <a:schemeClr val="accent1"/>
-          </a:fillRef>
-          <a:effectRef idx="0">
-            <a:schemeClr val="accent1"/>
-          </a:effectRef>
-          <a:fontRef idx="minor">
-            <a:schemeClr val="lt1"/>
-          </a:fontRef>
-        </p:style>
-        <p:txBody>
-          <a:bodyPr rtlCol="0" anchor="ctr"/>
-          <a:p>
-            <a:pPr algn="ctr"/>
-            <a:r>
-              <a:rPr lang="en-US" altLang="en-US" sz="1400" b="1">
-                <a:solidFill>
-                  <a:srgbClr val="2C3E50"/>
-                </a:solidFill>
-              </a:rPr>
-              <a:t>v </a:t>
-            </a:r>
-            <a:r>
-              <a:rPr lang="en-US" altLang="zh-CN" sz="1400" b="1">
-                <a:solidFill>
-                  <a:srgbClr val="2C3E50"/>
-                </a:solidFill>
-              </a:rPr>
-              <a:t>switch</a:t>
-            </a:r>
-            <a:endParaRPr lang="en-US" altLang="zh-CN" sz="1400" b="1">
-              <a:solidFill>
-                <a:srgbClr val="2C3E50"/>
-              </a:solidFill>
-            </a:endParaRPr>
-          </a:p>
-        </p:txBody>
-      </p:sp>
-      <p:sp>
-        <p:nvSpPr>
-          <p:cNvPr id="19" name="矩形 18"/>
-          <p:cNvSpPr/>
-          <p:nvPr/>
-        </p:nvSpPr>
-        <p:spPr>
-          <a:xfrm>
-            <a:off x="580390" y="4332605"/>
-            <a:ext cx="3500120" cy="370205"/>
-          </a:xfrm>
-          <a:prstGeom prst="rect">
-            <a:avLst/>
-          </a:prstGeom>
-          <a:noFill/>
-          <a:ln w="38100">
-            <a:solidFill>
-              <a:srgbClr val="2C3E50"/>
-            </a:solidFill>
-          </a:ln>
-          <a:extLst>
-            <a:ext uri="{909E8E84-426E-40DD-AFC4-6F175D3DCCD1}">
-              <a14:hiddenFill xmlns:a14="http://schemas.microsoft.com/office/drawing/2010/main">
-                <a:solidFill>
-                  <a:schemeClr val="accent1"/>
-                </a:solidFill>
-              </a14:hiddenFill>
-            </a:ext>
-          </a:extLst>
-        </p:spPr>
-        <p:style>
-          <a:lnRef idx="2">
-            <a:schemeClr val="accent1">
-              <a:shade val="50000"/>
-            </a:schemeClr>
-          </a:lnRef>
-          <a:fillRef idx="1">
-            <a:schemeClr val="accent1"/>
-          </a:fillRef>
-          <a:effectRef idx="0">
-            <a:schemeClr val="accent1"/>
-          </a:effectRef>
-          <a:fontRef idx="minor">
-            <a:schemeClr val="lt1"/>
-          </a:fontRef>
-        </p:style>
-        <p:txBody>
-          <a:bodyPr rtlCol="0" anchor="ctr"/>
-          <a:p>
-            <a:pPr algn="ctr"/>
-            <a:r>
-              <a:rPr lang="en-US" altLang="zh-CN" b="1">
-                <a:solidFill>
-                  <a:srgbClr val="2C3E50"/>
-                </a:solidFill>
-              </a:rPr>
-              <a:t>NIC</a:t>
-            </a:r>
-            <a:endParaRPr lang="en-US" altLang="zh-CN" b="1">
-              <a:solidFill>
-                <a:srgbClr val="2C3E50"/>
-              </a:solidFill>
-            </a:endParaRPr>
-          </a:p>
-        </p:txBody>
-      </p:sp>
-      <p:cxnSp>
-        <p:nvCxnSpPr>
-          <p:cNvPr id="20" name="肘形连接符 19"/>
-          <p:cNvCxnSpPr>
-            <a:stCxn id="4" idx="2"/>
-            <a:endCxn id="18" idx="3"/>
-          </p:cNvCxnSpPr>
-          <p:nvPr/>
-        </p:nvCxnSpPr>
-        <p:spPr>
-          <a:xfrm rot="5400000" flipV="true">
-            <a:off x="1315720" y="3023870"/>
-            <a:ext cx="774700" cy="546100"/>
-          </a:xfrm>
-          <a:prstGeom prst="bentConnector2">
-            <a:avLst/>
-          </a:prstGeom>
-          <a:ln w="38100">
-            <a:solidFill>
-              <a:srgbClr val="3EAF7C"/>
-            </a:solidFill>
-            <a:tailEnd type="arrow"/>
-          </a:ln>
-        </p:spPr>
-        <p:style>
-          <a:lnRef idx="1">
-            <a:schemeClr val="accent1"/>
-          </a:lnRef>
-          <a:fillRef idx="0">
-            <a:schemeClr val="accent1"/>
-          </a:fillRef>
-          <a:effectRef idx="0">
-            <a:schemeClr val="accent1"/>
-          </a:effectRef>
-          <a:fontRef idx="minor">
-            <a:schemeClr val="tx1"/>
-          </a:fontRef>
-        </p:style>
-      </p:cxnSp>
-      <p:cxnSp>
-        <p:nvCxnSpPr>
-          <p:cNvPr id="21" name="肘形连接符 20"/>
-          <p:cNvCxnSpPr>
-            <a:stCxn id="9" idx="2"/>
-          </p:cNvCxnSpPr>
-          <p:nvPr/>
-        </p:nvCxnSpPr>
-        <p:spPr>
-          <a:xfrm rot="5400000">
-            <a:off x="2928620" y="2950210"/>
-            <a:ext cx="555625" cy="473710"/>
-          </a:xfrm>
-          <a:prstGeom prst="bentConnector3">
-            <a:avLst>
-              <a:gd name="adj1" fmla="val 50000"/>
-            </a:avLst>
-          </a:prstGeom>
-          <a:ln w="38100">
-            <a:solidFill>
-              <a:srgbClr val="3EAF7C"/>
-            </a:solidFill>
-            <a:tailEnd type="arrow"/>
-          </a:ln>
-        </p:spPr>
-        <p:style>
-          <a:lnRef idx="1">
-            <a:schemeClr val="accent1"/>
-          </a:lnRef>
-          <a:fillRef idx="0">
-            <a:schemeClr val="accent1"/>
-          </a:fillRef>
-          <a:effectRef idx="0">
-            <a:schemeClr val="accent1"/>
-          </a:effectRef>
-          <a:fontRef idx="minor">
-            <a:schemeClr val="tx1"/>
-          </a:fontRef>
-        </p:style>
-      </p:cxnSp>
-      <p:cxnSp>
-        <p:nvCxnSpPr>
-          <p:cNvPr id="22" name="肘形连接符 21"/>
-          <p:cNvCxnSpPr>
-            <a:stCxn id="13" idx="2"/>
-            <a:endCxn id="18" idx="0"/>
-          </p:cNvCxnSpPr>
-          <p:nvPr/>
-        </p:nvCxnSpPr>
-        <p:spPr>
-          <a:xfrm rot="5400000">
-            <a:off x="3920490" y="2210435"/>
-            <a:ext cx="774700" cy="2172970"/>
-          </a:xfrm>
-          <a:prstGeom prst="bentConnector2">
-            <a:avLst/>
-          </a:prstGeom>
-          <a:ln w="38100">
-            <a:solidFill>
-              <a:srgbClr val="3EAF7C"/>
-            </a:solidFill>
-            <a:tailEnd type="arrow"/>
-          </a:ln>
-        </p:spPr>
-        <p:style>
-          <a:lnRef idx="1">
-            <a:schemeClr val="accent1"/>
-          </a:lnRef>
-          <a:fillRef idx="0">
-            <a:schemeClr val="accent1"/>
-          </a:fillRef>
-          <a:effectRef idx="0">
-            <a:schemeClr val="accent1"/>
-          </a:effectRef>
-          <a:fontRef idx="minor">
-            <a:schemeClr val="tx1"/>
-          </a:fontRef>
-        </p:style>
-      </p:cxnSp>
-      <p:cxnSp>
-        <p:nvCxnSpPr>
-          <p:cNvPr id="23" name="肘形连接符 22"/>
-          <p:cNvCxnSpPr>
-            <a:endCxn id="19" idx="0"/>
-          </p:cNvCxnSpPr>
-          <p:nvPr/>
-        </p:nvCxnSpPr>
-        <p:spPr>
-          <a:xfrm rot="5400000">
-            <a:off x="2237740" y="3987165"/>
-            <a:ext cx="437515" cy="252095"/>
-          </a:xfrm>
-          <a:prstGeom prst="bentConnector3">
-            <a:avLst>
-              <a:gd name="adj1" fmla="val 50073"/>
-            </a:avLst>
-          </a:prstGeom>
-          <a:ln w="38100">
-            <a:solidFill>
-              <a:srgbClr val="3EAF7C"/>
-            </a:solidFill>
-            <a:tailEnd type="arrow"/>
-          </a:ln>
-        </p:spPr>
-        <p:style>
-          <a:lnRef idx="1">
-            <a:schemeClr val="accent1"/>
-          </a:lnRef>
-          <a:fillRef idx="0">
-            <a:schemeClr val="accent1"/>
-          </a:fillRef>
-          <a:effectRef idx="0">
-            <a:schemeClr val="accent1"/>
-          </a:effectRef>
-          <a:fontRef idx="minor">
-            <a:schemeClr val="tx1"/>
-          </a:fontRef>
-        </p:style>
-      </p:cxnSp>
-      <p:sp>
-        <p:nvSpPr>
-          <p:cNvPr id="24" name="文本框 23"/>
-          <p:cNvSpPr txBox="true"/>
-          <p:nvPr/>
-        </p:nvSpPr>
-        <p:spPr>
-          <a:xfrm>
-            <a:off x="579755" y="5772150"/>
-            <a:ext cx="5319395" cy="1383665"/>
-          </a:xfrm>
-          <a:prstGeom prst="rect">
-            <a:avLst/>
-          </a:prstGeom>
-          <a:noFill/>
-        </p:spPr>
-        <p:txBody>
-          <a:bodyPr wrap="square" rtlCol="0" anchor="t">
-            <a:spAutoFit/>
-          </a:bodyPr>
-          <a:p>
-            <a:r>
-              <a:rPr lang="zh-CN" altLang="en-US" sz="1400" b="1">
-                <a:solidFill>
-                  <a:srgbClr val="2C3E50"/>
-                </a:solidFill>
-              </a:rPr>
-              <a:t>对于问题 1），可以利用虚拟化层 Hypervisor 的调度技术，将资源从空闲的应用上调度到繁忙的应用上，达到资源的合理利用；</a:t>
-            </a:r>
-            <a:endParaRPr lang="zh-CN" altLang="en-US" sz="1400" b="1">
-              <a:solidFill>
-                <a:srgbClr val="2C3E50"/>
-              </a:solidFill>
-            </a:endParaRPr>
-          </a:p>
-          <a:p>
-            <a:endParaRPr lang="zh-CN" altLang="en-US" sz="1400" b="1">
-              <a:solidFill>
-                <a:srgbClr val="2C3E50"/>
-              </a:solidFill>
-            </a:endParaRPr>
-          </a:p>
-          <a:p>
-            <a:r>
-              <a:rPr lang="zh-CN" altLang="en-US" sz="1400" b="1">
-                <a:solidFill>
-                  <a:srgbClr val="2C3E50"/>
-                </a:solidFill>
-              </a:rPr>
-              <a:t>对于问题 2），可以根据物理设备的资源使用情况进行横向扩容，除非设备资源已经用尽，否则没有必要新增设备</a:t>
-            </a:r>
-            <a:endParaRPr lang="zh-CN" altLang="en-US" sz="1400" b="1">
-              <a:solidFill>
-                <a:srgbClr val="2C3E50"/>
-              </a:solidFill>
-            </a:endParaRPr>
-          </a:p>
-        </p:txBody>
-      </p:sp>
-    </p:spTree>
-  </p:cSld>
-  <p:clrMapOvr>
-    <a:masterClrMapping/>
-  </p:clrMapOvr>
-</p:sld>
-</file>
-
 <file path=ppt/slides/slide59.xml><?xml version="1.0" encoding="utf-8"?>
 <p:sld xmlns:a="http://schemas.openxmlformats.org/drawingml/2006/main" xmlns:r="http://schemas.openxmlformats.org/officeDocument/2006/relationships" xmlns:p="http://schemas.openxmlformats.org/presentationml/2006/main">
   <p:cSld>
@@ -33041,14 +32762,51 @@
       <p:grpSpPr/>
       <p:sp>
         <p:nvSpPr>
+          <p:cNvPr id="2" name="文本框 1"/>
+          <p:cNvSpPr txBox="true"/>
+          <p:nvPr/>
+        </p:nvSpPr>
+        <p:spPr>
+          <a:xfrm>
+            <a:off x="408940" y="863600"/>
+            <a:ext cx="2540000" cy="368300"/>
+          </a:xfrm>
+          <a:prstGeom prst="rect">
+            <a:avLst/>
+          </a:prstGeom>
+          <a:noFill/>
+        </p:spPr>
+        <p:txBody>
+          <a:bodyPr wrap="square" rtlCol="0" anchor="t">
+            <a:spAutoFit/>
+          </a:bodyPr>
+          <a:p>
+            <a:r>
+              <a:rPr lang="zh-CN" altLang="en-US" b="1">
+                <a:solidFill>
+                  <a:srgbClr val="2C3E50"/>
+                </a:solidFill>
+              </a:rPr>
+              <a:t>虚拟化网络架构</a:t>
+            </a:r>
+            <a:endParaRPr lang="zh-CN" altLang="en-US" b="1">
+              <a:solidFill>
+                <a:srgbClr val="2C3E50"/>
+              </a:solidFill>
+            </a:endParaRPr>
+          </a:p>
+        </p:txBody>
+      </p:sp>
+      <p:sp>
+        <p:nvSpPr>
           <p:cNvPr id="3" name="矩形 2"/>
           <p:cNvSpPr/>
           <p:nvPr/>
         </p:nvSpPr>
         <p:spPr>
           <a:xfrm>
-            <a:off x="580390" y="2957195"/>
-            <a:ext cx="693420" cy="290830"/>
+            <a:off x="580390" y="2195195"/>
+            <a:ext cx="1395730" cy="353060"/>
           </a:xfrm>
           <a:prstGeom prst="rect">
             <a:avLst/>
@@ -33090,7 +32848,7 @@
           <a:p>
             <a:pPr algn="ctr"/>
             <a:r>
-              <a:rPr lang="en-US" altLang="en-US" sz="800" b="1">
+              <a:rPr lang="en-US" altLang="en-US" sz="1400" b="1">
                 <a:solidFill>
                   <a:srgbClr val="2C3E50"/>
                 </a:solidFill>
@@ -33098,14 +32856,14 @@
               <a:t>Guest </a:t>
             </a:r>
             <a:r>
-              <a:rPr lang="en-US" altLang="zh-CN" sz="800" b="1">
+              <a:rPr lang="en-US" altLang="zh-CN" sz="1400" b="1">
                 <a:solidFill>
                   <a:srgbClr val="2C3E50"/>
                 </a:solidFill>
               </a:rPr>
               <a:t>linux</a:t>
             </a:r>
-            <a:endParaRPr lang="en-US" altLang="zh-CN" sz="800" b="1">
+            <a:endParaRPr lang="en-US" altLang="zh-CN" sz="1400" b="1">
               <a:solidFill>
                 <a:srgbClr val="2C3E50"/>
               </a:solidFill>
@@ -33121,8 +32879,8 @@
         </p:nvSpPr>
         <p:spPr>
           <a:xfrm>
-            <a:off x="730885" y="3248025"/>
-            <a:ext cx="542925" cy="290830"/>
+            <a:off x="883285" y="2548255"/>
+            <a:ext cx="1092835" cy="353060"/>
           </a:xfrm>
           <a:prstGeom prst="rect">
             <a:avLst/>
@@ -33164,14 +32922,14 @@
           <a:p>
             <a:pPr algn="ctr"/>
             <a:r>
-              <a:rPr lang="en-US" altLang="en-US" sz="800" b="1">
+              <a:rPr lang="en-US" altLang="en-US" sz="1400" b="1">
                 <a:solidFill>
                   <a:srgbClr val="2C3E50"/>
                 </a:solidFill>
               </a:rPr>
               <a:t>vNIC</a:t>
             </a:r>
-            <a:endParaRPr lang="en-US" altLang="en-US" sz="800" b="1">
+            <a:endParaRPr lang="en-US" altLang="en-US" sz="1400" b="1">
               <a:solidFill>
                 <a:srgbClr val="2C3E50"/>
               </a:solidFill>
@@ -33187,8 +32945,8 @@
         </p:nvSpPr>
         <p:spPr>
           <a:xfrm>
-            <a:off x="580390" y="2666365"/>
-            <a:ext cx="693420" cy="290830"/>
+            <a:off x="580390" y="1842135"/>
+            <a:ext cx="1395730" cy="353060"/>
           </a:xfrm>
           <a:prstGeom prst="rect">
             <a:avLst/>
@@ -33230,14 +32988,14 @@
           <a:p>
             <a:pPr algn="ctr"/>
             <a:r>
-              <a:rPr lang="en-US" altLang="en-US" sz="800" b="1">
+              <a:rPr lang="en-US" altLang="en-US" sz="1400" b="1">
                 <a:solidFill>
                   <a:srgbClr val="2C3E50"/>
                 </a:solidFill>
               </a:rPr>
               <a:t>WEB server</a:t>
             </a:r>
-            <a:endParaRPr lang="en-US" altLang="en-US" sz="800" b="1">
+            <a:endParaRPr lang="en-US" altLang="en-US" sz="1400" b="1">
               <a:solidFill>
                 <a:srgbClr val="2C3E50"/>
               </a:solidFill>
@@ -33253,8 +33011,8 @@
         </p:nvSpPr>
         <p:spPr>
           <a:xfrm>
-            <a:off x="1555115" y="2957195"/>
-            <a:ext cx="693420" cy="290830"/>
+            <a:off x="2541905" y="2195195"/>
+            <a:ext cx="1395730" cy="353060"/>
           </a:xfrm>
           <a:prstGeom prst="rect">
             <a:avLst/>
@@ -33296,7 +33054,7 @@
           <a:p>
             <a:pPr algn="ctr"/>
             <a:r>
-              <a:rPr lang="en-US" altLang="en-US" sz="800" b="1">
+              <a:rPr lang="en-US" altLang="en-US" sz="1400" b="1">
                 <a:solidFill>
                   <a:srgbClr val="2C3E50"/>
                 </a:solidFill>
@@ -33304,14 +33062,14 @@
               <a:t>Guest </a:t>
             </a:r>
             <a:r>
-              <a:rPr lang="en-US" altLang="zh-CN" sz="800" b="1">
+              <a:rPr lang="en-US" altLang="zh-CN" sz="1400" b="1">
                 <a:solidFill>
                   <a:srgbClr val="2C3E50"/>
                 </a:solidFill>
               </a:rPr>
               <a:t>linux</a:t>
             </a:r>
-            <a:endParaRPr lang="en-US" altLang="zh-CN" sz="800" b="1">
+            <a:endParaRPr lang="en-US" altLang="zh-CN" sz="1400" b="1">
               <a:solidFill>
                 <a:srgbClr val="2C3E50"/>
               </a:solidFill>
@@ -33327,8 +33085,8 @@
         </p:nvSpPr>
         <p:spPr>
           <a:xfrm>
-            <a:off x="1757045" y="3248025"/>
-            <a:ext cx="491490" cy="290830"/>
+            <a:off x="2948940" y="2548255"/>
+            <a:ext cx="988695" cy="353060"/>
           </a:xfrm>
           <a:prstGeom prst="rect">
             <a:avLst/>
@@ -33370,14 +33128,14 @@
           <a:p>
             <a:pPr algn="ctr"/>
             <a:r>
-              <a:rPr lang="en-US" altLang="en-US" sz="800" b="1">
+              <a:rPr lang="en-US" altLang="en-US" sz="1400" b="1">
                 <a:solidFill>
                   <a:srgbClr val="2C3E50"/>
                 </a:solidFill>
               </a:rPr>
               <a:t>vNIC</a:t>
             </a:r>
-            <a:endParaRPr lang="en-US" altLang="en-US" sz="800" b="1">
+            <a:endParaRPr lang="en-US" altLang="en-US" sz="1400" b="1">
               <a:solidFill>
                 <a:srgbClr val="2C3E50"/>
               </a:solidFill>
@@ -33393,8 +33151,8 @@
         </p:nvSpPr>
         <p:spPr>
           <a:xfrm>
-            <a:off x="1555115" y="2666365"/>
-            <a:ext cx="693420" cy="290830"/>
+            <a:off x="2541905" y="1842135"/>
+            <a:ext cx="1395730" cy="353060"/>
           </a:xfrm>
           <a:prstGeom prst="rect">
             <a:avLst/>
@@ -33436,14 +33194,14 @@
           <a:p>
             <a:pPr algn="ctr"/>
             <a:r>
-              <a:rPr lang="en-US" altLang="en-US" sz="800" b="1">
+              <a:rPr lang="en-US" altLang="en-US" sz="1400" b="1">
                 <a:solidFill>
                   <a:srgbClr val="2C3E50"/>
                 </a:solidFill>
               </a:rPr>
               <a:t>APP server</a:t>
             </a:r>
-            <a:endParaRPr lang="en-US" altLang="en-US" sz="800" b="1">
+            <a:endParaRPr lang="en-US" altLang="en-US" sz="1400" b="1">
               <a:solidFill>
                 <a:srgbClr val="2C3E50"/>
               </a:solidFill>
@@ -33459,8 +33217,8 @@
         </p:nvSpPr>
         <p:spPr>
           <a:xfrm>
-            <a:off x="2529840" y="2957195"/>
-            <a:ext cx="693420" cy="290830"/>
+            <a:off x="4503420" y="2195195"/>
+            <a:ext cx="1395730" cy="353060"/>
           </a:xfrm>
           <a:prstGeom prst="rect">
             <a:avLst/>
@@ -33502,7 +33260,7 @@
           <a:p>
             <a:pPr algn="ctr"/>
             <a:r>
-              <a:rPr lang="en-US" altLang="en-US" sz="800" b="1">
+              <a:rPr lang="en-US" altLang="en-US" sz="1400" b="1">
                 <a:solidFill>
                   <a:srgbClr val="2C3E50"/>
                 </a:solidFill>
@@ -33510,14 +33268,14 @@
               <a:t>Guest </a:t>
             </a:r>
             <a:r>
-              <a:rPr lang="en-US" altLang="zh-CN" sz="800" b="1">
+              <a:rPr lang="en-US" altLang="zh-CN" sz="1400" b="1">
                 <a:solidFill>
                   <a:srgbClr val="2C3E50"/>
                 </a:solidFill>
               </a:rPr>
               <a:t>linux</a:t>
             </a:r>
-            <a:endParaRPr lang="en-US" altLang="zh-CN" sz="800" b="1">
+            <a:endParaRPr lang="en-US" altLang="zh-CN" sz="1400" b="1">
               <a:solidFill>
                 <a:srgbClr val="2C3E50"/>
               </a:solidFill>
@@ -33533,8 +33291,8 @@
         </p:nvSpPr>
         <p:spPr>
           <a:xfrm>
-            <a:off x="2721610" y="3248025"/>
-            <a:ext cx="501650" cy="290830"/>
+            <a:off x="4889500" y="2548255"/>
+            <a:ext cx="1009650" cy="353060"/>
           </a:xfrm>
           <a:prstGeom prst="rect">
             <a:avLst/>
@@ -33576,14 +33334,14 @@
           <a:p>
             <a:pPr algn="ctr"/>
             <a:r>
-              <a:rPr lang="en-US" altLang="en-US" sz="800" b="1">
+              <a:rPr lang="en-US" altLang="en-US" sz="1400" b="1">
                 <a:solidFill>
                   <a:srgbClr val="2C3E50"/>
                 </a:solidFill>
               </a:rPr>
               <a:t>vNIC</a:t>
             </a:r>
-            <a:endParaRPr lang="en-US" altLang="en-US" sz="800" b="1">
+            <a:endParaRPr lang="en-US" altLang="en-US" sz="1400" b="1">
               <a:solidFill>
                 <a:srgbClr val="2C3E50"/>
               </a:solidFill>
@@ -33599,8 +33357,8 @@
         </p:nvSpPr>
         <p:spPr>
           <a:xfrm>
-            <a:off x="2529840" y="2666365"/>
-            <a:ext cx="693420" cy="290830"/>
+            <a:off x="4503420" y="1842135"/>
+            <a:ext cx="1395730" cy="353060"/>
           </a:xfrm>
           <a:prstGeom prst="rect">
             <a:avLst/>
@@ -33642,14 +33400,14 @@
           <a:p>
             <a:pPr algn="ctr"/>
             <a:r>
-              <a:rPr lang="en-US" altLang="en-US" sz="800" b="1">
+              <a:rPr lang="en-US" altLang="en-US" sz="1400" b="1">
                 <a:solidFill>
                   <a:srgbClr val="2C3E50"/>
                 </a:solidFill>
               </a:rPr>
               <a:t>DB server</a:t>
             </a:r>
-            <a:endParaRPr lang="en-US" altLang="en-US" sz="800" b="1">
+            <a:endParaRPr lang="en-US" altLang="en-US" sz="1400" b="1">
               <a:solidFill>
                 <a:srgbClr val="2C3E50"/>
               </a:solidFill>
@@ -33665,8 +33423,8 @@
         </p:nvSpPr>
         <p:spPr>
           <a:xfrm>
-            <a:off x="580390" y="3248025"/>
-            <a:ext cx="2642870" cy="1469390"/>
+            <a:off x="580390" y="2548255"/>
+            <a:ext cx="5318760" cy="1784350"/>
           </a:xfrm>
           <a:prstGeom prst="rect">
             <a:avLst/>
@@ -33707,7 +33465,7 @@
           <a:bodyPr rtlCol="0" anchor="ctr"/>
           <a:p>
             <a:pPr algn="ctr"/>
-            <a:endParaRPr lang="zh-CN" altLang="en-US" sz="800"/>
+            <a:endParaRPr lang="zh-CN" altLang="en-US"/>
           </a:p>
         </p:txBody>
       </p:sp>
@@ -33719,8 +33477,8 @@
         </p:nvSpPr>
         <p:spPr>
           <a:xfrm>
-            <a:off x="2139315" y="4370705"/>
-            <a:ext cx="1083945" cy="213995"/>
+            <a:off x="3717290" y="3911600"/>
+            <a:ext cx="2181860" cy="368300"/>
           </a:xfrm>
           <a:prstGeom prst="rect">
             <a:avLst/>
@@ -33728,38 +33486,38 @@
           <a:noFill/>
         </p:spPr>
         <p:txBody>
-          <a:bodyPr wrap="square" rtlCol="0">
+          <a:bodyPr wrap="none" rtlCol="0">
             <a:spAutoFit/>
           </a:bodyPr>
           <a:p>
             <a:r>
-              <a:rPr lang="en-US" altLang="zh-CN" sz="800" b="1">
+              <a:rPr lang="en-US" altLang="zh-CN" b="1">
                 <a:solidFill>
                   <a:srgbClr val="2C3E50"/>
                 </a:solidFill>
               </a:rPr>
               <a:t>kvm/hypervisor</a:t>
             </a:r>
-            <a:endParaRPr lang="en-US" altLang="zh-CN" sz="800" b="1">
-              <a:solidFill>
-                <a:srgbClr val="2C3E50"/>
-              </a:solidFill>
-            </a:endParaRPr>
-          </a:p>
-        </p:txBody>
-      </p:sp>
-      <p:sp>
-        <p:nvSpPr>
-          <p:cNvPr id="19" name="矩形 18"/>
+            <a:endParaRPr lang="en-US" altLang="zh-CN" b="1">
+              <a:solidFill>
+                <a:srgbClr val="2C3E50"/>
+              </a:solidFill>
+            </a:endParaRPr>
+          </a:p>
+        </p:txBody>
+      </p:sp>
+      <p:sp>
+        <p:nvSpPr>
+          <p:cNvPr id="18" name="六边形 17"/>
           <p:cNvSpPr/>
           <p:nvPr/>
         </p:nvSpPr>
         <p:spPr>
           <a:xfrm>
-            <a:off x="580390" y="4717415"/>
-            <a:ext cx="1739265" cy="304800"/>
-          </a:xfrm>
-          <a:prstGeom prst="rect">
+            <a:off x="1976120" y="3440430"/>
+            <a:ext cx="1245235" cy="471170"/>
+          </a:xfrm>
+          <a:prstGeom prst="hexagon">
             <a:avLst/>
           </a:prstGeom>
           <a:noFill/>
@@ -33799,31 +33557,39 @@
           <a:p>
             <a:pPr algn="ctr"/>
             <a:r>
-              <a:rPr lang="en-US" altLang="zh-CN" sz="800" b="1">
-                <a:solidFill>
-                  <a:srgbClr val="2C3E50"/>
-                </a:solidFill>
-              </a:rPr>
-              <a:t>NIC</a:t>
-            </a:r>
-            <a:endParaRPr lang="en-US" altLang="zh-CN" sz="800" b="1">
-              <a:solidFill>
-                <a:srgbClr val="2C3E50"/>
-              </a:solidFill>
-            </a:endParaRPr>
-          </a:p>
-        </p:txBody>
-      </p:sp>
-      <p:sp>
-        <p:nvSpPr>
-          <p:cNvPr id="7" name="矩形 6"/>
+              <a:rPr lang="en-US" altLang="en-US" sz="1400" b="1">
+                <a:solidFill>
+                  <a:srgbClr val="2C3E50"/>
+                </a:solidFill>
+              </a:rPr>
+              <a:t>v </a:t>
+            </a:r>
+            <a:r>
+              <a:rPr lang="en-US" altLang="zh-CN" sz="1400" b="1">
+                <a:solidFill>
+                  <a:srgbClr val="2C3E50"/>
+                </a:solidFill>
+              </a:rPr>
+              <a:t>switch</a:t>
+            </a:r>
+            <a:endParaRPr lang="en-US" altLang="zh-CN" sz="1400" b="1">
+              <a:solidFill>
+                <a:srgbClr val="2C3E50"/>
+              </a:solidFill>
+            </a:endParaRPr>
+          </a:p>
+        </p:txBody>
+      </p:sp>
+      <p:sp>
+        <p:nvSpPr>
+          <p:cNvPr id="19" name="矩形 18"/>
           <p:cNvSpPr/>
           <p:nvPr/>
         </p:nvSpPr>
         <p:spPr>
           <a:xfrm>
-            <a:off x="3467100" y="2957195"/>
-            <a:ext cx="693420" cy="290830"/>
+            <a:off x="580390" y="4332605"/>
+            <a:ext cx="3500120" cy="370205"/>
           </a:xfrm>
           <a:prstGeom prst="rect">
             <a:avLst/>
@@ -33865,783 +33631,231 @@
           <a:p>
             <a:pPr algn="ctr"/>
             <a:r>
-              <a:rPr lang="en-US" altLang="en-US" sz="800" b="1">
-                <a:solidFill>
-                  <a:srgbClr val="2C3E50"/>
-                </a:solidFill>
-              </a:rPr>
-              <a:t>Guest </a:t>
-            </a:r>
-            <a:r>
-              <a:rPr lang="en-US" altLang="zh-CN" sz="800" b="1">
-                <a:solidFill>
-                  <a:srgbClr val="2C3E50"/>
-                </a:solidFill>
-              </a:rPr>
-              <a:t>linux</a:t>
-            </a:r>
-            <a:endParaRPr lang="en-US" altLang="zh-CN" sz="800" b="1">
-              <a:solidFill>
-                <a:srgbClr val="2C3E50"/>
-              </a:solidFill>
-            </a:endParaRPr>
-          </a:p>
-        </p:txBody>
-      </p:sp>
-      <p:sp>
-        <p:nvSpPr>
-          <p:cNvPr id="11" name="矩形 10"/>
-          <p:cNvSpPr/>
-          <p:nvPr/>
-        </p:nvSpPr>
-        <p:spPr>
-          <a:xfrm>
-            <a:off x="3617595" y="3248025"/>
-            <a:ext cx="542925" cy="290830"/>
+              <a:rPr lang="en-US" altLang="zh-CN" b="1">
+                <a:solidFill>
+                  <a:srgbClr val="2C3E50"/>
+                </a:solidFill>
+              </a:rPr>
+              <a:t>NIC</a:t>
+            </a:r>
+            <a:endParaRPr lang="en-US" altLang="zh-CN" b="1">
+              <a:solidFill>
+                <a:srgbClr val="2C3E50"/>
+              </a:solidFill>
+            </a:endParaRPr>
+          </a:p>
+        </p:txBody>
+      </p:sp>
+      <p:cxnSp>
+        <p:nvCxnSpPr>
+          <p:cNvPr id="20" name="肘形连接符 19"/>
+          <p:cNvCxnSpPr>
+            <a:stCxn id="4" idx="2"/>
+            <a:endCxn id="18" idx="3"/>
+          </p:cNvCxnSpPr>
+          <p:nvPr/>
+        </p:nvCxnSpPr>
+        <p:spPr>
+          <a:xfrm rot="5400000" flipV="true">
+            <a:off x="1315720" y="3023870"/>
+            <a:ext cx="774700" cy="546100"/>
+          </a:xfrm>
+          <a:prstGeom prst="bentConnector2">
+            <a:avLst/>
+          </a:prstGeom>
+          <a:ln w="38100">
+            <a:solidFill>
+              <a:srgbClr val="3EAF7C"/>
+            </a:solidFill>
+            <a:tailEnd type="arrow"/>
+          </a:ln>
+        </p:spPr>
+        <p:style>
+          <a:lnRef idx="1">
+            <a:schemeClr val="accent1"/>
+          </a:lnRef>
+          <a:fillRef idx="0">
+            <a:schemeClr val="accent1"/>
+          </a:fillRef>
+          <a:effectRef idx="0">
+            <a:schemeClr val="accent1"/>
+          </a:effectRef>
+          <a:fontRef idx="minor">
+            <a:schemeClr val="tx1"/>
+          </a:fontRef>
+        </p:style>
+      </p:cxnSp>
+      <p:cxnSp>
+        <p:nvCxnSpPr>
+          <p:cNvPr id="21" name="肘形连接符 20"/>
+          <p:cNvCxnSpPr>
+            <a:stCxn id="9" idx="2"/>
+          </p:cNvCxnSpPr>
+          <p:nvPr/>
+        </p:nvCxnSpPr>
+        <p:spPr>
+          <a:xfrm rot="5400000">
+            <a:off x="2928620" y="2950210"/>
+            <a:ext cx="555625" cy="473710"/>
+          </a:xfrm>
+          <a:prstGeom prst="bentConnector3">
+            <a:avLst>
+              <a:gd name="adj1" fmla="val 50000"/>
+            </a:avLst>
+          </a:prstGeom>
+          <a:ln w="38100">
+            <a:solidFill>
+              <a:srgbClr val="3EAF7C"/>
+            </a:solidFill>
+            <a:tailEnd type="arrow"/>
+          </a:ln>
+        </p:spPr>
+        <p:style>
+          <a:lnRef idx="1">
+            <a:schemeClr val="accent1"/>
+          </a:lnRef>
+          <a:fillRef idx="0">
+            <a:schemeClr val="accent1"/>
+          </a:fillRef>
+          <a:effectRef idx="0">
+            <a:schemeClr val="accent1"/>
+          </a:effectRef>
+          <a:fontRef idx="minor">
+            <a:schemeClr val="tx1"/>
+          </a:fontRef>
+        </p:style>
+      </p:cxnSp>
+      <p:cxnSp>
+        <p:nvCxnSpPr>
+          <p:cNvPr id="22" name="肘形连接符 21"/>
+          <p:cNvCxnSpPr>
+            <a:stCxn id="13" idx="2"/>
+            <a:endCxn id="18" idx="0"/>
+          </p:cNvCxnSpPr>
+          <p:nvPr/>
+        </p:nvCxnSpPr>
+        <p:spPr>
+          <a:xfrm rot="5400000">
+            <a:off x="3920490" y="2210435"/>
+            <a:ext cx="774700" cy="2172970"/>
+          </a:xfrm>
+          <a:prstGeom prst="bentConnector2">
+            <a:avLst/>
+          </a:prstGeom>
+          <a:ln w="38100">
+            <a:solidFill>
+              <a:srgbClr val="3EAF7C"/>
+            </a:solidFill>
+            <a:tailEnd type="arrow"/>
+          </a:ln>
+        </p:spPr>
+        <p:style>
+          <a:lnRef idx="1">
+            <a:schemeClr val="accent1"/>
+          </a:lnRef>
+          <a:fillRef idx="0">
+            <a:schemeClr val="accent1"/>
+          </a:fillRef>
+          <a:effectRef idx="0">
+            <a:schemeClr val="accent1"/>
+          </a:effectRef>
+          <a:fontRef idx="minor">
+            <a:schemeClr val="tx1"/>
+          </a:fontRef>
+        </p:style>
+      </p:cxnSp>
+      <p:cxnSp>
+        <p:nvCxnSpPr>
+          <p:cNvPr id="23" name="肘形连接符 22"/>
+          <p:cNvCxnSpPr>
+            <a:endCxn id="19" idx="0"/>
+          </p:cNvCxnSpPr>
+          <p:nvPr/>
+        </p:nvCxnSpPr>
+        <p:spPr>
+          <a:xfrm rot="5400000">
+            <a:off x="2237740" y="3987165"/>
+            <a:ext cx="437515" cy="252095"/>
+          </a:xfrm>
+          <a:prstGeom prst="bentConnector3">
+            <a:avLst>
+              <a:gd name="adj1" fmla="val 50073"/>
+            </a:avLst>
+          </a:prstGeom>
+          <a:ln w="38100">
+            <a:solidFill>
+              <a:srgbClr val="3EAF7C"/>
+            </a:solidFill>
+            <a:tailEnd type="arrow"/>
+          </a:ln>
+        </p:spPr>
+        <p:style>
+          <a:lnRef idx="1">
+            <a:schemeClr val="accent1"/>
+          </a:lnRef>
+          <a:fillRef idx="0">
+            <a:schemeClr val="accent1"/>
+          </a:fillRef>
+          <a:effectRef idx="0">
+            <a:schemeClr val="accent1"/>
+          </a:effectRef>
+          <a:fontRef idx="minor">
+            <a:schemeClr val="tx1"/>
+          </a:fontRef>
+        </p:style>
+      </p:cxnSp>
+      <p:sp>
+        <p:nvSpPr>
+          <p:cNvPr id="24" name="文本框 23"/>
+          <p:cNvSpPr txBox="true"/>
+          <p:nvPr/>
+        </p:nvSpPr>
+        <p:spPr>
+          <a:xfrm>
+            <a:off x="579755" y="5772150"/>
+            <a:ext cx="5319395" cy="1383665"/>
           </a:xfrm>
           <a:prstGeom prst="rect">
             <a:avLst/>
           </a:prstGeom>
           <a:noFill/>
-          <a:ln w="38100">
-            <a:solidFill>
-              <a:srgbClr val="2C3E50"/>
-            </a:solidFill>
-          </a:ln>
-          <a:extLst>
-            <a:ext uri="{909E8E84-426E-40DD-AFC4-6F175D3DCCD1}">
-              <a14:hiddenFill xmlns:a14="http://schemas.microsoft.com/office/drawing/2010/main">
-                <a:solidFill>
-                  <a:schemeClr val="accent1"/>
-                </a:solidFill>
-              </a14:hiddenFill>
-            </a:ext>
-          </a:extLst>
-        </p:spPr>
-        <p:style>
-          <a:lnRef idx="2">
-            <a:schemeClr val="accent1">
-              <a:shade val="50000"/>
-            </a:schemeClr>
-          </a:lnRef>
-          <a:fillRef idx="1">
-            <a:schemeClr val="accent1"/>
-          </a:fillRef>
-          <a:effectRef idx="0">
-            <a:schemeClr val="accent1"/>
-          </a:effectRef>
-          <a:fontRef idx="minor">
-            <a:schemeClr val="lt1"/>
-          </a:fontRef>
-        </p:style>
-        <p:txBody>
-          <a:bodyPr rtlCol="0" anchor="ctr"/>
-          <a:p>
-            <a:pPr algn="ctr"/>
-            <a:r>
-              <a:rPr lang="en-US" altLang="en-US" sz="800" b="1">
-                <a:solidFill>
-                  <a:srgbClr val="2C3E50"/>
-                </a:solidFill>
-              </a:rPr>
-              <a:t>vNIC</a:t>
-            </a:r>
-            <a:endParaRPr lang="en-US" altLang="en-US" sz="800" b="1">
-              <a:solidFill>
-                <a:srgbClr val="2C3E50"/>
-              </a:solidFill>
-            </a:endParaRPr>
-          </a:p>
-        </p:txBody>
-      </p:sp>
-      <p:sp>
-        <p:nvSpPr>
-          <p:cNvPr id="17" name="矩形 16"/>
-          <p:cNvSpPr/>
-          <p:nvPr/>
-        </p:nvSpPr>
-        <p:spPr>
-          <a:xfrm>
-            <a:off x="3467100" y="2666365"/>
-            <a:ext cx="693420" cy="290830"/>
-          </a:xfrm>
-          <a:prstGeom prst="rect">
-            <a:avLst/>
-          </a:prstGeom>
-          <a:noFill/>
-          <a:ln w="38100">
-            <a:solidFill>
-              <a:srgbClr val="2C3E50"/>
-            </a:solidFill>
-          </a:ln>
-          <a:extLst>
-            <a:ext uri="{909E8E84-426E-40DD-AFC4-6F175D3DCCD1}">
-              <a14:hiddenFill xmlns:a14="http://schemas.microsoft.com/office/drawing/2010/main">
-                <a:solidFill>
-                  <a:schemeClr val="accent1"/>
-                </a:solidFill>
-              </a14:hiddenFill>
-            </a:ext>
-          </a:extLst>
-        </p:spPr>
-        <p:style>
-          <a:lnRef idx="2">
-            <a:schemeClr val="accent1">
-              <a:shade val="50000"/>
-            </a:schemeClr>
-          </a:lnRef>
-          <a:fillRef idx="1">
-            <a:schemeClr val="accent1"/>
-          </a:fillRef>
-          <a:effectRef idx="0">
-            <a:schemeClr val="accent1"/>
-          </a:effectRef>
-          <a:fontRef idx="minor">
-            <a:schemeClr val="lt1"/>
-          </a:fontRef>
-        </p:style>
-        <p:txBody>
-          <a:bodyPr rtlCol="0" anchor="ctr"/>
-          <a:p>
-            <a:pPr algn="ctr"/>
-            <a:r>
-              <a:rPr lang="en-US" altLang="en-US" sz="800" b="1">
-                <a:solidFill>
-                  <a:srgbClr val="2C3E50"/>
-                </a:solidFill>
-              </a:rPr>
-              <a:t>WEB server</a:t>
-            </a:r>
-            <a:endParaRPr lang="en-US" altLang="en-US" sz="800" b="1">
-              <a:solidFill>
-                <a:srgbClr val="2C3E50"/>
-              </a:solidFill>
-            </a:endParaRPr>
-          </a:p>
-        </p:txBody>
-      </p:sp>
-      <p:sp>
-        <p:nvSpPr>
-          <p:cNvPr id="24" name="矩形 23"/>
-          <p:cNvSpPr/>
-          <p:nvPr/>
-        </p:nvSpPr>
-        <p:spPr>
-          <a:xfrm>
-            <a:off x="4441825" y="2957195"/>
-            <a:ext cx="693420" cy="290830"/>
-          </a:xfrm>
-          <a:prstGeom prst="rect">
-            <a:avLst/>
-          </a:prstGeom>
-          <a:noFill/>
-          <a:ln w="38100">
-            <a:solidFill>
-              <a:srgbClr val="2C3E50"/>
-            </a:solidFill>
-          </a:ln>
-          <a:extLst>
-            <a:ext uri="{909E8E84-426E-40DD-AFC4-6F175D3DCCD1}">
-              <a14:hiddenFill xmlns:a14="http://schemas.microsoft.com/office/drawing/2010/main">
-                <a:solidFill>
-                  <a:schemeClr val="accent1"/>
-                </a:solidFill>
-              </a14:hiddenFill>
-            </a:ext>
-          </a:extLst>
-        </p:spPr>
-        <p:style>
-          <a:lnRef idx="2">
-            <a:schemeClr val="accent1">
-              <a:shade val="50000"/>
-            </a:schemeClr>
-          </a:lnRef>
-          <a:fillRef idx="1">
-            <a:schemeClr val="accent1"/>
-          </a:fillRef>
-          <a:effectRef idx="0">
-            <a:schemeClr val="accent1"/>
-          </a:effectRef>
-          <a:fontRef idx="minor">
-            <a:schemeClr val="lt1"/>
-          </a:fontRef>
-        </p:style>
-        <p:txBody>
-          <a:bodyPr rtlCol="0" anchor="ctr"/>
-          <a:p>
-            <a:pPr algn="ctr"/>
-            <a:r>
-              <a:rPr lang="en-US" altLang="en-US" sz="800" b="1">
-                <a:solidFill>
-                  <a:srgbClr val="2C3E50"/>
-                </a:solidFill>
-              </a:rPr>
-              <a:t>Guest </a:t>
-            </a:r>
-            <a:r>
-              <a:rPr lang="en-US" altLang="zh-CN" sz="800" b="1">
-                <a:solidFill>
-                  <a:srgbClr val="2C3E50"/>
-                </a:solidFill>
-              </a:rPr>
-              <a:t>linux</a:t>
-            </a:r>
-            <a:endParaRPr lang="en-US" altLang="zh-CN" sz="800" b="1">
-              <a:solidFill>
-                <a:srgbClr val="2C3E50"/>
-              </a:solidFill>
-            </a:endParaRPr>
-          </a:p>
-        </p:txBody>
-      </p:sp>
-      <p:sp>
-        <p:nvSpPr>
-          <p:cNvPr id="25" name="矩形 24"/>
-          <p:cNvSpPr/>
-          <p:nvPr/>
-        </p:nvSpPr>
-        <p:spPr>
-          <a:xfrm>
-            <a:off x="4643755" y="3248025"/>
-            <a:ext cx="491490" cy="290830"/>
-          </a:xfrm>
-          <a:prstGeom prst="rect">
-            <a:avLst/>
-          </a:prstGeom>
-          <a:noFill/>
-          <a:ln w="38100">
-            <a:solidFill>
-              <a:srgbClr val="2C3E50"/>
-            </a:solidFill>
-          </a:ln>
-          <a:extLst>
-            <a:ext uri="{909E8E84-426E-40DD-AFC4-6F175D3DCCD1}">
-              <a14:hiddenFill xmlns:a14="http://schemas.microsoft.com/office/drawing/2010/main">
-                <a:solidFill>
-                  <a:schemeClr val="accent1"/>
-                </a:solidFill>
-              </a14:hiddenFill>
-            </a:ext>
-          </a:extLst>
-        </p:spPr>
-        <p:style>
-          <a:lnRef idx="2">
-            <a:schemeClr val="accent1">
-              <a:shade val="50000"/>
-            </a:schemeClr>
-          </a:lnRef>
-          <a:fillRef idx="1">
-            <a:schemeClr val="accent1"/>
-          </a:fillRef>
-          <a:effectRef idx="0">
-            <a:schemeClr val="accent1"/>
-          </a:effectRef>
-          <a:fontRef idx="minor">
-            <a:schemeClr val="lt1"/>
-          </a:fontRef>
-        </p:style>
-        <p:txBody>
-          <a:bodyPr rtlCol="0" anchor="ctr"/>
-          <a:p>
-            <a:pPr algn="ctr"/>
-            <a:r>
-              <a:rPr lang="en-US" altLang="en-US" sz="800" b="1">
-                <a:solidFill>
-                  <a:srgbClr val="2C3E50"/>
-                </a:solidFill>
-              </a:rPr>
-              <a:t>vNIC</a:t>
-            </a:r>
-            <a:endParaRPr lang="en-US" altLang="en-US" sz="800" b="1">
-              <a:solidFill>
-                <a:srgbClr val="2C3E50"/>
-              </a:solidFill>
-            </a:endParaRPr>
-          </a:p>
-        </p:txBody>
-      </p:sp>
-      <p:sp>
-        <p:nvSpPr>
-          <p:cNvPr id="26" name="矩形 25"/>
-          <p:cNvSpPr/>
-          <p:nvPr/>
-        </p:nvSpPr>
-        <p:spPr>
-          <a:xfrm>
-            <a:off x="4441825" y="2666365"/>
-            <a:ext cx="693420" cy="290830"/>
-          </a:xfrm>
-          <a:prstGeom prst="rect">
-            <a:avLst/>
-          </a:prstGeom>
-          <a:noFill/>
-          <a:ln w="38100">
-            <a:solidFill>
-              <a:srgbClr val="2C3E50"/>
-            </a:solidFill>
-          </a:ln>
-          <a:extLst>
-            <a:ext uri="{909E8E84-426E-40DD-AFC4-6F175D3DCCD1}">
-              <a14:hiddenFill xmlns:a14="http://schemas.microsoft.com/office/drawing/2010/main">
-                <a:solidFill>
-                  <a:schemeClr val="accent1"/>
-                </a:solidFill>
-              </a14:hiddenFill>
-            </a:ext>
-          </a:extLst>
-        </p:spPr>
-        <p:style>
-          <a:lnRef idx="2">
-            <a:schemeClr val="accent1">
-              <a:shade val="50000"/>
-            </a:schemeClr>
-          </a:lnRef>
-          <a:fillRef idx="1">
-            <a:schemeClr val="accent1"/>
-          </a:fillRef>
-          <a:effectRef idx="0">
-            <a:schemeClr val="accent1"/>
-          </a:effectRef>
-          <a:fontRef idx="minor">
-            <a:schemeClr val="lt1"/>
-          </a:fontRef>
-        </p:style>
-        <p:txBody>
-          <a:bodyPr rtlCol="0" anchor="ctr"/>
-          <a:p>
-            <a:pPr algn="ctr"/>
-            <a:r>
-              <a:rPr lang="en-US" altLang="en-US" sz="800" b="1">
-                <a:solidFill>
-                  <a:srgbClr val="2C3E50"/>
-                </a:solidFill>
-              </a:rPr>
-              <a:t>APP server</a:t>
-            </a:r>
-            <a:endParaRPr lang="en-US" altLang="en-US" sz="800" b="1">
-              <a:solidFill>
-                <a:srgbClr val="2C3E50"/>
-              </a:solidFill>
-            </a:endParaRPr>
-          </a:p>
-        </p:txBody>
-      </p:sp>
-      <p:sp>
-        <p:nvSpPr>
-          <p:cNvPr id="27" name="矩形 26"/>
-          <p:cNvSpPr/>
-          <p:nvPr/>
-        </p:nvSpPr>
-        <p:spPr>
-          <a:xfrm>
-            <a:off x="5416550" y="2957195"/>
-            <a:ext cx="693420" cy="290830"/>
-          </a:xfrm>
-          <a:prstGeom prst="rect">
-            <a:avLst/>
-          </a:prstGeom>
-          <a:noFill/>
-          <a:ln w="38100">
-            <a:solidFill>
-              <a:srgbClr val="2C3E50"/>
-            </a:solidFill>
-          </a:ln>
-          <a:extLst>
-            <a:ext uri="{909E8E84-426E-40DD-AFC4-6F175D3DCCD1}">
-              <a14:hiddenFill xmlns:a14="http://schemas.microsoft.com/office/drawing/2010/main">
-                <a:solidFill>
-                  <a:schemeClr val="accent1"/>
-                </a:solidFill>
-              </a14:hiddenFill>
-            </a:ext>
-          </a:extLst>
-        </p:spPr>
-        <p:style>
-          <a:lnRef idx="2">
-            <a:schemeClr val="accent1">
-              <a:shade val="50000"/>
-            </a:schemeClr>
-          </a:lnRef>
-          <a:fillRef idx="1">
-            <a:schemeClr val="accent1"/>
-          </a:fillRef>
-          <a:effectRef idx="0">
-            <a:schemeClr val="accent1"/>
-          </a:effectRef>
-          <a:fontRef idx="minor">
-            <a:schemeClr val="lt1"/>
-          </a:fontRef>
-        </p:style>
-        <p:txBody>
-          <a:bodyPr rtlCol="0" anchor="ctr"/>
-          <a:p>
-            <a:pPr algn="ctr"/>
-            <a:r>
-              <a:rPr lang="en-US" altLang="en-US" sz="800" b="1">
-                <a:solidFill>
-                  <a:srgbClr val="2C3E50"/>
-                </a:solidFill>
-              </a:rPr>
-              <a:t>Guest </a:t>
-            </a:r>
-            <a:r>
-              <a:rPr lang="en-US" altLang="zh-CN" sz="800" b="1">
-                <a:solidFill>
-                  <a:srgbClr val="2C3E50"/>
-                </a:solidFill>
-              </a:rPr>
-              <a:t>linux</a:t>
-            </a:r>
-            <a:endParaRPr lang="en-US" altLang="zh-CN" sz="800" b="1">
-              <a:solidFill>
-                <a:srgbClr val="2C3E50"/>
-              </a:solidFill>
-            </a:endParaRPr>
-          </a:p>
-        </p:txBody>
-      </p:sp>
-      <p:sp>
-        <p:nvSpPr>
-          <p:cNvPr id="28" name="矩形 27"/>
-          <p:cNvSpPr/>
-          <p:nvPr/>
-        </p:nvSpPr>
-        <p:spPr>
-          <a:xfrm>
-            <a:off x="5608320" y="3248025"/>
-            <a:ext cx="501650" cy="290830"/>
-          </a:xfrm>
-          <a:prstGeom prst="rect">
-            <a:avLst/>
-          </a:prstGeom>
-          <a:noFill/>
-          <a:ln w="38100">
-            <a:solidFill>
-              <a:srgbClr val="2C3E50"/>
-            </a:solidFill>
-          </a:ln>
-          <a:extLst>
-            <a:ext uri="{909E8E84-426E-40DD-AFC4-6F175D3DCCD1}">
-              <a14:hiddenFill xmlns:a14="http://schemas.microsoft.com/office/drawing/2010/main">
-                <a:solidFill>
-                  <a:schemeClr val="accent1"/>
-                </a:solidFill>
-              </a14:hiddenFill>
-            </a:ext>
-          </a:extLst>
-        </p:spPr>
-        <p:style>
-          <a:lnRef idx="2">
-            <a:schemeClr val="accent1">
-              <a:shade val="50000"/>
-            </a:schemeClr>
-          </a:lnRef>
-          <a:fillRef idx="1">
-            <a:schemeClr val="accent1"/>
-          </a:fillRef>
-          <a:effectRef idx="0">
-            <a:schemeClr val="accent1"/>
-          </a:effectRef>
-          <a:fontRef idx="minor">
-            <a:schemeClr val="lt1"/>
-          </a:fontRef>
-        </p:style>
-        <p:txBody>
-          <a:bodyPr rtlCol="0" anchor="ctr"/>
-          <a:p>
-            <a:pPr algn="ctr"/>
-            <a:r>
-              <a:rPr lang="en-US" altLang="en-US" sz="800" b="1">
-                <a:solidFill>
-                  <a:srgbClr val="2C3E50"/>
-                </a:solidFill>
-              </a:rPr>
-              <a:t>vNIC</a:t>
-            </a:r>
-            <a:endParaRPr lang="en-US" altLang="en-US" sz="800" b="1">
-              <a:solidFill>
-                <a:srgbClr val="2C3E50"/>
-              </a:solidFill>
-            </a:endParaRPr>
-          </a:p>
-        </p:txBody>
-      </p:sp>
-      <p:sp>
-        <p:nvSpPr>
-          <p:cNvPr id="29" name="矩形 28"/>
-          <p:cNvSpPr/>
-          <p:nvPr/>
-        </p:nvSpPr>
-        <p:spPr>
-          <a:xfrm>
-            <a:off x="5416550" y="2666365"/>
-            <a:ext cx="693420" cy="290830"/>
-          </a:xfrm>
-          <a:prstGeom prst="rect">
-            <a:avLst/>
-          </a:prstGeom>
-          <a:noFill/>
-          <a:ln w="38100">
-            <a:solidFill>
-              <a:srgbClr val="2C3E50"/>
-            </a:solidFill>
-          </a:ln>
-          <a:extLst>
-            <a:ext uri="{909E8E84-426E-40DD-AFC4-6F175D3DCCD1}">
-              <a14:hiddenFill xmlns:a14="http://schemas.microsoft.com/office/drawing/2010/main">
-                <a:solidFill>
-                  <a:schemeClr val="accent1"/>
-                </a:solidFill>
-              </a14:hiddenFill>
-            </a:ext>
-          </a:extLst>
-        </p:spPr>
-        <p:style>
-          <a:lnRef idx="2">
-            <a:schemeClr val="accent1">
-              <a:shade val="50000"/>
-            </a:schemeClr>
-          </a:lnRef>
-          <a:fillRef idx="1">
-            <a:schemeClr val="accent1"/>
-          </a:fillRef>
-          <a:effectRef idx="0">
-            <a:schemeClr val="accent1"/>
-          </a:effectRef>
-          <a:fontRef idx="minor">
-            <a:schemeClr val="lt1"/>
-          </a:fontRef>
-        </p:style>
-        <p:txBody>
-          <a:bodyPr rtlCol="0" anchor="ctr"/>
-          <a:p>
-            <a:pPr algn="ctr"/>
-            <a:r>
-              <a:rPr lang="en-US" altLang="en-US" sz="800" b="1">
-                <a:solidFill>
-                  <a:srgbClr val="2C3E50"/>
-                </a:solidFill>
-              </a:rPr>
-              <a:t>DB server</a:t>
-            </a:r>
-            <a:endParaRPr lang="en-US" altLang="en-US" sz="800" b="1">
-              <a:solidFill>
-                <a:srgbClr val="2C3E50"/>
-              </a:solidFill>
-            </a:endParaRPr>
-          </a:p>
-        </p:txBody>
-      </p:sp>
-      <p:sp>
-        <p:nvSpPr>
-          <p:cNvPr id="30" name="矩形 29"/>
-          <p:cNvSpPr/>
-          <p:nvPr/>
-        </p:nvSpPr>
-        <p:spPr>
-          <a:xfrm>
-            <a:off x="3467100" y="3248025"/>
-            <a:ext cx="2642870" cy="1469390"/>
-          </a:xfrm>
-          <a:prstGeom prst="rect">
-            <a:avLst/>
-          </a:prstGeom>
-          <a:noFill/>
-          <a:ln w="38100">
-            <a:solidFill>
-              <a:srgbClr val="2C3E50"/>
-            </a:solidFill>
-          </a:ln>
-          <a:extLst>
-            <a:ext uri="{909E8E84-426E-40DD-AFC4-6F175D3DCCD1}">
-              <a14:hiddenFill xmlns:a14="http://schemas.microsoft.com/office/drawing/2010/main">
-                <a:solidFill>
-                  <a:schemeClr val="accent1"/>
-                </a:solidFill>
-              </a14:hiddenFill>
-            </a:ext>
-          </a:extLst>
-        </p:spPr>
-        <p:style>
-          <a:lnRef idx="2">
-            <a:schemeClr val="accent1">
-              <a:shade val="50000"/>
-            </a:schemeClr>
-          </a:lnRef>
-          <a:fillRef idx="1">
-            <a:schemeClr val="accent1"/>
-          </a:fillRef>
-          <a:effectRef idx="0">
-            <a:schemeClr val="accent1"/>
-          </a:effectRef>
-          <a:fontRef idx="minor">
-            <a:schemeClr val="lt1"/>
-          </a:fontRef>
-        </p:style>
-        <p:txBody>
-          <a:bodyPr rtlCol="0" anchor="ctr"/>
-          <a:p>
-            <a:pPr algn="ctr"/>
-            <a:endParaRPr lang="zh-CN" altLang="en-US" sz="800"/>
-          </a:p>
-        </p:txBody>
-      </p:sp>
-      <p:sp>
-        <p:nvSpPr>
-          <p:cNvPr id="31" name="文本框 30"/>
-          <p:cNvSpPr txBox="true"/>
-          <p:nvPr/>
-        </p:nvSpPr>
-        <p:spPr>
-          <a:xfrm>
-            <a:off x="5026025" y="4370705"/>
-            <a:ext cx="1083945" cy="213995"/>
-          </a:xfrm>
-          <a:prstGeom prst="rect">
-            <a:avLst/>
-          </a:prstGeom>
-          <a:noFill/>
-        </p:spPr>
-        <p:txBody>
-          <a:bodyPr wrap="square" rtlCol="0">
+        </p:spPr>
+        <p:txBody>
+          <a:bodyPr wrap="square" rtlCol="0" anchor="t">
             <a:spAutoFit/>
           </a:bodyPr>
           <a:p>
             <a:r>
-              <a:rPr lang="en-US" altLang="zh-CN" sz="800" b="1">
-                <a:solidFill>
-                  <a:srgbClr val="2C3E50"/>
-                </a:solidFill>
-              </a:rPr>
-              <a:t>kvm/hypervisor</a:t>
-            </a:r>
-            <a:endParaRPr lang="en-US" altLang="zh-CN" sz="800" b="1">
-              <a:solidFill>
-                <a:srgbClr val="2C3E50"/>
-              </a:solidFill>
-            </a:endParaRPr>
-          </a:p>
-        </p:txBody>
-      </p:sp>
-      <p:sp>
-        <p:nvSpPr>
-          <p:cNvPr id="33" name="矩形 32"/>
-          <p:cNvSpPr/>
-          <p:nvPr/>
-        </p:nvSpPr>
-        <p:spPr>
-          <a:xfrm>
-            <a:off x="3467100" y="4717415"/>
-            <a:ext cx="1739265" cy="304800"/>
-          </a:xfrm>
-          <a:prstGeom prst="rect">
-            <a:avLst/>
-          </a:prstGeom>
-          <a:noFill/>
-          <a:ln w="38100">
-            <a:solidFill>
-              <a:srgbClr val="2C3E50"/>
-            </a:solidFill>
-          </a:ln>
-          <a:extLst>
-            <a:ext uri="{909E8E84-426E-40DD-AFC4-6F175D3DCCD1}">
-              <a14:hiddenFill xmlns:a14="http://schemas.microsoft.com/office/drawing/2010/main">
-                <a:solidFill>
-                  <a:schemeClr val="accent1"/>
-                </a:solidFill>
-              </a14:hiddenFill>
-            </a:ext>
-          </a:extLst>
-        </p:spPr>
-        <p:style>
-          <a:lnRef idx="2">
-            <a:schemeClr val="accent1">
-              <a:shade val="50000"/>
-            </a:schemeClr>
-          </a:lnRef>
-          <a:fillRef idx="1">
-            <a:schemeClr val="accent1"/>
-          </a:fillRef>
-          <a:effectRef idx="0">
-            <a:schemeClr val="accent1"/>
-          </a:effectRef>
-          <a:fontRef idx="minor">
-            <a:schemeClr val="lt1"/>
-          </a:fontRef>
-        </p:style>
-        <p:txBody>
-          <a:bodyPr rtlCol="0" anchor="ctr"/>
-          <a:p>
-            <a:pPr algn="ctr"/>
-            <a:r>
-              <a:rPr lang="en-US" altLang="zh-CN" sz="800" b="1">
-                <a:solidFill>
-                  <a:srgbClr val="2C3E50"/>
-                </a:solidFill>
-              </a:rPr>
-              <a:t>NIC</a:t>
-            </a:r>
-            <a:endParaRPr lang="en-US" altLang="zh-CN" sz="800" b="1">
-              <a:solidFill>
-                <a:srgbClr val="2C3E50"/>
-              </a:solidFill>
-            </a:endParaRPr>
-          </a:p>
-        </p:txBody>
-      </p:sp>
-      <p:sp>
-        <p:nvSpPr>
-          <p:cNvPr id="38" name="矩形 37"/>
-          <p:cNvSpPr/>
-          <p:nvPr/>
-        </p:nvSpPr>
-        <p:spPr>
-          <a:xfrm>
-            <a:off x="730885" y="3772535"/>
-            <a:ext cx="5317490" cy="420370"/>
-          </a:xfrm>
-          <a:prstGeom prst="rect">
-            <a:avLst/>
-          </a:prstGeom>
-          <a:solidFill>
-            <a:srgbClr val="3EAF7C"/>
-          </a:solidFill>
-          <a:ln w="38100">
-            <a:solidFill>
-              <a:srgbClr val="2C3E50"/>
-            </a:solidFill>
-            <a:prstDash val="sysDash"/>
-          </a:ln>
-        </p:spPr>
-        <p:style>
-          <a:lnRef idx="2">
-            <a:schemeClr val="accent1">
-              <a:shade val="50000"/>
-            </a:schemeClr>
-          </a:lnRef>
-          <a:fillRef idx="1">
-            <a:schemeClr val="accent1"/>
-          </a:fillRef>
-          <a:effectRef idx="0">
-            <a:schemeClr val="accent1"/>
-          </a:effectRef>
-          <a:fontRef idx="minor">
-            <a:schemeClr val="lt1"/>
-          </a:fontRef>
-        </p:style>
-        <p:txBody>
-          <a:bodyPr rtlCol="0" anchor="ctr"/>
-          <a:p>
-            <a:pPr algn="ctr"/>
-            <a:r>
-              <a:rPr lang="en-US" altLang="zh-CN" b="1">
-                <a:solidFill>
-                  <a:srgbClr val="2C3E50"/>
-                </a:solidFill>
-              </a:rPr>
-              <a:t>open vSwitch</a:t>
-            </a:r>
-            <a:endParaRPr lang="en-US" altLang="zh-CN" b="1">
+              <a:rPr lang="zh-CN" altLang="en-US" sz="1400" b="1">
+                <a:solidFill>
+                  <a:srgbClr val="2C3E50"/>
+                </a:solidFill>
+              </a:rPr>
+              <a:t>对于问题 1），可以利用虚拟化层 Hypervisor 的调度技术，将资源从空闲的应用上调度到繁忙的应用上，达到资源的合理利用；</a:t>
+            </a:r>
+            <a:endParaRPr lang="zh-CN" altLang="en-US" sz="1400" b="1">
+              <a:solidFill>
+                <a:srgbClr val="2C3E50"/>
+              </a:solidFill>
+            </a:endParaRPr>
+          </a:p>
+          <a:p>
+            <a:endParaRPr lang="zh-CN" altLang="en-US" sz="1400" b="1">
+              <a:solidFill>
+                <a:srgbClr val="2C3E50"/>
+              </a:solidFill>
+            </a:endParaRPr>
+          </a:p>
+          <a:p>
+            <a:r>
+              <a:rPr lang="zh-CN" altLang="en-US" sz="1400" b="1">
+                <a:solidFill>
+                  <a:srgbClr val="2C3E50"/>
+                </a:solidFill>
+              </a:rPr>
+              <a:t>对于问题 2），可以根据物理设备的资源使用情况进行横向扩容，除非设备资源已经用尽，否则没有必要新增设备</a:t>
+            </a:r>
+            <a:endParaRPr lang="zh-CN" altLang="en-US" sz="1400" b="1">
               <a:solidFill>
                 <a:srgbClr val="2C3E50"/>
               </a:solidFill>
@@ -35003,6 +34217,1616 @@
         <p:nvPr/>
       </p:nvGrpSpPr>
       <p:grpSpPr/>
+      <p:sp>
+        <p:nvSpPr>
+          <p:cNvPr id="3" name="矩形 2"/>
+          <p:cNvSpPr/>
+          <p:nvPr/>
+        </p:nvSpPr>
+        <p:spPr>
+          <a:xfrm>
+            <a:off x="580390" y="2957195"/>
+            <a:ext cx="693420" cy="290830"/>
+          </a:xfrm>
+          <a:prstGeom prst="rect">
+            <a:avLst/>
+          </a:prstGeom>
+          <a:noFill/>
+          <a:ln w="38100">
+            <a:solidFill>
+              <a:srgbClr val="2C3E50"/>
+            </a:solidFill>
+          </a:ln>
+          <a:extLst>
+            <a:ext uri="{909E8E84-426E-40DD-AFC4-6F175D3DCCD1}">
+              <a14:hiddenFill xmlns:a14="http://schemas.microsoft.com/office/drawing/2010/main">
+                <a:solidFill>
+                  <a:schemeClr val="accent1"/>
+                </a:solidFill>
+              </a14:hiddenFill>
+            </a:ext>
+          </a:extLst>
+        </p:spPr>
+        <p:style>
+          <a:lnRef idx="2">
+            <a:schemeClr val="accent1">
+              <a:shade val="50000"/>
+            </a:schemeClr>
+          </a:lnRef>
+          <a:fillRef idx="1">
+            <a:schemeClr val="accent1"/>
+          </a:fillRef>
+          <a:effectRef idx="0">
+            <a:schemeClr val="accent1"/>
+          </a:effectRef>
+          <a:fontRef idx="minor">
+            <a:schemeClr val="lt1"/>
+          </a:fontRef>
+        </p:style>
+        <p:txBody>
+          <a:bodyPr rtlCol="0" anchor="ctr"/>
+          <a:p>
+            <a:pPr algn="ctr"/>
+            <a:r>
+              <a:rPr lang="en-US" altLang="en-US" sz="800" b="1">
+                <a:solidFill>
+                  <a:srgbClr val="2C3E50"/>
+                </a:solidFill>
+              </a:rPr>
+              <a:t>Guest </a:t>
+            </a:r>
+            <a:r>
+              <a:rPr lang="en-US" altLang="zh-CN" sz="800" b="1">
+                <a:solidFill>
+                  <a:srgbClr val="2C3E50"/>
+                </a:solidFill>
+              </a:rPr>
+              <a:t>linux</a:t>
+            </a:r>
+            <a:endParaRPr lang="en-US" altLang="zh-CN" sz="800" b="1">
+              <a:solidFill>
+                <a:srgbClr val="2C3E50"/>
+              </a:solidFill>
+            </a:endParaRPr>
+          </a:p>
+        </p:txBody>
+      </p:sp>
+      <p:sp>
+        <p:nvSpPr>
+          <p:cNvPr id="4" name="矩形 3"/>
+          <p:cNvSpPr/>
+          <p:nvPr/>
+        </p:nvSpPr>
+        <p:spPr>
+          <a:xfrm>
+            <a:off x="730885" y="3248025"/>
+            <a:ext cx="542925" cy="290830"/>
+          </a:xfrm>
+          <a:prstGeom prst="rect">
+            <a:avLst/>
+          </a:prstGeom>
+          <a:noFill/>
+          <a:ln w="38100">
+            <a:solidFill>
+              <a:srgbClr val="2C3E50"/>
+            </a:solidFill>
+          </a:ln>
+          <a:extLst>
+            <a:ext uri="{909E8E84-426E-40DD-AFC4-6F175D3DCCD1}">
+              <a14:hiddenFill xmlns:a14="http://schemas.microsoft.com/office/drawing/2010/main">
+                <a:solidFill>
+                  <a:schemeClr val="accent1"/>
+                </a:solidFill>
+              </a14:hiddenFill>
+            </a:ext>
+          </a:extLst>
+        </p:spPr>
+        <p:style>
+          <a:lnRef idx="2">
+            <a:schemeClr val="accent1">
+              <a:shade val="50000"/>
+            </a:schemeClr>
+          </a:lnRef>
+          <a:fillRef idx="1">
+            <a:schemeClr val="accent1"/>
+          </a:fillRef>
+          <a:effectRef idx="0">
+            <a:schemeClr val="accent1"/>
+          </a:effectRef>
+          <a:fontRef idx="minor">
+            <a:schemeClr val="lt1"/>
+          </a:fontRef>
+        </p:style>
+        <p:txBody>
+          <a:bodyPr rtlCol="0" anchor="ctr"/>
+          <a:p>
+            <a:pPr algn="ctr"/>
+            <a:r>
+              <a:rPr lang="en-US" altLang="en-US" sz="800" b="1">
+                <a:solidFill>
+                  <a:srgbClr val="2C3E50"/>
+                </a:solidFill>
+              </a:rPr>
+              <a:t>vNIC</a:t>
+            </a:r>
+            <a:endParaRPr lang="en-US" altLang="en-US" sz="800" b="1">
+              <a:solidFill>
+                <a:srgbClr val="2C3E50"/>
+              </a:solidFill>
+            </a:endParaRPr>
+          </a:p>
+        </p:txBody>
+      </p:sp>
+      <p:sp>
+        <p:nvSpPr>
+          <p:cNvPr id="6" name="矩形 5"/>
+          <p:cNvSpPr/>
+          <p:nvPr/>
+        </p:nvSpPr>
+        <p:spPr>
+          <a:xfrm>
+            <a:off x="580390" y="2666365"/>
+            <a:ext cx="693420" cy="290830"/>
+          </a:xfrm>
+          <a:prstGeom prst="rect">
+            <a:avLst/>
+          </a:prstGeom>
+          <a:noFill/>
+          <a:ln w="38100">
+            <a:solidFill>
+              <a:srgbClr val="2C3E50"/>
+            </a:solidFill>
+          </a:ln>
+          <a:extLst>
+            <a:ext uri="{909E8E84-426E-40DD-AFC4-6F175D3DCCD1}">
+              <a14:hiddenFill xmlns:a14="http://schemas.microsoft.com/office/drawing/2010/main">
+                <a:solidFill>
+                  <a:schemeClr val="accent1"/>
+                </a:solidFill>
+              </a14:hiddenFill>
+            </a:ext>
+          </a:extLst>
+        </p:spPr>
+        <p:style>
+          <a:lnRef idx="2">
+            <a:schemeClr val="accent1">
+              <a:shade val="50000"/>
+            </a:schemeClr>
+          </a:lnRef>
+          <a:fillRef idx="1">
+            <a:schemeClr val="accent1"/>
+          </a:fillRef>
+          <a:effectRef idx="0">
+            <a:schemeClr val="accent1"/>
+          </a:effectRef>
+          <a:fontRef idx="minor">
+            <a:schemeClr val="lt1"/>
+          </a:fontRef>
+        </p:style>
+        <p:txBody>
+          <a:bodyPr rtlCol="0" anchor="ctr"/>
+          <a:p>
+            <a:pPr algn="ctr"/>
+            <a:r>
+              <a:rPr lang="en-US" altLang="en-US" sz="800" b="1">
+                <a:solidFill>
+                  <a:srgbClr val="2C3E50"/>
+                </a:solidFill>
+              </a:rPr>
+              <a:t>WEB server</a:t>
+            </a:r>
+            <a:endParaRPr lang="en-US" altLang="en-US" sz="800" b="1">
+              <a:solidFill>
+                <a:srgbClr val="2C3E50"/>
+              </a:solidFill>
+            </a:endParaRPr>
+          </a:p>
+        </p:txBody>
+      </p:sp>
+      <p:sp>
+        <p:nvSpPr>
+          <p:cNvPr id="8" name="矩形 7"/>
+          <p:cNvSpPr/>
+          <p:nvPr/>
+        </p:nvSpPr>
+        <p:spPr>
+          <a:xfrm>
+            <a:off x="1555115" y="2957195"/>
+            <a:ext cx="693420" cy="290830"/>
+          </a:xfrm>
+          <a:prstGeom prst="rect">
+            <a:avLst/>
+          </a:prstGeom>
+          <a:noFill/>
+          <a:ln w="38100">
+            <a:solidFill>
+              <a:srgbClr val="2C3E50"/>
+            </a:solidFill>
+          </a:ln>
+          <a:extLst>
+            <a:ext uri="{909E8E84-426E-40DD-AFC4-6F175D3DCCD1}">
+              <a14:hiddenFill xmlns:a14="http://schemas.microsoft.com/office/drawing/2010/main">
+                <a:solidFill>
+                  <a:schemeClr val="accent1"/>
+                </a:solidFill>
+              </a14:hiddenFill>
+            </a:ext>
+          </a:extLst>
+        </p:spPr>
+        <p:style>
+          <a:lnRef idx="2">
+            <a:schemeClr val="accent1">
+              <a:shade val="50000"/>
+            </a:schemeClr>
+          </a:lnRef>
+          <a:fillRef idx="1">
+            <a:schemeClr val="accent1"/>
+          </a:fillRef>
+          <a:effectRef idx="0">
+            <a:schemeClr val="accent1"/>
+          </a:effectRef>
+          <a:fontRef idx="minor">
+            <a:schemeClr val="lt1"/>
+          </a:fontRef>
+        </p:style>
+        <p:txBody>
+          <a:bodyPr rtlCol="0" anchor="ctr"/>
+          <a:p>
+            <a:pPr algn="ctr"/>
+            <a:r>
+              <a:rPr lang="en-US" altLang="en-US" sz="800" b="1">
+                <a:solidFill>
+                  <a:srgbClr val="2C3E50"/>
+                </a:solidFill>
+              </a:rPr>
+              <a:t>Guest </a:t>
+            </a:r>
+            <a:r>
+              <a:rPr lang="en-US" altLang="zh-CN" sz="800" b="1">
+                <a:solidFill>
+                  <a:srgbClr val="2C3E50"/>
+                </a:solidFill>
+              </a:rPr>
+              <a:t>linux</a:t>
+            </a:r>
+            <a:endParaRPr lang="en-US" altLang="zh-CN" sz="800" b="1">
+              <a:solidFill>
+                <a:srgbClr val="2C3E50"/>
+              </a:solidFill>
+            </a:endParaRPr>
+          </a:p>
+        </p:txBody>
+      </p:sp>
+      <p:sp>
+        <p:nvSpPr>
+          <p:cNvPr id="9" name="矩形 8"/>
+          <p:cNvSpPr/>
+          <p:nvPr/>
+        </p:nvSpPr>
+        <p:spPr>
+          <a:xfrm>
+            <a:off x="1757045" y="3248025"/>
+            <a:ext cx="491490" cy="290830"/>
+          </a:xfrm>
+          <a:prstGeom prst="rect">
+            <a:avLst/>
+          </a:prstGeom>
+          <a:noFill/>
+          <a:ln w="38100">
+            <a:solidFill>
+              <a:srgbClr val="2C3E50"/>
+            </a:solidFill>
+          </a:ln>
+          <a:extLst>
+            <a:ext uri="{909E8E84-426E-40DD-AFC4-6F175D3DCCD1}">
+              <a14:hiddenFill xmlns:a14="http://schemas.microsoft.com/office/drawing/2010/main">
+                <a:solidFill>
+                  <a:schemeClr val="accent1"/>
+                </a:solidFill>
+              </a14:hiddenFill>
+            </a:ext>
+          </a:extLst>
+        </p:spPr>
+        <p:style>
+          <a:lnRef idx="2">
+            <a:schemeClr val="accent1">
+              <a:shade val="50000"/>
+            </a:schemeClr>
+          </a:lnRef>
+          <a:fillRef idx="1">
+            <a:schemeClr val="accent1"/>
+          </a:fillRef>
+          <a:effectRef idx="0">
+            <a:schemeClr val="accent1"/>
+          </a:effectRef>
+          <a:fontRef idx="minor">
+            <a:schemeClr val="lt1"/>
+          </a:fontRef>
+        </p:style>
+        <p:txBody>
+          <a:bodyPr rtlCol="0" anchor="ctr"/>
+          <a:p>
+            <a:pPr algn="ctr"/>
+            <a:r>
+              <a:rPr lang="en-US" altLang="en-US" sz="800" b="1">
+                <a:solidFill>
+                  <a:srgbClr val="2C3E50"/>
+                </a:solidFill>
+              </a:rPr>
+              <a:t>vNIC</a:t>
+            </a:r>
+            <a:endParaRPr lang="en-US" altLang="en-US" sz="800" b="1">
+              <a:solidFill>
+                <a:srgbClr val="2C3E50"/>
+              </a:solidFill>
+            </a:endParaRPr>
+          </a:p>
+        </p:txBody>
+      </p:sp>
+      <p:sp>
+        <p:nvSpPr>
+          <p:cNvPr id="10" name="矩形 9"/>
+          <p:cNvSpPr/>
+          <p:nvPr/>
+        </p:nvSpPr>
+        <p:spPr>
+          <a:xfrm>
+            <a:off x="1555115" y="2666365"/>
+            <a:ext cx="693420" cy="290830"/>
+          </a:xfrm>
+          <a:prstGeom prst="rect">
+            <a:avLst/>
+          </a:prstGeom>
+          <a:noFill/>
+          <a:ln w="38100">
+            <a:solidFill>
+              <a:srgbClr val="2C3E50"/>
+            </a:solidFill>
+          </a:ln>
+          <a:extLst>
+            <a:ext uri="{909E8E84-426E-40DD-AFC4-6F175D3DCCD1}">
+              <a14:hiddenFill xmlns:a14="http://schemas.microsoft.com/office/drawing/2010/main">
+                <a:solidFill>
+                  <a:schemeClr val="accent1"/>
+                </a:solidFill>
+              </a14:hiddenFill>
+            </a:ext>
+          </a:extLst>
+        </p:spPr>
+        <p:style>
+          <a:lnRef idx="2">
+            <a:schemeClr val="accent1">
+              <a:shade val="50000"/>
+            </a:schemeClr>
+          </a:lnRef>
+          <a:fillRef idx="1">
+            <a:schemeClr val="accent1"/>
+          </a:fillRef>
+          <a:effectRef idx="0">
+            <a:schemeClr val="accent1"/>
+          </a:effectRef>
+          <a:fontRef idx="minor">
+            <a:schemeClr val="lt1"/>
+          </a:fontRef>
+        </p:style>
+        <p:txBody>
+          <a:bodyPr rtlCol="0" anchor="ctr"/>
+          <a:p>
+            <a:pPr algn="ctr"/>
+            <a:r>
+              <a:rPr lang="en-US" altLang="en-US" sz="800" b="1">
+                <a:solidFill>
+                  <a:srgbClr val="2C3E50"/>
+                </a:solidFill>
+              </a:rPr>
+              <a:t>APP server</a:t>
+            </a:r>
+            <a:endParaRPr lang="en-US" altLang="en-US" sz="800" b="1">
+              <a:solidFill>
+                <a:srgbClr val="2C3E50"/>
+              </a:solidFill>
+            </a:endParaRPr>
+          </a:p>
+        </p:txBody>
+      </p:sp>
+      <p:sp>
+        <p:nvSpPr>
+          <p:cNvPr id="12" name="矩形 11"/>
+          <p:cNvSpPr/>
+          <p:nvPr/>
+        </p:nvSpPr>
+        <p:spPr>
+          <a:xfrm>
+            <a:off x="2529840" y="2957195"/>
+            <a:ext cx="693420" cy="290830"/>
+          </a:xfrm>
+          <a:prstGeom prst="rect">
+            <a:avLst/>
+          </a:prstGeom>
+          <a:noFill/>
+          <a:ln w="38100">
+            <a:solidFill>
+              <a:srgbClr val="2C3E50"/>
+            </a:solidFill>
+          </a:ln>
+          <a:extLst>
+            <a:ext uri="{909E8E84-426E-40DD-AFC4-6F175D3DCCD1}">
+              <a14:hiddenFill xmlns:a14="http://schemas.microsoft.com/office/drawing/2010/main">
+                <a:solidFill>
+                  <a:schemeClr val="accent1"/>
+                </a:solidFill>
+              </a14:hiddenFill>
+            </a:ext>
+          </a:extLst>
+        </p:spPr>
+        <p:style>
+          <a:lnRef idx="2">
+            <a:schemeClr val="accent1">
+              <a:shade val="50000"/>
+            </a:schemeClr>
+          </a:lnRef>
+          <a:fillRef idx="1">
+            <a:schemeClr val="accent1"/>
+          </a:fillRef>
+          <a:effectRef idx="0">
+            <a:schemeClr val="accent1"/>
+          </a:effectRef>
+          <a:fontRef idx="minor">
+            <a:schemeClr val="lt1"/>
+          </a:fontRef>
+        </p:style>
+        <p:txBody>
+          <a:bodyPr rtlCol="0" anchor="ctr"/>
+          <a:p>
+            <a:pPr algn="ctr"/>
+            <a:r>
+              <a:rPr lang="en-US" altLang="en-US" sz="800" b="1">
+                <a:solidFill>
+                  <a:srgbClr val="2C3E50"/>
+                </a:solidFill>
+              </a:rPr>
+              <a:t>Guest </a:t>
+            </a:r>
+            <a:r>
+              <a:rPr lang="en-US" altLang="zh-CN" sz="800" b="1">
+                <a:solidFill>
+                  <a:srgbClr val="2C3E50"/>
+                </a:solidFill>
+              </a:rPr>
+              <a:t>linux</a:t>
+            </a:r>
+            <a:endParaRPr lang="en-US" altLang="zh-CN" sz="800" b="1">
+              <a:solidFill>
+                <a:srgbClr val="2C3E50"/>
+              </a:solidFill>
+            </a:endParaRPr>
+          </a:p>
+        </p:txBody>
+      </p:sp>
+      <p:sp>
+        <p:nvSpPr>
+          <p:cNvPr id="13" name="矩形 12"/>
+          <p:cNvSpPr/>
+          <p:nvPr/>
+        </p:nvSpPr>
+        <p:spPr>
+          <a:xfrm>
+            <a:off x="2721610" y="3248025"/>
+            <a:ext cx="501650" cy="290830"/>
+          </a:xfrm>
+          <a:prstGeom prst="rect">
+            <a:avLst/>
+          </a:prstGeom>
+          <a:noFill/>
+          <a:ln w="38100">
+            <a:solidFill>
+              <a:srgbClr val="2C3E50"/>
+            </a:solidFill>
+          </a:ln>
+          <a:extLst>
+            <a:ext uri="{909E8E84-426E-40DD-AFC4-6F175D3DCCD1}">
+              <a14:hiddenFill xmlns:a14="http://schemas.microsoft.com/office/drawing/2010/main">
+                <a:solidFill>
+                  <a:schemeClr val="accent1"/>
+                </a:solidFill>
+              </a14:hiddenFill>
+            </a:ext>
+          </a:extLst>
+        </p:spPr>
+        <p:style>
+          <a:lnRef idx="2">
+            <a:schemeClr val="accent1">
+              <a:shade val="50000"/>
+            </a:schemeClr>
+          </a:lnRef>
+          <a:fillRef idx="1">
+            <a:schemeClr val="accent1"/>
+          </a:fillRef>
+          <a:effectRef idx="0">
+            <a:schemeClr val="accent1"/>
+          </a:effectRef>
+          <a:fontRef idx="minor">
+            <a:schemeClr val="lt1"/>
+          </a:fontRef>
+        </p:style>
+        <p:txBody>
+          <a:bodyPr rtlCol="0" anchor="ctr"/>
+          <a:p>
+            <a:pPr algn="ctr"/>
+            <a:r>
+              <a:rPr lang="en-US" altLang="en-US" sz="800" b="1">
+                <a:solidFill>
+                  <a:srgbClr val="2C3E50"/>
+                </a:solidFill>
+              </a:rPr>
+              <a:t>vNIC</a:t>
+            </a:r>
+            <a:endParaRPr lang="en-US" altLang="en-US" sz="800" b="1">
+              <a:solidFill>
+                <a:srgbClr val="2C3E50"/>
+              </a:solidFill>
+            </a:endParaRPr>
+          </a:p>
+        </p:txBody>
+      </p:sp>
+      <p:sp>
+        <p:nvSpPr>
+          <p:cNvPr id="14" name="矩形 13"/>
+          <p:cNvSpPr/>
+          <p:nvPr/>
+        </p:nvSpPr>
+        <p:spPr>
+          <a:xfrm>
+            <a:off x="2529840" y="2666365"/>
+            <a:ext cx="693420" cy="290830"/>
+          </a:xfrm>
+          <a:prstGeom prst="rect">
+            <a:avLst/>
+          </a:prstGeom>
+          <a:noFill/>
+          <a:ln w="38100">
+            <a:solidFill>
+              <a:srgbClr val="2C3E50"/>
+            </a:solidFill>
+          </a:ln>
+          <a:extLst>
+            <a:ext uri="{909E8E84-426E-40DD-AFC4-6F175D3DCCD1}">
+              <a14:hiddenFill xmlns:a14="http://schemas.microsoft.com/office/drawing/2010/main">
+                <a:solidFill>
+                  <a:schemeClr val="accent1"/>
+                </a:solidFill>
+              </a14:hiddenFill>
+            </a:ext>
+          </a:extLst>
+        </p:spPr>
+        <p:style>
+          <a:lnRef idx="2">
+            <a:schemeClr val="accent1">
+              <a:shade val="50000"/>
+            </a:schemeClr>
+          </a:lnRef>
+          <a:fillRef idx="1">
+            <a:schemeClr val="accent1"/>
+          </a:fillRef>
+          <a:effectRef idx="0">
+            <a:schemeClr val="accent1"/>
+          </a:effectRef>
+          <a:fontRef idx="minor">
+            <a:schemeClr val="lt1"/>
+          </a:fontRef>
+        </p:style>
+        <p:txBody>
+          <a:bodyPr rtlCol="0" anchor="ctr"/>
+          <a:p>
+            <a:pPr algn="ctr"/>
+            <a:r>
+              <a:rPr lang="en-US" altLang="en-US" sz="800" b="1">
+                <a:solidFill>
+                  <a:srgbClr val="2C3E50"/>
+                </a:solidFill>
+              </a:rPr>
+              <a:t>DB server</a:t>
+            </a:r>
+            <a:endParaRPr lang="en-US" altLang="en-US" sz="800" b="1">
+              <a:solidFill>
+                <a:srgbClr val="2C3E50"/>
+              </a:solidFill>
+            </a:endParaRPr>
+          </a:p>
+        </p:txBody>
+      </p:sp>
+      <p:sp>
+        <p:nvSpPr>
+          <p:cNvPr id="15" name="矩形 14"/>
+          <p:cNvSpPr/>
+          <p:nvPr/>
+        </p:nvSpPr>
+        <p:spPr>
+          <a:xfrm>
+            <a:off x="580390" y="3248025"/>
+            <a:ext cx="2642870" cy="1469390"/>
+          </a:xfrm>
+          <a:prstGeom prst="rect">
+            <a:avLst/>
+          </a:prstGeom>
+          <a:noFill/>
+          <a:ln w="38100">
+            <a:solidFill>
+              <a:srgbClr val="2C3E50"/>
+            </a:solidFill>
+          </a:ln>
+          <a:extLst>
+            <a:ext uri="{909E8E84-426E-40DD-AFC4-6F175D3DCCD1}">
+              <a14:hiddenFill xmlns:a14="http://schemas.microsoft.com/office/drawing/2010/main">
+                <a:solidFill>
+                  <a:schemeClr val="accent1"/>
+                </a:solidFill>
+              </a14:hiddenFill>
+            </a:ext>
+          </a:extLst>
+        </p:spPr>
+        <p:style>
+          <a:lnRef idx="2">
+            <a:schemeClr val="accent1">
+              <a:shade val="50000"/>
+            </a:schemeClr>
+          </a:lnRef>
+          <a:fillRef idx="1">
+            <a:schemeClr val="accent1"/>
+          </a:fillRef>
+          <a:effectRef idx="0">
+            <a:schemeClr val="accent1"/>
+          </a:effectRef>
+          <a:fontRef idx="minor">
+            <a:schemeClr val="lt1"/>
+          </a:fontRef>
+        </p:style>
+        <p:txBody>
+          <a:bodyPr rtlCol="0" anchor="ctr"/>
+          <a:p>
+            <a:pPr algn="ctr"/>
+            <a:endParaRPr lang="zh-CN" altLang="en-US" sz="800"/>
+          </a:p>
+        </p:txBody>
+      </p:sp>
+      <p:sp>
+        <p:nvSpPr>
+          <p:cNvPr id="16" name="文本框 15"/>
+          <p:cNvSpPr txBox="true"/>
+          <p:nvPr/>
+        </p:nvSpPr>
+        <p:spPr>
+          <a:xfrm>
+            <a:off x="2139315" y="4370705"/>
+            <a:ext cx="1083945" cy="213995"/>
+          </a:xfrm>
+          <a:prstGeom prst="rect">
+            <a:avLst/>
+          </a:prstGeom>
+          <a:noFill/>
+        </p:spPr>
+        <p:txBody>
+          <a:bodyPr wrap="square" rtlCol="0">
+            <a:spAutoFit/>
+          </a:bodyPr>
+          <a:p>
+            <a:r>
+              <a:rPr lang="en-US" altLang="zh-CN" sz="800" b="1">
+                <a:solidFill>
+                  <a:srgbClr val="2C3E50"/>
+                </a:solidFill>
+              </a:rPr>
+              <a:t>kvm/hypervisor</a:t>
+            </a:r>
+            <a:endParaRPr lang="en-US" altLang="zh-CN" sz="800" b="1">
+              <a:solidFill>
+                <a:srgbClr val="2C3E50"/>
+              </a:solidFill>
+            </a:endParaRPr>
+          </a:p>
+        </p:txBody>
+      </p:sp>
+      <p:sp>
+        <p:nvSpPr>
+          <p:cNvPr id="19" name="矩形 18"/>
+          <p:cNvSpPr/>
+          <p:nvPr/>
+        </p:nvSpPr>
+        <p:spPr>
+          <a:xfrm>
+            <a:off x="580390" y="4717415"/>
+            <a:ext cx="1739265" cy="304800"/>
+          </a:xfrm>
+          <a:prstGeom prst="rect">
+            <a:avLst/>
+          </a:prstGeom>
+          <a:noFill/>
+          <a:ln w="38100">
+            <a:solidFill>
+              <a:srgbClr val="2C3E50"/>
+            </a:solidFill>
+          </a:ln>
+          <a:extLst>
+            <a:ext uri="{909E8E84-426E-40DD-AFC4-6F175D3DCCD1}">
+              <a14:hiddenFill xmlns:a14="http://schemas.microsoft.com/office/drawing/2010/main">
+                <a:solidFill>
+                  <a:schemeClr val="accent1"/>
+                </a:solidFill>
+              </a14:hiddenFill>
+            </a:ext>
+          </a:extLst>
+        </p:spPr>
+        <p:style>
+          <a:lnRef idx="2">
+            <a:schemeClr val="accent1">
+              <a:shade val="50000"/>
+            </a:schemeClr>
+          </a:lnRef>
+          <a:fillRef idx="1">
+            <a:schemeClr val="accent1"/>
+          </a:fillRef>
+          <a:effectRef idx="0">
+            <a:schemeClr val="accent1"/>
+          </a:effectRef>
+          <a:fontRef idx="minor">
+            <a:schemeClr val="lt1"/>
+          </a:fontRef>
+        </p:style>
+        <p:txBody>
+          <a:bodyPr rtlCol="0" anchor="ctr"/>
+          <a:p>
+            <a:pPr algn="ctr"/>
+            <a:r>
+              <a:rPr lang="en-US" altLang="zh-CN" sz="800" b="1">
+                <a:solidFill>
+                  <a:srgbClr val="2C3E50"/>
+                </a:solidFill>
+              </a:rPr>
+              <a:t>NIC</a:t>
+            </a:r>
+            <a:endParaRPr lang="en-US" altLang="zh-CN" sz="800" b="1">
+              <a:solidFill>
+                <a:srgbClr val="2C3E50"/>
+              </a:solidFill>
+            </a:endParaRPr>
+          </a:p>
+        </p:txBody>
+      </p:sp>
+      <p:sp>
+        <p:nvSpPr>
+          <p:cNvPr id="7" name="矩形 6"/>
+          <p:cNvSpPr/>
+          <p:nvPr/>
+        </p:nvSpPr>
+        <p:spPr>
+          <a:xfrm>
+            <a:off x="3467100" y="2957195"/>
+            <a:ext cx="693420" cy="290830"/>
+          </a:xfrm>
+          <a:prstGeom prst="rect">
+            <a:avLst/>
+          </a:prstGeom>
+          <a:noFill/>
+          <a:ln w="38100">
+            <a:solidFill>
+              <a:srgbClr val="2C3E50"/>
+            </a:solidFill>
+          </a:ln>
+          <a:extLst>
+            <a:ext uri="{909E8E84-426E-40DD-AFC4-6F175D3DCCD1}">
+              <a14:hiddenFill xmlns:a14="http://schemas.microsoft.com/office/drawing/2010/main">
+                <a:solidFill>
+                  <a:schemeClr val="accent1"/>
+                </a:solidFill>
+              </a14:hiddenFill>
+            </a:ext>
+          </a:extLst>
+        </p:spPr>
+        <p:style>
+          <a:lnRef idx="2">
+            <a:schemeClr val="accent1">
+              <a:shade val="50000"/>
+            </a:schemeClr>
+          </a:lnRef>
+          <a:fillRef idx="1">
+            <a:schemeClr val="accent1"/>
+          </a:fillRef>
+          <a:effectRef idx="0">
+            <a:schemeClr val="accent1"/>
+          </a:effectRef>
+          <a:fontRef idx="minor">
+            <a:schemeClr val="lt1"/>
+          </a:fontRef>
+        </p:style>
+        <p:txBody>
+          <a:bodyPr rtlCol="0" anchor="ctr"/>
+          <a:p>
+            <a:pPr algn="ctr"/>
+            <a:r>
+              <a:rPr lang="en-US" altLang="en-US" sz="800" b="1">
+                <a:solidFill>
+                  <a:srgbClr val="2C3E50"/>
+                </a:solidFill>
+              </a:rPr>
+              <a:t>Guest </a:t>
+            </a:r>
+            <a:r>
+              <a:rPr lang="en-US" altLang="zh-CN" sz="800" b="1">
+                <a:solidFill>
+                  <a:srgbClr val="2C3E50"/>
+                </a:solidFill>
+              </a:rPr>
+              <a:t>linux</a:t>
+            </a:r>
+            <a:endParaRPr lang="en-US" altLang="zh-CN" sz="800" b="1">
+              <a:solidFill>
+                <a:srgbClr val="2C3E50"/>
+              </a:solidFill>
+            </a:endParaRPr>
+          </a:p>
+        </p:txBody>
+      </p:sp>
+      <p:sp>
+        <p:nvSpPr>
+          <p:cNvPr id="11" name="矩形 10"/>
+          <p:cNvSpPr/>
+          <p:nvPr/>
+        </p:nvSpPr>
+        <p:spPr>
+          <a:xfrm>
+            <a:off x="3617595" y="3248025"/>
+            <a:ext cx="542925" cy="290830"/>
+          </a:xfrm>
+          <a:prstGeom prst="rect">
+            <a:avLst/>
+          </a:prstGeom>
+          <a:noFill/>
+          <a:ln w="38100">
+            <a:solidFill>
+              <a:srgbClr val="2C3E50"/>
+            </a:solidFill>
+          </a:ln>
+          <a:extLst>
+            <a:ext uri="{909E8E84-426E-40DD-AFC4-6F175D3DCCD1}">
+              <a14:hiddenFill xmlns:a14="http://schemas.microsoft.com/office/drawing/2010/main">
+                <a:solidFill>
+                  <a:schemeClr val="accent1"/>
+                </a:solidFill>
+              </a14:hiddenFill>
+            </a:ext>
+          </a:extLst>
+        </p:spPr>
+        <p:style>
+          <a:lnRef idx="2">
+            <a:schemeClr val="accent1">
+              <a:shade val="50000"/>
+            </a:schemeClr>
+          </a:lnRef>
+          <a:fillRef idx="1">
+            <a:schemeClr val="accent1"/>
+          </a:fillRef>
+          <a:effectRef idx="0">
+            <a:schemeClr val="accent1"/>
+          </a:effectRef>
+          <a:fontRef idx="minor">
+            <a:schemeClr val="lt1"/>
+          </a:fontRef>
+        </p:style>
+        <p:txBody>
+          <a:bodyPr rtlCol="0" anchor="ctr"/>
+          <a:p>
+            <a:pPr algn="ctr"/>
+            <a:r>
+              <a:rPr lang="en-US" altLang="en-US" sz="800" b="1">
+                <a:solidFill>
+                  <a:srgbClr val="2C3E50"/>
+                </a:solidFill>
+              </a:rPr>
+              <a:t>vNIC</a:t>
+            </a:r>
+            <a:endParaRPr lang="en-US" altLang="en-US" sz="800" b="1">
+              <a:solidFill>
+                <a:srgbClr val="2C3E50"/>
+              </a:solidFill>
+            </a:endParaRPr>
+          </a:p>
+        </p:txBody>
+      </p:sp>
+      <p:sp>
+        <p:nvSpPr>
+          <p:cNvPr id="17" name="矩形 16"/>
+          <p:cNvSpPr/>
+          <p:nvPr/>
+        </p:nvSpPr>
+        <p:spPr>
+          <a:xfrm>
+            <a:off x="3467100" y="2666365"/>
+            <a:ext cx="693420" cy="290830"/>
+          </a:xfrm>
+          <a:prstGeom prst="rect">
+            <a:avLst/>
+          </a:prstGeom>
+          <a:noFill/>
+          <a:ln w="38100">
+            <a:solidFill>
+              <a:srgbClr val="2C3E50"/>
+            </a:solidFill>
+          </a:ln>
+          <a:extLst>
+            <a:ext uri="{909E8E84-426E-40DD-AFC4-6F175D3DCCD1}">
+              <a14:hiddenFill xmlns:a14="http://schemas.microsoft.com/office/drawing/2010/main">
+                <a:solidFill>
+                  <a:schemeClr val="accent1"/>
+                </a:solidFill>
+              </a14:hiddenFill>
+            </a:ext>
+          </a:extLst>
+        </p:spPr>
+        <p:style>
+          <a:lnRef idx="2">
+            <a:schemeClr val="accent1">
+              <a:shade val="50000"/>
+            </a:schemeClr>
+          </a:lnRef>
+          <a:fillRef idx="1">
+            <a:schemeClr val="accent1"/>
+          </a:fillRef>
+          <a:effectRef idx="0">
+            <a:schemeClr val="accent1"/>
+          </a:effectRef>
+          <a:fontRef idx="minor">
+            <a:schemeClr val="lt1"/>
+          </a:fontRef>
+        </p:style>
+        <p:txBody>
+          <a:bodyPr rtlCol="0" anchor="ctr"/>
+          <a:p>
+            <a:pPr algn="ctr"/>
+            <a:r>
+              <a:rPr lang="en-US" altLang="en-US" sz="800" b="1">
+                <a:solidFill>
+                  <a:srgbClr val="2C3E50"/>
+                </a:solidFill>
+              </a:rPr>
+              <a:t>WEB server</a:t>
+            </a:r>
+            <a:endParaRPr lang="en-US" altLang="en-US" sz="800" b="1">
+              <a:solidFill>
+                <a:srgbClr val="2C3E50"/>
+              </a:solidFill>
+            </a:endParaRPr>
+          </a:p>
+        </p:txBody>
+      </p:sp>
+      <p:sp>
+        <p:nvSpPr>
+          <p:cNvPr id="24" name="矩形 23"/>
+          <p:cNvSpPr/>
+          <p:nvPr/>
+        </p:nvSpPr>
+        <p:spPr>
+          <a:xfrm>
+            <a:off x="4441825" y="2957195"/>
+            <a:ext cx="693420" cy="290830"/>
+          </a:xfrm>
+          <a:prstGeom prst="rect">
+            <a:avLst/>
+          </a:prstGeom>
+          <a:noFill/>
+          <a:ln w="38100">
+            <a:solidFill>
+              <a:srgbClr val="2C3E50"/>
+            </a:solidFill>
+          </a:ln>
+          <a:extLst>
+            <a:ext uri="{909E8E84-426E-40DD-AFC4-6F175D3DCCD1}">
+              <a14:hiddenFill xmlns:a14="http://schemas.microsoft.com/office/drawing/2010/main">
+                <a:solidFill>
+                  <a:schemeClr val="accent1"/>
+                </a:solidFill>
+              </a14:hiddenFill>
+            </a:ext>
+          </a:extLst>
+        </p:spPr>
+        <p:style>
+          <a:lnRef idx="2">
+            <a:schemeClr val="accent1">
+              <a:shade val="50000"/>
+            </a:schemeClr>
+          </a:lnRef>
+          <a:fillRef idx="1">
+            <a:schemeClr val="accent1"/>
+          </a:fillRef>
+          <a:effectRef idx="0">
+            <a:schemeClr val="accent1"/>
+          </a:effectRef>
+          <a:fontRef idx="minor">
+            <a:schemeClr val="lt1"/>
+          </a:fontRef>
+        </p:style>
+        <p:txBody>
+          <a:bodyPr rtlCol="0" anchor="ctr"/>
+          <a:p>
+            <a:pPr algn="ctr"/>
+            <a:r>
+              <a:rPr lang="en-US" altLang="en-US" sz="800" b="1">
+                <a:solidFill>
+                  <a:srgbClr val="2C3E50"/>
+                </a:solidFill>
+              </a:rPr>
+              <a:t>Guest </a:t>
+            </a:r>
+            <a:r>
+              <a:rPr lang="en-US" altLang="zh-CN" sz="800" b="1">
+                <a:solidFill>
+                  <a:srgbClr val="2C3E50"/>
+                </a:solidFill>
+              </a:rPr>
+              <a:t>linux</a:t>
+            </a:r>
+            <a:endParaRPr lang="en-US" altLang="zh-CN" sz="800" b="1">
+              <a:solidFill>
+                <a:srgbClr val="2C3E50"/>
+              </a:solidFill>
+            </a:endParaRPr>
+          </a:p>
+        </p:txBody>
+      </p:sp>
+      <p:sp>
+        <p:nvSpPr>
+          <p:cNvPr id="25" name="矩形 24"/>
+          <p:cNvSpPr/>
+          <p:nvPr/>
+        </p:nvSpPr>
+        <p:spPr>
+          <a:xfrm>
+            <a:off x="4643755" y="3248025"/>
+            <a:ext cx="491490" cy="290830"/>
+          </a:xfrm>
+          <a:prstGeom prst="rect">
+            <a:avLst/>
+          </a:prstGeom>
+          <a:noFill/>
+          <a:ln w="38100">
+            <a:solidFill>
+              <a:srgbClr val="2C3E50"/>
+            </a:solidFill>
+          </a:ln>
+          <a:extLst>
+            <a:ext uri="{909E8E84-426E-40DD-AFC4-6F175D3DCCD1}">
+              <a14:hiddenFill xmlns:a14="http://schemas.microsoft.com/office/drawing/2010/main">
+                <a:solidFill>
+                  <a:schemeClr val="accent1"/>
+                </a:solidFill>
+              </a14:hiddenFill>
+            </a:ext>
+          </a:extLst>
+        </p:spPr>
+        <p:style>
+          <a:lnRef idx="2">
+            <a:schemeClr val="accent1">
+              <a:shade val="50000"/>
+            </a:schemeClr>
+          </a:lnRef>
+          <a:fillRef idx="1">
+            <a:schemeClr val="accent1"/>
+          </a:fillRef>
+          <a:effectRef idx="0">
+            <a:schemeClr val="accent1"/>
+          </a:effectRef>
+          <a:fontRef idx="minor">
+            <a:schemeClr val="lt1"/>
+          </a:fontRef>
+        </p:style>
+        <p:txBody>
+          <a:bodyPr rtlCol="0" anchor="ctr"/>
+          <a:p>
+            <a:pPr algn="ctr"/>
+            <a:r>
+              <a:rPr lang="en-US" altLang="en-US" sz="800" b="1">
+                <a:solidFill>
+                  <a:srgbClr val="2C3E50"/>
+                </a:solidFill>
+              </a:rPr>
+              <a:t>vNIC</a:t>
+            </a:r>
+            <a:endParaRPr lang="en-US" altLang="en-US" sz="800" b="1">
+              <a:solidFill>
+                <a:srgbClr val="2C3E50"/>
+              </a:solidFill>
+            </a:endParaRPr>
+          </a:p>
+        </p:txBody>
+      </p:sp>
+      <p:sp>
+        <p:nvSpPr>
+          <p:cNvPr id="26" name="矩形 25"/>
+          <p:cNvSpPr/>
+          <p:nvPr/>
+        </p:nvSpPr>
+        <p:spPr>
+          <a:xfrm>
+            <a:off x="4441825" y="2666365"/>
+            <a:ext cx="693420" cy="290830"/>
+          </a:xfrm>
+          <a:prstGeom prst="rect">
+            <a:avLst/>
+          </a:prstGeom>
+          <a:noFill/>
+          <a:ln w="38100">
+            <a:solidFill>
+              <a:srgbClr val="2C3E50"/>
+            </a:solidFill>
+          </a:ln>
+          <a:extLst>
+            <a:ext uri="{909E8E84-426E-40DD-AFC4-6F175D3DCCD1}">
+              <a14:hiddenFill xmlns:a14="http://schemas.microsoft.com/office/drawing/2010/main">
+                <a:solidFill>
+                  <a:schemeClr val="accent1"/>
+                </a:solidFill>
+              </a14:hiddenFill>
+            </a:ext>
+          </a:extLst>
+        </p:spPr>
+        <p:style>
+          <a:lnRef idx="2">
+            <a:schemeClr val="accent1">
+              <a:shade val="50000"/>
+            </a:schemeClr>
+          </a:lnRef>
+          <a:fillRef idx="1">
+            <a:schemeClr val="accent1"/>
+          </a:fillRef>
+          <a:effectRef idx="0">
+            <a:schemeClr val="accent1"/>
+          </a:effectRef>
+          <a:fontRef idx="minor">
+            <a:schemeClr val="lt1"/>
+          </a:fontRef>
+        </p:style>
+        <p:txBody>
+          <a:bodyPr rtlCol="0" anchor="ctr"/>
+          <a:p>
+            <a:pPr algn="ctr"/>
+            <a:r>
+              <a:rPr lang="en-US" altLang="en-US" sz="800" b="1">
+                <a:solidFill>
+                  <a:srgbClr val="2C3E50"/>
+                </a:solidFill>
+              </a:rPr>
+              <a:t>APP server</a:t>
+            </a:r>
+            <a:endParaRPr lang="en-US" altLang="en-US" sz="800" b="1">
+              <a:solidFill>
+                <a:srgbClr val="2C3E50"/>
+              </a:solidFill>
+            </a:endParaRPr>
+          </a:p>
+        </p:txBody>
+      </p:sp>
+      <p:sp>
+        <p:nvSpPr>
+          <p:cNvPr id="27" name="矩形 26"/>
+          <p:cNvSpPr/>
+          <p:nvPr/>
+        </p:nvSpPr>
+        <p:spPr>
+          <a:xfrm>
+            <a:off x="5416550" y="2957195"/>
+            <a:ext cx="693420" cy="290830"/>
+          </a:xfrm>
+          <a:prstGeom prst="rect">
+            <a:avLst/>
+          </a:prstGeom>
+          <a:noFill/>
+          <a:ln w="38100">
+            <a:solidFill>
+              <a:srgbClr val="2C3E50"/>
+            </a:solidFill>
+          </a:ln>
+          <a:extLst>
+            <a:ext uri="{909E8E84-426E-40DD-AFC4-6F175D3DCCD1}">
+              <a14:hiddenFill xmlns:a14="http://schemas.microsoft.com/office/drawing/2010/main">
+                <a:solidFill>
+                  <a:schemeClr val="accent1"/>
+                </a:solidFill>
+              </a14:hiddenFill>
+            </a:ext>
+          </a:extLst>
+        </p:spPr>
+        <p:style>
+          <a:lnRef idx="2">
+            <a:schemeClr val="accent1">
+              <a:shade val="50000"/>
+            </a:schemeClr>
+          </a:lnRef>
+          <a:fillRef idx="1">
+            <a:schemeClr val="accent1"/>
+          </a:fillRef>
+          <a:effectRef idx="0">
+            <a:schemeClr val="accent1"/>
+          </a:effectRef>
+          <a:fontRef idx="minor">
+            <a:schemeClr val="lt1"/>
+          </a:fontRef>
+        </p:style>
+        <p:txBody>
+          <a:bodyPr rtlCol="0" anchor="ctr"/>
+          <a:p>
+            <a:pPr algn="ctr"/>
+            <a:r>
+              <a:rPr lang="en-US" altLang="en-US" sz="800" b="1">
+                <a:solidFill>
+                  <a:srgbClr val="2C3E50"/>
+                </a:solidFill>
+              </a:rPr>
+              <a:t>Guest </a:t>
+            </a:r>
+            <a:r>
+              <a:rPr lang="en-US" altLang="zh-CN" sz="800" b="1">
+                <a:solidFill>
+                  <a:srgbClr val="2C3E50"/>
+                </a:solidFill>
+              </a:rPr>
+              <a:t>linux</a:t>
+            </a:r>
+            <a:endParaRPr lang="en-US" altLang="zh-CN" sz="800" b="1">
+              <a:solidFill>
+                <a:srgbClr val="2C3E50"/>
+              </a:solidFill>
+            </a:endParaRPr>
+          </a:p>
+        </p:txBody>
+      </p:sp>
+      <p:sp>
+        <p:nvSpPr>
+          <p:cNvPr id="28" name="矩形 27"/>
+          <p:cNvSpPr/>
+          <p:nvPr/>
+        </p:nvSpPr>
+        <p:spPr>
+          <a:xfrm>
+            <a:off x="5608320" y="3248025"/>
+            <a:ext cx="501650" cy="290830"/>
+          </a:xfrm>
+          <a:prstGeom prst="rect">
+            <a:avLst/>
+          </a:prstGeom>
+          <a:noFill/>
+          <a:ln w="38100">
+            <a:solidFill>
+              <a:srgbClr val="2C3E50"/>
+            </a:solidFill>
+          </a:ln>
+          <a:extLst>
+            <a:ext uri="{909E8E84-426E-40DD-AFC4-6F175D3DCCD1}">
+              <a14:hiddenFill xmlns:a14="http://schemas.microsoft.com/office/drawing/2010/main">
+                <a:solidFill>
+                  <a:schemeClr val="accent1"/>
+                </a:solidFill>
+              </a14:hiddenFill>
+            </a:ext>
+          </a:extLst>
+        </p:spPr>
+        <p:style>
+          <a:lnRef idx="2">
+            <a:schemeClr val="accent1">
+              <a:shade val="50000"/>
+            </a:schemeClr>
+          </a:lnRef>
+          <a:fillRef idx="1">
+            <a:schemeClr val="accent1"/>
+          </a:fillRef>
+          <a:effectRef idx="0">
+            <a:schemeClr val="accent1"/>
+          </a:effectRef>
+          <a:fontRef idx="minor">
+            <a:schemeClr val="lt1"/>
+          </a:fontRef>
+        </p:style>
+        <p:txBody>
+          <a:bodyPr rtlCol="0" anchor="ctr"/>
+          <a:p>
+            <a:pPr algn="ctr"/>
+            <a:r>
+              <a:rPr lang="en-US" altLang="en-US" sz="800" b="1">
+                <a:solidFill>
+                  <a:srgbClr val="2C3E50"/>
+                </a:solidFill>
+              </a:rPr>
+              <a:t>vNIC</a:t>
+            </a:r>
+            <a:endParaRPr lang="en-US" altLang="en-US" sz="800" b="1">
+              <a:solidFill>
+                <a:srgbClr val="2C3E50"/>
+              </a:solidFill>
+            </a:endParaRPr>
+          </a:p>
+        </p:txBody>
+      </p:sp>
+      <p:sp>
+        <p:nvSpPr>
+          <p:cNvPr id="29" name="矩形 28"/>
+          <p:cNvSpPr/>
+          <p:nvPr/>
+        </p:nvSpPr>
+        <p:spPr>
+          <a:xfrm>
+            <a:off x="5416550" y="2666365"/>
+            <a:ext cx="693420" cy="290830"/>
+          </a:xfrm>
+          <a:prstGeom prst="rect">
+            <a:avLst/>
+          </a:prstGeom>
+          <a:noFill/>
+          <a:ln w="38100">
+            <a:solidFill>
+              <a:srgbClr val="2C3E50"/>
+            </a:solidFill>
+          </a:ln>
+          <a:extLst>
+            <a:ext uri="{909E8E84-426E-40DD-AFC4-6F175D3DCCD1}">
+              <a14:hiddenFill xmlns:a14="http://schemas.microsoft.com/office/drawing/2010/main">
+                <a:solidFill>
+                  <a:schemeClr val="accent1"/>
+                </a:solidFill>
+              </a14:hiddenFill>
+            </a:ext>
+          </a:extLst>
+        </p:spPr>
+        <p:style>
+          <a:lnRef idx="2">
+            <a:schemeClr val="accent1">
+              <a:shade val="50000"/>
+            </a:schemeClr>
+          </a:lnRef>
+          <a:fillRef idx="1">
+            <a:schemeClr val="accent1"/>
+          </a:fillRef>
+          <a:effectRef idx="0">
+            <a:schemeClr val="accent1"/>
+          </a:effectRef>
+          <a:fontRef idx="minor">
+            <a:schemeClr val="lt1"/>
+          </a:fontRef>
+        </p:style>
+        <p:txBody>
+          <a:bodyPr rtlCol="0" anchor="ctr"/>
+          <a:p>
+            <a:pPr algn="ctr"/>
+            <a:r>
+              <a:rPr lang="en-US" altLang="en-US" sz="800" b="1">
+                <a:solidFill>
+                  <a:srgbClr val="2C3E50"/>
+                </a:solidFill>
+              </a:rPr>
+              <a:t>DB server</a:t>
+            </a:r>
+            <a:endParaRPr lang="en-US" altLang="en-US" sz="800" b="1">
+              <a:solidFill>
+                <a:srgbClr val="2C3E50"/>
+              </a:solidFill>
+            </a:endParaRPr>
+          </a:p>
+        </p:txBody>
+      </p:sp>
+      <p:sp>
+        <p:nvSpPr>
+          <p:cNvPr id="30" name="矩形 29"/>
+          <p:cNvSpPr/>
+          <p:nvPr/>
+        </p:nvSpPr>
+        <p:spPr>
+          <a:xfrm>
+            <a:off x="3467100" y="3248025"/>
+            <a:ext cx="2642870" cy="1469390"/>
+          </a:xfrm>
+          <a:prstGeom prst="rect">
+            <a:avLst/>
+          </a:prstGeom>
+          <a:noFill/>
+          <a:ln w="38100">
+            <a:solidFill>
+              <a:srgbClr val="2C3E50"/>
+            </a:solidFill>
+          </a:ln>
+          <a:extLst>
+            <a:ext uri="{909E8E84-426E-40DD-AFC4-6F175D3DCCD1}">
+              <a14:hiddenFill xmlns:a14="http://schemas.microsoft.com/office/drawing/2010/main">
+                <a:solidFill>
+                  <a:schemeClr val="accent1"/>
+                </a:solidFill>
+              </a14:hiddenFill>
+            </a:ext>
+          </a:extLst>
+        </p:spPr>
+        <p:style>
+          <a:lnRef idx="2">
+            <a:schemeClr val="accent1">
+              <a:shade val="50000"/>
+            </a:schemeClr>
+          </a:lnRef>
+          <a:fillRef idx="1">
+            <a:schemeClr val="accent1"/>
+          </a:fillRef>
+          <a:effectRef idx="0">
+            <a:schemeClr val="accent1"/>
+          </a:effectRef>
+          <a:fontRef idx="minor">
+            <a:schemeClr val="lt1"/>
+          </a:fontRef>
+        </p:style>
+        <p:txBody>
+          <a:bodyPr rtlCol="0" anchor="ctr"/>
+          <a:p>
+            <a:pPr algn="ctr"/>
+            <a:endParaRPr lang="zh-CN" altLang="en-US" sz="800"/>
+          </a:p>
+        </p:txBody>
+      </p:sp>
+      <p:sp>
+        <p:nvSpPr>
+          <p:cNvPr id="31" name="文本框 30"/>
+          <p:cNvSpPr txBox="true"/>
+          <p:nvPr/>
+        </p:nvSpPr>
+        <p:spPr>
+          <a:xfrm>
+            <a:off x="5026025" y="4370705"/>
+            <a:ext cx="1083945" cy="213995"/>
+          </a:xfrm>
+          <a:prstGeom prst="rect">
+            <a:avLst/>
+          </a:prstGeom>
+          <a:noFill/>
+        </p:spPr>
+        <p:txBody>
+          <a:bodyPr wrap="square" rtlCol="0">
+            <a:spAutoFit/>
+          </a:bodyPr>
+          <a:p>
+            <a:r>
+              <a:rPr lang="en-US" altLang="zh-CN" sz="800" b="1">
+                <a:solidFill>
+                  <a:srgbClr val="2C3E50"/>
+                </a:solidFill>
+              </a:rPr>
+              <a:t>kvm/hypervisor</a:t>
+            </a:r>
+            <a:endParaRPr lang="en-US" altLang="zh-CN" sz="800" b="1">
+              <a:solidFill>
+                <a:srgbClr val="2C3E50"/>
+              </a:solidFill>
+            </a:endParaRPr>
+          </a:p>
+        </p:txBody>
+      </p:sp>
+      <p:sp>
+        <p:nvSpPr>
+          <p:cNvPr id="33" name="矩形 32"/>
+          <p:cNvSpPr/>
+          <p:nvPr/>
+        </p:nvSpPr>
+        <p:spPr>
+          <a:xfrm>
+            <a:off x="3467100" y="4717415"/>
+            <a:ext cx="1739265" cy="304800"/>
+          </a:xfrm>
+          <a:prstGeom prst="rect">
+            <a:avLst/>
+          </a:prstGeom>
+          <a:noFill/>
+          <a:ln w="38100">
+            <a:solidFill>
+              <a:srgbClr val="2C3E50"/>
+            </a:solidFill>
+          </a:ln>
+          <a:extLst>
+            <a:ext uri="{909E8E84-426E-40DD-AFC4-6F175D3DCCD1}">
+              <a14:hiddenFill xmlns:a14="http://schemas.microsoft.com/office/drawing/2010/main">
+                <a:solidFill>
+                  <a:schemeClr val="accent1"/>
+                </a:solidFill>
+              </a14:hiddenFill>
+            </a:ext>
+          </a:extLst>
+        </p:spPr>
+        <p:style>
+          <a:lnRef idx="2">
+            <a:schemeClr val="accent1">
+              <a:shade val="50000"/>
+            </a:schemeClr>
+          </a:lnRef>
+          <a:fillRef idx="1">
+            <a:schemeClr val="accent1"/>
+          </a:fillRef>
+          <a:effectRef idx="0">
+            <a:schemeClr val="accent1"/>
+          </a:effectRef>
+          <a:fontRef idx="minor">
+            <a:schemeClr val="lt1"/>
+          </a:fontRef>
+        </p:style>
+        <p:txBody>
+          <a:bodyPr rtlCol="0" anchor="ctr"/>
+          <a:p>
+            <a:pPr algn="ctr"/>
+            <a:r>
+              <a:rPr lang="en-US" altLang="zh-CN" sz="800" b="1">
+                <a:solidFill>
+                  <a:srgbClr val="2C3E50"/>
+                </a:solidFill>
+              </a:rPr>
+              <a:t>NIC</a:t>
+            </a:r>
+            <a:endParaRPr lang="en-US" altLang="zh-CN" sz="800" b="1">
+              <a:solidFill>
+                <a:srgbClr val="2C3E50"/>
+              </a:solidFill>
+            </a:endParaRPr>
+          </a:p>
+        </p:txBody>
+      </p:sp>
+      <p:sp>
+        <p:nvSpPr>
+          <p:cNvPr id="38" name="矩形 37"/>
+          <p:cNvSpPr/>
+          <p:nvPr/>
+        </p:nvSpPr>
+        <p:spPr>
+          <a:xfrm>
+            <a:off x="730885" y="3772535"/>
+            <a:ext cx="5317490" cy="420370"/>
+          </a:xfrm>
+          <a:prstGeom prst="rect">
+            <a:avLst/>
+          </a:prstGeom>
+          <a:solidFill>
+            <a:srgbClr val="3EAF7C"/>
+          </a:solidFill>
+          <a:ln w="38100">
+            <a:solidFill>
+              <a:srgbClr val="2C3E50"/>
+            </a:solidFill>
+            <a:prstDash val="sysDash"/>
+          </a:ln>
+        </p:spPr>
+        <p:style>
+          <a:lnRef idx="2">
+            <a:schemeClr val="accent1">
+              <a:shade val="50000"/>
+            </a:schemeClr>
+          </a:lnRef>
+          <a:fillRef idx="1">
+            <a:schemeClr val="accent1"/>
+          </a:fillRef>
+          <a:effectRef idx="0">
+            <a:schemeClr val="accent1"/>
+          </a:effectRef>
+          <a:fontRef idx="minor">
+            <a:schemeClr val="lt1"/>
+          </a:fontRef>
+        </p:style>
+        <p:txBody>
+          <a:bodyPr rtlCol="0" anchor="ctr"/>
+          <a:p>
+            <a:pPr algn="ctr"/>
+            <a:r>
+              <a:rPr lang="en-US" altLang="zh-CN" b="1">
+                <a:solidFill>
+                  <a:srgbClr val="2C3E50"/>
+                </a:solidFill>
+              </a:rPr>
+              <a:t>open vSwitch</a:t>
+            </a:r>
+            <a:endParaRPr lang="en-US" altLang="zh-CN" b="1">
+              <a:solidFill>
+                <a:srgbClr val="2C3E50"/>
+              </a:solidFill>
+            </a:endParaRPr>
+          </a:p>
+        </p:txBody>
+      </p:sp>
     </p:spTree>
   </p:cSld>
   <p:clrMapOvr>
@@ -35084,6 +35908,24 @@
 </file>
 
 <file path=ppt/slides/slide65.xml><?xml version="1.0" encoding="utf-8"?>
+<p:sld xmlns:a="http://schemas.openxmlformats.org/drawingml/2006/main" xmlns:r="http://schemas.openxmlformats.org/officeDocument/2006/relationships" xmlns:p="http://schemas.openxmlformats.org/presentationml/2006/main">
+  <p:cSld>
+    <p:spTree>
+      <p:nvGrpSpPr>
+        <p:cNvPr id="1" name=""/>
+        <p:cNvGrpSpPr/>
+        <p:nvPr/>
+      </p:nvGrpSpPr>
+      <p:grpSpPr/>
+    </p:spTree>
+  </p:cSld>
+  <p:clrMapOvr>
+    <a:masterClrMapping/>
+  </p:clrMapOvr>
+</p:sld>
+</file>
+
+<file path=ppt/slides/slide66.xml><?xml version="1.0" encoding="utf-8"?>
 <p:sld xmlns:a="http://schemas.openxmlformats.org/drawingml/2006/main" xmlns:r="http://schemas.openxmlformats.org/officeDocument/2006/relationships" xmlns:p="http://schemas.openxmlformats.org/presentationml/2006/main">
   <p:cSld>
     <p:spTree>

--- a/picture/vitrualization/vitrualization.pptx
+++ b/picture/vitrualization/vitrualization.pptx
@@ -8,7 +8,7 @@
     <p:notesMasterId r:id="rId36"/>
   </p:notesMasterIdLst>
   <p:handoutMasterIdLst>
-    <p:handoutMasterId r:id="rId70"/>
+    <p:handoutMasterId r:id="rId75"/>
   </p:handoutMasterIdLst>
   <p:sldIdLst>
     <p:sldId id="303" r:id="rId3"/>
@@ -65,18 +65,23 @@
     <p:sldId id="494" r:id="rId55"/>
     <p:sldId id="442" r:id="rId56"/>
     <p:sldId id="601" r:id="rId57"/>
-    <p:sldId id="497" r:id="rId58"/>
-    <p:sldId id="495" r:id="rId59"/>
+    <p:sldId id="614" r:id="rId58"/>
+    <p:sldId id="497" r:id="rId59"/>
     <p:sldId id="496" r:id="rId60"/>
-    <p:sldId id="543" r:id="rId61"/>
-    <p:sldId id="544" r:id="rId62"/>
-    <p:sldId id="545" r:id="rId63"/>
-    <p:sldId id="546" r:id="rId64"/>
-    <p:sldId id="547" r:id="rId65"/>
-    <p:sldId id="548" r:id="rId66"/>
-    <p:sldId id="549" r:id="rId67"/>
-    <p:sldId id="550" r:id="rId68"/>
-    <p:sldId id="551" r:id="rId69"/>
+    <p:sldId id="495" r:id="rId61"/>
+    <p:sldId id="543" r:id="rId62"/>
+    <p:sldId id="544" r:id="rId63"/>
+    <p:sldId id="545" r:id="rId64"/>
+    <p:sldId id="546" r:id="rId65"/>
+    <p:sldId id="618" r:id="rId66"/>
+    <p:sldId id="615" r:id="rId67"/>
+    <p:sldId id="616" r:id="rId68"/>
+    <p:sldId id="617" r:id="rId69"/>
+    <p:sldId id="547" r:id="rId70"/>
+    <p:sldId id="548" r:id="rId71"/>
+    <p:sldId id="549" r:id="rId72"/>
+    <p:sldId id="550" r:id="rId73"/>
+    <p:sldId id="551" r:id="rId74"/>
   </p:sldIdLst>
   <p:sldSz cx="6858000" cy="9903460" type="A4"/>
   <p:notesSz cx="7103745" cy="10234295"/>
@@ -30474,14 +30479,14 @@
           <a:p>
             <a:pPr algn="ctr"/>
             <a:r>
-              <a:rPr lang="" altLang="zh-CN" sz="1400" b="1">
+              <a:rPr lang="en-US" altLang="zh-CN" sz="1400" b="1">
                 <a:solidFill>
                   <a:srgbClr val="2C3E50"/>
                 </a:solidFill>
               </a:rPr>
               <a:t>CPU</a:t>
             </a:r>
-            <a:endParaRPr lang="" altLang="zh-CN" sz="1400" b="1">
+            <a:endParaRPr lang="en-US" altLang="zh-CN" sz="1400" b="1">
               <a:solidFill>
                 <a:srgbClr val="2C3E50"/>
               </a:solidFill>
@@ -30540,14 +30545,14 @@
           <a:p>
             <a:pPr algn="ctr"/>
             <a:r>
-              <a:rPr lang="" altLang="en-US" sz="1400" b="1">
+              <a:rPr lang="en-US" altLang="en-US" sz="1400" b="1">
                 <a:solidFill>
                   <a:srgbClr val="2C3E50"/>
                 </a:solidFill>
               </a:rPr>
               <a:t>DMA</a:t>
             </a:r>
-            <a:endParaRPr lang="" altLang="en-US" sz="1400" b="1">
+            <a:endParaRPr lang="en-US" altLang="en-US" sz="1400" b="1">
               <a:solidFill>
                 <a:srgbClr val="2C3E50"/>
               </a:solidFill>
@@ -30605,7 +30610,7 @@
           <a:bodyPr rtlCol="0" anchor="ctr"/>
           <a:p>
             <a:pPr algn="ctr"/>
-            <a:endParaRPr lang="" altLang="zh-CN" sz="1400" b="1">
+            <a:endParaRPr lang="en-US" altLang="zh-CN" sz="1400" b="1">
               <a:solidFill>
                 <a:srgbClr val="2C3E50"/>
               </a:solidFill>
@@ -30613,7 +30618,7 @@
           </a:p>
           <a:p>
             <a:pPr algn="ctr"/>
-            <a:endParaRPr lang="" altLang="zh-CN" sz="1400" b="1">
+            <a:endParaRPr lang="en-US" altLang="zh-CN" sz="1400" b="1">
               <a:solidFill>
                 <a:srgbClr val="2C3E50"/>
               </a:solidFill>
@@ -30621,7 +30626,7 @@
           </a:p>
           <a:p>
             <a:pPr algn="ctr"/>
-            <a:endParaRPr lang="" altLang="zh-CN" sz="1400" b="1">
+            <a:endParaRPr lang="en-US" altLang="zh-CN" sz="1400" b="1">
               <a:solidFill>
                 <a:srgbClr val="2C3E50"/>
               </a:solidFill>
@@ -30629,7 +30634,7 @@
           </a:p>
           <a:p>
             <a:pPr algn="ctr"/>
-            <a:endParaRPr lang="" altLang="zh-CN" sz="1400" b="1">
+            <a:endParaRPr lang="en-US" altLang="zh-CN" sz="1400" b="1">
               <a:solidFill>
                 <a:srgbClr val="2C3E50"/>
               </a:solidFill>
@@ -30637,7 +30642,7 @@
           </a:p>
           <a:p>
             <a:pPr algn="ctr"/>
-            <a:endParaRPr lang="" altLang="zh-CN" sz="1400" b="1">
+            <a:endParaRPr lang="en-US" altLang="zh-CN" sz="1400" b="1">
               <a:solidFill>
                 <a:srgbClr val="2C3E50"/>
               </a:solidFill>
@@ -30646,14 +30651,14 @@
           <a:p>
             <a:pPr algn="ctr"/>
             <a:r>
-              <a:rPr lang="" altLang="zh-CN" sz="1400" b="1">
+              <a:rPr lang="en-US" altLang="zh-CN" sz="1400" b="1">
                 <a:solidFill>
                   <a:srgbClr val="2C3E50"/>
                 </a:solidFill>
               </a:rPr>
               <a:t>pass throgou device</a:t>
             </a:r>
-            <a:endParaRPr lang="" altLang="zh-CN" sz="1400" b="1">
+            <a:endParaRPr lang="en-US" altLang="zh-CN" sz="1400" b="1">
               <a:solidFill>
                 <a:srgbClr val="2C3E50"/>
               </a:solidFill>
@@ -30712,7 +30717,7 @@
           <a:p>
             <a:pPr algn="ctr"/>
             <a:r>
-              <a:rPr lang="" altLang="en-US" sz="1400" b="1">
+              <a:rPr lang="en-US" altLang="en-US" sz="1400" b="1">
                 <a:solidFill>
                   <a:srgbClr val="2C3E50"/>
                 </a:solidFill>
@@ -30720,14 +30725,14 @@
               <a:t>IO</a:t>
             </a:r>
             <a:r>
-              <a:rPr lang="zh-CN" altLang="" sz="1400" b="1">
+              <a:rPr lang="zh-CN" altLang="en-US" sz="1400" b="1">
                 <a:solidFill>
                   <a:srgbClr val="2C3E50"/>
                 </a:solidFill>
               </a:rPr>
               <a:t>空间</a:t>
             </a:r>
-            <a:endParaRPr lang="zh-CN" altLang="" sz="1400" b="1">
+            <a:endParaRPr lang="zh-CN" altLang="en-US" sz="1400" b="1">
               <a:solidFill>
                 <a:srgbClr val="2C3E50"/>
               </a:solidFill>
@@ -30786,7 +30791,7 @@
           <a:p>
             <a:pPr algn="ctr"/>
             <a:r>
-              <a:rPr lang="" altLang="zh-CN" sz="1400" b="1">
+              <a:rPr lang="en-US" altLang="zh-CN" sz="1400" b="1">
                 <a:solidFill>
                   <a:srgbClr val="2C3E50"/>
                 </a:solidFill>
@@ -30955,22 +30960,22 @@
           </a:bodyPr>
           <a:p>
             <a:r>
-              <a:rPr lang="zh-CN" altLang="" sz="1200" b="1">
+              <a:rPr lang="zh-CN" altLang="en-US" sz="1200" b="1">
                 <a:solidFill>
                   <a:srgbClr val="2C3E50"/>
                 </a:solidFill>
               </a:rPr>
               <a:t>方法二（常用）</a:t>
             </a:r>
-            <a:endParaRPr lang="" altLang="zh-CN" sz="1200" b="1">
-              <a:solidFill>
-                <a:srgbClr val="2C3E50"/>
-              </a:solidFill>
-            </a:endParaRPr>
-          </a:p>
-          <a:p>
-            <a:r>
-              <a:rPr lang="" altLang="zh-CN" sz="1200" b="1">
+            <a:endParaRPr lang="en-US" altLang="zh-CN" sz="1200" b="1">
+              <a:solidFill>
+                <a:srgbClr val="2C3E50"/>
+              </a:solidFill>
+            </a:endParaRPr>
+          </a:p>
+          <a:p>
+            <a:r>
+              <a:rPr lang="en-US" altLang="zh-CN" sz="1200" b="1">
                 <a:solidFill>
                   <a:srgbClr val="2C3E50"/>
                 </a:solidFill>
@@ -30978,7 +30983,7 @@
               <a:t>IO</a:t>
             </a:r>
             <a:r>
-              <a:rPr lang="en-US" altLang="" sz="1200" b="1">
+              <a:rPr lang="en-US" altLang="en-US" sz="1200" b="1">
                 <a:solidFill>
                   <a:srgbClr val="2C3E50"/>
                 </a:solidFill>
@@ -31402,8 +31407,8 @@
         </p:nvSpPr>
         <p:spPr>
           <a:xfrm>
-            <a:off x="501650" y="826770"/>
-            <a:ext cx="4626610" cy="368300"/>
+            <a:off x="1957070" y="4077335"/>
+            <a:ext cx="2540000" cy="460375"/>
           </a:xfrm>
           <a:prstGeom prst="rect">
             <a:avLst/>
@@ -31416,162 +31421,14 @@
           </a:bodyPr>
           <a:p>
             <a:r>
-              <a:rPr lang="zh-CN" altLang="en-US" b="1">
-                <a:solidFill>
-                  <a:srgbClr val="2C3E50"/>
-                </a:solidFill>
-              </a:rPr>
-              <a:t>SPDK 技术优化虚拟机本地存储的 IO 性能</a:t>
-            </a:r>
-            <a:endParaRPr lang="zh-CN" altLang="en-US" b="1">
-              <a:solidFill>
-                <a:srgbClr val="2C3E50"/>
-              </a:solidFill>
-            </a:endParaRPr>
-          </a:p>
-        </p:txBody>
-      </p:sp>
-      <p:sp>
-        <p:nvSpPr>
-          <p:cNvPr id="3" name="文本框 2"/>
-          <p:cNvSpPr txBox="true"/>
-          <p:nvPr/>
-        </p:nvSpPr>
-        <p:spPr>
-          <a:xfrm>
-            <a:off x="501650" y="1486535"/>
-            <a:ext cx="5855335" cy="1198880"/>
-          </a:xfrm>
-          <a:prstGeom prst="rect">
-            <a:avLst/>
-          </a:prstGeom>
-          <a:noFill/>
-        </p:spPr>
-        <p:txBody>
-          <a:bodyPr wrap="square" rtlCol="0" anchor="t">
-            <a:spAutoFit/>
-          </a:bodyPr>
-          <a:p>
-            <a:r>
-              <a:rPr lang="zh-CN" altLang="en-US" b="1">
-                <a:solidFill>
-                  <a:srgbClr val="2C3E50"/>
-                </a:solidFill>
-              </a:rPr>
-              <a:t>在增强型 DC2 中，我们使用了 Intel 的高性能 NVMe SSD，从协议和物理介质上也保证了快速的 IO 处理。NVMe 协议比传统的 SCSI 带宽更高，延时更低，适合高性能的使用场景。</a:t>
-            </a:r>
-            <a:endParaRPr lang="zh-CN" altLang="en-US" b="1">
-              <a:solidFill>
-                <a:srgbClr val="2C3E50"/>
-              </a:solidFill>
-            </a:endParaRPr>
-          </a:p>
-        </p:txBody>
-      </p:sp>
-      <p:sp>
-        <p:nvSpPr>
-          <p:cNvPr id="4" name="文本框 3"/>
-          <p:cNvSpPr txBox="true"/>
-          <p:nvPr/>
-        </p:nvSpPr>
-        <p:spPr>
-          <a:xfrm>
-            <a:off x="501650" y="2978785"/>
-            <a:ext cx="5678170" cy="1476375"/>
-          </a:xfrm>
-          <a:prstGeom prst="rect">
-            <a:avLst/>
-          </a:prstGeom>
-          <a:noFill/>
-        </p:spPr>
-        <p:txBody>
-          <a:bodyPr wrap="square" rtlCol="0" anchor="t">
-            <a:spAutoFit/>
-          </a:bodyPr>
-          <a:p>
-            <a:r>
-              <a:rPr lang="zh-CN" altLang="en-US" b="1">
-                <a:solidFill>
-                  <a:srgbClr val="2C3E50"/>
-                </a:solidFill>
-              </a:rPr>
-              <a:t>RDMA（remote direct memory access）中文全称远程内存直接访问技术，RDMA实现需要特定硬件支持，主要有三种：Infiniband、iWARP和RoCE。RDMA是在网络I/O虚拟化非常完善之后提供一项新的虚拟化I/O方案</a:t>
-            </a:r>
-            <a:endParaRPr lang="zh-CN" altLang="en-US" b="1">
-              <a:solidFill>
-                <a:srgbClr val="2C3E50"/>
-              </a:solidFill>
-            </a:endParaRPr>
-          </a:p>
-        </p:txBody>
-      </p:sp>
-      <p:sp>
-        <p:nvSpPr>
-          <p:cNvPr id="5" name="文本框 4"/>
-          <p:cNvSpPr txBox="true"/>
-          <p:nvPr/>
-        </p:nvSpPr>
-        <p:spPr>
-          <a:xfrm>
-            <a:off x="501650" y="4841240"/>
-            <a:ext cx="5602605" cy="645160"/>
-          </a:xfrm>
-          <a:prstGeom prst="rect">
-            <a:avLst/>
-          </a:prstGeom>
-          <a:noFill/>
-        </p:spPr>
-        <p:txBody>
-          <a:bodyPr wrap="square" rtlCol="0" anchor="t">
-            <a:spAutoFit/>
-          </a:bodyPr>
-          <a:p>
-            <a:r>
-              <a:rPr lang="zh-CN" altLang="en-US" b="1">
-                <a:solidFill>
-                  <a:srgbClr val="2C3E50"/>
-                </a:solidFill>
-              </a:rPr>
-              <a:t>Hadoop实现了一个分布式文件系统（Hadoop Distributed File System），简称HDFS。</a:t>
-            </a:r>
-            <a:endParaRPr lang="zh-CN" altLang="en-US" b="1">
-              <a:solidFill>
-                <a:srgbClr val="2C3E50"/>
-              </a:solidFill>
-            </a:endParaRPr>
-          </a:p>
-        </p:txBody>
-      </p:sp>
-      <p:sp>
-        <p:nvSpPr>
-          <p:cNvPr id="6" name="文本框 5"/>
-          <p:cNvSpPr txBox="true"/>
-          <p:nvPr/>
-        </p:nvSpPr>
-        <p:spPr>
-          <a:xfrm>
-            <a:off x="501650" y="5871845"/>
-            <a:ext cx="5947410" cy="1198880"/>
-          </a:xfrm>
-          <a:prstGeom prst="rect">
-            <a:avLst/>
-          </a:prstGeom>
-          <a:noFill/>
-        </p:spPr>
-        <p:txBody>
-          <a:bodyPr wrap="square" rtlCol="0" anchor="t">
-            <a:spAutoFit/>
-          </a:bodyPr>
-          <a:p>
-            <a:r>
-              <a:rPr lang="zh-CN" altLang="en-US" b="1">
-                <a:solidFill>
-                  <a:srgbClr val="2C3E50"/>
-                </a:solidFill>
-              </a:rPr>
-              <a:t>存储根据其类型，可分为块存储，对象存储和文件存储。在主流的分布式存储技术中，HDFS/GPFS/GFS属于文件存储，Swift属于对象存储，而Ceph可支持块存储、对象存储和文件存储，故称为统一存储。</a:t>
-            </a:r>
-            <a:endParaRPr lang="zh-CN" altLang="en-US" b="1">
+              <a:rPr lang="zh-CN" altLang="en-US" sz="2400" b="1">
+                <a:solidFill>
+                  <a:srgbClr val="2C3E50"/>
+                </a:solidFill>
+              </a:rPr>
+              <a:t>存储虚拟化</a:t>
+            </a:r>
+            <a:endParaRPr lang="zh-CN" altLang="en-US" sz="2400" b="1">
               <a:solidFill>
                 <a:srgbClr val="2C3E50"/>
               </a:solidFill>
@@ -31597,40 +31454,16 @@
         <p:nvPr/>
       </p:nvGrpSpPr>
       <p:grpSpPr/>
-      <p:pic>
-        <p:nvPicPr>
-          <p:cNvPr id="2" name="图片 1"/>
-          <p:cNvPicPr>
-            <a:picLocks noChangeAspect="true"/>
-          </p:cNvPicPr>
-          <p:nvPr/>
-        </p:nvPicPr>
-        <p:blipFill>
-          <a:blip r:embed="rId1"/>
-          <a:stretch>
-            <a:fillRect/>
-          </a:stretch>
-        </p:blipFill>
-        <p:spPr>
-          <a:xfrm>
-            <a:off x="125095" y="777875"/>
-            <a:ext cx="6607810" cy="4728845"/>
-          </a:xfrm>
-          <a:prstGeom prst="rect">
-            <a:avLst/>
-          </a:prstGeom>
-        </p:spPr>
-      </p:pic>
-      <p:sp>
-        <p:nvSpPr>
-          <p:cNvPr id="3" name="文本框 2"/>
+      <p:sp>
+        <p:nvSpPr>
+          <p:cNvPr id="2" name="文本框 1"/>
           <p:cNvSpPr txBox="true"/>
           <p:nvPr/>
         </p:nvSpPr>
         <p:spPr>
           <a:xfrm>
-            <a:off x="240665" y="6029960"/>
-            <a:ext cx="6073775" cy="645160"/>
+            <a:off x="501650" y="826770"/>
+            <a:ext cx="4626610" cy="368300"/>
           </a:xfrm>
           <a:prstGeom prst="rect">
             <a:avLst/>
@@ -31643,10 +31476,166 @@
           </a:bodyPr>
           <a:p>
             <a:r>
-              <a:rPr lang="zh-CN" altLang="en-US"/>
-              <a:t>SDN/NFV等网络技术快速发展，越来越多的SDN/NFV开源项目选用DPDK作为基础的报文处理加速平台</a:t>
-            </a:r>
-            <a:endParaRPr lang="zh-CN" altLang="en-US"/>
+              <a:rPr lang="zh-CN" altLang="en-US" b="1">
+                <a:solidFill>
+                  <a:srgbClr val="2C3E50"/>
+                </a:solidFill>
+              </a:rPr>
+              <a:t>SPDK 技术优化虚拟机本地存储的 IO 性能</a:t>
+            </a:r>
+            <a:endParaRPr lang="zh-CN" altLang="en-US" b="1">
+              <a:solidFill>
+                <a:srgbClr val="2C3E50"/>
+              </a:solidFill>
+            </a:endParaRPr>
+          </a:p>
+        </p:txBody>
+      </p:sp>
+      <p:sp>
+        <p:nvSpPr>
+          <p:cNvPr id="3" name="文本框 2"/>
+          <p:cNvSpPr txBox="true"/>
+          <p:nvPr/>
+        </p:nvSpPr>
+        <p:spPr>
+          <a:xfrm>
+            <a:off x="501650" y="1486535"/>
+            <a:ext cx="5855335" cy="1198880"/>
+          </a:xfrm>
+          <a:prstGeom prst="rect">
+            <a:avLst/>
+          </a:prstGeom>
+          <a:noFill/>
+        </p:spPr>
+        <p:txBody>
+          <a:bodyPr wrap="square" rtlCol="0" anchor="t">
+            <a:spAutoFit/>
+          </a:bodyPr>
+          <a:p>
+            <a:r>
+              <a:rPr lang="zh-CN" altLang="en-US" b="1">
+                <a:solidFill>
+                  <a:srgbClr val="2C3E50"/>
+                </a:solidFill>
+              </a:rPr>
+              <a:t>在增强型 DC2 中，我们使用了 Intel 的高性能 NVMe SSD，从协议和物理介质上也保证了快速的 IO 处理。NVMe 协议比传统的 SCSI 带宽更高，延时更低，适合高性能的使用场景。</a:t>
+            </a:r>
+            <a:endParaRPr lang="zh-CN" altLang="en-US" b="1">
+              <a:solidFill>
+                <a:srgbClr val="2C3E50"/>
+              </a:solidFill>
+            </a:endParaRPr>
+          </a:p>
+        </p:txBody>
+      </p:sp>
+      <p:sp>
+        <p:nvSpPr>
+          <p:cNvPr id="4" name="文本框 3"/>
+          <p:cNvSpPr txBox="true"/>
+          <p:nvPr/>
+        </p:nvSpPr>
+        <p:spPr>
+          <a:xfrm>
+            <a:off x="501650" y="2978785"/>
+            <a:ext cx="5678170" cy="1476375"/>
+          </a:xfrm>
+          <a:prstGeom prst="rect">
+            <a:avLst/>
+          </a:prstGeom>
+          <a:noFill/>
+        </p:spPr>
+        <p:txBody>
+          <a:bodyPr wrap="square" rtlCol="0" anchor="t">
+            <a:spAutoFit/>
+          </a:bodyPr>
+          <a:p>
+            <a:r>
+              <a:rPr lang="zh-CN" altLang="en-US" b="1">
+                <a:solidFill>
+                  <a:srgbClr val="2C3E50"/>
+                </a:solidFill>
+              </a:rPr>
+              <a:t>RDMA（remote direct memory access）中文全称远程内存直接访问技术，RDMA实现需要特定硬件支持，主要有三种：Infiniband、iWARP和RoCE。RDMA是在网络I/O虚拟化非常完善之后提供一项新的虚拟化I/O方案</a:t>
+            </a:r>
+            <a:endParaRPr lang="zh-CN" altLang="en-US" b="1">
+              <a:solidFill>
+                <a:srgbClr val="2C3E50"/>
+              </a:solidFill>
+            </a:endParaRPr>
+          </a:p>
+        </p:txBody>
+      </p:sp>
+      <p:sp>
+        <p:nvSpPr>
+          <p:cNvPr id="5" name="文本框 4"/>
+          <p:cNvSpPr txBox="true"/>
+          <p:nvPr/>
+        </p:nvSpPr>
+        <p:spPr>
+          <a:xfrm>
+            <a:off x="501650" y="4841240"/>
+            <a:ext cx="5602605" cy="645160"/>
+          </a:xfrm>
+          <a:prstGeom prst="rect">
+            <a:avLst/>
+          </a:prstGeom>
+          <a:noFill/>
+        </p:spPr>
+        <p:txBody>
+          <a:bodyPr wrap="square" rtlCol="0" anchor="t">
+            <a:spAutoFit/>
+          </a:bodyPr>
+          <a:p>
+            <a:r>
+              <a:rPr lang="zh-CN" altLang="en-US" b="1">
+                <a:solidFill>
+                  <a:srgbClr val="2C3E50"/>
+                </a:solidFill>
+              </a:rPr>
+              <a:t>Hadoop实现了一个分布式文件系统（Hadoop Distributed File System），简称HDFS。</a:t>
+            </a:r>
+            <a:endParaRPr lang="zh-CN" altLang="en-US" b="1">
+              <a:solidFill>
+                <a:srgbClr val="2C3E50"/>
+              </a:solidFill>
+            </a:endParaRPr>
+          </a:p>
+        </p:txBody>
+      </p:sp>
+      <p:sp>
+        <p:nvSpPr>
+          <p:cNvPr id="6" name="文本框 5"/>
+          <p:cNvSpPr txBox="true"/>
+          <p:nvPr/>
+        </p:nvSpPr>
+        <p:spPr>
+          <a:xfrm>
+            <a:off x="501650" y="5871845"/>
+            <a:ext cx="5947410" cy="1198880"/>
+          </a:xfrm>
+          <a:prstGeom prst="rect">
+            <a:avLst/>
+          </a:prstGeom>
+          <a:noFill/>
+        </p:spPr>
+        <p:txBody>
+          <a:bodyPr wrap="square" rtlCol="0" anchor="t">
+            <a:spAutoFit/>
+          </a:bodyPr>
+          <a:p>
+            <a:r>
+              <a:rPr lang="zh-CN" altLang="en-US" b="1">
+                <a:solidFill>
+                  <a:srgbClr val="2C3E50"/>
+                </a:solidFill>
+              </a:rPr>
+              <a:t>存储根据其类型，可分为块存储，对象存储和文件存储。在主流的分布式存储技术中，HDFS/GPFS/GFS属于文件存储，Swift属于对象存储，而Ceph可支持块存储、对象存储和文件存储，故称为统一存储。</a:t>
+            </a:r>
+            <a:endParaRPr lang="zh-CN" altLang="en-US" b="1">
+              <a:solidFill>
+                <a:srgbClr val="2C3E50"/>
+              </a:solidFill>
+            </a:endParaRPr>
           </a:p>
         </p:txBody>
       </p:sp>
@@ -31714,6 +31703,77 @@
 </file>
 
 <file path=ppt/slides/slide58.xml><?xml version="1.0" encoding="utf-8"?>
+<p:sld xmlns:a="http://schemas.openxmlformats.org/drawingml/2006/main" xmlns:r="http://schemas.openxmlformats.org/officeDocument/2006/relationships" xmlns:p="http://schemas.openxmlformats.org/presentationml/2006/main">
+  <p:cSld>
+    <p:spTree>
+      <p:nvGrpSpPr>
+        <p:cNvPr id="1" name=""/>
+        <p:cNvGrpSpPr/>
+        <p:nvPr/>
+      </p:nvGrpSpPr>
+      <p:grpSpPr/>
+      <p:pic>
+        <p:nvPicPr>
+          <p:cNvPr id="2" name="图片 1"/>
+          <p:cNvPicPr>
+            <a:picLocks noChangeAspect="true"/>
+          </p:cNvPicPr>
+          <p:nvPr/>
+        </p:nvPicPr>
+        <p:blipFill>
+          <a:blip r:embed="rId1"/>
+          <a:stretch>
+            <a:fillRect/>
+          </a:stretch>
+        </p:blipFill>
+        <p:spPr>
+          <a:xfrm>
+            <a:off x="125095" y="777875"/>
+            <a:ext cx="6607810" cy="4728845"/>
+          </a:xfrm>
+          <a:prstGeom prst="rect">
+            <a:avLst/>
+          </a:prstGeom>
+        </p:spPr>
+      </p:pic>
+      <p:sp>
+        <p:nvSpPr>
+          <p:cNvPr id="3" name="文本框 2"/>
+          <p:cNvSpPr txBox="true"/>
+          <p:nvPr/>
+        </p:nvSpPr>
+        <p:spPr>
+          <a:xfrm>
+            <a:off x="240665" y="6029960"/>
+            <a:ext cx="6073775" cy="645160"/>
+          </a:xfrm>
+          <a:prstGeom prst="rect">
+            <a:avLst/>
+          </a:prstGeom>
+          <a:noFill/>
+        </p:spPr>
+        <p:txBody>
+          <a:bodyPr wrap="square" rtlCol="0" anchor="t">
+            <a:spAutoFit/>
+          </a:bodyPr>
+          <a:p>
+            <a:r>
+              <a:rPr lang="zh-CN" altLang="en-US"/>
+              <a:t>SDN/NFV等网络技术快速发展，越来越多的SDN/NFV开源项目选用DPDK作为基础的报文处理加速平台</a:t>
+            </a:r>
+            <a:endParaRPr lang="zh-CN" altLang="en-US"/>
+          </a:p>
+        </p:txBody>
+      </p:sp>
+    </p:spTree>
+  </p:cSld>
+  <p:clrMapOvr>
+    <a:masterClrMapping/>
+  </p:clrMapOvr>
+</p:sld>
+</file>
+
+<file path=ppt/slides/slide59.xml><?xml version="1.0" encoding="utf-8"?>
 <p:sld xmlns:a="http://schemas.openxmlformats.org/drawingml/2006/main" xmlns:r="http://schemas.openxmlformats.org/officeDocument/2006/relationships" xmlns:p="http://schemas.openxmlformats.org/presentationml/2006/main">
   <p:cSld>
     <p:spTree>
@@ -32750,1127 +32810,6 @@
 </p:sld>
 </file>
 
-<file path=ppt/slides/slide59.xml><?xml version="1.0" encoding="utf-8"?>
-<p:sld xmlns:a="http://schemas.openxmlformats.org/drawingml/2006/main" xmlns:r="http://schemas.openxmlformats.org/officeDocument/2006/relationships" xmlns:p="http://schemas.openxmlformats.org/presentationml/2006/main">
-  <p:cSld>
-    <p:spTree>
-      <p:nvGrpSpPr>
-        <p:cNvPr id="1" name=""/>
-        <p:cNvGrpSpPr/>
-        <p:nvPr/>
-      </p:nvGrpSpPr>
-      <p:grpSpPr/>
-      <p:sp>
-        <p:nvSpPr>
-          <p:cNvPr id="2" name="文本框 1"/>
-          <p:cNvSpPr txBox="true"/>
-          <p:nvPr/>
-        </p:nvSpPr>
-        <p:spPr>
-          <a:xfrm>
-            <a:off x="408940" y="863600"/>
-            <a:ext cx="2540000" cy="368300"/>
-          </a:xfrm>
-          <a:prstGeom prst="rect">
-            <a:avLst/>
-          </a:prstGeom>
-          <a:noFill/>
-        </p:spPr>
-        <p:txBody>
-          <a:bodyPr wrap="square" rtlCol="0" anchor="t">
-            <a:spAutoFit/>
-          </a:bodyPr>
-          <a:p>
-            <a:r>
-              <a:rPr lang="zh-CN" altLang="en-US" b="1">
-                <a:solidFill>
-                  <a:srgbClr val="2C3E50"/>
-                </a:solidFill>
-              </a:rPr>
-              <a:t>虚拟化网络架构</a:t>
-            </a:r>
-            <a:endParaRPr lang="zh-CN" altLang="en-US" b="1">
-              <a:solidFill>
-                <a:srgbClr val="2C3E50"/>
-              </a:solidFill>
-            </a:endParaRPr>
-          </a:p>
-        </p:txBody>
-      </p:sp>
-      <p:sp>
-        <p:nvSpPr>
-          <p:cNvPr id="3" name="矩形 2"/>
-          <p:cNvSpPr/>
-          <p:nvPr/>
-        </p:nvSpPr>
-        <p:spPr>
-          <a:xfrm>
-            <a:off x="580390" y="2195195"/>
-            <a:ext cx="1395730" cy="353060"/>
-          </a:xfrm>
-          <a:prstGeom prst="rect">
-            <a:avLst/>
-          </a:prstGeom>
-          <a:noFill/>
-          <a:ln w="38100">
-            <a:solidFill>
-              <a:srgbClr val="2C3E50"/>
-            </a:solidFill>
-          </a:ln>
-          <a:extLst>
-            <a:ext uri="{909E8E84-426E-40DD-AFC4-6F175D3DCCD1}">
-              <a14:hiddenFill xmlns:a14="http://schemas.microsoft.com/office/drawing/2010/main">
-                <a:solidFill>
-                  <a:schemeClr val="accent1"/>
-                </a:solidFill>
-              </a14:hiddenFill>
-            </a:ext>
-          </a:extLst>
-        </p:spPr>
-        <p:style>
-          <a:lnRef idx="2">
-            <a:schemeClr val="accent1">
-              <a:shade val="50000"/>
-            </a:schemeClr>
-          </a:lnRef>
-          <a:fillRef idx="1">
-            <a:schemeClr val="accent1"/>
-          </a:fillRef>
-          <a:effectRef idx="0">
-            <a:schemeClr val="accent1"/>
-          </a:effectRef>
-          <a:fontRef idx="minor">
-            <a:schemeClr val="lt1"/>
-          </a:fontRef>
-        </p:style>
-        <p:txBody>
-          <a:bodyPr rtlCol="0" anchor="ctr"/>
-          <a:p>
-            <a:pPr algn="ctr"/>
-            <a:r>
-              <a:rPr lang="en-US" altLang="en-US" sz="1400" b="1">
-                <a:solidFill>
-                  <a:srgbClr val="2C3E50"/>
-                </a:solidFill>
-              </a:rPr>
-              <a:t>Guest </a:t>
-            </a:r>
-            <a:r>
-              <a:rPr lang="en-US" altLang="zh-CN" sz="1400" b="1">
-                <a:solidFill>
-                  <a:srgbClr val="2C3E50"/>
-                </a:solidFill>
-              </a:rPr>
-              <a:t>linux</a:t>
-            </a:r>
-            <a:endParaRPr lang="en-US" altLang="zh-CN" sz="1400" b="1">
-              <a:solidFill>
-                <a:srgbClr val="2C3E50"/>
-              </a:solidFill>
-            </a:endParaRPr>
-          </a:p>
-        </p:txBody>
-      </p:sp>
-      <p:sp>
-        <p:nvSpPr>
-          <p:cNvPr id="4" name="矩形 3"/>
-          <p:cNvSpPr/>
-          <p:nvPr/>
-        </p:nvSpPr>
-        <p:spPr>
-          <a:xfrm>
-            <a:off x="883285" y="2548255"/>
-            <a:ext cx="1092835" cy="353060"/>
-          </a:xfrm>
-          <a:prstGeom prst="rect">
-            <a:avLst/>
-          </a:prstGeom>
-          <a:noFill/>
-          <a:ln w="38100">
-            <a:solidFill>
-              <a:srgbClr val="2C3E50"/>
-            </a:solidFill>
-          </a:ln>
-          <a:extLst>
-            <a:ext uri="{909E8E84-426E-40DD-AFC4-6F175D3DCCD1}">
-              <a14:hiddenFill xmlns:a14="http://schemas.microsoft.com/office/drawing/2010/main">
-                <a:solidFill>
-                  <a:schemeClr val="accent1"/>
-                </a:solidFill>
-              </a14:hiddenFill>
-            </a:ext>
-          </a:extLst>
-        </p:spPr>
-        <p:style>
-          <a:lnRef idx="2">
-            <a:schemeClr val="accent1">
-              <a:shade val="50000"/>
-            </a:schemeClr>
-          </a:lnRef>
-          <a:fillRef idx="1">
-            <a:schemeClr val="accent1"/>
-          </a:fillRef>
-          <a:effectRef idx="0">
-            <a:schemeClr val="accent1"/>
-          </a:effectRef>
-          <a:fontRef idx="minor">
-            <a:schemeClr val="lt1"/>
-          </a:fontRef>
-        </p:style>
-        <p:txBody>
-          <a:bodyPr rtlCol="0" anchor="ctr"/>
-          <a:p>
-            <a:pPr algn="ctr"/>
-            <a:r>
-              <a:rPr lang="en-US" altLang="en-US" sz="1400" b="1">
-                <a:solidFill>
-                  <a:srgbClr val="2C3E50"/>
-                </a:solidFill>
-              </a:rPr>
-              <a:t>vNIC</a:t>
-            </a:r>
-            <a:endParaRPr lang="en-US" altLang="en-US" sz="1400" b="1">
-              <a:solidFill>
-                <a:srgbClr val="2C3E50"/>
-              </a:solidFill>
-            </a:endParaRPr>
-          </a:p>
-        </p:txBody>
-      </p:sp>
-      <p:sp>
-        <p:nvSpPr>
-          <p:cNvPr id="6" name="矩形 5"/>
-          <p:cNvSpPr/>
-          <p:nvPr/>
-        </p:nvSpPr>
-        <p:spPr>
-          <a:xfrm>
-            <a:off x="580390" y="1842135"/>
-            <a:ext cx="1395730" cy="353060"/>
-          </a:xfrm>
-          <a:prstGeom prst="rect">
-            <a:avLst/>
-          </a:prstGeom>
-          <a:noFill/>
-          <a:ln w="38100">
-            <a:solidFill>
-              <a:srgbClr val="2C3E50"/>
-            </a:solidFill>
-          </a:ln>
-          <a:extLst>
-            <a:ext uri="{909E8E84-426E-40DD-AFC4-6F175D3DCCD1}">
-              <a14:hiddenFill xmlns:a14="http://schemas.microsoft.com/office/drawing/2010/main">
-                <a:solidFill>
-                  <a:schemeClr val="accent1"/>
-                </a:solidFill>
-              </a14:hiddenFill>
-            </a:ext>
-          </a:extLst>
-        </p:spPr>
-        <p:style>
-          <a:lnRef idx="2">
-            <a:schemeClr val="accent1">
-              <a:shade val="50000"/>
-            </a:schemeClr>
-          </a:lnRef>
-          <a:fillRef idx="1">
-            <a:schemeClr val="accent1"/>
-          </a:fillRef>
-          <a:effectRef idx="0">
-            <a:schemeClr val="accent1"/>
-          </a:effectRef>
-          <a:fontRef idx="minor">
-            <a:schemeClr val="lt1"/>
-          </a:fontRef>
-        </p:style>
-        <p:txBody>
-          <a:bodyPr rtlCol="0" anchor="ctr"/>
-          <a:p>
-            <a:pPr algn="ctr"/>
-            <a:r>
-              <a:rPr lang="en-US" altLang="en-US" sz="1400" b="1">
-                <a:solidFill>
-                  <a:srgbClr val="2C3E50"/>
-                </a:solidFill>
-              </a:rPr>
-              <a:t>WEB server</a:t>
-            </a:r>
-            <a:endParaRPr lang="en-US" altLang="en-US" sz="1400" b="1">
-              <a:solidFill>
-                <a:srgbClr val="2C3E50"/>
-              </a:solidFill>
-            </a:endParaRPr>
-          </a:p>
-        </p:txBody>
-      </p:sp>
-      <p:sp>
-        <p:nvSpPr>
-          <p:cNvPr id="8" name="矩形 7"/>
-          <p:cNvSpPr/>
-          <p:nvPr/>
-        </p:nvSpPr>
-        <p:spPr>
-          <a:xfrm>
-            <a:off x="2541905" y="2195195"/>
-            <a:ext cx="1395730" cy="353060"/>
-          </a:xfrm>
-          <a:prstGeom prst="rect">
-            <a:avLst/>
-          </a:prstGeom>
-          <a:noFill/>
-          <a:ln w="38100">
-            <a:solidFill>
-              <a:srgbClr val="2C3E50"/>
-            </a:solidFill>
-          </a:ln>
-          <a:extLst>
-            <a:ext uri="{909E8E84-426E-40DD-AFC4-6F175D3DCCD1}">
-              <a14:hiddenFill xmlns:a14="http://schemas.microsoft.com/office/drawing/2010/main">
-                <a:solidFill>
-                  <a:schemeClr val="accent1"/>
-                </a:solidFill>
-              </a14:hiddenFill>
-            </a:ext>
-          </a:extLst>
-        </p:spPr>
-        <p:style>
-          <a:lnRef idx="2">
-            <a:schemeClr val="accent1">
-              <a:shade val="50000"/>
-            </a:schemeClr>
-          </a:lnRef>
-          <a:fillRef idx="1">
-            <a:schemeClr val="accent1"/>
-          </a:fillRef>
-          <a:effectRef idx="0">
-            <a:schemeClr val="accent1"/>
-          </a:effectRef>
-          <a:fontRef idx="minor">
-            <a:schemeClr val="lt1"/>
-          </a:fontRef>
-        </p:style>
-        <p:txBody>
-          <a:bodyPr rtlCol="0" anchor="ctr"/>
-          <a:p>
-            <a:pPr algn="ctr"/>
-            <a:r>
-              <a:rPr lang="en-US" altLang="en-US" sz="1400" b="1">
-                <a:solidFill>
-                  <a:srgbClr val="2C3E50"/>
-                </a:solidFill>
-              </a:rPr>
-              <a:t>Guest </a:t>
-            </a:r>
-            <a:r>
-              <a:rPr lang="en-US" altLang="zh-CN" sz="1400" b="1">
-                <a:solidFill>
-                  <a:srgbClr val="2C3E50"/>
-                </a:solidFill>
-              </a:rPr>
-              <a:t>linux</a:t>
-            </a:r>
-            <a:endParaRPr lang="en-US" altLang="zh-CN" sz="1400" b="1">
-              <a:solidFill>
-                <a:srgbClr val="2C3E50"/>
-              </a:solidFill>
-            </a:endParaRPr>
-          </a:p>
-        </p:txBody>
-      </p:sp>
-      <p:sp>
-        <p:nvSpPr>
-          <p:cNvPr id="9" name="矩形 8"/>
-          <p:cNvSpPr/>
-          <p:nvPr/>
-        </p:nvSpPr>
-        <p:spPr>
-          <a:xfrm>
-            <a:off x="2948940" y="2548255"/>
-            <a:ext cx="988695" cy="353060"/>
-          </a:xfrm>
-          <a:prstGeom prst="rect">
-            <a:avLst/>
-          </a:prstGeom>
-          <a:noFill/>
-          <a:ln w="38100">
-            <a:solidFill>
-              <a:srgbClr val="2C3E50"/>
-            </a:solidFill>
-          </a:ln>
-          <a:extLst>
-            <a:ext uri="{909E8E84-426E-40DD-AFC4-6F175D3DCCD1}">
-              <a14:hiddenFill xmlns:a14="http://schemas.microsoft.com/office/drawing/2010/main">
-                <a:solidFill>
-                  <a:schemeClr val="accent1"/>
-                </a:solidFill>
-              </a14:hiddenFill>
-            </a:ext>
-          </a:extLst>
-        </p:spPr>
-        <p:style>
-          <a:lnRef idx="2">
-            <a:schemeClr val="accent1">
-              <a:shade val="50000"/>
-            </a:schemeClr>
-          </a:lnRef>
-          <a:fillRef idx="1">
-            <a:schemeClr val="accent1"/>
-          </a:fillRef>
-          <a:effectRef idx="0">
-            <a:schemeClr val="accent1"/>
-          </a:effectRef>
-          <a:fontRef idx="minor">
-            <a:schemeClr val="lt1"/>
-          </a:fontRef>
-        </p:style>
-        <p:txBody>
-          <a:bodyPr rtlCol="0" anchor="ctr"/>
-          <a:p>
-            <a:pPr algn="ctr"/>
-            <a:r>
-              <a:rPr lang="en-US" altLang="en-US" sz="1400" b="1">
-                <a:solidFill>
-                  <a:srgbClr val="2C3E50"/>
-                </a:solidFill>
-              </a:rPr>
-              <a:t>vNIC</a:t>
-            </a:r>
-            <a:endParaRPr lang="en-US" altLang="en-US" sz="1400" b="1">
-              <a:solidFill>
-                <a:srgbClr val="2C3E50"/>
-              </a:solidFill>
-            </a:endParaRPr>
-          </a:p>
-        </p:txBody>
-      </p:sp>
-      <p:sp>
-        <p:nvSpPr>
-          <p:cNvPr id="10" name="矩形 9"/>
-          <p:cNvSpPr/>
-          <p:nvPr/>
-        </p:nvSpPr>
-        <p:spPr>
-          <a:xfrm>
-            <a:off x="2541905" y="1842135"/>
-            <a:ext cx="1395730" cy="353060"/>
-          </a:xfrm>
-          <a:prstGeom prst="rect">
-            <a:avLst/>
-          </a:prstGeom>
-          <a:noFill/>
-          <a:ln w="38100">
-            <a:solidFill>
-              <a:srgbClr val="2C3E50"/>
-            </a:solidFill>
-          </a:ln>
-          <a:extLst>
-            <a:ext uri="{909E8E84-426E-40DD-AFC4-6F175D3DCCD1}">
-              <a14:hiddenFill xmlns:a14="http://schemas.microsoft.com/office/drawing/2010/main">
-                <a:solidFill>
-                  <a:schemeClr val="accent1"/>
-                </a:solidFill>
-              </a14:hiddenFill>
-            </a:ext>
-          </a:extLst>
-        </p:spPr>
-        <p:style>
-          <a:lnRef idx="2">
-            <a:schemeClr val="accent1">
-              <a:shade val="50000"/>
-            </a:schemeClr>
-          </a:lnRef>
-          <a:fillRef idx="1">
-            <a:schemeClr val="accent1"/>
-          </a:fillRef>
-          <a:effectRef idx="0">
-            <a:schemeClr val="accent1"/>
-          </a:effectRef>
-          <a:fontRef idx="minor">
-            <a:schemeClr val="lt1"/>
-          </a:fontRef>
-        </p:style>
-        <p:txBody>
-          <a:bodyPr rtlCol="0" anchor="ctr"/>
-          <a:p>
-            <a:pPr algn="ctr"/>
-            <a:r>
-              <a:rPr lang="en-US" altLang="en-US" sz="1400" b="1">
-                <a:solidFill>
-                  <a:srgbClr val="2C3E50"/>
-                </a:solidFill>
-              </a:rPr>
-              <a:t>APP server</a:t>
-            </a:r>
-            <a:endParaRPr lang="en-US" altLang="en-US" sz="1400" b="1">
-              <a:solidFill>
-                <a:srgbClr val="2C3E50"/>
-              </a:solidFill>
-            </a:endParaRPr>
-          </a:p>
-        </p:txBody>
-      </p:sp>
-      <p:sp>
-        <p:nvSpPr>
-          <p:cNvPr id="12" name="矩形 11"/>
-          <p:cNvSpPr/>
-          <p:nvPr/>
-        </p:nvSpPr>
-        <p:spPr>
-          <a:xfrm>
-            <a:off x="4503420" y="2195195"/>
-            <a:ext cx="1395730" cy="353060"/>
-          </a:xfrm>
-          <a:prstGeom prst="rect">
-            <a:avLst/>
-          </a:prstGeom>
-          <a:noFill/>
-          <a:ln w="38100">
-            <a:solidFill>
-              <a:srgbClr val="2C3E50"/>
-            </a:solidFill>
-          </a:ln>
-          <a:extLst>
-            <a:ext uri="{909E8E84-426E-40DD-AFC4-6F175D3DCCD1}">
-              <a14:hiddenFill xmlns:a14="http://schemas.microsoft.com/office/drawing/2010/main">
-                <a:solidFill>
-                  <a:schemeClr val="accent1"/>
-                </a:solidFill>
-              </a14:hiddenFill>
-            </a:ext>
-          </a:extLst>
-        </p:spPr>
-        <p:style>
-          <a:lnRef idx="2">
-            <a:schemeClr val="accent1">
-              <a:shade val="50000"/>
-            </a:schemeClr>
-          </a:lnRef>
-          <a:fillRef idx="1">
-            <a:schemeClr val="accent1"/>
-          </a:fillRef>
-          <a:effectRef idx="0">
-            <a:schemeClr val="accent1"/>
-          </a:effectRef>
-          <a:fontRef idx="minor">
-            <a:schemeClr val="lt1"/>
-          </a:fontRef>
-        </p:style>
-        <p:txBody>
-          <a:bodyPr rtlCol="0" anchor="ctr"/>
-          <a:p>
-            <a:pPr algn="ctr"/>
-            <a:r>
-              <a:rPr lang="en-US" altLang="en-US" sz="1400" b="1">
-                <a:solidFill>
-                  <a:srgbClr val="2C3E50"/>
-                </a:solidFill>
-              </a:rPr>
-              <a:t>Guest </a:t>
-            </a:r>
-            <a:r>
-              <a:rPr lang="en-US" altLang="zh-CN" sz="1400" b="1">
-                <a:solidFill>
-                  <a:srgbClr val="2C3E50"/>
-                </a:solidFill>
-              </a:rPr>
-              <a:t>linux</a:t>
-            </a:r>
-            <a:endParaRPr lang="en-US" altLang="zh-CN" sz="1400" b="1">
-              <a:solidFill>
-                <a:srgbClr val="2C3E50"/>
-              </a:solidFill>
-            </a:endParaRPr>
-          </a:p>
-        </p:txBody>
-      </p:sp>
-      <p:sp>
-        <p:nvSpPr>
-          <p:cNvPr id="13" name="矩形 12"/>
-          <p:cNvSpPr/>
-          <p:nvPr/>
-        </p:nvSpPr>
-        <p:spPr>
-          <a:xfrm>
-            <a:off x="4889500" y="2548255"/>
-            <a:ext cx="1009650" cy="353060"/>
-          </a:xfrm>
-          <a:prstGeom prst="rect">
-            <a:avLst/>
-          </a:prstGeom>
-          <a:noFill/>
-          <a:ln w="38100">
-            <a:solidFill>
-              <a:srgbClr val="2C3E50"/>
-            </a:solidFill>
-          </a:ln>
-          <a:extLst>
-            <a:ext uri="{909E8E84-426E-40DD-AFC4-6F175D3DCCD1}">
-              <a14:hiddenFill xmlns:a14="http://schemas.microsoft.com/office/drawing/2010/main">
-                <a:solidFill>
-                  <a:schemeClr val="accent1"/>
-                </a:solidFill>
-              </a14:hiddenFill>
-            </a:ext>
-          </a:extLst>
-        </p:spPr>
-        <p:style>
-          <a:lnRef idx="2">
-            <a:schemeClr val="accent1">
-              <a:shade val="50000"/>
-            </a:schemeClr>
-          </a:lnRef>
-          <a:fillRef idx="1">
-            <a:schemeClr val="accent1"/>
-          </a:fillRef>
-          <a:effectRef idx="0">
-            <a:schemeClr val="accent1"/>
-          </a:effectRef>
-          <a:fontRef idx="minor">
-            <a:schemeClr val="lt1"/>
-          </a:fontRef>
-        </p:style>
-        <p:txBody>
-          <a:bodyPr rtlCol="0" anchor="ctr"/>
-          <a:p>
-            <a:pPr algn="ctr"/>
-            <a:r>
-              <a:rPr lang="en-US" altLang="en-US" sz="1400" b="1">
-                <a:solidFill>
-                  <a:srgbClr val="2C3E50"/>
-                </a:solidFill>
-              </a:rPr>
-              <a:t>vNIC</a:t>
-            </a:r>
-            <a:endParaRPr lang="en-US" altLang="en-US" sz="1400" b="1">
-              <a:solidFill>
-                <a:srgbClr val="2C3E50"/>
-              </a:solidFill>
-            </a:endParaRPr>
-          </a:p>
-        </p:txBody>
-      </p:sp>
-      <p:sp>
-        <p:nvSpPr>
-          <p:cNvPr id="14" name="矩形 13"/>
-          <p:cNvSpPr/>
-          <p:nvPr/>
-        </p:nvSpPr>
-        <p:spPr>
-          <a:xfrm>
-            <a:off x="4503420" y="1842135"/>
-            <a:ext cx="1395730" cy="353060"/>
-          </a:xfrm>
-          <a:prstGeom prst="rect">
-            <a:avLst/>
-          </a:prstGeom>
-          <a:noFill/>
-          <a:ln w="38100">
-            <a:solidFill>
-              <a:srgbClr val="2C3E50"/>
-            </a:solidFill>
-          </a:ln>
-          <a:extLst>
-            <a:ext uri="{909E8E84-426E-40DD-AFC4-6F175D3DCCD1}">
-              <a14:hiddenFill xmlns:a14="http://schemas.microsoft.com/office/drawing/2010/main">
-                <a:solidFill>
-                  <a:schemeClr val="accent1"/>
-                </a:solidFill>
-              </a14:hiddenFill>
-            </a:ext>
-          </a:extLst>
-        </p:spPr>
-        <p:style>
-          <a:lnRef idx="2">
-            <a:schemeClr val="accent1">
-              <a:shade val="50000"/>
-            </a:schemeClr>
-          </a:lnRef>
-          <a:fillRef idx="1">
-            <a:schemeClr val="accent1"/>
-          </a:fillRef>
-          <a:effectRef idx="0">
-            <a:schemeClr val="accent1"/>
-          </a:effectRef>
-          <a:fontRef idx="minor">
-            <a:schemeClr val="lt1"/>
-          </a:fontRef>
-        </p:style>
-        <p:txBody>
-          <a:bodyPr rtlCol="0" anchor="ctr"/>
-          <a:p>
-            <a:pPr algn="ctr"/>
-            <a:r>
-              <a:rPr lang="en-US" altLang="en-US" sz="1400" b="1">
-                <a:solidFill>
-                  <a:srgbClr val="2C3E50"/>
-                </a:solidFill>
-              </a:rPr>
-              <a:t>DB server</a:t>
-            </a:r>
-            <a:endParaRPr lang="en-US" altLang="en-US" sz="1400" b="1">
-              <a:solidFill>
-                <a:srgbClr val="2C3E50"/>
-              </a:solidFill>
-            </a:endParaRPr>
-          </a:p>
-        </p:txBody>
-      </p:sp>
-      <p:sp>
-        <p:nvSpPr>
-          <p:cNvPr id="15" name="矩形 14"/>
-          <p:cNvSpPr/>
-          <p:nvPr/>
-        </p:nvSpPr>
-        <p:spPr>
-          <a:xfrm>
-            <a:off x="580390" y="2548255"/>
-            <a:ext cx="5318760" cy="1784350"/>
-          </a:xfrm>
-          <a:prstGeom prst="rect">
-            <a:avLst/>
-          </a:prstGeom>
-          <a:noFill/>
-          <a:ln w="38100">
-            <a:solidFill>
-              <a:srgbClr val="2C3E50"/>
-            </a:solidFill>
-          </a:ln>
-          <a:extLst>
-            <a:ext uri="{909E8E84-426E-40DD-AFC4-6F175D3DCCD1}">
-              <a14:hiddenFill xmlns:a14="http://schemas.microsoft.com/office/drawing/2010/main">
-                <a:solidFill>
-                  <a:schemeClr val="accent1"/>
-                </a:solidFill>
-              </a14:hiddenFill>
-            </a:ext>
-          </a:extLst>
-        </p:spPr>
-        <p:style>
-          <a:lnRef idx="2">
-            <a:schemeClr val="accent1">
-              <a:shade val="50000"/>
-            </a:schemeClr>
-          </a:lnRef>
-          <a:fillRef idx="1">
-            <a:schemeClr val="accent1"/>
-          </a:fillRef>
-          <a:effectRef idx="0">
-            <a:schemeClr val="accent1"/>
-          </a:effectRef>
-          <a:fontRef idx="minor">
-            <a:schemeClr val="lt1"/>
-          </a:fontRef>
-        </p:style>
-        <p:txBody>
-          <a:bodyPr rtlCol="0" anchor="ctr"/>
-          <a:p>
-            <a:pPr algn="ctr"/>
-            <a:endParaRPr lang="zh-CN" altLang="en-US"/>
-          </a:p>
-        </p:txBody>
-      </p:sp>
-      <p:sp>
-        <p:nvSpPr>
-          <p:cNvPr id="16" name="文本框 15"/>
-          <p:cNvSpPr txBox="true"/>
-          <p:nvPr/>
-        </p:nvSpPr>
-        <p:spPr>
-          <a:xfrm>
-            <a:off x="3717290" y="3911600"/>
-            <a:ext cx="2181860" cy="368300"/>
-          </a:xfrm>
-          <a:prstGeom prst="rect">
-            <a:avLst/>
-          </a:prstGeom>
-          <a:noFill/>
-        </p:spPr>
-        <p:txBody>
-          <a:bodyPr wrap="none" rtlCol="0">
-            <a:spAutoFit/>
-          </a:bodyPr>
-          <a:p>
-            <a:r>
-              <a:rPr lang="en-US" altLang="zh-CN" b="1">
-                <a:solidFill>
-                  <a:srgbClr val="2C3E50"/>
-                </a:solidFill>
-              </a:rPr>
-              <a:t>kvm/hypervisor</a:t>
-            </a:r>
-            <a:endParaRPr lang="en-US" altLang="zh-CN" b="1">
-              <a:solidFill>
-                <a:srgbClr val="2C3E50"/>
-              </a:solidFill>
-            </a:endParaRPr>
-          </a:p>
-        </p:txBody>
-      </p:sp>
-      <p:sp>
-        <p:nvSpPr>
-          <p:cNvPr id="18" name="六边形 17"/>
-          <p:cNvSpPr/>
-          <p:nvPr/>
-        </p:nvSpPr>
-        <p:spPr>
-          <a:xfrm>
-            <a:off x="1976120" y="3440430"/>
-            <a:ext cx="1245235" cy="471170"/>
-          </a:xfrm>
-          <a:prstGeom prst="hexagon">
-            <a:avLst/>
-          </a:prstGeom>
-          <a:noFill/>
-          <a:ln w="38100">
-            <a:solidFill>
-              <a:srgbClr val="2C3E50"/>
-            </a:solidFill>
-          </a:ln>
-          <a:extLst>
-            <a:ext uri="{909E8E84-426E-40DD-AFC4-6F175D3DCCD1}">
-              <a14:hiddenFill xmlns:a14="http://schemas.microsoft.com/office/drawing/2010/main">
-                <a:solidFill>
-                  <a:schemeClr val="accent1"/>
-                </a:solidFill>
-              </a14:hiddenFill>
-            </a:ext>
-          </a:extLst>
-        </p:spPr>
-        <p:style>
-          <a:lnRef idx="2">
-            <a:schemeClr val="accent1">
-              <a:shade val="50000"/>
-            </a:schemeClr>
-          </a:lnRef>
-          <a:fillRef idx="1">
-            <a:schemeClr val="accent1"/>
-          </a:fillRef>
-          <a:effectRef idx="0">
-            <a:schemeClr val="accent1"/>
-          </a:effectRef>
-          <a:fontRef idx="minor">
-            <a:schemeClr val="lt1"/>
-          </a:fontRef>
-        </p:style>
-        <p:txBody>
-          <a:bodyPr rtlCol="0" anchor="ctr"/>
-          <a:p>
-            <a:pPr algn="ctr"/>
-            <a:r>
-              <a:rPr lang="en-US" altLang="en-US" sz="1400" b="1">
-                <a:solidFill>
-                  <a:srgbClr val="2C3E50"/>
-                </a:solidFill>
-              </a:rPr>
-              <a:t>v </a:t>
-            </a:r>
-            <a:r>
-              <a:rPr lang="en-US" altLang="zh-CN" sz="1400" b="1">
-                <a:solidFill>
-                  <a:srgbClr val="2C3E50"/>
-                </a:solidFill>
-              </a:rPr>
-              <a:t>switch</a:t>
-            </a:r>
-            <a:endParaRPr lang="en-US" altLang="zh-CN" sz="1400" b="1">
-              <a:solidFill>
-                <a:srgbClr val="2C3E50"/>
-              </a:solidFill>
-            </a:endParaRPr>
-          </a:p>
-        </p:txBody>
-      </p:sp>
-      <p:sp>
-        <p:nvSpPr>
-          <p:cNvPr id="19" name="矩形 18"/>
-          <p:cNvSpPr/>
-          <p:nvPr/>
-        </p:nvSpPr>
-        <p:spPr>
-          <a:xfrm>
-            <a:off x="580390" y="4332605"/>
-            <a:ext cx="3500120" cy="370205"/>
-          </a:xfrm>
-          <a:prstGeom prst="rect">
-            <a:avLst/>
-          </a:prstGeom>
-          <a:noFill/>
-          <a:ln w="38100">
-            <a:solidFill>
-              <a:srgbClr val="2C3E50"/>
-            </a:solidFill>
-          </a:ln>
-          <a:extLst>
-            <a:ext uri="{909E8E84-426E-40DD-AFC4-6F175D3DCCD1}">
-              <a14:hiddenFill xmlns:a14="http://schemas.microsoft.com/office/drawing/2010/main">
-                <a:solidFill>
-                  <a:schemeClr val="accent1"/>
-                </a:solidFill>
-              </a14:hiddenFill>
-            </a:ext>
-          </a:extLst>
-        </p:spPr>
-        <p:style>
-          <a:lnRef idx="2">
-            <a:schemeClr val="accent1">
-              <a:shade val="50000"/>
-            </a:schemeClr>
-          </a:lnRef>
-          <a:fillRef idx="1">
-            <a:schemeClr val="accent1"/>
-          </a:fillRef>
-          <a:effectRef idx="0">
-            <a:schemeClr val="accent1"/>
-          </a:effectRef>
-          <a:fontRef idx="minor">
-            <a:schemeClr val="lt1"/>
-          </a:fontRef>
-        </p:style>
-        <p:txBody>
-          <a:bodyPr rtlCol="0" anchor="ctr"/>
-          <a:p>
-            <a:pPr algn="ctr"/>
-            <a:r>
-              <a:rPr lang="en-US" altLang="zh-CN" b="1">
-                <a:solidFill>
-                  <a:srgbClr val="2C3E50"/>
-                </a:solidFill>
-              </a:rPr>
-              <a:t>NIC</a:t>
-            </a:r>
-            <a:endParaRPr lang="en-US" altLang="zh-CN" b="1">
-              <a:solidFill>
-                <a:srgbClr val="2C3E50"/>
-              </a:solidFill>
-            </a:endParaRPr>
-          </a:p>
-        </p:txBody>
-      </p:sp>
-      <p:cxnSp>
-        <p:nvCxnSpPr>
-          <p:cNvPr id="20" name="肘形连接符 19"/>
-          <p:cNvCxnSpPr>
-            <a:stCxn id="4" idx="2"/>
-            <a:endCxn id="18" idx="3"/>
-          </p:cNvCxnSpPr>
-          <p:nvPr/>
-        </p:nvCxnSpPr>
-        <p:spPr>
-          <a:xfrm rot="5400000" flipV="true">
-            <a:off x="1315720" y="3023870"/>
-            <a:ext cx="774700" cy="546100"/>
-          </a:xfrm>
-          <a:prstGeom prst="bentConnector2">
-            <a:avLst/>
-          </a:prstGeom>
-          <a:ln w="38100">
-            <a:solidFill>
-              <a:srgbClr val="3EAF7C"/>
-            </a:solidFill>
-            <a:tailEnd type="arrow"/>
-          </a:ln>
-        </p:spPr>
-        <p:style>
-          <a:lnRef idx="1">
-            <a:schemeClr val="accent1"/>
-          </a:lnRef>
-          <a:fillRef idx="0">
-            <a:schemeClr val="accent1"/>
-          </a:fillRef>
-          <a:effectRef idx="0">
-            <a:schemeClr val="accent1"/>
-          </a:effectRef>
-          <a:fontRef idx="minor">
-            <a:schemeClr val="tx1"/>
-          </a:fontRef>
-        </p:style>
-      </p:cxnSp>
-      <p:cxnSp>
-        <p:nvCxnSpPr>
-          <p:cNvPr id="21" name="肘形连接符 20"/>
-          <p:cNvCxnSpPr>
-            <a:stCxn id="9" idx="2"/>
-          </p:cNvCxnSpPr>
-          <p:nvPr/>
-        </p:nvCxnSpPr>
-        <p:spPr>
-          <a:xfrm rot="5400000">
-            <a:off x="2928620" y="2950210"/>
-            <a:ext cx="555625" cy="473710"/>
-          </a:xfrm>
-          <a:prstGeom prst="bentConnector3">
-            <a:avLst>
-              <a:gd name="adj1" fmla="val 50000"/>
-            </a:avLst>
-          </a:prstGeom>
-          <a:ln w="38100">
-            <a:solidFill>
-              <a:srgbClr val="3EAF7C"/>
-            </a:solidFill>
-            <a:tailEnd type="arrow"/>
-          </a:ln>
-        </p:spPr>
-        <p:style>
-          <a:lnRef idx="1">
-            <a:schemeClr val="accent1"/>
-          </a:lnRef>
-          <a:fillRef idx="0">
-            <a:schemeClr val="accent1"/>
-          </a:fillRef>
-          <a:effectRef idx="0">
-            <a:schemeClr val="accent1"/>
-          </a:effectRef>
-          <a:fontRef idx="minor">
-            <a:schemeClr val="tx1"/>
-          </a:fontRef>
-        </p:style>
-      </p:cxnSp>
-      <p:cxnSp>
-        <p:nvCxnSpPr>
-          <p:cNvPr id="22" name="肘形连接符 21"/>
-          <p:cNvCxnSpPr>
-            <a:stCxn id="13" idx="2"/>
-            <a:endCxn id="18" idx="0"/>
-          </p:cNvCxnSpPr>
-          <p:nvPr/>
-        </p:nvCxnSpPr>
-        <p:spPr>
-          <a:xfrm rot="5400000">
-            <a:off x="3920490" y="2210435"/>
-            <a:ext cx="774700" cy="2172970"/>
-          </a:xfrm>
-          <a:prstGeom prst="bentConnector2">
-            <a:avLst/>
-          </a:prstGeom>
-          <a:ln w="38100">
-            <a:solidFill>
-              <a:srgbClr val="3EAF7C"/>
-            </a:solidFill>
-            <a:tailEnd type="arrow"/>
-          </a:ln>
-        </p:spPr>
-        <p:style>
-          <a:lnRef idx="1">
-            <a:schemeClr val="accent1"/>
-          </a:lnRef>
-          <a:fillRef idx="0">
-            <a:schemeClr val="accent1"/>
-          </a:fillRef>
-          <a:effectRef idx="0">
-            <a:schemeClr val="accent1"/>
-          </a:effectRef>
-          <a:fontRef idx="minor">
-            <a:schemeClr val="tx1"/>
-          </a:fontRef>
-        </p:style>
-      </p:cxnSp>
-      <p:cxnSp>
-        <p:nvCxnSpPr>
-          <p:cNvPr id="23" name="肘形连接符 22"/>
-          <p:cNvCxnSpPr>
-            <a:endCxn id="19" idx="0"/>
-          </p:cNvCxnSpPr>
-          <p:nvPr/>
-        </p:nvCxnSpPr>
-        <p:spPr>
-          <a:xfrm rot="5400000">
-            <a:off x="2237740" y="3987165"/>
-            <a:ext cx="437515" cy="252095"/>
-          </a:xfrm>
-          <a:prstGeom prst="bentConnector3">
-            <a:avLst>
-              <a:gd name="adj1" fmla="val 50073"/>
-            </a:avLst>
-          </a:prstGeom>
-          <a:ln w="38100">
-            <a:solidFill>
-              <a:srgbClr val="3EAF7C"/>
-            </a:solidFill>
-            <a:tailEnd type="arrow"/>
-          </a:ln>
-        </p:spPr>
-        <p:style>
-          <a:lnRef idx="1">
-            <a:schemeClr val="accent1"/>
-          </a:lnRef>
-          <a:fillRef idx="0">
-            <a:schemeClr val="accent1"/>
-          </a:fillRef>
-          <a:effectRef idx="0">
-            <a:schemeClr val="accent1"/>
-          </a:effectRef>
-          <a:fontRef idx="minor">
-            <a:schemeClr val="tx1"/>
-          </a:fontRef>
-        </p:style>
-      </p:cxnSp>
-      <p:sp>
-        <p:nvSpPr>
-          <p:cNvPr id="24" name="文本框 23"/>
-          <p:cNvSpPr txBox="true"/>
-          <p:nvPr/>
-        </p:nvSpPr>
-        <p:spPr>
-          <a:xfrm>
-            <a:off x="579755" y="5772150"/>
-            <a:ext cx="5319395" cy="1383665"/>
-          </a:xfrm>
-          <a:prstGeom prst="rect">
-            <a:avLst/>
-          </a:prstGeom>
-          <a:noFill/>
-        </p:spPr>
-        <p:txBody>
-          <a:bodyPr wrap="square" rtlCol="0" anchor="t">
-            <a:spAutoFit/>
-          </a:bodyPr>
-          <a:p>
-            <a:r>
-              <a:rPr lang="zh-CN" altLang="en-US" sz="1400" b="1">
-                <a:solidFill>
-                  <a:srgbClr val="2C3E50"/>
-                </a:solidFill>
-              </a:rPr>
-              <a:t>对于问题 1），可以利用虚拟化层 Hypervisor 的调度技术，将资源从空闲的应用上调度到繁忙的应用上，达到资源的合理利用；</a:t>
-            </a:r>
-            <a:endParaRPr lang="zh-CN" altLang="en-US" sz="1400" b="1">
-              <a:solidFill>
-                <a:srgbClr val="2C3E50"/>
-              </a:solidFill>
-            </a:endParaRPr>
-          </a:p>
-          <a:p>
-            <a:endParaRPr lang="zh-CN" altLang="en-US" sz="1400" b="1">
-              <a:solidFill>
-                <a:srgbClr val="2C3E50"/>
-              </a:solidFill>
-            </a:endParaRPr>
-          </a:p>
-          <a:p>
-            <a:r>
-              <a:rPr lang="zh-CN" altLang="en-US" sz="1400" b="1">
-                <a:solidFill>
-                  <a:srgbClr val="2C3E50"/>
-                </a:solidFill>
-              </a:rPr>
-              <a:t>对于问题 2），可以根据物理设备的资源使用情况进行横向扩容，除非设备资源已经用尽，否则没有必要新增设备</a:t>
-            </a:r>
-            <a:endParaRPr lang="zh-CN" altLang="en-US" sz="1400" b="1">
-              <a:solidFill>
-                <a:srgbClr val="2C3E50"/>
-              </a:solidFill>
-            </a:endParaRPr>
-          </a:p>
-        </p:txBody>
-      </p:sp>
-    </p:spTree>
-  </p:cSld>
-  <p:clrMapOvr>
-    <a:masterClrMapping/>
-  </p:clrMapOvr>
-</p:sld>
-</file>
-
 <file path=ppt/slides/slide6.xml><?xml version="1.0" encoding="utf-8"?>
 <p:sld xmlns:a="http://schemas.openxmlformats.org/drawingml/2006/main" xmlns:r="http://schemas.openxmlformats.org/officeDocument/2006/relationships" xmlns:p="http://schemas.openxmlformats.org/presentationml/2006/main">
   <p:cSld>
@@ -34219,14 +33158,51 @@
       <p:grpSpPr/>
       <p:sp>
         <p:nvSpPr>
+          <p:cNvPr id="2" name="文本框 1"/>
+          <p:cNvSpPr txBox="true"/>
+          <p:nvPr/>
+        </p:nvSpPr>
+        <p:spPr>
+          <a:xfrm>
+            <a:off x="408940" y="863600"/>
+            <a:ext cx="2540000" cy="368300"/>
+          </a:xfrm>
+          <a:prstGeom prst="rect">
+            <a:avLst/>
+          </a:prstGeom>
+          <a:noFill/>
+        </p:spPr>
+        <p:txBody>
+          <a:bodyPr wrap="square" rtlCol="0" anchor="t">
+            <a:spAutoFit/>
+          </a:bodyPr>
+          <a:p>
+            <a:r>
+              <a:rPr lang="zh-CN" altLang="en-US" b="1">
+                <a:solidFill>
+                  <a:srgbClr val="2C3E50"/>
+                </a:solidFill>
+              </a:rPr>
+              <a:t>虚拟化网络架构</a:t>
+            </a:r>
+            <a:endParaRPr lang="zh-CN" altLang="en-US" b="1">
+              <a:solidFill>
+                <a:srgbClr val="2C3E50"/>
+              </a:solidFill>
+            </a:endParaRPr>
+          </a:p>
+        </p:txBody>
+      </p:sp>
+      <p:sp>
+        <p:nvSpPr>
           <p:cNvPr id="3" name="矩形 2"/>
           <p:cNvSpPr/>
           <p:nvPr/>
         </p:nvSpPr>
         <p:spPr>
           <a:xfrm>
-            <a:off x="580390" y="2957195"/>
-            <a:ext cx="693420" cy="290830"/>
+            <a:off x="580390" y="2195195"/>
+            <a:ext cx="1395730" cy="353060"/>
           </a:xfrm>
           <a:prstGeom prst="rect">
             <a:avLst/>
@@ -34268,7 +33244,7 @@
           <a:p>
             <a:pPr algn="ctr"/>
             <a:r>
-              <a:rPr lang="en-US" altLang="en-US" sz="800" b="1">
+              <a:rPr lang="en-US" altLang="en-US" sz="1400" b="1">
                 <a:solidFill>
                   <a:srgbClr val="2C3E50"/>
                 </a:solidFill>
@@ -34276,14 +33252,14 @@
               <a:t>Guest </a:t>
             </a:r>
             <a:r>
-              <a:rPr lang="en-US" altLang="zh-CN" sz="800" b="1">
+              <a:rPr lang="en-US" altLang="zh-CN" sz="1400" b="1">
                 <a:solidFill>
                   <a:srgbClr val="2C3E50"/>
                 </a:solidFill>
               </a:rPr>
               <a:t>linux</a:t>
             </a:r>
-            <a:endParaRPr lang="en-US" altLang="zh-CN" sz="800" b="1">
+            <a:endParaRPr lang="en-US" altLang="zh-CN" sz="1400" b="1">
               <a:solidFill>
                 <a:srgbClr val="2C3E50"/>
               </a:solidFill>
@@ -34299,8 +33275,8 @@
         </p:nvSpPr>
         <p:spPr>
           <a:xfrm>
-            <a:off x="730885" y="3248025"/>
-            <a:ext cx="542925" cy="290830"/>
+            <a:off x="883285" y="2548255"/>
+            <a:ext cx="1092835" cy="353060"/>
           </a:xfrm>
           <a:prstGeom prst="rect">
             <a:avLst/>
@@ -34342,14 +33318,14 @@
           <a:p>
             <a:pPr algn="ctr"/>
             <a:r>
-              <a:rPr lang="en-US" altLang="en-US" sz="800" b="1">
+              <a:rPr lang="en-US" altLang="en-US" sz="1400" b="1">
                 <a:solidFill>
                   <a:srgbClr val="2C3E50"/>
                 </a:solidFill>
               </a:rPr>
               <a:t>vNIC</a:t>
             </a:r>
-            <a:endParaRPr lang="en-US" altLang="en-US" sz="800" b="1">
+            <a:endParaRPr lang="en-US" altLang="en-US" sz="1400" b="1">
               <a:solidFill>
                 <a:srgbClr val="2C3E50"/>
               </a:solidFill>
@@ -34365,8 +33341,8 @@
         </p:nvSpPr>
         <p:spPr>
           <a:xfrm>
-            <a:off x="580390" y="2666365"/>
-            <a:ext cx="693420" cy="290830"/>
+            <a:off x="580390" y="1842135"/>
+            <a:ext cx="1395730" cy="353060"/>
           </a:xfrm>
           <a:prstGeom prst="rect">
             <a:avLst/>
@@ -34408,14 +33384,14 @@
           <a:p>
             <a:pPr algn="ctr"/>
             <a:r>
-              <a:rPr lang="en-US" altLang="en-US" sz="800" b="1">
+              <a:rPr lang="en-US" altLang="en-US" sz="1400" b="1">
                 <a:solidFill>
                   <a:srgbClr val="2C3E50"/>
                 </a:solidFill>
               </a:rPr>
               <a:t>WEB server</a:t>
             </a:r>
-            <a:endParaRPr lang="en-US" altLang="en-US" sz="800" b="1">
+            <a:endParaRPr lang="en-US" altLang="en-US" sz="1400" b="1">
               <a:solidFill>
                 <a:srgbClr val="2C3E50"/>
               </a:solidFill>
@@ -34431,8 +33407,8 @@
         </p:nvSpPr>
         <p:spPr>
           <a:xfrm>
-            <a:off x="1555115" y="2957195"/>
-            <a:ext cx="693420" cy="290830"/>
+            <a:off x="2541905" y="2195195"/>
+            <a:ext cx="1395730" cy="353060"/>
           </a:xfrm>
           <a:prstGeom prst="rect">
             <a:avLst/>
@@ -34474,7 +33450,7 @@
           <a:p>
             <a:pPr algn="ctr"/>
             <a:r>
-              <a:rPr lang="en-US" altLang="en-US" sz="800" b="1">
+              <a:rPr lang="en-US" altLang="en-US" sz="1400" b="1">
                 <a:solidFill>
                   <a:srgbClr val="2C3E50"/>
                 </a:solidFill>
@@ -34482,14 +33458,14 @@
               <a:t>Guest </a:t>
             </a:r>
             <a:r>
-              <a:rPr lang="en-US" altLang="zh-CN" sz="800" b="1">
+              <a:rPr lang="en-US" altLang="zh-CN" sz="1400" b="1">
                 <a:solidFill>
                   <a:srgbClr val="2C3E50"/>
                 </a:solidFill>
               </a:rPr>
               <a:t>linux</a:t>
             </a:r>
-            <a:endParaRPr lang="en-US" altLang="zh-CN" sz="800" b="1">
+            <a:endParaRPr lang="en-US" altLang="zh-CN" sz="1400" b="1">
               <a:solidFill>
                 <a:srgbClr val="2C3E50"/>
               </a:solidFill>
@@ -34505,8 +33481,8 @@
         </p:nvSpPr>
         <p:spPr>
           <a:xfrm>
-            <a:off x="1757045" y="3248025"/>
-            <a:ext cx="491490" cy="290830"/>
+            <a:off x="2948940" y="2548255"/>
+            <a:ext cx="988695" cy="353060"/>
           </a:xfrm>
           <a:prstGeom prst="rect">
             <a:avLst/>
@@ -34548,14 +33524,14 @@
           <a:p>
             <a:pPr algn="ctr"/>
             <a:r>
-              <a:rPr lang="en-US" altLang="en-US" sz="800" b="1">
+              <a:rPr lang="en-US" altLang="en-US" sz="1400" b="1">
                 <a:solidFill>
                   <a:srgbClr val="2C3E50"/>
                 </a:solidFill>
               </a:rPr>
               <a:t>vNIC</a:t>
             </a:r>
-            <a:endParaRPr lang="en-US" altLang="en-US" sz="800" b="1">
+            <a:endParaRPr lang="en-US" altLang="en-US" sz="1400" b="1">
               <a:solidFill>
                 <a:srgbClr val="2C3E50"/>
               </a:solidFill>
@@ -34571,8 +33547,8 @@
         </p:nvSpPr>
         <p:spPr>
           <a:xfrm>
-            <a:off x="1555115" y="2666365"/>
-            <a:ext cx="693420" cy="290830"/>
+            <a:off x="2541905" y="1842135"/>
+            <a:ext cx="1395730" cy="353060"/>
           </a:xfrm>
           <a:prstGeom prst="rect">
             <a:avLst/>
@@ -34614,14 +33590,14 @@
           <a:p>
             <a:pPr algn="ctr"/>
             <a:r>
-              <a:rPr lang="en-US" altLang="en-US" sz="800" b="1">
+              <a:rPr lang="en-US" altLang="en-US" sz="1400" b="1">
                 <a:solidFill>
                   <a:srgbClr val="2C3E50"/>
                 </a:solidFill>
               </a:rPr>
               <a:t>APP server</a:t>
             </a:r>
-            <a:endParaRPr lang="en-US" altLang="en-US" sz="800" b="1">
+            <a:endParaRPr lang="en-US" altLang="en-US" sz="1400" b="1">
               <a:solidFill>
                 <a:srgbClr val="2C3E50"/>
               </a:solidFill>
@@ -34637,8 +33613,8 @@
         </p:nvSpPr>
         <p:spPr>
           <a:xfrm>
-            <a:off x="2529840" y="2957195"/>
-            <a:ext cx="693420" cy="290830"/>
+            <a:off x="4503420" y="2195195"/>
+            <a:ext cx="1395730" cy="353060"/>
           </a:xfrm>
           <a:prstGeom prst="rect">
             <a:avLst/>
@@ -34680,7 +33656,7 @@
           <a:p>
             <a:pPr algn="ctr"/>
             <a:r>
-              <a:rPr lang="en-US" altLang="en-US" sz="800" b="1">
+              <a:rPr lang="en-US" altLang="en-US" sz="1400" b="1">
                 <a:solidFill>
                   <a:srgbClr val="2C3E50"/>
                 </a:solidFill>
@@ -34688,14 +33664,14 @@
               <a:t>Guest </a:t>
             </a:r>
             <a:r>
-              <a:rPr lang="en-US" altLang="zh-CN" sz="800" b="1">
+              <a:rPr lang="en-US" altLang="zh-CN" sz="1400" b="1">
                 <a:solidFill>
                   <a:srgbClr val="2C3E50"/>
                 </a:solidFill>
               </a:rPr>
               <a:t>linux</a:t>
             </a:r>
-            <a:endParaRPr lang="en-US" altLang="zh-CN" sz="800" b="1">
+            <a:endParaRPr lang="en-US" altLang="zh-CN" sz="1400" b="1">
               <a:solidFill>
                 <a:srgbClr val="2C3E50"/>
               </a:solidFill>
@@ -34711,8 +33687,8 @@
         </p:nvSpPr>
         <p:spPr>
           <a:xfrm>
-            <a:off x="2721610" y="3248025"/>
-            <a:ext cx="501650" cy="290830"/>
+            <a:off x="4889500" y="2548255"/>
+            <a:ext cx="1009650" cy="353060"/>
           </a:xfrm>
           <a:prstGeom prst="rect">
             <a:avLst/>
@@ -34754,14 +33730,14 @@
           <a:p>
             <a:pPr algn="ctr"/>
             <a:r>
-              <a:rPr lang="en-US" altLang="en-US" sz="800" b="1">
+              <a:rPr lang="en-US" altLang="en-US" sz="1400" b="1">
                 <a:solidFill>
                   <a:srgbClr val="2C3E50"/>
                 </a:solidFill>
               </a:rPr>
               <a:t>vNIC</a:t>
             </a:r>
-            <a:endParaRPr lang="en-US" altLang="en-US" sz="800" b="1">
+            <a:endParaRPr lang="en-US" altLang="en-US" sz="1400" b="1">
               <a:solidFill>
                 <a:srgbClr val="2C3E50"/>
               </a:solidFill>
@@ -34777,8 +33753,8 @@
         </p:nvSpPr>
         <p:spPr>
           <a:xfrm>
-            <a:off x="2529840" y="2666365"/>
-            <a:ext cx="693420" cy="290830"/>
+            <a:off x="4503420" y="1842135"/>
+            <a:ext cx="1395730" cy="353060"/>
           </a:xfrm>
           <a:prstGeom prst="rect">
             <a:avLst/>
@@ -34820,14 +33796,14 @@
           <a:p>
             <a:pPr algn="ctr"/>
             <a:r>
-              <a:rPr lang="en-US" altLang="en-US" sz="800" b="1">
+              <a:rPr lang="en-US" altLang="en-US" sz="1400" b="1">
                 <a:solidFill>
                   <a:srgbClr val="2C3E50"/>
                 </a:solidFill>
               </a:rPr>
               <a:t>DB server</a:t>
             </a:r>
-            <a:endParaRPr lang="en-US" altLang="en-US" sz="800" b="1">
+            <a:endParaRPr lang="en-US" altLang="en-US" sz="1400" b="1">
               <a:solidFill>
                 <a:srgbClr val="2C3E50"/>
               </a:solidFill>
@@ -34843,8 +33819,8 @@
         </p:nvSpPr>
         <p:spPr>
           <a:xfrm>
-            <a:off x="580390" y="3248025"/>
-            <a:ext cx="2642870" cy="1469390"/>
+            <a:off x="580390" y="2548255"/>
+            <a:ext cx="5318760" cy="1784350"/>
           </a:xfrm>
           <a:prstGeom prst="rect">
             <a:avLst/>
@@ -34885,7 +33861,7 @@
           <a:bodyPr rtlCol="0" anchor="ctr"/>
           <a:p>
             <a:pPr algn="ctr"/>
-            <a:endParaRPr lang="zh-CN" altLang="en-US" sz="800"/>
+            <a:endParaRPr lang="zh-CN" altLang="en-US"/>
           </a:p>
         </p:txBody>
       </p:sp>
@@ -34897,8 +33873,8 @@
         </p:nvSpPr>
         <p:spPr>
           <a:xfrm>
-            <a:off x="2139315" y="4370705"/>
-            <a:ext cx="1083945" cy="213995"/>
+            <a:off x="3717290" y="3911600"/>
+            <a:ext cx="2181860" cy="368300"/>
           </a:xfrm>
           <a:prstGeom prst="rect">
             <a:avLst/>
@@ -34906,38 +33882,38 @@
           <a:noFill/>
         </p:spPr>
         <p:txBody>
-          <a:bodyPr wrap="square" rtlCol="0">
+          <a:bodyPr wrap="none" rtlCol="0">
             <a:spAutoFit/>
           </a:bodyPr>
           <a:p>
             <a:r>
-              <a:rPr lang="en-US" altLang="zh-CN" sz="800" b="1">
+              <a:rPr lang="en-US" altLang="zh-CN" b="1">
                 <a:solidFill>
                   <a:srgbClr val="2C3E50"/>
                 </a:solidFill>
               </a:rPr>
               <a:t>kvm/hypervisor</a:t>
             </a:r>
-            <a:endParaRPr lang="en-US" altLang="zh-CN" sz="800" b="1">
-              <a:solidFill>
-                <a:srgbClr val="2C3E50"/>
-              </a:solidFill>
-            </a:endParaRPr>
-          </a:p>
-        </p:txBody>
-      </p:sp>
-      <p:sp>
-        <p:nvSpPr>
-          <p:cNvPr id="19" name="矩形 18"/>
+            <a:endParaRPr lang="en-US" altLang="zh-CN" b="1">
+              <a:solidFill>
+                <a:srgbClr val="2C3E50"/>
+              </a:solidFill>
+            </a:endParaRPr>
+          </a:p>
+        </p:txBody>
+      </p:sp>
+      <p:sp>
+        <p:nvSpPr>
+          <p:cNvPr id="18" name="六边形 17"/>
           <p:cNvSpPr/>
           <p:nvPr/>
         </p:nvSpPr>
         <p:spPr>
           <a:xfrm>
-            <a:off x="580390" y="4717415"/>
-            <a:ext cx="1739265" cy="304800"/>
-          </a:xfrm>
-          <a:prstGeom prst="rect">
+            <a:off x="1976120" y="3440430"/>
+            <a:ext cx="1245235" cy="471170"/>
+          </a:xfrm>
+          <a:prstGeom prst="hexagon">
             <a:avLst/>
           </a:prstGeom>
           <a:noFill/>
@@ -34977,31 +33953,39 @@
           <a:p>
             <a:pPr algn="ctr"/>
             <a:r>
-              <a:rPr lang="en-US" altLang="zh-CN" sz="800" b="1">
-                <a:solidFill>
-                  <a:srgbClr val="2C3E50"/>
-                </a:solidFill>
-              </a:rPr>
-              <a:t>NIC</a:t>
-            </a:r>
-            <a:endParaRPr lang="en-US" altLang="zh-CN" sz="800" b="1">
-              <a:solidFill>
-                <a:srgbClr val="2C3E50"/>
-              </a:solidFill>
-            </a:endParaRPr>
-          </a:p>
-        </p:txBody>
-      </p:sp>
-      <p:sp>
-        <p:nvSpPr>
-          <p:cNvPr id="7" name="矩形 6"/>
+              <a:rPr lang="en-US" altLang="en-US" sz="1400" b="1">
+                <a:solidFill>
+                  <a:srgbClr val="2C3E50"/>
+                </a:solidFill>
+              </a:rPr>
+              <a:t>v </a:t>
+            </a:r>
+            <a:r>
+              <a:rPr lang="en-US" altLang="zh-CN" sz="1400" b="1">
+                <a:solidFill>
+                  <a:srgbClr val="2C3E50"/>
+                </a:solidFill>
+              </a:rPr>
+              <a:t>switch</a:t>
+            </a:r>
+            <a:endParaRPr lang="en-US" altLang="zh-CN" sz="1400" b="1">
+              <a:solidFill>
+                <a:srgbClr val="2C3E50"/>
+              </a:solidFill>
+            </a:endParaRPr>
+          </a:p>
+        </p:txBody>
+      </p:sp>
+      <p:sp>
+        <p:nvSpPr>
+          <p:cNvPr id="19" name="矩形 18"/>
           <p:cNvSpPr/>
           <p:nvPr/>
         </p:nvSpPr>
         <p:spPr>
           <a:xfrm>
-            <a:off x="3467100" y="2957195"/>
-            <a:ext cx="693420" cy="290830"/>
+            <a:off x="580390" y="4332605"/>
+            <a:ext cx="3500120" cy="370205"/>
           </a:xfrm>
           <a:prstGeom prst="rect">
             <a:avLst/>
@@ -35043,783 +34027,231 @@
           <a:p>
             <a:pPr algn="ctr"/>
             <a:r>
-              <a:rPr lang="en-US" altLang="en-US" sz="800" b="1">
-                <a:solidFill>
-                  <a:srgbClr val="2C3E50"/>
-                </a:solidFill>
-              </a:rPr>
-              <a:t>Guest </a:t>
-            </a:r>
-            <a:r>
-              <a:rPr lang="en-US" altLang="zh-CN" sz="800" b="1">
-                <a:solidFill>
-                  <a:srgbClr val="2C3E50"/>
-                </a:solidFill>
-              </a:rPr>
-              <a:t>linux</a:t>
-            </a:r>
-            <a:endParaRPr lang="en-US" altLang="zh-CN" sz="800" b="1">
-              <a:solidFill>
-                <a:srgbClr val="2C3E50"/>
-              </a:solidFill>
-            </a:endParaRPr>
-          </a:p>
-        </p:txBody>
-      </p:sp>
-      <p:sp>
-        <p:nvSpPr>
-          <p:cNvPr id="11" name="矩形 10"/>
-          <p:cNvSpPr/>
-          <p:nvPr/>
-        </p:nvSpPr>
-        <p:spPr>
-          <a:xfrm>
-            <a:off x="3617595" y="3248025"/>
-            <a:ext cx="542925" cy="290830"/>
+              <a:rPr lang="en-US" altLang="zh-CN" b="1">
+                <a:solidFill>
+                  <a:srgbClr val="2C3E50"/>
+                </a:solidFill>
+              </a:rPr>
+              <a:t>NIC</a:t>
+            </a:r>
+            <a:endParaRPr lang="en-US" altLang="zh-CN" b="1">
+              <a:solidFill>
+                <a:srgbClr val="2C3E50"/>
+              </a:solidFill>
+            </a:endParaRPr>
+          </a:p>
+        </p:txBody>
+      </p:sp>
+      <p:cxnSp>
+        <p:nvCxnSpPr>
+          <p:cNvPr id="20" name="肘形连接符 19"/>
+          <p:cNvCxnSpPr>
+            <a:stCxn id="4" idx="2"/>
+            <a:endCxn id="18" idx="3"/>
+          </p:cNvCxnSpPr>
+          <p:nvPr/>
+        </p:nvCxnSpPr>
+        <p:spPr>
+          <a:xfrm rot="5400000" flipV="true">
+            <a:off x="1315720" y="3023870"/>
+            <a:ext cx="774700" cy="546100"/>
+          </a:xfrm>
+          <a:prstGeom prst="bentConnector2">
+            <a:avLst/>
+          </a:prstGeom>
+          <a:ln w="38100">
+            <a:solidFill>
+              <a:srgbClr val="3EAF7C"/>
+            </a:solidFill>
+            <a:tailEnd type="arrow"/>
+          </a:ln>
+        </p:spPr>
+        <p:style>
+          <a:lnRef idx="1">
+            <a:schemeClr val="accent1"/>
+          </a:lnRef>
+          <a:fillRef idx="0">
+            <a:schemeClr val="accent1"/>
+          </a:fillRef>
+          <a:effectRef idx="0">
+            <a:schemeClr val="accent1"/>
+          </a:effectRef>
+          <a:fontRef idx="minor">
+            <a:schemeClr val="tx1"/>
+          </a:fontRef>
+        </p:style>
+      </p:cxnSp>
+      <p:cxnSp>
+        <p:nvCxnSpPr>
+          <p:cNvPr id="21" name="肘形连接符 20"/>
+          <p:cNvCxnSpPr>
+            <a:stCxn id="9" idx="2"/>
+          </p:cNvCxnSpPr>
+          <p:nvPr/>
+        </p:nvCxnSpPr>
+        <p:spPr>
+          <a:xfrm rot="5400000">
+            <a:off x="2928620" y="2950210"/>
+            <a:ext cx="555625" cy="473710"/>
+          </a:xfrm>
+          <a:prstGeom prst="bentConnector3">
+            <a:avLst>
+              <a:gd name="adj1" fmla="val 50000"/>
+            </a:avLst>
+          </a:prstGeom>
+          <a:ln w="38100">
+            <a:solidFill>
+              <a:srgbClr val="3EAF7C"/>
+            </a:solidFill>
+            <a:tailEnd type="arrow"/>
+          </a:ln>
+        </p:spPr>
+        <p:style>
+          <a:lnRef idx="1">
+            <a:schemeClr val="accent1"/>
+          </a:lnRef>
+          <a:fillRef idx="0">
+            <a:schemeClr val="accent1"/>
+          </a:fillRef>
+          <a:effectRef idx="0">
+            <a:schemeClr val="accent1"/>
+          </a:effectRef>
+          <a:fontRef idx="minor">
+            <a:schemeClr val="tx1"/>
+          </a:fontRef>
+        </p:style>
+      </p:cxnSp>
+      <p:cxnSp>
+        <p:nvCxnSpPr>
+          <p:cNvPr id="22" name="肘形连接符 21"/>
+          <p:cNvCxnSpPr>
+            <a:stCxn id="13" idx="2"/>
+            <a:endCxn id="18" idx="0"/>
+          </p:cNvCxnSpPr>
+          <p:nvPr/>
+        </p:nvCxnSpPr>
+        <p:spPr>
+          <a:xfrm rot="5400000">
+            <a:off x="3920490" y="2210435"/>
+            <a:ext cx="774700" cy="2172970"/>
+          </a:xfrm>
+          <a:prstGeom prst="bentConnector2">
+            <a:avLst/>
+          </a:prstGeom>
+          <a:ln w="38100">
+            <a:solidFill>
+              <a:srgbClr val="3EAF7C"/>
+            </a:solidFill>
+            <a:tailEnd type="arrow"/>
+          </a:ln>
+        </p:spPr>
+        <p:style>
+          <a:lnRef idx="1">
+            <a:schemeClr val="accent1"/>
+          </a:lnRef>
+          <a:fillRef idx="0">
+            <a:schemeClr val="accent1"/>
+          </a:fillRef>
+          <a:effectRef idx="0">
+            <a:schemeClr val="accent1"/>
+          </a:effectRef>
+          <a:fontRef idx="minor">
+            <a:schemeClr val="tx1"/>
+          </a:fontRef>
+        </p:style>
+      </p:cxnSp>
+      <p:cxnSp>
+        <p:nvCxnSpPr>
+          <p:cNvPr id="23" name="肘形连接符 22"/>
+          <p:cNvCxnSpPr>
+            <a:endCxn id="19" idx="0"/>
+          </p:cNvCxnSpPr>
+          <p:nvPr/>
+        </p:nvCxnSpPr>
+        <p:spPr>
+          <a:xfrm rot="5400000">
+            <a:off x="2237740" y="3987165"/>
+            <a:ext cx="437515" cy="252095"/>
+          </a:xfrm>
+          <a:prstGeom prst="bentConnector3">
+            <a:avLst>
+              <a:gd name="adj1" fmla="val 50073"/>
+            </a:avLst>
+          </a:prstGeom>
+          <a:ln w="38100">
+            <a:solidFill>
+              <a:srgbClr val="3EAF7C"/>
+            </a:solidFill>
+            <a:tailEnd type="arrow"/>
+          </a:ln>
+        </p:spPr>
+        <p:style>
+          <a:lnRef idx="1">
+            <a:schemeClr val="accent1"/>
+          </a:lnRef>
+          <a:fillRef idx="0">
+            <a:schemeClr val="accent1"/>
+          </a:fillRef>
+          <a:effectRef idx="0">
+            <a:schemeClr val="accent1"/>
+          </a:effectRef>
+          <a:fontRef idx="minor">
+            <a:schemeClr val="tx1"/>
+          </a:fontRef>
+        </p:style>
+      </p:cxnSp>
+      <p:sp>
+        <p:nvSpPr>
+          <p:cNvPr id="24" name="文本框 23"/>
+          <p:cNvSpPr txBox="true"/>
+          <p:nvPr/>
+        </p:nvSpPr>
+        <p:spPr>
+          <a:xfrm>
+            <a:off x="579755" y="5772150"/>
+            <a:ext cx="5319395" cy="1383665"/>
           </a:xfrm>
           <a:prstGeom prst="rect">
             <a:avLst/>
           </a:prstGeom>
           <a:noFill/>
-          <a:ln w="38100">
-            <a:solidFill>
-              <a:srgbClr val="2C3E50"/>
-            </a:solidFill>
-          </a:ln>
-          <a:extLst>
-            <a:ext uri="{909E8E84-426E-40DD-AFC4-6F175D3DCCD1}">
-              <a14:hiddenFill xmlns:a14="http://schemas.microsoft.com/office/drawing/2010/main">
-                <a:solidFill>
-                  <a:schemeClr val="accent1"/>
-                </a:solidFill>
-              </a14:hiddenFill>
-            </a:ext>
-          </a:extLst>
-        </p:spPr>
-        <p:style>
-          <a:lnRef idx="2">
-            <a:schemeClr val="accent1">
-              <a:shade val="50000"/>
-            </a:schemeClr>
-          </a:lnRef>
-          <a:fillRef idx="1">
-            <a:schemeClr val="accent1"/>
-          </a:fillRef>
-          <a:effectRef idx="0">
-            <a:schemeClr val="accent1"/>
-          </a:effectRef>
-          <a:fontRef idx="minor">
-            <a:schemeClr val="lt1"/>
-          </a:fontRef>
-        </p:style>
-        <p:txBody>
-          <a:bodyPr rtlCol="0" anchor="ctr"/>
-          <a:p>
-            <a:pPr algn="ctr"/>
-            <a:r>
-              <a:rPr lang="en-US" altLang="en-US" sz="800" b="1">
-                <a:solidFill>
-                  <a:srgbClr val="2C3E50"/>
-                </a:solidFill>
-              </a:rPr>
-              <a:t>vNIC</a:t>
-            </a:r>
-            <a:endParaRPr lang="en-US" altLang="en-US" sz="800" b="1">
-              <a:solidFill>
-                <a:srgbClr val="2C3E50"/>
-              </a:solidFill>
-            </a:endParaRPr>
-          </a:p>
-        </p:txBody>
-      </p:sp>
-      <p:sp>
-        <p:nvSpPr>
-          <p:cNvPr id="17" name="矩形 16"/>
-          <p:cNvSpPr/>
-          <p:nvPr/>
-        </p:nvSpPr>
-        <p:spPr>
-          <a:xfrm>
-            <a:off x="3467100" y="2666365"/>
-            <a:ext cx="693420" cy="290830"/>
-          </a:xfrm>
-          <a:prstGeom prst="rect">
-            <a:avLst/>
-          </a:prstGeom>
-          <a:noFill/>
-          <a:ln w="38100">
-            <a:solidFill>
-              <a:srgbClr val="2C3E50"/>
-            </a:solidFill>
-          </a:ln>
-          <a:extLst>
-            <a:ext uri="{909E8E84-426E-40DD-AFC4-6F175D3DCCD1}">
-              <a14:hiddenFill xmlns:a14="http://schemas.microsoft.com/office/drawing/2010/main">
-                <a:solidFill>
-                  <a:schemeClr val="accent1"/>
-                </a:solidFill>
-              </a14:hiddenFill>
-            </a:ext>
-          </a:extLst>
-        </p:spPr>
-        <p:style>
-          <a:lnRef idx="2">
-            <a:schemeClr val="accent1">
-              <a:shade val="50000"/>
-            </a:schemeClr>
-          </a:lnRef>
-          <a:fillRef idx="1">
-            <a:schemeClr val="accent1"/>
-          </a:fillRef>
-          <a:effectRef idx="0">
-            <a:schemeClr val="accent1"/>
-          </a:effectRef>
-          <a:fontRef idx="minor">
-            <a:schemeClr val="lt1"/>
-          </a:fontRef>
-        </p:style>
-        <p:txBody>
-          <a:bodyPr rtlCol="0" anchor="ctr"/>
-          <a:p>
-            <a:pPr algn="ctr"/>
-            <a:r>
-              <a:rPr lang="en-US" altLang="en-US" sz="800" b="1">
-                <a:solidFill>
-                  <a:srgbClr val="2C3E50"/>
-                </a:solidFill>
-              </a:rPr>
-              <a:t>WEB server</a:t>
-            </a:r>
-            <a:endParaRPr lang="en-US" altLang="en-US" sz="800" b="1">
-              <a:solidFill>
-                <a:srgbClr val="2C3E50"/>
-              </a:solidFill>
-            </a:endParaRPr>
-          </a:p>
-        </p:txBody>
-      </p:sp>
-      <p:sp>
-        <p:nvSpPr>
-          <p:cNvPr id="24" name="矩形 23"/>
-          <p:cNvSpPr/>
-          <p:nvPr/>
-        </p:nvSpPr>
-        <p:spPr>
-          <a:xfrm>
-            <a:off x="4441825" y="2957195"/>
-            <a:ext cx="693420" cy="290830"/>
-          </a:xfrm>
-          <a:prstGeom prst="rect">
-            <a:avLst/>
-          </a:prstGeom>
-          <a:noFill/>
-          <a:ln w="38100">
-            <a:solidFill>
-              <a:srgbClr val="2C3E50"/>
-            </a:solidFill>
-          </a:ln>
-          <a:extLst>
-            <a:ext uri="{909E8E84-426E-40DD-AFC4-6F175D3DCCD1}">
-              <a14:hiddenFill xmlns:a14="http://schemas.microsoft.com/office/drawing/2010/main">
-                <a:solidFill>
-                  <a:schemeClr val="accent1"/>
-                </a:solidFill>
-              </a14:hiddenFill>
-            </a:ext>
-          </a:extLst>
-        </p:spPr>
-        <p:style>
-          <a:lnRef idx="2">
-            <a:schemeClr val="accent1">
-              <a:shade val="50000"/>
-            </a:schemeClr>
-          </a:lnRef>
-          <a:fillRef idx="1">
-            <a:schemeClr val="accent1"/>
-          </a:fillRef>
-          <a:effectRef idx="0">
-            <a:schemeClr val="accent1"/>
-          </a:effectRef>
-          <a:fontRef idx="minor">
-            <a:schemeClr val="lt1"/>
-          </a:fontRef>
-        </p:style>
-        <p:txBody>
-          <a:bodyPr rtlCol="0" anchor="ctr"/>
-          <a:p>
-            <a:pPr algn="ctr"/>
-            <a:r>
-              <a:rPr lang="en-US" altLang="en-US" sz="800" b="1">
-                <a:solidFill>
-                  <a:srgbClr val="2C3E50"/>
-                </a:solidFill>
-              </a:rPr>
-              <a:t>Guest </a:t>
-            </a:r>
-            <a:r>
-              <a:rPr lang="en-US" altLang="zh-CN" sz="800" b="1">
-                <a:solidFill>
-                  <a:srgbClr val="2C3E50"/>
-                </a:solidFill>
-              </a:rPr>
-              <a:t>linux</a:t>
-            </a:r>
-            <a:endParaRPr lang="en-US" altLang="zh-CN" sz="800" b="1">
-              <a:solidFill>
-                <a:srgbClr val="2C3E50"/>
-              </a:solidFill>
-            </a:endParaRPr>
-          </a:p>
-        </p:txBody>
-      </p:sp>
-      <p:sp>
-        <p:nvSpPr>
-          <p:cNvPr id="25" name="矩形 24"/>
-          <p:cNvSpPr/>
-          <p:nvPr/>
-        </p:nvSpPr>
-        <p:spPr>
-          <a:xfrm>
-            <a:off x="4643755" y="3248025"/>
-            <a:ext cx="491490" cy="290830"/>
-          </a:xfrm>
-          <a:prstGeom prst="rect">
-            <a:avLst/>
-          </a:prstGeom>
-          <a:noFill/>
-          <a:ln w="38100">
-            <a:solidFill>
-              <a:srgbClr val="2C3E50"/>
-            </a:solidFill>
-          </a:ln>
-          <a:extLst>
-            <a:ext uri="{909E8E84-426E-40DD-AFC4-6F175D3DCCD1}">
-              <a14:hiddenFill xmlns:a14="http://schemas.microsoft.com/office/drawing/2010/main">
-                <a:solidFill>
-                  <a:schemeClr val="accent1"/>
-                </a:solidFill>
-              </a14:hiddenFill>
-            </a:ext>
-          </a:extLst>
-        </p:spPr>
-        <p:style>
-          <a:lnRef idx="2">
-            <a:schemeClr val="accent1">
-              <a:shade val="50000"/>
-            </a:schemeClr>
-          </a:lnRef>
-          <a:fillRef idx="1">
-            <a:schemeClr val="accent1"/>
-          </a:fillRef>
-          <a:effectRef idx="0">
-            <a:schemeClr val="accent1"/>
-          </a:effectRef>
-          <a:fontRef idx="minor">
-            <a:schemeClr val="lt1"/>
-          </a:fontRef>
-        </p:style>
-        <p:txBody>
-          <a:bodyPr rtlCol="0" anchor="ctr"/>
-          <a:p>
-            <a:pPr algn="ctr"/>
-            <a:r>
-              <a:rPr lang="en-US" altLang="en-US" sz="800" b="1">
-                <a:solidFill>
-                  <a:srgbClr val="2C3E50"/>
-                </a:solidFill>
-              </a:rPr>
-              <a:t>vNIC</a:t>
-            </a:r>
-            <a:endParaRPr lang="en-US" altLang="en-US" sz="800" b="1">
-              <a:solidFill>
-                <a:srgbClr val="2C3E50"/>
-              </a:solidFill>
-            </a:endParaRPr>
-          </a:p>
-        </p:txBody>
-      </p:sp>
-      <p:sp>
-        <p:nvSpPr>
-          <p:cNvPr id="26" name="矩形 25"/>
-          <p:cNvSpPr/>
-          <p:nvPr/>
-        </p:nvSpPr>
-        <p:spPr>
-          <a:xfrm>
-            <a:off x="4441825" y="2666365"/>
-            <a:ext cx="693420" cy="290830"/>
-          </a:xfrm>
-          <a:prstGeom prst="rect">
-            <a:avLst/>
-          </a:prstGeom>
-          <a:noFill/>
-          <a:ln w="38100">
-            <a:solidFill>
-              <a:srgbClr val="2C3E50"/>
-            </a:solidFill>
-          </a:ln>
-          <a:extLst>
-            <a:ext uri="{909E8E84-426E-40DD-AFC4-6F175D3DCCD1}">
-              <a14:hiddenFill xmlns:a14="http://schemas.microsoft.com/office/drawing/2010/main">
-                <a:solidFill>
-                  <a:schemeClr val="accent1"/>
-                </a:solidFill>
-              </a14:hiddenFill>
-            </a:ext>
-          </a:extLst>
-        </p:spPr>
-        <p:style>
-          <a:lnRef idx="2">
-            <a:schemeClr val="accent1">
-              <a:shade val="50000"/>
-            </a:schemeClr>
-          </a:lnRef>
-          <a:fillRef idx="1">
-            <a:schemeClr val="accent1"/>
-          </a:fillRef>
-          <a:effectRef idx="0">
-            <a:schemeClr val="accent1"/>
-          </a:effectRef>
-          <a:fontRef idx="minor">
-            <a:schemeClr val="lt1"/>
-          </a:fontRef>
-        </p:style>
-        <p:txBody>
-          <a:bodyPr rtlCol="0" anchor="ctr"/>
-          <a:p>
-            <a:pPr algn="ctr"/>
-            <a:r>
-              <a:rPr lang="en-US" altLang="en-US" sz="800" b="1">
-                <a:solidFill>
-                  <a:srgbClr val="2C3E50"/>
-                </a:solidFill>
-              </a:rPr>
-              <a:t>APP server</a:t>
-            </a:r>
-            <a:endParaRPr lang="en-US" altLang="en-US" sz="800" b="1">
-              <a:solidFill>
-                <a:srgbClr val="2C3E50"/>
-              </a:solidFill>
-            </a:endParaRPr>
-          </a:p>
-        </p:txBody>
-      </p:sp>
-      <p:sp>
-        <p:nvSpPr>
-          <p:cNvPr id="27" name="矩形 26"/>
-          <p:cNvSpPr/>
-          <p:nvPr/>
-        </p:nvSpPr>
-        <p:spPr>
-          <a:xfrm>
-            <a:off x="5416550" y="2957195"/>
-            <a:ext cx="693420" cy="290830"/>
-          </a:xfrm>
-          <a:prstGeom prst="rect">
-            <a:avLst/>
-          </a:prstGeom>
-          <a:noFill/>
-          <a:ln w="38100">
-            <a:solidFill>
-              <a:srgbClr val="2C3E50"/>
-            </a:solidFill>
-          </a:ln>
-          <a:extLst>
-            <a:ext uri="{909E8E84-426E-40DD-AFC4-6F175D3DCCD1}">
-              <a14:hiddenFill xmlns:a14="http://schemas.microsoft.com/office/drawing/2010/main">
-                <a:solidFill>
-                  <a:schemeClr val="accent1"/>
-                </a:solidFill>
-              </a14:hiddenFill>
-            </a:ext>
-          </a:extLst>
-        </p:spPr>
-        <p:style>
-          <a:lnRef idx="2">
-            <a:schemeClr val="accent1">
-              <a:shade val="50000"/>
-            </a:schemeClr>
-          </a:lnRef>
-          <a:fillRef idx="1">
-            <a:schemeClr val="accent1"/>
-          </a:fillRef>
-          <a:effectRef idx="0">
-            <a:schemeClr val="accent1"/>
-          </a:effectRef>
-          <a:fontRef idx="minor">
-            <a:schemeClr val="lt1"/>
-          </a:fontRef>
-        </p:style>
-        <p:txBody>
-          <a:bodyPr rtlCol="0" anchor="ctr"/>
-          <a:p>
-            <a:pPr algn="ctr"/>
-            <a:r>
-              <a:rPr lang="en-US" altLang="en-US" sz="800" b="1">
-                <a:solidFill>
-                  <a:srgbClr val="2C3E50"/>
-                </a:solidFill>
-              </a:rPr>
-              <a:t>Guest </a:t>
-            </a:r>
-            <a:r>
-              <a:rPr lang="en-US" altLang="zh-CN" sz="800" b="1">
-                <a:solidFill>
-                  <a:srgbClr val="2C3E50"/>
-                </a:solidFill>
-              </a:rPr>
-              <a:t>linux</a:t>
-            </a:r>
-            <a:endParaRPr lang="en-US" altLang="zh-CN" sz="800" b="1">
-              <a:solidFill>
-                <a:srgbClr val="2C3E50"/>
-              </a:solidFill>
-            </a:endParaRPr>
-          </a:p>
-        </p:txBody>
-      </p:sp>
-      <p:sp>
-        <p:nvSpPr>
-          <p:cNvPr id="28" name="矩形 27"/>
-          <p:cNvSpPr/>
-          <p:nvPr/>
-        </p:nvSpPr>
-        <p:spPr>
-          <a:xfrm>
-            <a:off x="5608320" y="3248025"/>
-            <a:ext cx="501650" cy="290830"/>
-          </a:xfrm>
-          <a:prstGeom prst="rect">
-            <a:avLst/>
-          </a:prstGeom>
-          <a:noFill/>
-          <a:ln w="38100">
-            <a:solidFill>
-              <a:srgbClr val="2C3E50"/>
-            </a:solidFill>
-          </a:ln>
-          <a:extLst>
-            <a:ext uri="{909E8E84-426E-40DD-AFC4-6F175D3DCCD1}">
-              <a14:hiddenFill xmlns:a14="http://schemas.microsoft.com/office/drawing/2010/main">
-                <a:solidFill>
-                  <a:schemeClr val="accent1"/>
-                </a:solidFill>
-              </a14:hiddenFill>
-            </a:ext>
-          </a:extLst>
-        </p:spPr>
-        <p:style>
-          <a:lnRef idx="2">
-            <a:schemeClr val="accent1">
-              <a:shade val="50000"/>
-            </a:schemeClr>
-          </a:lnRef>
-          <a:fillRef idx="1">
-            <a:schemeClr val="accent1"/>
-          </a:fillRef>
-          <a:effectRef idx="0">
-            <a:schemeClr val="accent1"/>
-          </a:effectRef>
-          <a:fontRef idx="minor">
-            <a:schemeClr val="lt1"/>
-          </a:fontRef>
-        </p:style>
-        <p:txBody>
-          <a:bodyPr rtlCol="0" anchor="ctr"/>
-          <a:p>
-            <a:pPr algn="ctr"/>
-            <a:r>
-              <a:rPr lang="en-US" altLang="en-US" sz="800" b="1">
-                <a:solidFill>
-                  <a:srgbClr val="2C3E50"/>
-                </a:solidFill>
-              </a:rPr>
-              <a:t>vNIC</a:t>
-            </a:r>
-            <a:endParaRPr lang="en-US" altLang="en-US" sz="800" b="1">
-              <a:solidFill>
-                <a:srgbClr val="2C3E50"/>
-              </a:solidFill>
-            </a:endParaRPr>
-          </a:p>
-        </p:txBody>
-      </p:sp>
-      <p:sp>
-        <p:nvSpPr>
-          <p:cNvPr id="29" name="矩形 28"/>
-          <p:cNvSpPr/>
-          <p:nvPr/>
-        </p:nvSpPr>
-        <p:spPr>
-          <a:xfrm>
-            <a:off x="5416550" y="2666365"/>
-            <a:ext cx="693420" cy="290830"/>
-          </a:xfrm>
-          <a:prstGeom prst="rect">
-            <a:avLst/>
-          </a:prstGeom>
-          <a:noFill/>
-          <a:ln w="38100">
-            <a:solidFill>
-              <a:srgbClr val="2C3E50"/>
-            </a:solidFill>
-          </a:ln>
-          <a:extLst>
-            <a:ext uri="{909E8E84-426E-40DD-AFC4-6F175D3DCCD1}">
-              <a14:hiddenFill xmlns:a14="http://schemas.microsoft.com/office/drawing/2010/main">
-                <a:solidFill>
-                  <a:schemeClr val="accent1"/>
-                </a:solidFill>
-              </a14:hiddenFill>
-            </a:ext>
-          </a:extLst>
-        </p:spPr>
-        <p:style>
-          <a:lnRef idx="2">
-            <a:schemeClr val="accent1">
-              <a:shade val="50000"/>
-            </a:schemeClr>
-          </a:lnRef>
-          <a:fillRef idx="1">
-            <a:schemeClr val="accent1"/>
-          </a:fillRef>
-          <a:effectRef idx="0">
-            <a:schemeClr val="accent1"/>
-          </a:effectRef>
-          <a:fontRef idx="minor">
-            <a:schemeClr val="lt1"/>
-          </a:fontRef>
-        </p:style>
-        <p:txBody>
-          <a:bodyPr rtlCol="0" anchor="ctr"/>
-          <a:p>
-            <a:pPr algn="ctr"/>
-            <a:r>
-              <a:rPr lang="en-US" altLang="en-US" sz="800" b="1">
-                <a:solidFill>
-                  <a:srgbClr val="2C3E50"/>
-                </a:solidFill>
-              </a:rPr>
-              <a:t>DB server</a:t>
-            </a:r>
-            <a:endParaRPr lang="en-US" altLang="en-US" sz="800" b="1">
-              <a:solidFill>
-                <a:srgbClr val="2C3E50"/>
-              </a:solidFill>
-            </a:endParaRPr>
-          </a:p>
-        </p:txBody>
-      </p:sp>
-      <p:sp>
-        <p:nvSpPr>
-          <p:cNvPr id="30" name="矩形 29"/>
-          <p:cNvSpPr/>
-          <p:nvPr/>
-        </p:nvSpPr>
-        <p:spPr>
-          <a:xfrm>
-            <a:off x="3467100" y="3248025"/>
-            <a:ext cx="2642870" cy="1469390"/>
-          </a:xfrm>
-          <a:prstGeom prst="rect">
-            <a:avLst/>
-          </a:prstGeom>
-          <a:noFill/>
-          <a:ln w="38100">
-            <a:solidFill>
-              <a:srgbClr val="2C3E50"/>
-            </a:solidFill>
-          </a:ln>
-          <a:extLst>
-            <a:ext uri="{909E8E84-426E-40DD-AFC4-6F175D3DCCD1}">
-              <a14:hiddenFill xmlns:a14="http://schemas.microsoft.com/office/drawing/2010/main">
-                <a:solidFill>
-                  <a:schemeClr val="accent1"/>
-                </a:solidFill>
-              </a14:hiddenFill>
-            </a:ext>
-          </a:extLst>
-        </p:spPr>
-        <p:style>
-          <a:lnRef idx="2">
-            <a:schemeClr val="accent1">
-              <a:shade val="50000"/>
-            </a:schemeClr>
-          </a:lnRef>
-          <a:fillRef idx="1">
-            <a:schemeClr val="accent1"/>
-          </a:fillRef>
-          <a:effectRef idx="0">
-            <a:schemeClr val="accent1"/>
-          </a:effectRef>
-          <a:fontRef idx="minor">
-            <a:schemeClr val="lt1"/>
-          </a:fontRef>
-        </p:style>
-        <p:txBody>
-          <a:bodyPr rtlCol="0" anchor="ctr"/>
-          <a:p>
-            <a:pPr algn="ctr"/>
-            <a:endParaRPr lang="zh-CN" altLang="en-US" sz="800"/>
-          </a:p>
-        </p:txBody>
-      </p:sp>
-      <p:sp>
-        <p:nvSpPr>
-          <p:cNvPr id="31" name="文本框 30"/>
-          <p:cNvSpPr txBox="true"/>
-          <p:nvPr/>
-        </p:nvSpPr>
-        <p:spPr>
-          <a:xfrm>
-            <a:off x="5026025" y="4370705"/>
-            <a:ext cx="1083945" cy="213995"/>
-          </a:xfrm>
-          <a:prstGeom prst="rect">
-            <a:avLst/>
-          </a:prstGeom>
-          <a:noFill/>
-        </p:spPr>
-        <p:txBody>
-          <a:bodyPr wrap="square" rtlCol="0">
+        </p:spPr>
+        <p:txBody>
+          <a:bodyPr wrap="square" rtlCol="0" anchor="t">
             <a:spAutoFit/>
           </a:bodyPr>
           <a:p>
             <a:r>
-              <a:rPr lang="en-US" altLang="zh-CN" sz="800" b="1">
-                <a:solidFill>
-                  <a:srgbClr val="2C3E50"/>
-                </a:solidFill>
-              </a:rPr>
-              <a:t>kvm/hypervisor</a:t>
-            </a:r>
-            <a:endParaRPr lang="en-US" altLang="zh-CN" sz="800" b="1">
-              <a:solidFill>
-                <a:srgbClr val="2C3E50"/>
-              </a:solidFill>
-            </a:endParaRPr>
-          </a:p>
-        </p:txBody>
-      </p:sp>
-      <p:sp>
-        <p:nvSpPr>
-          <p:cNvPr id="33" name="矩形 32"/>
-          <p:cNvSpPr/>
-          <p:nvPr/>
-        </p:nvSpPr>
-        <p:spPr>
-          <a:xfrm>
-            <a:off x="3467100" y="4717415"/>
-            <a:ext cx="1739265" cy="304800"/>
-          </a:xfrm>
-          <a:prstGeom prst="rect">
-            <a:avLst/>
-          </a:prstGeom>
-          <a:noFill/>
-          <a:ln w="38100">
-            <a:solidFill>
-              <a:srgbClr val="2C3E50"/>
-            </a:solidFill>
-          </a:ln>
-          <a:extLst>
-            <a:ext uri="{909E8E84-426E-40DD-AFC4-6F175D3DCCD1}">
-              <a14:hiddenFill xmlns:a14="http://schemas.microsoft.com/office/drawing/2010/main">
-                <a:solidFill>
-                  <a:schemeClr val="accent1"/>
-                </a:solidFill>
-              </a14:hiddenFill>
-            </a:ext>
-          </a:extLst>
-        </p:spPr>
-        <p:style>
-          <a:lnRef idx="2">
-            <a:schemeClr val="accent1">
-              <a:shade val="50000"/>
-            </a:schemeClr>
-          </a:lnRef>
-          <a:fillRef idx="1">
-            <a:schemeClr val="accent1"/>
-          </a:fillRef>
-          <a:effectRef idx="0">
-            <a:schemeClr val="accent1"/>
-          </a:effectRef>
-          <a:fontRef idx="minor">
-            <a:schemeClr val="lt1"/>
-          </a:fontRef>
-        </p:style>
-        <p:txBody>
-          <a:bodyPr rtlCol="0" anchor="ctr"/>
-          <a:p>
-            <a:pPr algn="ctr"/>
-            <a:r>
-              <a:rPr lang="en-US" altLang="zh-CN" sz="800" b="1">
-                <a:solidFill>
-                  <a:srgbClr val="2C3E50"/>
-                </a:solidFill>
-              </a:rPr>
-              <a:t>NIC</a:t>
-            </a:r>
-            <a:endParaRPr lang="en-US" altLang="zh-CN" sz="800" b="1">
-              <a:solidFill>
-                <a:srgbClr val="2C3E50"/>
-              </a:solidFill>
-            </a:endParaRPr>
-          </a:p>
-        </p:txBody>
-      </p:sp>
-      <p:sp>
-        <p:nvSpPr>
-          <p:cNvPr id="38" name="矩形 37"/>
-          <p:cNvSpPr/>
-          <p:nvPr/>
-        </p:nvSpPr>
-        <p:spPr>
-          <a:xfrm>
-            <a:off x="730885" y="3772535"/>
-            <a:ext cx="5317490" cy="420370"/>
-          </a:xfrm>
-          <a:prstGeom prst="rect">
-            <a:avLst/>
-          </a:prstGeom>
-          <a:solidFill>
-            <a:srgbClr val="3EAF7C"/>
-          </a:solidFill>
-          <a:ln w="38100">
-            <a:solidFill>
-              <a:srgbClr val="2C3E50"/>
-            </a:solidFill>
-            <a:prstDash val="sysDash"/>
-          </a:ln>
-        </p:spPr>
-        <p:style>
-          <a:lnRef idx="2">
-            <a:schemeClr val="accent1">
-              <a:shade val="50000"/>
-            </a:schemeClr>
-          </a:lnRef>
-          <a:fillRef idx="1">
-            <a:schemeClr val="accent1"/>
-          </a:fillRef>
-          <a:effectRef idx="0">
-            <a:schemeClr val="accent1"/>
-          </a:effectRef>
-          <a:fontRef idx="minor">
-            <a:schemeClr val="lt1"/>
-          </a:fontRef>
-        </p:style>
-        <p:txBody>
-          <a:bodyPr rtlCol="0" anchor="ctr"/>
-          <a:p>
-            <a:pPr algn="ctr"/>
-            <a:r>
-              <a:rPr lang="en-US" altLang="zh-CN" b="1">
-                <a:solidFill>
-                  <a:srgbClr val="2C3E50"/>
-                </a:solidFill>
-              </a:rPr>
-              <a:t>open vSwitch</a:t>
-            </a:r>
-            <a:endParaRPr lang="en-US" altLang="zh-CN" b="1">
+              <a:rPr lang="zh-CN" altLang="en-US" sz="1400" b="1">
+                <a:solidFill>
+                  <a:srgbClr val="2C3E50"/>
+                </a:solidFill>
+              </a:rPr>
+              <a:t>对于问题 1），可以利用虚拟化层 Hypervisor 的调度技术，将资源从空闲的应用上调度到繁忙的应用上，达到资源的合理利用；</a:t>
+            </a:r>
+            <a:endParaRPr lang="zh-CN" altLang="en-US" sz="1400" b="1">
+              <a:solidFill>
+                <a:srgbClr val="2C3E50"/>
+              </a:solidFill>
+            </a:endParaRPr>
+          </a:p>
+          <a:p>
+            <a:endParaRPr lang="zh-CN" altLang="en-US" sz="1400" b="1">
+              <a:solidFill>
+                <a:srgbClr val="2C3E50"/>
+              </a:solidFill>
+            </a:endParaRPr>
+          </a:p>
+          <a:p>
+            <a:r>
+              <a:rPr lang="zh-CN" altLang="en-US" sz="1400" b="1">
+                <a:solidFill>
+                  <a:srgbClr val="2C3E50"/>
+                </a:solidFill>
+              </a:rPr>
+              <a:t>对于问题 2），可以根据物理设备的资源使用情况进行横向扩容，除非设备资源已经用尽，否则没有必要新增设备</a:t>
+            </a:r>
+            <a:endParaRPr lang="zh-CN" altLang="en-US" sz="1400" b="1">
               <a:solidFill>
                 <a:srgbClr val="2C3E50"/>
               </a:solidFill>
@@ -35845,6 +34277,1616 @@
         <p:nvPr/>
       </p:nvGrpSpPr>
       <p:grpSpPr/>
+      <p:sp>
+        <p:nvSpPr>
+          <p:cNvPr id="3" name="矩形 2"/>
+          <p:cNvSpPr/>
+          <p:nvPr/>
+        </p:nvSpPr>
+        <p:spPr>
+          <a:xfrm>
+            <a:off x="580390" y="2957195"/>
+            <a:ext cx="693420" cy="290830"/>
+          </a:xfrm>
+          <a:prstGeom prst="rect">
+            <a:avLst/>
+          </a:prstGeom>
+          <a:noFill/>
+          <a:ln w="38100">
+            <a:solidFill>
+              <a:srgbClr val="2C3E50"/>
+            </a:solidFill>
+          </a:ln>
+          <a:extLst>
+            <a:ext uri="{909E8E84-426E-40DD-AFC4-6F175D3DCCD1}">
+              <a14:hiddenFill xmlns:a14="http://schemas.microsoft.com/office/drawing/2010/main">
+                <a:solidFill>
+                  <a:schemeClr val="accent1"/>
+                </a:solidFill>
+              </a14:hiddenFill>
+            </a:ext>
+          </a:extLst>
+        </p:spPr>
+        <p:style>
+          <a:lnRef idx="2">
+            <a:schemeClr val="accent1">
+              <a:shade val="50000"/>
+            </a:schemeClr>
+          </a:lnRef>
+          <a:fillRef idx="1">
+            <a:schemeClr val="accent1"/>
+          </a:fillRef>
+          <a:effectRef idx="0">
+            <a:schemeClr val="accent1"/>
+          </a:effectRef>
+          <a:fontRef idx="minor">
+            <a:schemeClr val="lt1"/>
+          </a:fontRef>
+        </p:style>
+        <p:txBody>
+          <a:bodyPr rtlCol="0" anchor="ctr"/>
+          <a:p>
+            <a:pPr algn="ctr"/>
+            <a:r>
+              <a:rPr lang="en-US" altLang="en-US" sz="800" b="1">
+                <a:solidFill>
+                  <a:srgbClr val="2C3E50"/>
+                </a:solidFill>
+              </a:rPr>
+              <a:t>Guest </a:t>
+            </a:r>
+            <a:r>
+              <a:rPr lang="en-US" altLang="zh-CN" sz="800" b="1">
+                <a:solidFill>
+                  <a:srgbClr val="2C3E50"/>
+                </a:solidFill>
+              </a:rPr>
+              <a:t>linux</a:t>
+            </a:r>
+            <a:endParaRPr lang="en-US" altLang="zh-CN" sz="800" b="1">
+              <a:solidFill>
+                <a:srgbClr val="2C3E50"/>
+              </a:solidFill>
+            </a:endParaRPr>
+          </a:p>
+        </p:txBody>
+      </p:sp>
+      <p:sp>
+        <p:nvSpPr>
+          <p:cNvPr id="4" name="矩形 3"/>
+          <p:cNvSpPr/>
+          <p:nvPr/>
+        </p:nvSpPr>
+        <p:spPr>
+          <a:xfrm>
+            <a:off x="730885" y="3248025"/>
+            <a:ext cx="542925" cy="290830"/>
+          </a:xfrm>
+          <a:prstGeom prst="rect">
+            <a:avLst/>
+          </a:prstGeom>
+          <a:noFill/>
+          <a:ln w="38100">
+            <a:solidFill>
+              <a:srgbClr val="2C3E50"/>
+            </a:solidFill>
+          </a:ln>
+          <a:extLst>
+            <a:ext uri="{909E8E84-426E-40DD-AFC4-6F175D3DCCD1}">
+              <a14:hiddenFill xmlns:a14="http://schemas.microsoft.com/office/drawing/2010/main">
+                <a:solidFill>
+                  <a:schemeClr val="accent1"/>
+                </a:solidFill>
+              </a14:hiddenFill>
+            </a:ext>
+          </a:extLst>
+        </p:spPr>
+        <p:style>
+          <a:lnRef idx="2">
+            <a:schemeClr val="accent1">
+              <a:shade val="50000"/>
+            </a:schemeClr>
+          </a:lnRef>
+          <a:fillRef idx="1">
+            <a:schemeClr val="accent1"/>
+          </a:fillRef>
+          <a:effectRef idx="0">
+            <a:schemeClr val="accent1"/>
+          </a:effectRef>
+          <a:fontRef idx="minor">
+            <a:schemeClr val="lt1"/>
+          </a:fontRef>
+        </p:style>
+        <p:txBody>
+          <a:bodyPr rtlCol="0" anchor="ctr"/>
+          <a:p>
+            <a:pPr algn="ctr"/>
+            <a:r>
+              <a:rPr lang="en-US" altLang="en-US" sz="800" b="1">
+                <a:solidFill>
+                  <a:srgbClr val="2C3E50"/>
+                </a:solidFill>
+              </a:rPr>
+              <a:t>vNIC</a:t>
+            </a:r>
+            <a:endParaRPr lang="en-US" altLang="en-US" sz="800" b="1">
+              <a:solidFill>
+                <a:srgbClr val="2C3E50"/>
+              </a:solidFill>
+            </a:endParaRPr>
+          </a:p>
+        </p:txBody>
+      </p:sp>
+      <p:sp>
+        <p:nvSpPr>
+          <p:cNvPr id="6" name="矩形 5"/>
+          <p:cNvSpPr/>
+          <p:nvPr/>
+        </p:nvSpPr>
+        <p:spPr>
+          <a:xfrm>
+            <a:off x="580390" y="2666365"/>
+            <a:ext cx="693420" cy="290830"/>
+          </a:xfrm>
+          <a:prstGeom prst="rect">
+            <a:avLst/>
+          </a:prstGeom>
+          <a:noFill/>
+          <a:ln w="38100">
+            <a:solidFill>
+              <a:srgbClr val="2C3E50"/>
+            </a:solidFill>
+          </a:ln>
+          <a:extLst>
+            <a:ext uri="{909E8E84-426E-40DD-AFC4-6F175D3DCCD1}">
+              <a14:hiddenFill xmlns:a14="http://schemas.microsoft.com/office/drawing/2010/main">
+                <a:solidFill>
+                  <a:schemeClr val="accent1"/>
+                </a:solidFill>
+              </a14:hiddenFill>
+            </a:ext>
+          </a:extLst>
+        </p:spPr>
+        <p:style>
+          <a:lnRef idx="2">
+            <a:schemeClr val="accent1">
+              <a:shade val="50000"/>
+            </a:schemeClr>
+          </a:lnRef>
+          <a:fillRef idx="1">
+            <a:schemeClr val="accent1"/>
+          </a:fillRef>
+          <a:effectRef idx="0">
+            <a:schemeClr val="accent1"/>
+          </a:effectRef>
+          <a:fontRef idx="minor">
+            <a:schemeClr val="lt1"/>
+          </a:fontRef>
+        </p:style>
+        <p:txBody>
+          <a:bodyPr rtlCol="0" anchor="ctr"/>
+          <a:p>
+            <a:pPr algn="ctr"/>
+            <a:r>
+              <a:rPr lang="en-US" altLang="en-US" sz="800" b="1">
+                <a:solidFill>
+                  <a:srgbClr val="2C3E50"/>
+                </a:solidFill>
+              </a:rPr>
+              <a:t>WEB server</a:t>
+            </a:r>
+            <a:endParaRPr lang="en-US" altLang="en-US" sz="800" b="1">
+              <a:solidFill>
+                <a:srgbClr val="2C3E50"/>
+              </a:solidFill>
+            </a:endParaRPr>
+          </a:p>
+        </p:txBody>
+      </p:sp>
+      <p:sp>
+        <p:nvSpPr>
+          <p:cNvPr id="8" name="矩形 7"/>
+          <p:cNvSpPr/>
+          <p:nvPr/>
+        </p:nvSpPr>
+        <p:spPr>
+          <a:xfrm>
+            <a:off x="1555115" y="2957195"/>
+            <a:ext cx="693420" cy="290830"/>
+          </a:xfrm>
+          <a:prstGeom prst="rect">
+            <a:avLst/>
+          </a:prstGeom>
+          <a:noFill/>
+          <a:ln w="38100">
+            <a:solidFill>
+              <a:srgbClr val="2C3E50"/>
+            </a:solidFill>
+          </a:ln>
+          <a:extLst>
+            <a:ext uri="{909E8E84-426E-40DD-AFC4-6F175D3DCCD1}">
+              <a14:hiddenFill xmlns:a14="http://schemas.microsoft.com/office/drawing/2010/main">
+                <a:solidFill>
+                  <a:schemeClr val="accent1"/>
+                </a:solidFill>
+              </a14:hiddenFill>
+            </a:ext>
+          </a:extLst>
+        </p:spPr>
+        <p:style>
+          <a:lnRef idx="2">
+            <a:schemeClr val="accent1">
+              <a:shade val="50000"/>
+            </a:schemeClr>
+          </a:lnRef>
+          <a:fillRef idx="1">
+            <a:schemeClr val="accent1"/>
+          </a:fillRef>
+          <a:effectRef idx="0">
+            <a:schemeClr val="accent1"/>
+          </a:effectRef>
+          <a:fontRef idx="minor">
+            <a:schemeClr val="lt1"/>
+          </a:fontRef>
+        </p:style>
+        <p:txBody>
+          <a:bodyPr rtlCol="0" anchor="ctr"/>
+          <a:p>
+            <a:pPr algn="ctr"/>
+            <a:r>
+              <a:rPr lang="en-US" altLang="en-US" sz="800" b="1">
+                <a:solidFill>
+                  <a:srgbClr val="2C3E50"/>
+                </a:solidFill>
+              </a:rPr>
+              <a:t>Guest </a:t>
+            </a:r>
+            <a:r>
+              <a:rPr lang="en-US" altLang="zh-CN" sz="800" b="1">
+                <a:solidFill>
+                  <a:srgbClr val="2C3E50"/>
+                </a:solidFill>
+              </a:rPr>
+              <a:t>linux</a:t>
+            </a:r>
+            <a:endParaRPr lang="en-US" altLang="zh-CN" sz="800" b="1">
+              <a:solidFill>
+                <a:srgbClr val="2C3E50"/>
+              </a:solidFill>
+            </a:endParaRPr>
+          </a:p>
+        </p:txBody>
+      </p:sp>
+      <p:sp>
+        <p:nvSpPr>
+          <p:cNvPr id="9" name="矩形 8"/>
+          <p:cNvSpPr/>
+          <p:nvPr/>
+        </p:nvSpPr>
+        <p:spPr>
+          <a:xfrm>
+            <a:off x="1757045" y="3248025"/>
+            <a:ext cx="491490" cy="290830"/>
+          </a:xfrm>
+          <a:prstGeom prst="rect">
+            <a:avLst/>
+          </a:prstGeom>
+          <a:noFill/>
+          <a:ln w="38100">
+            <a:solidFill>
+              <a:srgbClr val="2C3E50"/>
+            </a:solidFill>
+          </a:ln>
+          <a:extLst>
+            <a:ext uri="{909E8E84-426E-40DD-AFC4-6F175D3DCCD1}">
+              <a14:hiddenFill xmlns:a14="http://schemas.microsoft.com/office/drawing/2010/main">
+                <a:solidFill>
+                  <a:schemeClr val="accent1"/>
+                </a:solidFill>
+              </a14:hiddenFill>
+            </a:ext>
+          </a:extLst>
+        </p:spPr>
+        <p:style>
+          <a:lnRef idx="2">
+            <a:schemeClr val="accent1">
+              <a:shade val="50000"/>
+            </a:schemeClr>
+          </a:lnRef>
+          <a:fillRef idx="1">
+            <a:schemeClr val="accent1"/>
+          </a:fillRef>
+          <a:effectRef idx="0">
+            <a:schemeClr val="accent1"/>
+          </a:effectRef>
+          <a:fontRef idx="minor">
+            <a:schemeClr val="lt1"/>
+          </a:fontRef>
+        </p:style>
+        <p:txBody>
+          <a:bodyPr rtlCol="0" anchor="ctr"/>
+          <a:p>
+            <a:pPr algn="ctr"/>
+            <a:r>
+              <a:rPr lang="en-US" altLang="en-US" sz="800" b="1">
+                <a:solidFill>
+                  <a:srgbClr val="2C3E50"/>
+                </a:solidFill>
+              </a:rPr>
+              <a:t>vNIC</a:t>
+            </a:r>
+            <a:endParaRPr lang="en-US" altLang="en-US" sz="800" b="1">
+              <a:solidFill>
+                <a:srgbClr val="2C3E50"/>
+              </a:solidFill>
+            </a:endParaRPr>
+          </a:p>
+        </p:txBody>
+      </p:sp>
+      <p:sp>
+        <p:nvSpPr>
+          <p:cNvPr id="10" name="矩形 9"/>
+          <p:cNvSpPr/>
+          <p:nvPr/>
+        </p:nvSpPr>
+        <p:spPr>
+          <a:xfrm>
+            <a:off x="1555115" y="2666365"/>
+            <a:ext cx="693420" cy="290830"/>
+          </a:xfrm>
+          <a:prstGeom prst="rect">
+            <a:avLst/>
+          </a:prstGeom>
+          <a:noFill/>
+          <a:ln w="38100">
+            <a:solidFill>
+              <a:srgbClr val="2C3E50"/>
+            </a:solidFill>
+          </a:ln>
+          <a:extLst>
+            <a:ext uri="{909E8E84-426E-40DD-AFC4-6F175D3DCCD1}">
+              <a14:hiddenFill xmlns:a14="http://schemas.microsoft.com/office/drawing/2010/main">
+                <a:solidFill>
+                  <a:schemeClr val="accent1"/>
+                </a:solidFill>
+              </a14:hiddenFill>
+            </a:ext>
+          </a:extLst>
+        </p:spPr>
+        <p:style>
+          <a:lnRef idx="2">
+            <a:schemeClr val="accent1">
+              <a:shade val="50000"/>
+            </a:schemeClr>
+          </a:lnRef>
+          <a:fillRef idx="1">
+            <a:schemeClr val="accent1"/>
+          </a:fillRef>
+          <a:effectRef idx="0">
+            <a:schemeClr val="accent1"/>
+          </a:effectRef>
+          <a:fontRef idx="minor">
+            <a:schemeClr val="lt1"/>
+          </a:fontRef>
+        </p:style>
+        <p:txBody>
+          <a:bodyPr rtlCol="0" anchor="ctr"/>
+          <a:p>
+            <a:pPr algn="ctr"/>
+            <a:r>
+              <a:rPr lang="en-US" altLang="en-US" sz="800" b="1">
+                <a:solidFill>
+                  <a:srgbClr val="2C3E50"/>
+                </a:solidFill>
+              </a:rPr>
+              <a:t>APP server</a:t>
+            </a:r>
+            <a:endParaRPr lang="en-US" altLang="en-US" sz="800" b="1">
+              <a:solidFill>
+                <a:srgbClr val="2C3E50"/>
+              </a:solidFill>
+            </a:endParaRPr>
+          </a:p>
+        </p:txBody>
+      </p:sp>
+      <p:sp>
+        <p:nvSpPr>
+          <p:cNvPr id="12" name="矩形 11"/>
+          <p:cNvSpPr/>
+          <p:nvPr/>
+        </p:nvSpPr>
+        <p:spPr>
+          <a:xfrm>
+            <a:off x="2529840" y="2957195"/>
+            <a:ext cx="693420" cy="290830"/>
+          </a:xfrm>
+          <a:prstGeom prst="rect">
+            <a:avLst/>
+          </a:prstGeom>
+          <a:noFill/>
+          <a:ln w="38100">
+            <a:solidFill>
+              <a:srgbClr val="2C3E50"/>
+            </a:solidFill>
+          </a:ln>
+          <a:extLst>
+            <a:ext uri="{909E8E84-426E-40DD-AFC4-6F175D3DCCD1}">
+              <a14:hiddenFill xmlns:a14="http://schemas.microsoft.com/office/drawing/2010/main">
+                <a:solidFill>
+                  <a:schemeClr val="accent1"/>
+                </a:solidFill>
+              </a14:hiddenFill>
+            </a:ext>
+          </a:extLst>
+        </p:spPr>
+        <p:style>
+          <a:lnRef idx="2">
+            <a:schemeClr val="accent1">
+              <a:shade val="50000"/>
+            </a:schemeClr>
+          </a:lnRef>
+          <a:fillRef idx="1">
+            <a:schemeClr val="accent1"/>
+          </a:fillRef>
+          <a:effectRef idx="0">
+            <a:schemeClr val="accent1"/>
+          </a:effectRef>
+          <a:fontRef idx="minor">
+            <a:schemeClr val="lt1"/>
+          </a:fontRef>
+        </p:style>
+        <p:txBody>
+          <a:bodyPr rtlCol="0" anchor="ctr"/>
+          <a:p>
+            <a:pPr algn="ctr"/>
+            <a:r>
+              <a:rPr lang="en-US" altLang="en-US" sz="800" b="1">
+                <a:solidFill>
+                  <a:srgbClr val="2C3E50"/>
+                </a:solidFill>
+              </a:rPr>
+              <a:t>Guest </a:t>
+            </a:r>
+            <a:r>
+              <a:rPr lang="en-US" altLang="zh-CN" sz="800" b="1">
+                <a:solidFill>
+                  <a:srgbClr val="2C3E50"/>
+                </a:solidFill>
+              </a:rPr>
+              <a:t>linux</a:t>
+            </a:r>
+            <a:endParaRPr lang="en-US" altLang="zh-CN" sz="800" b="1">
+              <a:solidFill>
+                <a:srgbClr val="2C3E50"/>
+              </a:solidFill>
+            </a:endParaRPr>
+          </a:p>
+        </p:txBody>
+      </p:sp>
+      <p:sp>
+        <p:nvSpPr>
+          <p:cNvPr id="13" name="矩形 12"/>
+          <p:cNvSpPr/>
+          <p:nvPr/>
+        </p:nvSpPr>
+        <p:spPr>
+          <a:xfrm>
+            <a:off x="2721610" y="3248025"/>
+            <a:ext cx="501650" cy="290830"/>
+          </a:xfrm>
+          <a:prstGeom prst="rect">
+            <a:avLst/>
+          </a:prstGeom>
+          <a:noFill/>
+          <a:ln w="38100">
+            <a:solidFill>
+              <a:srgbClr val="2C3E50"/>
+            </a:solidFill>
+          </a:ln>
+          <a:extLst>
+            <a:ext uri="{909E8E84-426E-40DD-AFC4-6F175D3DCCD1}">
+              <a14:hiddenFill xmlns:a14="http://schemas.microsoft.com/office/drawing/2010/main">
+                <a:solidFill>
+                  <a:schemeClr val="accent1"/>
+                </a:solidFill>
+              </a14:hiddenFill>
+            </a:ext>
+          </a:extLst>
+        </p:spPr>
+        <p:style>
+          <a:lnRef idx="2">
+            <a:schemeClr val="accent1">
+              <a:shade val="50000"/>
+            </a:schemeClr>
+          </a:lnRef>
+          <a:fillRef idx="1">
+            <a:schemeClr val="accent1"/>
+          </a:fillRef>
+          <a:effectRef idx="0">
+            <a:schemeClr val="accent1"/>
+          </a:effectRef>
+          <a:fontRef idx="minor">
+            <a:schemeClr val="lt1"/>
+          </a:fontRef>
+        </p:style>
+        <p:txBody>
+          <a:bodyPr rtlCol="0" anchor="ctr"/>
+          <a:p>
+            <a:pPr algn="ctr"/>
+            <a:r>
+              <a:rPr lang="en-US" altLang="en-US" sz="800" b="1">
+                <a:solidFill>
+                  <a:srgbClr val="2C3E50"/>
+                </a:solidFill>
+              </a:rPr>
+              <a:t>vNIC</a:t>
+            </a:r>
+            <a:endParaRPr lang="en-US" altLang="en-US" sz="800" b="1">
+              <a:solidFill>
+                <a:srgbClr val="2C3E50"/>
+              </a:solidFill>
+            </a:endParaRPr>
+          </a:p>
+        </p:txBody>
+      </p:sp>
+      <p:sp>
+        <p:nvSpPr>
+          <p:cNvPr id="14" name="矩形 13"/>
+          <p:cNvSpPr/>
+          <p:nvPr/>
+        </p:nvSpPr>
+        <p:spPr>
+          <a:xfrm>
+            <a:off x="2529840" y="2666365"/>
+            <a:ext cx="693420" cy="290830"/>
+          </a:xfrm>
+          <a:prstGeom prst="rect">
+            <a:avLst/>
+          </a:prstGeom>
+          <a:noFill/>
+          <a:ln w="38100">
+            <a:solidFill>
+              <a:srgbClr val="2C3E50"/>
+            </a:solidFill>
+          </a:ln>
+          <a:extLst>
+            <a:ext uri="{909E8E84-426E-40DD-AFC4-6F175D3DCCD1}">
+              <a14:hiddenFill xmlns:a14="http://schemas.microsoft.com/office/drawing/2010/main">
+                <a:solidFill>
+                  <a:schemeClr val="accent1"/>
+                </a:solidFill>
+              </a14:hiddenFill>
+            </a:ext>
+          </a:extLst>
+        </p:spPr>
+        <p:style>
+          <a:lnRef idx="2">
+            <a:schemeClr val="accent1">
+              <a:shade val="50000"/>
+            </a:schemeClr>
+          </a:lnRef>
+          <a:fillRef idx="1">
+            <a:schemeClr val="accent1"/>
+          </a:fillRef>
+          <a:effectRef idx="0">
+            <a:schemeClr val="accent1"/>
+          </a:effectRef>
+          <a:fontRef idx="minor">
+            <a:schemeClr val="lt1"/>
+          </a:fontRef>
+        </p:style>
+        <p:txBody>
+          <a:bodyPr rtlCol="0" anchor="ctr"/>
+          <a:p>
+            <a:pPr algn="ctr"/>
+            <a:r>
+              <a:rPr lang="en-US" altLang="en-US" sz="800" b="1">
+                <a:solidFill>
+                  <a:srgbClr val="2C3E50"/>
+                </a:solidFill>
+              </a:rPr>
+              <a:t>DB server</a:t>
+            </a:r>
+            <a:endParaRPr lang="en-US" altLang="en-US" sz="800" b="1">
+              <a:solidFill>
+                <a:srgbClr val="2C3E50"/>
+              </a:solidFill>
+            </a:endParaRPr>
+          </a:p>
+        </p:txBody>
+      </p:sp>
+      <p:sp>
+        <p:nvSpPr>
+          <p:cNvPr id="15" name="矩形 14"/>
+          <p:cNvSpPr/>
+          <p:nvPr/>
+        </p:nvSpPr>
+        <p:spPr>
+          <a:xfrm>
+            <a:off x="580390" y="3248025"/>
+            <a:ext cx="2642870" cy="1469390"/>
+          </a:xfrm>
+          <a:prstGeom prst="rect">
+            <a:avLst/>
+          </a:prstGeom>
+          <a:noFill/>
+          <a:ln w="38100">
+            <a:solidFill>
+              <a:srgbClr val="2C3E50"/>
+            </a:solidFill>
+          </a:ln>
+          <a:extLst>
+            <a:ext uri="{909E8E84-426E-40DD-AFC4-6F175D3DCCD1}">
+              <a14:hiddenFill xmlns:a14="http://schemas.microsoft.com/office/drawing/2010/main">
+                <a:solidFill>
+                  <a:schemeClr val="accent1"/>
+                </a:solidFill>
+              </a14:hiddenFill>
+            </a:ext>
+          </a:extLst>
+        </p:spPr>
+        <p:style>
+          <a:lnRef idx="2">
+            <a:schemeClr val="accent1">
+              <a:shade val="50000"/>
+            </a:schemeClr>
+          </a:lnRef>
+          <a:fillRef idx="1">
+            <a:schemeClr val="accent1"/>
+          </a:fillRef>
+          <a:effectRef idx="0">
+            <a:schemeClr val="accent1"/>
+          </a:effectRef>
+          <a:fontRef idx="minor">
+            <a:schemeClr val="lt1"/>
+          </a:fontRef>
+        </p:style>
+        <p:txBody>
+          <a:bodyPr rtlCol="0" anchor="ctr"/>
+          <a:p>
+            <a:pPr algn="ctr"/>
+            <a:endParaRPr lang="zh-CN" altLang="en-US" sz="800"/>
+          </a:p>
+        </p:txBody>
+      </p:sp>
+      <p:sp>
+        <p:nvSpPr>
+          <p:cNvPr id="16" name="文本框 15"/>
+          <p:cNvSpPr txBox="true"/>
+          <p:nvPr/>
+        </p:nvSpPr>
+        <p:spPr>
+          <a:xfrm>
+            <a:off x="2139315" y="4370705"/>
+            <a:ext cx="1083945" cy="213995"/>
+          </a:xfrm>
+          <a:prstGeom prst="rect">
+            <a:avLst/>
+          </a:prstGeom>
+          <a:noFill/>
+        </p:spPr>
+        <p:txBody>
+          <a:bodyPr wrap="square" rtlCol="0">
+            <a:spAutoFit/>
+          </a:bodyPr>
+          <a:p>
+            <a:r>
+              <a:rPr lang="en-US" altLang="zh-CN" sz="800" b="1">
+                <a:solidFill>
+                  <a:srgbClr val="2C3E50"/>
+                </a:solidFill>
+              </a:rPr>
+              <a:t>kvm/hypervisor</a:t>
+            </a:r>
+            <a:endParaRPr lang="en-US" altLang="zh-CN" sz="800" b="1">
+              <a:solidFill>
+                <a:srgbClr val="2C3E50"/>
+              </a:solidFill>
+            </a:endParaRPr>
+          </a:p>
+        </p:txBody>
+      </p:sp>
+      <p:sp>
+        <p:nvSpPr>
+          <p:cNvPr id="19" name="矩形 18"/>
+          <p:cNvSpPr/>
+          <p:nvPr/>
+        </p:nvSpPr>
+        <p:spPr>
+          <a:xfrm>
+            <a:off x="580390" y="4717415"/>
+            <a:ext cx="1739265" cy="304800"/>
+          </a:xfrm>
+          <a:prstGeom prst="rect">
+            <a:avLst/>
+          </a:prstGeom>
+          <a:noFill/>
+          <a:ln w="38100">
+            <a:solidFill>
+              <a:srgbClr val="2C3E50"/>
+            </a:solidFill>
+          </a:ln>
+          <a:extLst>
+            <a:ext uri="{909E8E84-426E-40DD-AFC4-6F175D3DCCD1}">
+              <a14:hiddenFill xmlns:a14="http://schemas.microsoft.com/office/drawing/2010/main">
+                <a:solidFill>
+                  <a:schemeClr val="accent1"/>
+                </a:solidFill>
+              </a14:hiddenFill>
+            </a:ext>
+          </a:extLst>
+        </p:spPr>
+        <p:style>
+          <a:lnRef idx="2">
+            <a:schemeClr val="accent1">
+              <a:shade val="50000"/>
+            </a:schemeClr>
+          </a:lnRef>
+          <a:fillRef idx="1">
+            <a:schemeClr val="accent1"/>
+          </a:fillRef>
+          <a:effectRef idx="0">
+            <a:schemeClr val="accent1"/>
+          </a:effectRef>
+          <a:fontRef idx="minor">
+            <a:schemeClr val="lt1"/>
+          </a:fontRef>
+        </p:style>
+        <p:txBody>
+          <a:bodyPr rtlCol="0" anchor="ctr"/>
+          <a:p>
+            <a:pPr algn="ctr"/>
+            <a:r>
+              <a:rPr lang="en-US" altLang="zh-CN" sz="800" b="1">
+                <a:solidFill>
+                  <a:srgbClr val="2C3E50"/>
+                </a:solidFill>
+              </a:rPr>
+              <a:t>NIC</a:t>
+            </a:r>
+            <a:endParaRPr lang="en-US" altLang="zh-CN" sz="800" b="1">
+              <a:solidFill>
+                <a:srgbClr val="2C3E50"/>
+              </a:solidFill>
+            </a:endParaRPr>
+          </a:p>
+        </p:txBody>
+      </p:sp>
+      <p:sp>
+        <p:nvSpPr>
+          <p:cNvPr id="7" name="矩形 6"/>
+          <p:cNvSpPr/>
+          <p:nvPr/>
+        </p:nvSpPr>
+        <p:spPr>
+          <a:xfrm>
+            <a:off x="3467100" y="2957195"/>
+            <a:ext cx="693420" cy="290830"/>
+          </a:xfrm>
+          <a:prstGeom prst="rect">
+            <a:avLst/>
+          </a:prstGeom>
+          <a:noFill/>
+          <a:ln w="38100">
+            <a:solidFill>
+              <a:srgbClr val="2C3E50"/>
+            </a:solidFill>
+          </a:ln>
+          <a:extLst>
+            <a:ext uri="{909E8E84-426E-40DD-AFC4-6F175D3DCCD1}">
+              <a14:hiddenFill xmlns:a14="http://schemas.microsoft.com/office/drawing/2010/main">
+                <a:solidFill>
+                  <a:schemeClr val="accent1"/>
+                </a:solidFill>
+              </a14:hiddenFill>
+            </a:ext>
+          </a:extLst>
+        </p:spPr>
+        <p:style>
+          <a:lnRef idx="2">
+            <a:schemeClr val="accent1">
+              <a:shade val="50000"/>
+            </a:schemeClr>
+          </a:lnRef>
+          <a:fillRef idx="1">
+            <a:schemeClr val="accent1"/>
+          </a:fillRef>
+          <a:effectRef idx="0">
+            <a:schemeClr val="accent1"/>
+          </a:effectRef>
+          <a:fontRef idx="minor">
+            <a:schemeClr val="lt1"/>
+          </a:fontRef>
+        </p:style>
+        <p:txBody>
+          <a:bodyPr rtlCol="0" anchor="ctr"/>
+          <a:p>
+            <a:pPr algn="ctr"/>
+            <a:r>
+              <a:rPr lang="en-US" altLang="en-US" sz="800" b="1">
+                <a:solidFill>
+                  <a:srgbClr val="2C3E50"/>
+                </a:solidFill>
+              </a:rPr>
+              <a:t>Guest </a:t>
+            </a:r>
+            <a:r>
+              <a:rPr lang="en-US" altLang="zh-CN" sz="800" b="1">
+                <a:solidFill>
+                  <a:srgbClr val="2C3E50"/>
+                </a:solidFill>
+              </a:rPr>
+              <a:t>linux</a:t>
+            </a:r>
+            <a:endParaRPr lang="en-US" altLang="zh-CN" sz="800" b="1">
+              <a:solidFill>
+                <a:srgbClr val="2C3E50"/>
+              </a:solidFill>
+            </a:endParaRPr>
+          </a:p>
+        </p:txBody>
+      </p:sp>
+      <p:sp>
+        <p:nvSpPr>
+          <p:cNvPr id="11" name="矩形 10"/>
+          <p:cNvSpPr/>
+          <p:nvPr/>
+        </p:nvSpPr>
+        <p:spPr>
+          <a:xfrm>
+            <a:off x="3617595" y="3248025"/>
+            <a:ext cx="542925" cy="290830"/>
+          </a:xfrm>
+          <a:prstGeom prst="rect">
+            <a:avLst/>
+          </a:prstGeom>
+          <a:noFill/>
+          <a:ln w="38100">
+            <a:solidFill>
+              <a:srgbClr val="2C3E50"/>
+            </a:solidFill>
+          </a:ln>
+          <a:extLst>
+            <a:ext uri="{909E8E84-426E-40DD-AFC4-6F175D3DCCD1}">
+              <a14:hiddenFill xmlns:a14="http://schemas.microsoft.com/office/drawing/2010/main">
+                <a:solidFill>
+                  <a:schemeClr val="accent1"/>
+                </a:solidFill>
+              </a14:hiddenFill>
+            </a:ext>
+          </a:extLst>
+        </p:spPr>
+        <p:style>
+          <a:lnRef idx="2">
+            <a:schemeClr val="accent1">
+              <a:shade val="50000"/>
+            </a:schemeClr>
+          </a:lnRef>
+          <a:fillRef idx="1">
+            <a:schemeClr val="accent1"/>
+          </a:fillRef>
+          <a:effectRef idx="0">
+            <a:schemeClr val="accent1"/>
+          </a:effectRef>
+          <a:fontRef idx="minor">
+            <a:schemeClr val="lt1"/>
+          </a:fontRef>
+        </p:style>
+        <p:txBody>
+          <a:bodyPr rtlCol="0" anchor="ctr"/>
+          <a:p>
+            <a:pPr algn="ctr"/>
+            <a:r>
+              <a:rPr lang="en-US" altLang="en-US" sz="800" b="1">
+                <a:solidFill>
+                  <a:srgbClr val="2C3E50"/>
+                </a:solidFill>
+              </a:rPr>
+              <a:t>vNIC</a:t>
+            </a:r>
+            <a:endParaRPr lang="en-US" altLang="en-US" sz="800" b="1">
+              <a:solidFill>
+                <a:srgbClr val="2C3E50"/>
+              </a:solidFill>
+            </a:endParaRPr>
+          </a:p>
+        </p:txBody>
+      </p:sp>
+      <p:sp>
+        <p:nvSpPr>
+          <p:cNvPr id="17" name="矩形 16"/>
+          <p:cNvSpPr/>
+          <p:nvPr/>
+        </p:nvSpPr>
+        <p:spPr>
+          <a:xfrm>
+            <a:off x="3467100" y="2666365"/>
+            <a:ext cx="693420" cy="290830"/>
+          </a:xfrm>
+          <a:prstGeom prst="rect">
+            <a:avLst/>
+          </a:prstGeom>
+          <a:noFill/>
+          <a:ln w="38100">
+            <a:solidFill>
+              <a:srgbClr val="2C3E50"/>
+            </a:solidFill>
+          </a:ln>
+          <a:extLst>
+            <a:ext uri="{909E8E84-426E-40DD-AFC4-6F175D3DCCD1}">
+              <a14:hiddenFill xmlns:a14="http://schemas.microsoft.com/office/drawing/2010/main">
+                <a:solidFill>
+                  <a:schemeClr val="accent1"/>
+                </a:solidFill>
+              </a14:hiddenFill>
+            </a:ext>
+          </a:extLst>
+        </p:spPr>
+        <p:style>
+          <a:lnRef idx="2">
+            <a:schemeClr val="accent1">
+              <a:shade val="50000"/>
+            </a:schemeClr>
+          </a:lnRef>
+          <a:fillRef idx="1">
+            <a:schemeClr val="accent1"/>
+          </a:fillRef>
+          <a:effectRef idx="0">
+            <a:schemeClr val="accent1"/>
+          </a:effectRef>
+          <a:fontRef idx="minor">
+            <a:schemeClr val="lt1"/>
+          </a:fontRef>
+        </p:style>
+        <p:txBody>
+          <a:bodyPr rtlCol="0" anchor="ctr"/>
+          <a:p>
+            <a:pPr algn="ctr"/>
+            <a:r>
+              <a:rPr lang="en-US" altLang="en-US" sz="800" b="1">
+                <a:solidFill>
+                  <a:srgbClr val="2C3E50"/>
+                </a:solidFill>
+              </a:rPr>
+              <a:t>WEB server</a:t>
+            </a:r>
+            <a:endParaRPr lang="en-US" altLang="en-US" sz="800" b="1">
+              <a:solidFill>
+                <a:srgbClr val="2C3E50"/>
+              </a:solidFill>
+            </a:endParaRPr>
+          </a:p>
+        </p:txBody>
+      </p:sp>
+      <p:sp>
+        <p:nvSpPr>
+          <p:cNvPr id="24" name="矩形 23"/>
+          <p:cNvSpPr/>
+          <p:nvPr/>
+        </p:nvSpPr>
+        <p:spPr>
+          <a:xfrm>
+            <a:off x="4441825" y="2957195"/>
+            <a:ext cx="693420" cy="290830"/>
+          </a:xfrm>
+          <a:prstGeom prst="rect">
+            <a:avLst/>
+          </a:prstGeom>
+          <a:noFill/>
+          <a:ln w="38100">
+            <a:solidFill>
+              <a:srgbClr val="2C3E50"/>
+            </a:solidFill>
+          </a:ln>
+          <a:extLst>
+            <a:ext uri="{909E8E84-426E-40DD-AFC4-6F175D3DCCD1}">
+              <a14:hiddenFill xmlns:a14="http://schemas.microsoft.com/office/drawing/2010/main">
+                <a:solidFill>
+                  <a:schemeClr val="accent1"/>
+                </a:solidFill>
+              </a14:hiddenFill>
+            </a:ext>
+          </a:extLst>
+        </p:spPr>
+        <p:style>
+          <a:lnRef idx="2">
+            <a:schemeClr val="accent1">
+              <a:shade val="50000"/>
+            </a:schemeClr>
+          </a:lnRef>
+          <a:fillRef idx="1">
+            <a:schemeClr val="accent1"/>
+          </a:fillRef>
+          <a:effectRef idx="0">
+            <a:schemeClr val="accent1"/>
+          </a:effectRef>
+          <a:fontRef idx="minor">
+            <a:schemeClr val="lt1"/>
+          </a:fontRef>
+        </p:style>
+        <p:txBody>
+          <a:bodyPr rtlCol="0" anchor="ctr"/>
+          <a:p>
+            <a:pPr algn="ctr"/>
+            <a:r>
+              <a:rPr lang="en-US" altLang="en-US" sz="800" b="1">
+                <a:solidFill>
+                  <a:srgbClr val="2C3E50"/>
+                </a:solidFill>
+              </a:rPr>
+              <a:t>Guest </a:t>
+            </a:r>
+            <a:r>
+              <a:rPr lang="en-US" altLang="zh-CN" sz="800" b="1">
+                <a:solidFill>
+                  <a:srgbClr val="2C3E50"/>
+                </a:solidFill>
+              </a:rPr>
+              <a:t>linux</a:t>
+            </a:r>
+            <a:endParaRPr lang="en-US" altLang="zh-CN" sz="800" b="1">
+              <a:solidFill>
+                <a:srgbClr val="2C3E50"/>
+              </a:solidFill>
+            </a:endParaRPr>
+          </a:p>
+        </p:txBody>
+      </p:sp>
+      <p:sp>
+        <p:nvSpPr>
+          <p:cNvPr id="25" name="矩形 24"/>
+          <p:cNvSpPr/>
+          <p:nvPr/>
+        </p:nvSpPr>
+        <p:spPr>
+          <a:xfrm>
+            <a:off x="4643755" y="3248025"/>
+            <a:ext cx="491490" cy="290830"/>
+          </a:xfrm>
+          <a:prstGeom prst="rect">
+            <a:avLst/>
+          </a:prstGeom>
+          <a:noFill/>
+          <a:ln w="38100">
+            <a:solidFill>
+              <a:srgbClr val="2C3E50"/>
+            </a:solidFill>
+          </a:ln>
+          <a:extLst>
+            <a:ext uri="{909E8E84-426E-40DD-AFC4-6F175D3DCCD1}">
+              <a14:hiddenFill xmlns:a14="http://schemas.microsoft.com/office/drawing/2010/main">
+                <a:solidFill>
+                  <a:schemeClr val="accent1"/>
+                </a:solidFill>
+              </a14:hiddenFill>
+            </a:ext>
+          </a:extLst>
+        </p:spPr>
+        <p:style>
+          <a:lnRef idx="2">
+            <a:schemeClr val="accent1">
+              <a:shade val="50000"/>
+            </a:schemeClr>
+          </a:lnRef>
+          <a:fillRef idx="1">
+            <a:schemeClr val="accent1"/>
+          </a:fillRef>
+          <a:effectRef idx="0">
+            <a:schemeClr val="accent1"/>
+          </a:effectRef>
+          <a:fontRef idx="minor">
+            <a:schemeClr val="lt1"/>
+          </a:fontRef>
+        </p:style>
+        <p:txBody>
+          <a:bodyPr rtlCol="0" anchor="ctr"/>
+          <a:p>
+            <a:pPr algn="ctr"/>
+            <a:r>
+              <a:rPr lang="en-US" altLang="en-US" sz="800" b="1">
+                <a:solidFill>
+                  <a:srgbClr val="2C3E50"/>
+                </a:solidFill>
+              </a:rPr>
+              <a:t>vNIC</a:t>
+            </a:r>
+            <a:endParaRPr lang="en-US" altLang="en-US" sz="800" b="1">
+              <a:solidFill>
+                <a:srgbClr val="2C3E50"/>
+              </a:solidFill>
+            </a:endParaRPr>
+          </a:p>
+        </p:txBody>
+      </p:sp>
+      <p:sp>
+        <p:nvSpPr>
+          <p:cNvPr id="26" name="矩形 25"/>
+          <p:cNvSpPr/>
+          <p:nvPr/>
+        </p:nvSpPr>
+        <p:spPr>
+          <a:xfrm>
+            <a:off x="4441825" y="2666365"/>
+            <a:ext cx="693420" cy="290830"/>
+          </a:xfrm>
+          <a:prstGeom prst="rect">
+            <a:avLst/>
+          </a:prstGeom>
+          <a:noFill/>
+          <a:ln w="38100">
+            <a:solidFill>
+              <a:srgbClr val="2C3E50"/>
+            </a:solidFill>
+          </a:ln>
+          <a:extLst>
+            <a:ext uri="{909E8E84-426E-40DD-AFC4-6F175D3DCCD1}">
+              <a14:hiddenFill xmlns:a14="http://schemas.microsoft.com/office/drawing/2010/main">
+                <a:solidFill>
+                  <a:schemeClr val="accent1"/>
+                </a:solidFill>
+              </a14:hiddenFill>
+            </a:ext>
+          </a:extLst>
+        </p:spPr>
+        <p:style>
+          <a:lnRef idx="2">
+            <a:schemeClr val="accent1">
+              <a:shade val="50000"/>
+            </a:schemeClr>
+          </a:lnRef>
+          <a:fillRef idx="1">
+            <a:schemeClr val="accent1"/>
+          </a:fillRef>
+          <a:effectRef idx="0">
+            <a:schemeClr val="accent1"/>
+          </a:effectRef>
+          <a:fontRef idx="minor">
+            <a:schemeClr val="lt1"/>
+          </a:fontRef>
+        </p:style>
+        <p:txBody>
+          <a:bodyPr rtlCol="0" anchor="ctr"/>
+          <a:p>
+            <a:pPr algn="ctr"/>
+            <a:r>
+              <a:rPr lang="en-US" altLang="en-US" sz="800" b="1">
+                <a:solidFill>
+                  <a:srgbClr val="2C3E50"/>
+                </a:solidFill>
+              </a:rPr>
+              <a:t>APP server</a:t>
+            </a:r>
+            <a:endParaRPr lang="en-US" altLang="en-US" sz="800" b="1">
+              <a:solidFill>
+                <a:srgbClr val="2C3E50"/>
+              </a:solidFill>
+            </a:endParaRPr>
+          </a:p>
+        </p:txBody>
+      </p:sp>
+      <p:sp>
+        <p:nvSpPr>
+          <p:cNvPr id="27" name="矩形 26"/>
+          <p:cNvSpPr/>
+          <p:nvPr/>
+        </p:nvSpPr>
+        <p:spPr>
+          <a:xfrm>
+            <a:off x="5416550" y="2957195"/>
+            <a:ext cx="693420" cy="290830"/>
+          </a:xfrm>
+          <a:prstGeom prst="rect">
+            <a:avLst/>
+          </a:prstGeom>
+          <a:noFill/>
+          <a:ln w="38100">
+            <a:solidFill>
+              <a:srgbClr val="2C3E50"/>
+            </a:solidFill>
+          </a:ln>
+          <a:extLst>
+            <a:ext uri="{909E8E84-426E-40DD-AFC4-6F175D3DCCD1}">
+              <a14:hiddenFill xmlns:a14="http://schemas.microsoft.com/office/drawing/2010/main">
+                <a:solidFill>
+                  <a:schemeClr val="accent1"/>
+                </a:solidFill>
+              </a14:hiddenFill>
+            </a:ext>
+          </a:extLst>
+        </p:spPr>
+        <p:style>
+          <a:lnRef idx="2">
+            <a:schemeClr val="accent1">
+              <a:shade val="50000"/>
+            </a:schemeClr>
+          </a:lnRef>
+          <a:fillRef idx="1">
+            <a:schemeClr val="accent1"/>
+          </a:fillRef>
+          <a:effectRef idx="0">
+            <a:schemeClr val="accent1"/>
+          </a:effectRef>
+          <a:fontRef idx="minor">
+            <a:schemeClr val="lt1"/>
+          </a:fontRef>
+        </p:style>
+        <p:txBody>
+          <a:bodyPr rtlCol="0" anchor="ctr"/>
+          <a:p>
+            <a:pPr algn="ctr"/>
+            <a:r>
+              <a:rPr lang="en-US" altLang="en-US" sz="800" b="1">
+                <a:solidFill>
+                  <a:srgbClr val="2C3E50"/>
+                </a:solidFill>
+              </a:rPr>
+              <a:t>Guest </a:t>
+            </a:r>
+            <a:r>
+              <a:rPr lang="en-US" altLang="zh-CN" sz="800" b="1">
+                <a:solidFill>
+                  <a:srgbClr val="2C3E50"/>
+                </a:solidFill>
+              </a:rPr>
+              <a:t>linux</a:t>
+            </a:r>
+            <a:endParaRPr lang="en-US" altLang="zh-CN" sz="800" b="1">
+              <a:solidFill>
+                <a:srgbClr val="2C3E50"/>
+              </a:solidFill>
+            </a:endParaRPr>
+          </a:p>
+        </p:txBody>
+      </p:sp>
+      <p:sp>
+        <p:nvSpPr>
+          <p:cNvPr id="28" name="矩形 27"/>
+          <p:cNvSpPr/>
+          <p:nvPr/>
+        </p:nvSpPr>
+        <p:spPr>
+          <a:xfrm>
+            <a:off x="5608320" y="3248025"/>
+            <a:ext cx="501650" cy="290830"/>
+          </a:xfrm>
+          <a:prstGeom prst="rect">
+            <a:avLst/>
+          </a:prstGeom>
+          <a:noFill/>
+          <a:ln w="38100">
+            <a:solidFill>
+              <a:srgbClr val="2C3E50"/>
+            </a:solidFill>
+          </a:ln>
+          <a:extLst>
+            <a:ext uri="{909E8E84-426E-40DD-AFC4-6F175D3DCCD1}">
+              <a14:hiddenFill xmlns:a14="http://schemas.microsoft.com/office/drawing/2010/main">
+                <a:solidFill>
+                  <a:schemeClr val="accent1"/>
+                </a:solidFill>
+              </a14:hiddenFill>
+            </a:ext>
+          </a:extLst>
+        </p:spPr>
+        <p:style>
+          <a:lnRef idx="2">
+            <a:schemeClr val="accent1">
+              <a:shade val="50000"/>
+            </a:schemeClr>
+          </a:lnRef>
+          <a:fillRef idx="1">
+            <a:schemeClr val="accent1"/>
+          </a:fillRef>
+          <a:effectRef idx="0">
+            <a:schemeClr val="accent1"/>
+          </a:effectRef>
+          <a:fontRef idx="minor">
+            <a:schemeClr val="lt1"/>
+          </a:fontRef>
+        </p:style>
+        <p:txBody>
+          <a:bodyPr rtlCol="0" anchor="ctr"/>
+          <a:p>
+            <a:pPr algn="ctr"/>
+            <a:r>
+              <a:rPr lang="en-US" altLang="en-US" sz="800" b="1">
+                <a:solidFill>
+                  <a:srgbClr val="2C3E50"/>
+                </a:solidFill>
+              </a:rPr>
+              <a:t>vNIC</a:t>
+            </a:r>
+            <a:endParaRPr lang="en-US" altLang="en-US" sz="800" b="1">
+              <a:solidFill>
+                <a:srgbClr val="2C3E50"/>
+              </a:solidFill>
+            </a:endParaRPr>
+          </a:p>
+        </p:txBody>
+      </p:sp>
+      <p:sp>
+        <p:nvSpPr>
+          <p:cNvPr id="29" name="矩形 28"/>
+          <p:cNvSpPr/>
+          <p:nvPr/>
+        </p:nvSpPr>
+        <p:spPr>
+          <a:xfrm>
+            <a:off x="5416550" y="2666365"/>
+            <a:ext cx="693420" cy="290830"/>
+          </a:xfrm>
+          <a:prstGeom prst="rect">
+            <a:avLst/>
+          </a:prstGeom>
+          <a:noFill/>
+          <a:ln w="38100">
+            <a:solidFill>
+              <a:srgbClr val="2C3E50"/>
+            </a:solidFill>
+          </a:ln>
+          <a:extLst>
+            <a:ext uri="{909E8E84-426E-40DD-AFC4-6F175D3DCCD1}">
+              <a14:hiddenFill xmlns:a14="http://schemas.microsoft.com/office/drawing/2010/main">
+                <a:solidFill>
+                  <a:schemeClr val="accent1"/>
+                </a:solidFill>
+              </a14:hiddenFill>
+            </a:ext>
+          </a:extLst>
+        </p:spPr>
+        <p:style>
+          <a:lnRef idx="2">
+            <a:schemeClr val="accent1">
+              <a:shade val="50000"/>
+            </a:schemeClr>
+          </a:lnRef>
+          <a:fillRef idx="1">
+            <a:schemeClr val="accent1"/>
+          </a:fillRef>
+          <a:effectRef idx="0">
+            <a:schemeClr val="accent1"/>
+          </a:effectRef>
+          <a:fontRef idx="minor">
+            <a:schemeClr val="lt1"/>
+          </a:fontRef>
+        </p:style>
+        <p:txBody>
+          <a:bodyPr rtlCol="0" anchor="ctr"/>
+          <a:p>
+            <a:pPr algn="ctr"/>
+            <a:r>
+              <a:rPr lang="en-US" altLang="en-US" sz="800" b="1">
+                <a:solidFill>
+                  <a:srgbClr val="2C3E50"/>
+                </a:solidFill>
+              </a:rPr>
+              <a:t>DB server</a:t>
+            </a:r>
+            <a:endParaRPr lang="en-US" altLang="en-US" sz="800" b="1">
+              <a:solidFill>
+                <a:srgbClr val="2C3E50"/>
+              </a:solidFill>
+            </a:endParaRPr>
+          </a:p>
+        </p:txBody>
+      </p:sp>
+      <p:sp>
+        <p:nvSpPr>
+          <p:cNvPr id="30" name="矩形 29"/>
+          <p:cNvSpPr/>
+          <p:nvPr/>
+        </p:nvSpPr>
+        <p:spPr>
+          <a:xfrm>
+            <a:off x="3467100" y="3248025"/>
+            <a:ext cx="2642870" cy="1469390"/>
+          </a:xfrm>
+          <a:prstGeom prst="rect">
+            <a:avLst/>
+          </a:prstGeom>
+          <a:noFill/>
+          <a:ln w="38100">
+            <a:solidFill>
+              <a:srgbClr val="2C3E50"/>
+            </a:solidFill>
+          </a:ln>
+          <a:extLst>
+            <a:ext uri="{909E8E84-426E-40DD-AFC4-6F175D3DCCD1}">
+              <a14:hiddenFill xmlns:a14="http://schemas.microsoft.com/office/drawing/2010/main">
+                <a:solidFill>
+                  <a:schemeClr val="accent1"/>
+                </a:solidFill>
+              </a14:hiddenFill>
+            </a:ext>
+          </a:extLst>
+        </p:spPr>
+        <p:style>
+          <a:lnRef idx="2">
+            <a:schemeClr val="accent1">
+              <a:shade val="50000"/>
+            </a:schemeClr>
+          </a:lnRef>
+          <a:fillRef idx="1">
+            <a:schemeClr val="accent1"/>
+          </a:fillRef>
+          <a:effectRef idx="0">
+            <a:schemeClr val="accent1"/>
+          </a:effectRef>
+          <a:fontRef idx="minor">
+            <a:schemeClr val="lt1"/>
+          </a:fontRef>
+        </p:style>
+        <p:txBody>
+          <a:bodyPr rtlCol="0" anchor="ctr"/>
+          <a:p>
+            <a:pPr algn="ctr"/>
+            <a:endParaRPr lang="zh-CN" altLang="en-US" sz="800"/>
+          </a:p>
+        </p:txBody>
+      </p:sp>
+      <p:sp>
+        <p:nvSpPr>
+          <p:cNvPr id="31" name="文本框 30"/>
+          <p:cNvSpPr txBox="true"/>
+          <p:nvPr/>
+        </p:nvSpPr>
+        <p:spPr>
+          <a:xfrm>
+            <a:off x="5026025" y="4370705"/>
+            <a:ext cx="1083945" cy="213995"/>
+          </a:xfrm>
+          <a:prstGeom prst="rect">
+            <a:avLst/>
+          </a:prstGeom>
+          <a:noFill/>
+        </p:spPr>
+        <p:txBody>
+          <a:bodyPr wrap="square" rtlCol="0">
+            <a:spAutoFit/>
+          </a:bodyPr>
+          <a:p>
+            <a:r>
+              <a:rPr lang="en-US" altLang="zh-CN" sz="800" b="1">
+                <a:solidFill>
+                  <a:srgbClr val="2C3E50"/>
+                </a:solidFill>
+              </a:rPr>
+              <a:t>kvm/hypervisor</a:t>
+            </a:r>
+            <a:endParaRPr lang="en-US" altLang="zh-CN" sz="800" b="1">
+              <a:solidFill>
+                <a:srgbClr val="2C3E50"/>
+              </a:solidFill>
+            </a:endParaRPr>
+          </a:p>
+        </p:txBody>
+      </p:sp>
+      <p:sp>
+        <p:nvSpPr>
+          <p:cNvPr id="33" name="矩形 32"/>
+          <p:cNvSpPr/>
+          <p:nvPr/>
+        </p:nvSpPr>
+        <p:spPr>
+          <a:xfrm>
+            <a:off x="3467100" y="4717415"/>
+            <a:ext cx="1739265" cy="304800"/>
+          </a:xfrm>
+          <a:prstGeom prst="rect">
+            <a:avLst/>
+          </a:prstGeom>
+          <a:noFill/>
+          <a:ln w="38100">
+            <a:solidFill>
+              <a:srgbClr val="2C3E50"/>
+            </a:solidFill>
+          </a:ln>
+          <a:extLst>
+            <a:ext uri="{909E8E84-426E-40DD-AFC4-6F175D3DCCD1}">
+              <a14:hiddenFill xmlns:a14="http://schemas.microsoft.com/office/drawing/2010/main">
+                <a:solidFill>
+                  <a:schemeClr val="accent1"/>
+                </a:solidFill>
+              </a14:hiddenFill>
+            </a:ext>
+          </a:extLst>
+        </p:spPr>
+        <p:style>
+          <a:lnRef idx="2">
+            <a:schemeClr val="accent1">
+              <a:shade val="50000"/>
+            </a:schemeClr>
+          </a:lnRef>
+          <a:fillRef idx="1">
+            <a:schemeClr val="accent1"/>
+          </a:fillRef>
+          <a:effectRef idx="0">
+            <a:schemeClr val="accent1"/>
+          </a:effectRef>
+          <a:fontRef idx="minor">
+            <a:schemeClr val="lt1"/>
+          </a:fontRef>
+        </p:style>
+        <p:txBody>
+          <a:bodyPr rtlCol="0" anchor="ctr"/>
+          <a:p>
+            <a:pPr algn="ctr"/>
+            <a:r>
+              <a:rPr lang="en-US" altLang="zh-CN" sz="800" b="1">
+                <a:solidFill>
+                  <a:srgbClr val="2C3E50"/>
+                </a:solidFill>
+              </a:rPr>
+              <a:t>NIC</a:t>
+            </a:r>
+            <a:endParaRPr lang="en-US" altLang="zh-CN" sz="800" b="1">
+              <a:solidFill>
+                <a:srgbClr val="2C3E50"/>
+              </a:solidFill>
+            </a:endParaRPr>
+          </a:p>
+        </p:txBody>
+      </p:sp>
+      <p:sp>
+        <p:nvSpPr>
+          <p:cNvPr id="38" name="矩形 37"/>
+          <p:cNvSpPr/>
+          <p:nvPr/>
+        </p:nvSpPr>
+        <p:spPr>
+          <a:xfrm>
+            <a:off x="730885" y="3772535"/>
+            <a:ext cx="5317490" cy="420370"/>
+          </a:xfrm>
+          <a:prstGeom prst="rect">
+            <a:avLst/>
+          </a:prstGeom>
+          <a:solidFill>
+            <a:srgbClr val="3EAF7C"/>
+          </a:solidFill>
+          <a:ln w="38100">
+            <a:solidFill>
+              <a:srgbClr val="2C3E50"/>
+            </a:solidFill>
+            <a:prstDash val="sysDash"/>
+          </a:ln>
+        </p:spPr>
+        <p:style>
+          <a:lnRef idx="2">
+            <a:schemeClr val="accent1">
+              <a:shade val="50000"/>
+            </a:schemeClr>
+          </a:lnRef>
+          <a:fillRef idx="1">
+            <a:schemeClr val="accent1"/>
+          </a:fillRef>
+          <a:effectRef idx="0">
+            <a:schemeClr val="accent1"/>
+          </a:effectRef>
+          <a:fontRef idx="minor">
+            <a:schemeClr val="lt1"/>
+          </a:fontRef>
+        </p:style>
+        <p:txBody>
+          <a:bodyPr rtlCol="0" anchor="ctr"/>
+          <a:p>
+            <a:pPr algn="ctr"/>
+            <a:r>
+              <a:rPr lang="en-US" altLang="zh-CN" b="1">
+                <a:solidFill>
+                  <a:srgbClr val="2C3E50"/>
+                </a:solidFill>
+              </a:rPr>
+              <a:t>open vSwitch</a:t>
+            </a:r>
+            <a:endParaRPr lang="en-US" altLang="zh-CN" b="1">
+              <a:solidFill>
+                <a:srgbClr val="2C3E50"/>
+              </a:solidFill>
+            </a:endParaRPr>
+          </a:p>
+        </p:txBody>
+      </p:sp>
     </p:spTree>
   </p:cSld>
   <p:clrMapOvr>
@@ -35863,6 +35905,124 @@
         <p:nvPr/>
       </p:nvGrpSpPr>
       <p:grpSpPr/>
+      <p:sp>
+        <p:nvSpPr>
+          <p:cNvPr id="2" name="文本框 1"/>
+          <p:cNvSpPr txBox="true"/>
+          <p:nvPr/>
+        </p:nvSpPr>
+        <p:spPr>
+          <a:xfrm>
+            <a:off x="645795" y="758825"/>
+            <a:ext cx="1189990" cy="521970"/>
+          </a:xfrm>
+          <a:prstGeom prst="rect">
+            <a:avLst/>
+          </a:prstGeom>
+          <a:noFill/>
+        </p:spPr>
+        <p:txBody>
+          <a:bodyPr wrap="none" rtlCol="0">
+            <a:spAutoFit/>
+          </a:bodyPr>
+          <a:p>
+            <a:r>
+              <a:rPr lang="en-US" altLang="zh-CN" sz="2800" b="1">
+                <a:solidFill>
+                  <a:srgbClr val="2C3E50"/>
+                </a:solidFill>
+              </a:rPr>
+              <a:t>DPDK</a:t>
+            </a:r>
+            <a:endParaRPr lang="en-US" altLang="zh-CN" sz="2800" b="1">
+              <a:solidFill>
+                <a:srgbClr val="2C3E50"/>
+              </a:solidFill>
+            </a:endParaRPr>
+          </a:p>
+        </p:txBody>
+      </p:sp>
+      <p:sp>
+        <p:nvSpPr>
+          <p:cNvPr id="3" name="文本框 2"/>
+          <p:cNvSpPr txBox="true"/>
+          <p:nvPr/>
+        </p:nvSpPr>
+        <p:spPr>
+          <a:xfrm>
+            <a:off x="591185" y="1511935"/>
+            <a:ext cx="5537835" cy="3107690"/>
+          </a:xfrm>
+          <a:prstGeom prst="rect">
+            <a:avLst/>
+          </a:prstGeom>
+          <a:noFill/>
+        </p:spPr>
+        <p:txBody>
+          <a:bodyPr wrap="square" rtlCol="0" anchor="t">
+            <a:spAutoFit/>
+          </a:bodyPr>
+          <a:p>
+            <a:r>
+              <a:rPr lang="zh-CN" altLang="en-US" sz="1400" b="1">
+                <a:solidFill>
+                  <a:srgbClr val="2C3E50"/>
+                </a:solidFill>
+              </a:rPr>
+              <a:t>在X86结构中，处理数据包的传统方式是CPU中断方式，即网卡驱动接收到数据包后通过中断通知CPU处理，然后由CPU拷贝数据并交给协议栈。在数据量大时，这种方式会产生大量CPU中断，导致CPU无法运行其他程序。</a:t>
+            </a:r>
+            <a:endParaRPr lang="zh-CN" altLang="en-US" sz="1400" b="1">
+              <a:solidFill>
+                <a:srgbClr val="2C3E50"/>
+              </a:solidFill>
+            </a:endParaRPr>
+          </a:p>
+          <a:p>
+            <a:endParaRPr lang="zh-CN" altLang="en-US" sz="1400" b="1">
+              <a:solidFill>
+                <a:srgbClr val="2C3E50"/>
+              </a:solidFill>
+            </a:endParaRPr>
+          </a:p>
+          <a:p>
+            <a:r>
+              <a:rPr lang="zh-CN" altLang="en-US" sz="1400" b="1">
+                <a:solidFill>
+                  <a:srgbClr val="2C3E50"/>
+                </a:solidFill>
+              </a:rPr>
+              <a:t>而DPDK则采用轮询方式实现数据包处理过程：DPDK重载了网卡驱动，该驱动在收到数据包后不中断通知CPU，而是将数据包通过零拷贝技术存入内存，这时应用层程序就可以通过DPDK提供的接口，直接从内存读取数据包。</a:t>
+            </a:r>
+            <a:endParaRPr lang="zh-CN" altLang="en-US" sz="1400" b="1">
+              <a:solidFill>
+                <a:srgbClr val="2C3E50"/>
+              </a:solidFill>
+            </a:endParaRPr>
+          </a:p>
+          <a:p>
+            <a:endParaRPr lang="zh-CN" altLang="en-US" sz="1400" b="1">
+              <a:solidFill>
+                <a:srgbClr val="2C3E50"/>
+              </a:solidFill>
+            </a:endParaRPr>
+          </a:p>
+          <a:p>
+            <a:r>
+              <a:rPr lang="zh-CN" altLang="en-US" sz="1400" b="1">
+                <a:solidFill>
+                  <a:srgbClr val="2C3E50"/>
+                </a:solidFill>
+              </a:rPr>
+              <a:t>这种处理方式节省了CPU中断时间、内存拷贝时间，并向应用层提供了简单易行且高效的数据包处理方式，使得网络应用的开发更加方便。但同时，由于需要重载网卡驱动，因此该开发包目前只能用在部分采用Intel网络处理芯片的网卡中。</a:t>
+            </a:r>
+            <a:endParaRPr lang="zh-CN" altLang="en-US" sz="1400" b="1">
+              <a:solidFill>
+                <a:srgbClr val="2C3E50"/>
+              </a:solidFill>
+            </a:endParaRPr>
+          </a:p>
+        </p:txBody>
+      </p:sp>
     </p:spTree>
   </p:cSld>
   <p:clrMapOvr>
@@ -35943,6 +36103,60 @@
 </p:sld>
 </file>
 
+<file path=ppt/slides/slide67.xml><?xml version="1.0" encoding="utf-8"?>
+<p:sld xmlns:a="http://schemas.openxmlformats.org/drawingml/2006/main" xmlns:r="http://schemas.openxmlformats.org/officeDocument/2006/relationships" xmlns:p="http://schemas.openxmlformats.org/presentationml/2006/main">
+  <p:cSld>
+    <p:spTree>
+      <p:nvGrpSpPr>
+        <p:cNvPr id="1" name=""/>
+        <p:cNvGrpSpPr/>
+        <p:nvPr/>
+      </p:nvGrpSpPr>
+      <p:grpSpPr/>
+    </p:spTree>
+  </p:cSld>
+  <p:clrMapOvr>
+    <a:masterClrMapping/>
+  </p:clrMapOvr>
+</p:sld>
+</file>
+
+<file path=ppt/slides/slide68.xml><?xml version="1.0" encoding="utf-8"?>
+<p:sld xmlns:a="http://schemas.openxmlformats.org/drawingml/2006/main" xmlns:r="http://schemas.openxmlformats.org/officeDocument/2006/relationships" xmlns:p="http://schemas.openxmlformats.org/presentationml/2006/main">
+  <p:cSld>
+    <p:spTree>
+      <p:nvGrpSpPr>
+        <p:cNvPr id="1" name=""/>
+        <p:cNvGrpSpPr/>
+        <p:nvPr/>
+      </p:nvGrpSpPr>
+      <p:grpSpPr/>
+    </p:spTree>
+  </p:cSld>
+  <p:clrMapOvr>
+    <a:masterClrMapping/>
+  </p:clrMapOvr>
+</p:sld>
+</file>
+
+<file path=ppt/slides/slide69.xml><?xml version="1.0" encoding="utf-8"?>
+<p:sld xmlns:a="http://schemas.openxmlformats.org/drawingml/2006/main" xmlns:r="http://schemas.openxmlformats.org/officeDocument/2006/relationships" xmlns:p="http://schemas.openxmlformats.org/presentationml/2006/main">
+  <p:cSld>
+    <p:spTree>
+      <p:nvGrpSpPr>
+        <p:cNvPr id="1" name=""/>
+        <p:cNvGrpSpPr/>
+        <p:nvPr/>
+      </p:nvGrpSpPr>
+      <p:grpSpPr/>
+    </p:spTree>
+  </p:cSld>
+  <p:clrMapOvr>
+    <a:masterClrMapping/>
+  </p:clrMapOvr>
+</p:sld>
+</file>
+
 <file path=ppt/slides/slide7.xml><?xml version="1.0" encoding="utf-8"?>
 <p:sld xmlns:a="http://schemas.openxmlformats.org/drawingml/2006/main" xmlns:r="http://schemas.openxmlformats.org/officeDocument/2006/relationships" xmlns:p="http://schemas.openxmlformats.org/presentationml/2006/main">
   <p:cSld>
@@ -36742,6 +36956,42 @@
           </a:p>
         </p:txBody>
       </p:sp>
+    </p:spTree>
+  </p:cSld>
+  <p:clrMapOvr>
+    <a:masterClrMapping/>
+  </p:clrMapOvr>
+</p:sld>
+</file>
+
+<file path=ppt/slides/slide70.xml><?xml version="1.0" encoding="utf-8"?>
+<p:sld xmlns:a="http://schemas.openxmlformats.org/drawingml/2006/main" xmlns:r="http://schemas.openxmlformats.org/officeDocument/2006/relationships" xmlns:p="http://schemas.openxmlformats.org/presentationml/2006/main">
+  <p:cSld>
+    <p:spTree>
+      <p:nvGrpSpPr>
+        <p:cNvPr id="1" name=""/>
+        <p:cNvGrpSpPr/>
+        <p:nvPr/>
+      </p:nvGrpSpPr>
+      <p:grpSpPr/>
+    </p:spTree>
+  </p:cSld>
+  <p:clrMapOvr>
+    <a:masterClrMapping/>
+  </p:clrMapOvr>
+</p:sld>
+</file>
+
+<file path=ppt/slides/slide71.xml><?xml version="1.0" encoding="utf-8"?>
+<p:sld xmlns:a="http://schemas.openxmlformats.org/drawingml/2006/main" xmlns:r="http://schemas.openxmlformats.org/officeDocument/2006/relationships" xmlns:p="http://schemas.openxmlformats.org/presentationml/2006/main">
+  <p:cSld>
+    <p:spTree>
+      <p:nvGrpSpPr>
+        <p:cNvPr id="1" name=""/>
+        <p:cNvGrpSpPr/>
+        <p:nvPr/>
+      </p:nvGrpSpPr>
+      <p:grpSpPr/>
     </p:spTree>
   </p:cSld>
   <p:clrMapOvr>

--- a/picture/vitrualization/vitrualization.pptx
+++ b/picture/vitrualization/vitrualization.pptx
@@ -7081,6 +7081,43 @@
           </a:p>
         </p:txBody>
       </p:sp>
+      <p:sp>
+        <p:nvSpPr>
+          <p:cNvPr id="4" name="文本框 3"/>
+          <p:cNvSpPr txBox="true"/>
+          <p:nvPr/>
+        </p:nvSpPr>
+        <p:spPr>
+          <a:xfrm>
+            <a:off x="428625" y="1362075"/>
+            <a:ext cx="1964055" cy="521970"/>
+          </a:xfrm>
+          <a:prstGeom prst="rect">
+            <a:avLst/>
+          </a:prstGeom>
+          <a:noFill/>
+        </p:spPr>
+        <p:txBody>
+          <a:bodyPr wrap="none" rtlCol="0">
+            <a:spAutoFit/>
+          </a:bodyPr>
+          <a:p>
+            <a:r>
+              <a:rPr lang="zh-CN" altLang="en-US" sz="2800" b="1">
+                <a:solidFill>
+                  <a:srgbClr val="2C3E50"/>
+                </a:solidFill>
+              </a:rPr>
+              <a:t>完全虚拟化</a:t>
+            </a:r>
+            <a:endParaRPr lang="zh-CN" altLang="en-US" sz="2800" b="1">
+              <a:solidFill>
+                <a:srgbClr val="2C3E50"/>
+              </a:solidFill>
+            </a:endParaRPr>
+          </a:p>
+        </p:txBody>
+      </p:sp>
     </p:spTree>
   </p:cSld>
   <p:clrMapOvr>
@@ -7162,7 +7199,7 @@
         </p:nvSpPr>
         <p:spPr>
           <a:xfrm>
-            <a:off x="1951355" y="1073785"/>
+            <a:off x="1700530" y="2494915"/>
             <a:ext cx="2954655" cy="1049020"/>
           </a:xfrm>
           <a:prstGeom prst="snip1Rect">
@@ -7228,7 +7265,7 @@
         </p:nvSpPr>
         <p:spPr>
           <a:xfrm>
-            <a:off x="3869055" y="5916295"/>
+            <a:off x="3618230" y="7337425"/>
             <a:ext cx="1726565" cy="550545"/>
           </a:xfrm>
           <a:prstGeom prst="snip2SameRect">
@@ -7387,7 +7424,7 @@
         </p:nvSpPr>
         <p:spPr>
           <a:xfrm>
-            <a:off x="2379345" y="2885440"/>
+            <a:off x="2128520" y="4306570"/>
             <a:ext cx="2098675" cy="1752600"/>
           </a:xfrm>
           <a:prstGeom prst="roundRect">
@@ -7453,7 +7490,7 @@
         </p:nvSpPr>
         <p:spPr>
           <a:xfrm>
-            <a:off x="1951355" y="633730"/>
+            <a:off x="1700530" y="2054860"/>
             <a:ext cx="868680" cy="368300"/>
           </a:xfrm>
           <a:prstGeom prst="rect">
@@ -7482,7 +7519,7 @@
         </p:nvSpPr>
         <p:spPr>
           <a:xfrm>
-            <a:off x="1960245" y="1450340"/>
+            <a:off x="1709420" y="2871470"/>
             <a:ext cx="2945765" cy="295910"/>
           </a:xfrm>
           <a:prstGeom prst="rect">
@@ -7539,7 +7576,7 @@
         </p:nvCxnSpPr>
         <p:spPr>
           <a:xfrm flipH="true">
-            <a:off x="3429000" y="1746250"/>
+            <a:off x="3178175" y="3167380"/>
             <a:ext cx="4445" cy="1139190"/>
           </a:xfrm>
           <a:prstGeom prst="straightConnector1">
@@ -7577,13 +7614,15 @@
           <p:nvPr/>
         </p:nvCxnSpPr>
         <p:spPr>
-          <a:xfrm rot="5400000">
-            <a:off x="2188845" y="4675505"/>
-            <a:ext cx="1278255" cy="1202055"/>
-          </a:xfrm>
-          <a:prstGeom prst="bentConnector3">
+          <a:xfrm rot="5400000" flipH="true">
+            <a:off x="2631123" y="5512118"/>
+            <a:ext cx="142875" cy="951230"/>
+          </a:xfrm>
+          <a:prstGeom prst="bentConnector5">
             <a:avLst>
-              <a:gd name="adj1" fmla="val 50025"/>
+              <a:gd name="adj1" fmla="val -166444"/>
+              <a:gd name="adj2" fmla="val 214519"/>
+              <a:gd name="adj3" fmla="val 1393556"/>
             </a:avLst>
           </a:prstGeom>
           <a:ln w="38100">
@@ -7619,7 +7658,7 @@
         </p:nvCxnSpPr>
         <p:spPr>
           <a:xfrm rot="5400000" flipV="true">
-            <a:off x="3441700" y="4624705"/>
+            <a:off x="3190875" y="6046470"/>
             <a:ext cx="1278255" cy="1303655"/>
           </a:xfrm>
           <a:prstGeom prst="bentConnector3">
@@ -7657,7 +7696,7 @@
         </p:nvSpPr>
         <p:spPr>
           <a:xfrm>
-            <a:off x="1449070" y="6652260"/>
+            <a:off x="1198245" y="8073390"/>
             <a:ext cx="1554480" cy="368300"/>
           </a:xfrm>
           <a:prstGeom prst="rect">
@@ -7694,7 +7733,7 @@
         </p:nvSpPr>
         <p:spPr>
           <a:xfrm>
-            <a:off x="4069715" y="6652260"/>
+            <a:off x="3818890" y="8073390"/>
             <a:ext cx="1325880" cy="368300"/>
           </a:xfrm>
           <a:prstGeom prst="rect">
@@ -7716,6 +7755,43 @@
               <a:t>根操作模式</a:t>
             </a:r>
             <a:endParaRPr lang="en-US" altLang="zh-CN">
+              <a:solidFill>
+                <a:srgbClr val="2C3E50"/>
+              </a:solidFill>
+            </a:endParaRPr>
+          </a:p>
+        </p:txBody>
+      </p:sp>
+      <p:sp>
+        <p:nvSpPr>
+          <p:cNvPr id="2" name="文本框 1"/>
+          <p:cNvSpPr txBox="true"/>
+          <p:nvPr/>
+        </p:nvSpPr>
+        <p:spPr>
+          <a:xfrm>
+            <a:off x="428625" y="1362075"/>
+            <a:ext cx="2676525" cy="521970"/>
+          </a:xfrm>
+          <a:prstGeom prst="rect">
+            <a:avLst/>
+          </a:prstGeom>
+          <a:noFill/>
+        </p:spPr>
+        <p:txBody>
+          <a:bodyPr wrap="none" rtlCol="0">
+            <a:spAutoFit/>
+          </a:bodyPr>
+          <a:p>
+            <a:r>
+              <a:rPr lang="zh-CN" altLang="en-US" sz="2800" b="1">
+                <a:solidFill>
+                  <a:srgbClr val="2C3E50"/>
+                </a:solidFill>
+              </a:rPr>
+              <a:t>硬件辅助虚拟化</a:t>
+            </a:r>
+            <a:endParaRPr lang="zh-CN" altLang="en-US" sz="2800" b="1">
               <a:solidFill>
                 <a:srgbClr val="2C3E50"/>
               </a:solidFill>
